--- a/french/DecouvrirCQRSparLaPratique.pptx
+++ b/french/DecouvrirCQRSparLaPratique.pptx
@@ -392,6 +392,11 @@
                 </a:contourClr>
               </a:sp3d>
             </c:spPr>
+            <c:extLst>
+              <c:ext xmlns:c16="http://schemas.microsoft.com/office/drawing/2014/chart" uri="{C3380CC4-5D6E-409C-BE32-E72D297353CC}">
+                <c16:uniqueId val="{00000009-AEE4-4011-BCF2-00EDA8FF867A}"/>
+              </c:ext>
+            </c:extLst>
           </c:dPt>
           <c:dLbls>
             <c:dLbl>
@@ -18110,6 +18115,110 @@
           </a:p>
         </p:txBody>
       </p:sp>
+      <p:grpSp>
+        <p:nvGrpSpPr>
+          <p:cNvPr id="2" name="Group 1"/>
+          <p:cNvGrpSpPr/>
+          <p:nvPr/>
+        </p:nvGrpSpPr>
+        <p:grpSpPr>
+          <a:xfrm>
+            <a:off x="1888482" y="2710326"/>
+            <a:ext cx="3044761" cy="2310913"/>
+            <a:chOff x="1888482" y="2710326"/>
+            <a:chExt cx="3044761" cy="2310913"/>
+          </a:xfrm>
+        </p:grpSpPr>
+        <p:pic>
+          <p:nvPicPr>
+            <p:cNvPr id="18" name="Picture 2" descr="directory"/>
+            <p:cNvPicPr>
+              <a:picLocks noChangeAspect="1" noChangeArrowheads="1"/>
+            </p:cNvPicPr>
+            <p:nvPr/>
+          </p:nvPicPr>
+          <p:blipFill rotWithShape="1">
+            <a:blip r:embed="rId6">
+              <a:extLst>
+                <a:ext uri="{28A0092B-C50C-407E-A947-70E740481C1C}">
+                  <a14:useLocalDpi xmlns:a14="http://schemas.microsoft.com/office/drawing/2010/main" val="0"/>
+                </a:ext>
+              </a:extLst>
+            </a:blip>
+            <a:srcRect l="12815" t="31177" r="65259" b="27220"/>
+            <a:stretch/>
+          </p:blipFill>
+          <p:spPr bwMode="auto">
+            <a:xfrm>
+              <a:off x="3499556" y="2710326"/>
+              <a:ext cx="1433687" cy="1985851"/>
+            </a:xfrm>
+            <a:prstGeom prst="rect">
+              <a:avLst/>
+            </a:prstGeom>
+            <a:noFill/>
+            <a:extLst>
+              <a:ext uri="{909E8E84-426E-40DD-AFC4-6F175D3DCCD1}">
+                <a14:hiddenFill xmlns:a14="http://schemas.microsoft.com/office/drawing/2010/main">
+                  <a:solidFill>
+                    <a:srgbClr val="FFFFFF"/>
+                  </a:solidFill>
+                </a14:hiddenFill>
+              </a:ext>
+            </a:extLst>
+          </p:spPr>
+        </p:pic>
+        <p:sp>
+          <p:nvSpPr>
+            <p:cNvPr id="20" name="Rectangle 19"/>
+            <p:cNvSpPr/>
+            <p:nvPr/>
+          </p:nvSpPr>
+          <p:spPr>
+            <a:xfrm>
+              <a:off x="1888482" y="2710326"/>
+              <a:ext cx="1611073" cy="2310913"/>
+            </a:xfrm>
+            <a:prstGeom prst="rect">
+              <a:avLst/>
+            </a:prstGeom>
+            <a:solidFill>
+              <a:schemeClr val="bg1"/>
+            </a:solidFill>
+            <a:ln>
+              <a:noFill/>
+            </a:ln>
+          </p:spPr>
+          <p:style>
+            <a:lnRef idx="2">
+              <a:schemeClr val="accent1">
+                <a:shade val="50000"/>
+              </a:schemeClr>
+            </a:lnRef>
+            <a:fillRef idx="1">
+              <a:schemeClr val="accent1"/>
+            </a:fillRef>
+            <a:effectRef idx="0">
+              <a:schemeClr val="accent1"/>
+            </a:effectRef>
+            <a:fontRef idx="minor">
+              <a:schemeClr val="lt1"/>
+            </a:fontRef>
+          </p:style>
+          <p:txBody>
+            <a:bodyPr rtlCol="0" anchor="ctr"/>
+            <a:lstStyle/>
+            <a:p>
+              <a:pPr algn="ctr"/>
+              <a:endParaRPr lang="fr-FR" dirty="0">
+                <a:solidFill>
+                  <a:schemeClr val="tx2"/>
+                </a:solidFill>
+              </a:endParaRPr>
+            </a:p>
+          </p:txBody>
+        </p:sp>
+      </p:grpSp>
     </p:spTree>
     <p:extLst>
       <p:ext uri="{BB962C8B-B14F-4D97-AF65-F5344CB8AC3E}">
@@ -18576,6 +18685,110 @@
           </a:p>
         </p:txBody>
       </p:sp>
+      <p:grpSp>
+        <p:nvGrpSpPr>
+          <p:cNvPr id="17" name="Group 16"/>
+          <p:cNvGrpSpPr/>
+          <p:nvPr/>
+        </p:nvGrpSpPr>
+        <p:grpSpPr>
+          <a:xfrm>
+            <a:off x="1888482" y="2721615"/>
+            <a:ext cx="3044761" cy="2310913"/>
+            <a:chOff x="1888482" y="2710326"/>
+            <a:chExt cx="3044761" cy="2310913"/>
+          </a:xfrm>
+        </p:grpSpPr>
+        <p:pic>
+          <p:nvPicPr>
+            <p:cNvPr id="19" name="Picture 2" descr="directory"/>
+            <p:cNvPicPr>
+              <a:picLocks noChangeAspect="1" noChangeArrowheads="1"/>
+            </p:cNvPicPr>
+            <p:nvPr/>
+          </p:nvPicPr>
+          <p:blipFill rotWithShape="1">
+            <a:blip r:embed="rId6">
+              <a:extLst>
+                <a:ext uri="{28A0092B-C50C-407E-A947-70E740481C1C}">
+                  <a14:useLocalDpi xmlns:a14="http://schemas.microsoft.com/office/drawing/2010/main" val="0"/>
+                </a:ext>
+              </a:extLst>
+            </a:blip>
+            <a:srcRect l="12815" t="31177" r="65259" b="27220"/>
+            <a:stretch/>
+          </p:blipFill>
+          <p:spPr bwMode="auto">
+            <a:xfrm>
+              <a:off x="3499556" y="2710326"/>
+              <a:ext cx="1433687" cy="1985851"/>
+            </a:xfrm>
+            <a:prstGeom prst="rect">
+              <a:avLst/>
+            </a:prstGeom>
+            <a:noFill/>
+            <a:extLst>
+              <a:ext uri="{909E8E84-426E-40DD-AFC4-6F175D3DCCD1}">
+                <a14:hiddenFill xmlns:a14="http://schemas.microsoft.com/office/drawing/2010/main">
+                  <a:solidFill>
+                    <a:srgbClr val="FFFFFF"/>
+                  </a:solidFill>
+                </a14:hiddenFill>
+              </a:ext>
+            </a:extLst>
+          </p:spPr>
+        </p:pic>
+        <p:sp>
+          <p:nvSpPr>
+            <p:cNvPr id="20" name="Rectangle 19"/>
+            <p:cNvSpPr/>
+            <p:nvPr/>
+          </p:nvSpPr>
+          <p:spPr>
+            <a:xfrm>
+              <a:off x="1888482" y="2710326"/>
+              <a:ext cx="1611073" cy="2310913"/>
+            </a:xfrm>
+            <a:prstGeom prst="rect">
+              <a:avLst/>
+            </a:prstGeom>
+            <a:solidFill>
+              <a:schemeClr val="bg1"/>
+            </a:solidFill>
+            <a:ln>
+              <a:noFill/>
+            </a:ln>
+          </p:spPr>
+          <p:style>
+            <a:lnRef idx="2">
+              <a:schemeClr val="accent1">
+                <a:shade val="50000"/>
+              </a:schemeClr>
+            </a:lnRef>
+            <a:fillRef idx="1">
+              <a:schemeClr val="accent1"/>
+            </a:fillRef>
+            <a:effectRef idx="0">
+              <a:schemeClr val="accent1"/>
+            </a:effectRef>
+            <a:fontRef idx="minor">
+              <a:schemeClr val="lt1"/>
+            </a:fontRef>
+          </p:style>
+          <p:txBody>
+            <a:bodyPr rtlCol="0" anchor="ctr"/>
+            <a:lstStyle/>
+            <a:p>
+              <a:pPr algn="ctr"/>
+              <a:endParaRPr lang="fr-FR" dirty="0">
+                <a:solidFill>
+                  <a:schemeClr val="tx2"/>
+                </a:solidFill>
+              </a:endParaRPr>
+            </a:p>
+          </p:txBody>
+        </p:sp>
+      </p:grpSp>
     </p:spTree>
     <p:extLst>
       <p:ext uri="{BB962C8B-B14F-4D97-AF65-F5344CB8AC3E}">
@@ -19103,6 +19316,110 @@
           </a:p>
         </p:txBody>
       </p:sp>
+      <p:grpSp>
+        <p:nvGrpSpPr>
+          <p:cNvPr id="17" name="Group 16"/>
+          <p:cNvGrpSpPr/>
+          <p:nvPr/>
+        </p:nvGrpSpPr>
+        <p:grpSpPr>
+          <a:xfrm>
+            <a:off x="1888482" y="2710326"/>
+            <a:ext cx="3044761" cy="2310913"/>
+            <a:chOff x="1888482" y="2710326"/>
+            <a:chExt cx="3044761" cy="2310913"/>
+          </a:xfrm>
+        </p:grpSpPr>
+        <p:pic>
+          <p:nvPicPr>
+            <p:cNvPr id="19" name="Picture 2" descr="directory"/>
+            <p:cNvPicPr>
+              <a:picLocks noChangeAspect="1" noChangeArrowheads="1"/>
+            </p:cNvPicPr>
+            <p:nvPr/>
+          </p:nvPicPr>
+          <p:blipFill rotWithShape="1">
+            <a:blip r:embed="rId6">
+              <a:extLst>
+                <a:ext uri="{28A0092B-C50C-407E-A947-70E740481C1C}">
+                  <a14:useLocalDpi xmlns:a14="http://schemas.microsoft.com/office/drawing/2010/main" val="0"/>
+                </a:ext>
+              </a:extLst>
+            </a:blip>
+            <a:srcRect l="12815" t="31177" r="65259" b="27220"/>
+            <a:stretch/>
+          </p:blipFill>
+          <p:spPr bwMode="auto">
+            <a:xfrm>
+              <a:off x="3499556" y="2710326"/>
+              <a:ext cx="1433687" cy="1985851"/>
+            </a:xfrm>
+            <a:prstGeom prst="rect">
+              <a:avLst/>
+            </a:prstGeom>
+            <a:noFill/>
+            <a:extLst>
+              <a:ext uri="{909E8E84-426E-40DD-AFC4-6F175D3DCCD1}">
+                <a14:hiddenFill xmlns:a14="http://schemas.microsoft.com/office/drawing/2010/main">
+                  <a:solidFill>
+                    <a:srgbClr val="FFFFFF"/>
+                  </a:solidFill>
+                </a14:hiddenFill>
+              </a:ext>
+            </a:extLst>
+          </p:spPr>
+        </p:pic>
+        <p:sp>
+          <p:nvSpPr>
+            <p:cNvPr id="20" name="Rectangle 19"/>
+            <p:cNvSpPr/>
+            <p:nvPr/>
+          </p:nvSpPr>
+          <p:spPr>
+            <a:xfrm>
+              <a:off x="1888482" y="2710326"/>
+              <a:ext cx="1611073" cy="2310913"/>
+            </a:xfrm>
+            <a:prstGeom prst="rect">
+              <a:avLst/>
+            </a:prstGeom>
+            <a:solidFill>
+              <a:schemeClr val="bg1"/>
+            </a:solidFill>
+            <a:ln>
+              <a:noFill/>
+            </a:ln>
+          </p:spPr>
+          <p:style>
+            <a:lnRef idx="2">
+              <a:schemeClr val="accent1">
+                <a:shade val="50000"/>
+              </a:schemeClr>
+            </a:lnRef>
+            <a:fillRef idx="1">
+              <a:schemeClr val="accent1"/>
+            </a:fillRef>
+            <a:effectRef idx="0">
+              <a:schemeClr val="accent1"/>
+            </a:effectRef>
+            <a:fontRef idx="minor">
+              <a:schemeClr val="lt1"/>
+            </a:fontRef>
+          </p:style>
+          <p:txBody>
+            <a:bodyPr rtlCol="0" anchor="ctr"/>
+            <a:lstStyle/>
+            <a:p>
+              <a:pPr algn="ctr"/>
+              <a:endParaRPr lang="fr-FR" dirty="0">
+                <a:solidFill>
+                  <a:schemeClr val="tx2"/>
+                </a:solidFill>
+              </a:endParaRPr>
+            </a:p>
+          </p:txBody>
+        </p:sp>
+      </p:grpSp>
     </p:spTree>
     <p:extLst>
       <p:ext uri="{BB962C8B-B14F-4D97-AF65-F5344CB8AC3E}">
@@ -19404,6 +19721,110 @@
           </a:p>
         </p:txBody>
       </p:sp>
+      <p:grpSp>
+        <p:nvGrpSpPr>
+          <p:cNvPr id="12" name="Group 11"/>
+          <p:cNvGrpSpPr/>
+          <p:nvPr/>
+        </p:nvGrpSpPr>
+        <p:grpSpPr>
+          <a:xfrm>
+            <a:off x="1888482" y="2710326"/>
+            <a:ext cx="3044761" cy="2310913"/>
+            <a:chOff x="1888482" y="2710326"/>
+            <a:chExt cx="3044761" cy="2310913"/>
+          </a:xfrm>
+        </p:grpSpPr>
+        <p:pic>
+          <p:nvPicPr>
+            <p:cNvPr id="13" name="Picture 2" descr="directory"/>
+            <p:cNvPicPr>
+              <a:picLocks noChangeAspect="1" noChangeArrowheads="1"/>
+            </p:cNvPicPr>
+            <p:nvPr/>
+          </p:nvPicPr>
+          <p:blipFill rotWithShape="1">
+            <a:blip r:embed="rId6">
+              <a:extLst>
+                <a:ext uri="{28A0092B-C50C-407E-A947-70E740481C1C}">
+                  <a14:useLocalDpi xmlns:a14="http://schemas.microsoft.com/office/drawing/2010/main" val="0"/>
+                </a:ext>
+              </a:extLst>
+            </a:blip>
+            <a:srcRect l="12815" t="31177" r="65259" b="27220"/>
+            <a:stretch/>
+          </p:blipFill>
+          <p:spPr bwMode="auto">
+            <a:xfrm>
+              <a:off x="3499556" y="2710326"/>
+              <a:ext cx="1433687" cy="1985851"/>
+            </a:xfrm>
+            <a:prstGeom prst="rect">
+              <a:avLst/>
+            </a:prstGeom>
+            <a:noFill/>
+            <a:extLst>
+              <a:ext uri="{909E8E84-426E-40DD-AFC4-6F175D3DCCD1}">
+                <a14:hiddenFill xmlns:a14="http://schemas.microsoft.com/office/drawing/2010/main">
+                  <a:solidFill>
+                    <a:srgbClr val="FFFFFF"/>
+                  </a:solidFill>
+                </a14:hiddenFill>
+              </a:ext>
+            </a:extLst>
+          </p:spPr>
+        </p:pic>
+        <p:sp>
+          <p:nvSpPr>
+            <p:cNvPr id="14" name="Rectangle 13"/>
+            <p:cNvSpPr/>
+            <p:nvPr/>
+          </p:nvSpPr>
+          <p:spPr>
+            <a:xfrm>
+              <a:off x="1888482" y="2710326"/>
+              <a:ext cx="1611073" cy="2310913"/>
+            </a:xfrm>
+            <a:prstGeom prst="rect">
+              <a:avLst/>
+            </a:prstGeom>
+            <a:solidFill>
+              <a:schemeClr val="bg1"/>
+            </a:solidFill>
+            <a:ln>
+              <a:noFill/>
+            </a:ln>
+          </p:spPr>
+          <p:style>
+            <a:lnRef idx="2">
+              <a:schemeClr val="accent1">
+                <a:shade val="50000"/>
+              </a:schemeClr>
+            </a:lnRef>
+            <a:fillRef idx="1">
+              <a:schemeClr val="accent1"/>
+            </a:fillRef>
+            <a:effectRef idx="0">
+              <a:schemeClr val="accent1"/>
+            </a:effectRef>
+            <a:fontRef idx="minor">
+              <a:schemeClr val="lt1"/>
+            </a:fontRef>
+          </p:style>
+          <p:txBody>
+            <a:bodyPr rtlCol="0" anchor="ctr"/>
+            <a:lstStyle/>
+            <a:p>
+              <a:pPr algn="ctr"/>
+              <a:endParaRPr lang="fr-FR" dirty="0">
+                <a:solidFill>
+                  <a:schemeClr val="tx2"/>
+                </a:solidFill>
+              </a:endParaRPr>
+            </a:p>
+          </p:txBody>
+        </p:sp>
+      </p:grpSp>
     </p:spTree>
     <p:extLst>
       <p:ext uri="{BB962C8B-B14F-4D97-AF65-F5344CB8AC3E}">
@@ -19733,6 +20154,110 @@
           </a:p>
         </p:txBody>
       </p:sp>
+      <p:grpSp>
+        <p:nvGrpSpPr>
+          <p:cNvPr id="12" name="Group 11"/>
+          <p:cNvGrpSpPr/>
+          <p:nvPr/>
+        </p:nvGrpSpPr>
+        <p:grpSpPr>
+          <a:xfrm>
+            <a:off x="1888482" y="2710326"/>
+            <a:ext cx="3044761" cy="2310913"/>
+            <a:chOff x="1888482" y="2710326"/>
+            <a:chExt cx="3044761" cy="2310913"/>
+          </a:xfrm>
+        </p:grpSpPr>
+        <p:pic>
+          <p:nvPicPr>
+            <p:cNvPr id="13" name="Picture 2" descr="directory"/>
+            <p:cNvPicPr>
+              <a:picLocks noChangeAspect="1" noChangeArrowheads="1"/>
+            </p:cNvPicPr>
+            <p:nvPr/>
+          </p:nvPicPr>
+          <p:blipFill rotWithShape="1">
+            <a:blip r:embed="rId6">
+              <a:extLst>
+                <a:ext uri="{28A0092B-C50C-407E-A947-70E740481C1C}">
+                  <a14:useLocalDpi xmlns:a14="http://schemas.microsoft.com/office/drawing/2010/main" val="0"/>
+                </a:ext>
+              </a:extLst>
+            </a:blip>
+            <a:srcRect l="12815" t="31177" r="65259" b="27220"/>
+            <a:stretch/>
+          </p:blipFill>
+          <p:spPr bwMode="auto">
+            <a:xfrm>
+              <a:off x="3499556" y="2710326"/>
+              <a:ext cx="1433687" cy="1985851"/>
+            </a:xfrm>
+            <a:prstGeom prst="rect">
+              <a:avLst/>
+            </a:prstGeom>
+            <a:noFill/>
+            <a:extLst>
+              <a:ext uri="{909E8E84-426E-40DD-AFC4-6F175D3DCCD1}">
+                <a14:hiddenFill xmlns:a14="http://schemas.microsoft.com/office/drawing/2010/main">
+                  <a:solidFill>
+                    <a:srgbClr val="FFFFFF"/>
+                  </a:solidFill>
+                </a14:hiddenFill>
+              </a:ext>
+            </a:extLst>
+          </p:spPr>
+        </p:pic>
+        <p:sp>
+          <p:nvSpPr>
+            <p:cNvPr id="14" name="Rectangle 13"/>
+            <p:cNvSpPr/>
+            <p:nvPr/>
+          </p:nvSpPr>
+          <p:spPr>
+            <a:xfrm>
+              <a:off x="1888482" y="2710326"/>
+              <a:ext cx="1611073" cy="2310913"/>
+            </a:xfrm>
+            <a:prstGeom prst="rect">
+              <a:avLst/>
+            </a:prstGeom>
+            <a:solidFill>
+              <a:schemeClr val="bg1"/>
+            </a:solidFill>
+            <a:ln>
+              <a:noFill/>
+            </a:ln>
+          </p:spPr>
+          <p:style>
+            <a:lnRef idx="2">
+              <a:schemeClr val="accent1">
+                <a:shade val="50000"/>
+              </a:schemeClr>
+            </a:lnRef>
+            <a:fillRef idx="1">
+              <a:schemeClr val="accent1"/>
+            </a:fillRef>
+            <a:effectRef idx="0">
+              <a:schemeClr val="accent1"/>
+            </a:effectRef>
+            <a:fontRef idx="minor">
+              <a:schemeClr val="lt1"/>
+            </a:fontRef>
+          </p:style>
+          <p:txBody>
+            <a:bodyPr rtlCol="0" anchor="ctr"/>
+            <a:lstStyle/>
+            <a:p>
+              <a:pPr algn="ctr"/>
+              <a:endParaRPr lang="fr-FR" dirty="0">
+                <a:solidFill>
+                  <a:schemeClr val="tx2"/>
+                </a:solidFill>
+              </a:endParaRPr>
+            </a:p>
+          </p:txBody>
+        </p:sp>
+      </p:grpSp>
     </p:spTree>
     <p:extLst>
       <p:ext uri="{BB962C8B-B14F-4D97-AF65-F5344CB8AC3E}">
@@ -21190,6 +21715,47 @@
           </a:p>
         </p:txBody>
       </p:sp>
+      <p:pic>
+        <p:nvPicPr>
+          <p:cNvPr id="6" name="Picture 4" descr="Afficher l'image d'origine"/>
+          <p:cNvPicPr>
+            <a:picLocks noChangeAspect="1" noChangeArrowheads="1"/>
+          </p:cNvPicPr>
+          <p:nvPr/>
+        </p:nvPicPr>
+        <p:blipFill>
+          <a:blip r:embed="rId3">
+            <a:extLst>
+              <a:ext uri="{28A0092B-C50C-407E-A947-70E740481C1C}">
+                <a14:useLocalDpi xmlns:a14="http://schemas.microsoft.com/office/drawing/2010/main" val="0"/>
+              </a:ext>
+            </a:extLst>
+          </a:blip>
+          <a:srcRect/>
+          <a:stretch>
+            <a:fillRect/>
+          </a:stretch>
+        </p:blipFill>
+        <p:spPr bwMode="auto">
+          <a:xfrm>
+            <a:off x="4496372" y="1162947"/>
+            <a:ext cx="3199255" cy="627025"/>
+          </a:xfrm>
+          <a:prstGeom prst="rect">
+            <a:avLst/>
+          </a:prstGeom>
+          <a:noFill/>
+          <a:extLst>
+            <a:ext uri="{909E8E84-426E-40DD-AFC4-6F175D3DCCD1}">
+              <a14:hiddenFill xmlns:a14="http://schemas.microsoft.com/office/drawing/2010/main">
+                <a:solidFill>
+                  <a:srgbClr val="FFFFFF"/>
+                </a:solidFill>
+              </a14:hiddenFill>
+            </a:ext>
+          </a:extLst>
+        </p:spPr>
+      </p:pic>
     </p:spTree>
     <p:extLst>
       <p:ext uri="{BB962C8B-B14F-4D97-AF65-F5344CB8AC3E}">
@@ -23584,15 +24150,7 @@
               <a:srgbClr val="C0C0C0"/>
             </a:contourClr>
           </a:sp3d>
-          <a:extLst>
-            <a:ext uri="{909E8E84-426E-40DD-AFC4-6F175D3DCCD1}">
-              <a14:hiddenFill xmlns:a14="http://schemas.microsoft.com/office/drawing/2010/main">
-                <a:solidFill>
-                  <a:srgbClr val="FFFFFF"/>
-                </a:solidFill>
-              </a14:hiddenFill>
-            </a:ext>
-          </a:extLst>
+          <a:extLst/>
         </p:spPr>
       </p:pic>
     </p:spTree>
@@ -24540,15 +25098,6 @@
 </file>
 
 <file path=customXml/item1.xml><?xml version="1.0" encoding="utf-8"?>
-<?mso-contentType ?>
-<FormTemplates xmlns="http://schemas.microsoft.com/sharepoint/v3/contenttype/forms">
-  <Display>DocumentLibraryForm</Display>
-  <Edit>DocumentLibraryForm</Edit>
-  <New>DocumentLibraryForm</New>
-</FormTemplates>
-</file>
-
-<file path=customXml/item2.xml><?xml version="1.0" encoding="utf-8"?>
 <ct:contentTypeSchema xmlns:ct="http://schemas.microsoft.com/office/2006/metadata/contentType" xmlns:ma="http://schemas.microsoft.com/office/2006/metadata/properties/metaAttributes" ct:_="" ma:_="" ma:contentTypeName="Document" ma:contentTypeID="0x010100AA82F50041FC6E4EBC42A700831FF004" ma:contentTypeVersion="4" ma:contentTypeDescription="Crée un document." ma:contentTypeScope="" ma:versionID="4c6ec815f8017e8af2e42809d3015731">
   <xsd:schema xmlns:xsd="http://www.w3.org/2001/XMLSchema" xmlns:xs="http://www.w3.org/2001/XMLSchema" xmlns:p="http://schemas.microsoft.com/office/2006/metadata/properties" xmlns:ns2="fcc931a8-69fd-4b0b-b111-5aa2089df431" xmlns:ns3="248c3350-8f11-4d45-912e-72bccbb754b6" targetNamespace="http://schemas.microsoft.com/office/2006/metadata/properties" ma:root="true" ma:fieldsID="fa4f347ab2845ae3d60427d91a21d39e" ns2:_="" ns3:_="">
     <xsd:import namespace="fcc931a8-69fd-4b0b-b111-5aa2089df431"/>
@@ -24715,6 +25264,15 @@
 </ct:contentTypeSchema>
 </file>
 
+<file path=customXml/item2.xml><?xml version="1.0" encoding="utf-8"?>
+<?mso-contentType ?>
+<FormTemplates xmlns="http://schemas.microsoft.com/sharepoint/v3/contenttype/forms">
+  <Display>DocumentLibraryForm</Display>
+  <Edit>DocumentLibraryForm</Edit>
+  <New>DocumentLibraryForm</New>
+</FormTemplates>
+</file>
+
 <file path=customXml/item3.xml><?xml version="1.0" encoding="utf-8"?>
 <p:properties xmlns:p="http://schemas.microsoft.com/office/2006/metadata/properties" xmlns:xsi="http://www.w3.org/2001/XMLSchema-instance" xmlns:pc="http://schemas.microsoft.com/office/infopath/2007/PartnerControls">
   <documentManagement/>
@@ -24722,14 +25280,6 @@
 </file>
 
 <file path=customXml/itemProps1.xml><?xml version="1.0" encoding="utf-8"?>
-<ds:datastoreItem xmlns:ds="http://schemas.openxmlformats.org/officeDocument/2006/customXml" ds:itemID="{4F22CF26-F779-4CA8-9499-C5BCD4F56499}">
-  <ds:schemaRefs>
-    <ds:schemaRef ds:uri="http://schemas.microsoft.com/sharepoint/v3/contenttype/forms"/>
-  </ds:schemaRefs>
-</ds:datastoreItem>
-</file>
-
-<file path=customXml/itemProps2.xml><?xml version="1.0" encoding="utf-8"?>
 <ds:datastoreItem xmlns:ds="http://schemas.openxmlformats.org/officeDocument/2006/customXml" ds:itemID="{E040B343-BD03-44D2-93AA-0A352731B5B4}">
   <ds:schemaRefs>
     <ds:schemaRef ds:uri="http://schemas.microsoft.com/office/2006/metadata/contentType"/>
@@ -24744,6 +25294,14 @@
     <ds:schemaRef ds:uri="http://purl.org/dc/elements/1.1/"/>
     <ds:schemaRef ds:uri="http://purl.org/dc/terms/"/>
     <ds:schemaRef ds:uri="http://schemas.microsoft.com/internal/obd"/>
+  </ds:schemaRefs>
+</ds:datastoreItem>
+</file>
+
+<file path=customXml/itemProps2.xml><?xml version="1.0" encoding="utf-8"?>
+<ds:datastoreItem xmlns:ds="http://schemas.openxmlformats.org/officeDocument/2006/customXml" ds:itemID="{4F22CF26-F779-4CA8-9499-C5BCD4F56499}">
+  <ds:schemaRefs>
+    <ds:schemaRef ds:uri="http://schemas.microsoft.com/sharepoint/v3/contenttype/forms"/>
   </ds:schemaRefs>
 </ds:datastoreItem>
 </file>

--- a/french/DecouvrirCQRSparLaPratique.pptx
+++ b/french/DecouvrirCQRSparLaPratique.pptx
@@ -20300,19 +20300,19 @@
         </p:nvSpPr>
         <p:spPr>
           <a:xfrm>
-            <a:off x="211831" y="493141"/>
+            <a:off x="211831" y="1226917"/>
             <a:ext cx="4876800" cy="4493185"/>
           </a:xfrm>
         </p:spPr>
         <p:txBody>
-          <a:bodyPr anchor="ctr">
+          <a:bodyPr anchor="t">
             <a:normAutofit/>
           </a:bodyPr>
           <a:lstStyle/>
           <a:p>
             <a:pPr algn="ctr"/>
             <a:r>
-              <a:rPr lang="en-US" sz="6600" b="1" dirty="0">
+              <a:rPr lang="en-US" sz="5400" b="1" dirty="0">
                 <a:solidFill>
                   <a:srgbClr val="0078D7"/>
                 </a:solidFill>
@@ -20323,50 +20323,50 @@
           <a:p>
             <a:pPr algn="ctr"/>
             <a:r>
-              <a:rPr lang="fr-FR" sz="2400" dirty="0"/>
-              <a:t>Action</a:t>
+              <a:rPr lang="fr-FR" sz="1800" b="1" cap="all" dirty="0"/>
+              <a:t>Déclenche une action</a:t>
             </a:r>
           </a:p>
           <a:p>
             <a:pPr algn="ctr"/>
             <a:r>
-              <a:rPr lang="fr-FR" sz="2400" dirty="0"/>
-              <a:t>Change l’état du système</a:t>
+              <a:rPr lang="fr-FR" sz="1800" dirty="0"/>
+              <a:t>Modifie l’état du système</a:t>
             </a:r>
             <a:br>
-              <a:rPr lang="fr-FR" sz="2400" dirty="0"/>
+              <a:rPr lang="fr-FR" sz="1800" dirty="0"/>
             </a:br>
-            <a:endParaRPr lang="fr-FR" sz="2400" dirty="0"/>
+            <a:endParaRPr lang="fr-FR" sz="1800" dirty="0"/>
           </a:p>
           <a:p>
             <a:pPr algn="ctr"/>
             <a:r>
-              <a:rPr lang="fr-FR" sz="2400" dirty="0"/>
+              <a:rPr lang="fr-FR" sz="1800" dirty="0"/>
               <a:t>Ne retourne pas de donnée !</a:t>
             </a:r>
           </a:p>
           <a:p>
             <a:pPr algn="ctr"/>
             <a:r>
-              <a:rPr lang="fr-FR" sz="2400" dirty="0"/>
+              <a:rPr lang="fr-FR" sz="1800" dirty="0"/>
               <a:t>Verbe a l’impératif</a:t>
             </a:r>
           </a:p>
           <a:p>
             <a:pPr algn="ctr"/>
             <a:r>
-              <a:rPr lang="fr-FR" sz="2400" dirty="0"/>
+              <a:rPr lang="fr-FR" sz="1800" dirty="0"/>
               <a:t>Ex: </a:t>
             </a:r>
             <a:r>
-              <a:rPr lang="fr-FR" sz="2400" dirty="0" err="1">
+              <a:rPr lang="fr-FR" sz="1800" dirty="0" err="1">
                 <a:solidFill>
                   <a:srgbClr val="0078D7"/>
                 </a:solidFill>
               </a:rPr>
               <a:t>BookARoom</a:t>
             </a:r>
-            <a:endParaRPr lang="fr-FR" sz="2400" dirty="0">
+            <a:endParaRPr lang="fr-FR" sz="1800" dirty="0">
               <a:solidFill>
                 <a:srgbClr val="0078D7"/>
               </a:solidFill>
@@ -20374,14 +20374,14 @@
           </a:p>
           <a:p>
             <a:pPr algn="ctr"/>
-            <a:endParaRPr lang="en-US" sz="2400" dirty="0"/>
+            <a:endParaRPr lang="en-US" sz="1800" dirty="0"/>
           </a:p>
           <a:p>
             <a:pPr marL="571500" indent="-571500" algn="ctr">
               <a:buFont typeface="Arial" panose="020B0604020202020204" pitchFamily="34" charset="0"/>
               <a:buChar char="•"/>
             </a:pPr>
-            <a:endParaRPr lang="en-US" sz="4400" dirty="0"/>
+            <a:endParaRPr lang="en-US" sz="3600" dirty="0"/>
           </a:p>
         </p:txBody>
       </p:sp>
@@ -20429,8 +20429,2686 @@
         </p:nvSpPr>
         <p:spPr>
           <a:xfrm>
-            <a:off x="6644008" y="493141"/>
+            <a:off x="6644008" y="1226917"/>
             <a:ext cx="4876800" cy="4493185"/>
+          </a:xfrm>
+          <a:prstGeom prst="rect">
+            <a:avLst/>
+          </a:prstGeom>
+        </p:spPr>
+        <p:txBody>
+          <a:bodyPr vert="horz" lIns="91440" tIns="45720" rIns="91440" bIns="45720" rtlCol="0" anchor="t">
+            <a:normAutofit/>
+          </a:bodyPr>
+          <a:lstStyle>
+            <a:lvl1pPr marL="0" indent="0" algn="l" defTabSz="914400" rtl="0" eaLnBrk="1" latinLnBrk="0" hangingPunct="1">
+              <a:lnSpc>
+                <a:spcPct val="90000"/>
+              </a:lnSpc>
+              <a:spcBef>
+                <a:spcPts val="1000"/>
+              </a:spcBef>
+              <a:buFont typeface="Arial" panose="020B0604020202020204" pitchFamily="34" charset="0"/>
+              <a:buNone/>
+              <a:defRPr sz="2800" kern="1200">
+                <a:solidFill>
+                  <a:schemeClr val="tx1"/>
+                </a:solidFill>
+                <a:latin typeface="Segoe" panose="020B0502040504020203"/>
+                <a:ea typeface="+mn-ea"/>
+                <a:cs typeface="+mn-cs"/>
+              </a:defRPr>
+            </a:lvl1pPr>
+            <a:lvl2pPr marL="360363" indent="-360363" algn="l" defTabSz="914400" rtl="0" eaLnBrk="1" latinLnBrk="0" hangingPunct="1">
+              <a:lnSpc>
+                <a:spcPct val="90000"/>
+              </a:lnSpc>
+              <a:spcBef>
+                <a:spcPts val="500"/>
+              </a:spcBef>
+              <a:buFont typeface="Arial" panose="020B0604020202020204" pitchFamily="34" charset="0"/>
+              <a:buChar char="•"/>
+              <a:defRPr sz="2400" kern="1200">
+                <a:solidFill>
+                  <a:schemeClr val="tx1"/>
+                </a:solidFill>
+                <a:latin typeface="Segoe" panose="020B0502040504020203"/>
+                <a:ea typeface="+mn-ea"/>
+                <a:cs typeface="+mn-cs"/>
+              </a:defRPr>
+            </a:lvl2pPr>
+            <a:lvl3pPr marL="628650" indent="-254000" algn="l" defTabSz="914400" rtl="0" eaLnBrk="1" latinLnBrk="0" hangingPunct="1">
+              <a:lnSpc>
+                <a:spcPct val="90000"/>
+              </a:lnSpc>
+              <a:spcBef>
+                <a:spcPts val="500"/>
+              </a:spcBef>
+              <a:buFontTx/>
+              <a:buChar char="–"/>
+              <a:tabLst>
+                <a:tab pos="895350" algn="l"/>
+              </a:tabLst>
+              <a:defRPr sz="2400" kern="1200">
+                <a:solidFill>
+                  <a:schemeClr val="tx1"/>
+                </a:solidFill>
+                <a:latin typeface="Segoe" panose="020B0502040504020203"/>
+                <a:ea typeface="+mn-ea"/>
+                <a:cs typeface="+mn-cs"/>
+              </a:defRPr>
+            </a:lvl3pPr>
+            <a:lvl4pPr marL="895350" indent="476250" algn="l" defTabSz="914400" rtl="0" eaLnBrk="1" latinLnBrk="0" hangingPunct="1">
+              <a:lnSpc>
+                <a:spcPct val="90000"/>
+              </a:lnSpc>
+              <a:spcBef>
+                <a:spcPts val="500"/>
+              </a:spcBef>
+              <a:buFont typeface="Arial" panose="020B0604020202020204" pitchFamily="34" charset="0"/>
+              <a:buNone/>
+              <a:defRPr sz="2400" kern="1200">
+                <a:solidFill>
+                  <a:schemeClr val="tx1"/>
+                </a:solidFill>
+                <a:latin typeface="Segoe" panose="020B0502040504020203"/>
+                <a:ea typeface="+mn-ea"/>
+                <a:cs typeface="+mn-cs"/>
+              </a:defRPr>
+            </a:lvl4pPr>
+            <a:lvl5pPr marL="1828800" indent="0" algn="l" defTabSz="914400" rtl="0" eaLnBrk="1" latinLnBrk="0" hangingPunct="1">
+              <a:lnSpc>
+                <a:spcPct val="90000"/>
+              </a:lnSpc>
+              <a:spcBef>
+                <a:spcPts val="500"/>
+              </a:spcBef>
+              <a:buFont typeface="Arial" panose="020B0604020202020204" pitchFamily="34" charset="0"/>
+              <a:buNone/>
+              <a:defRPr sz="2400" kern="1200">
+                <a:solidFill>
+                  <a:schemeClr val="tx1"/>
+                </a:solidFill>
+                <a:latin typeface="Segoe" panose="020B0502040504020203"/>
+                <a:ea typeface="+mn-ea"/>
+                <a:cs typeface="+mn-cs"/>
+              </a:defRPr>
+            </a:lvl5pPr>
+            <a:lvl6pPr marL="2514600" indent="-228600" algn="l" defTabSz="914400" rtl="0" eaLnBrk="1" latinLnBrk="0" hangingPunct="1">
+              <a:lnSpc>
+                <a:spcPct val="90000"/>
+              </a:lnSpc>
+              <a:spcBef>
+                <a:spcPts val="500"/>
+              </a:spcBef>
+              <a:buFont typeface="Arial" panose="020B0604020202020204" pitchFamily="34" charset="0"/>
+              <a:buChar char="•"/>
+              <a:defRPr sz="1800" kern="1200">
+                <a:solidFill>
+                  <a:schemeClr val="tx1"/>
+                </a:solidFill>
+                <a:latin typeface="+mn-lt"/>
+                <a:ea typeface="+mn-ea"/>
+                <a:cs typeface="+mn-cs"/>
+              </a:defRPr>
+            </a:lvl6pPr>
+            <a:lvl7pPr marL="2971800" indent="-228600" algn="l" defTabSz="914400" rtl="0" eaLnBrk="1" latinLnBrk="0" hangingPunct="1">
+              <a:lnSpc>
+                <a:spcPct val="90000"/>
+              </a:lnSpc>
+              <a:spcBef>
+                <a:spcPts val="500"/>
+              </a:spcBef>
+              <a:buFont typeface="Arial" panose="020B0604020202020204" pitchFamily="34" charset="0"/>
+              <a:buChar char="•"/>
+              <a:defRPr sz="1800" kern="1200">
+                <a:solidFill>
+                  <a:schemeClr val="tx1"/>
+                </a:solidFill>
+                <a:latin typeface="+mn-lt"/>
+                <a:ea typeface="+mn-ea"/>
+                <a:cs typeface="+mn-cs"/>
+              </a:defRPr>
+            </a:lvl7pPr>
+            <a:lvl8pPr marL="3429000" indent="-228600" algn="l" defTabSz="914400" rtl="0" eaLnBrk="1" latinLnBrk="0" hangingPunct="1">
+              <a:lnSpc>
+                <a:spcPct val="90000"/>
+              </a:lnSpc>
+              <a:spcBef>
+                <a:spcPts val="500"/>
+              </a:spcBef>
+              <a:buFont typeface="Arial" panose="020B0604020202020204" pitchFamily="34" charset="0"/>
+              <a:buChar char="•"/>
+              <a:defRPr sz="1800" kern="1200">
+                <a:solidFill>
+                  <a:schemeClr val="tx1"/>
+                </a:solidFill>
+                <a:latin typeface="+mn-lt"/>
+                <a:ea typeface="+mn-ea"/>
+                <a:cs typeface="+mn-cs"/>
+              </a:defRPr>
+            </a:lvl8pPr>
+            <a:lvl9pPr marL="3886200" indent="-228600" algn="l" defTabSz="914400" rtl="0" eaLnBrk="1" latinLnBrk="0" hangingPunct="1">
+              <a:lnSpc>
+                <a:spcPct val="90000"/>
+              </a:lnSpc>
+              <a:spcBef>
+                <a:spcPts val="500"/>
+              </a:spcBef>
+              <a:buFont typeface="Arial" panose="020B0604020202020204" pitchFamily="34" charset="0"/>
+              <a:buChar char="•"/>
+              <a:defRPr sz="1800" kern="1200">
+                <a:solidFill>
+                  <a:schemeClr val="tx1"/>
+                </a:solidFill>
+                <a:latin typeface="+mn-lt"/>
+                <a:ea typeface="+mn-ea"/>
+                <a:cs typeface="+mn-cs"/>
+              </a:defRPr>
+            </a:lvl9pPr>
+          </a:lstStyle>
+          <a:p>
+            <a:pPr algn="ctr"/>
+            <a:r>
+              <a:rPr lang="en-US" sz="5400" b="1" dirty="0">
+                <a:solidFill>
+                  <a:srgbClr val="5C2C8F"/>
+                </a:solidFill>
+              </a:rPr>
+              <a:t>Query</a:t>
+            </a:r>
+          </a:p>
+          <a:p>
+            <a:pPr algn="ctr"/>
+            <a:r>
+              <a:rPr lang="fr-FR" sz="1800" b="1" cap="all" dirty="0"/>
+              <a:t>Récupère une information</a:t>
+            </a:r>
+          </a:p>
+          <a:p>
+            <a:pPr algn="ctr"/>
+            <a:r>
+              <a:rPr lang="fr-FR" sz="1800" dirty="0"/>
+              <a:t>Lecture-seule !</a:t>
+            </a:r>
+            <a:br>
+              <a:rPr lang="fr-FR" sz="1800" dirty="0"/>
+            </a:br>
+            <a:endParaRPr lang="fr-FR" sz="1800" dirty="0"/>
+          </a:p>
+          <a:p>
+            <a:pPr algn="ctr"/>
+            <a:r>
+              <a:rPr lang="fr-FR" sz="1800" dirty="0"/>
+              <a:t>Retourne des données</a:t>
+            </a:r>
+          </a:p>
+          <a:p>
+            <a:pPr algn="ctr"/>
+            <a:r>
+              <a:rPr lang="fr-FR" sz="1800" dirty="0"/>
+              <a:t>Verbe a l’impératif</a:t>
+            </a:r>
+          </a:p>
+          <a:p>
+            <a:pPr algn="ctr"/>
+            <a:r>
+              <a:rPr lang="fr-FR" sz="1800" dirty="0"/>
+              <a:t>Ex: </a:t>
+            </a:r>
+            <a:r>
+              <a:rPr lang="fr-FR" sz="1800" dirty="0" err="1">
+                <a:solidFill>
+                  <a:srgbClr val="5C2C8F"/>
+                </a:solidFill>
+              </a:rPr>
+              <a:t>SearchAvailableRooms</a:t>
+            </a:r>
+            <a:endParaRPr lang="fr-FR" sz="1800" dirty="0">
+              <a:solidFill>
+                <a:srgbClr val="5C2C8F"/>
+              </a:solidFill>
+            </a:endParaRPr>
+          </a:p>
+          <a:p>
+            <a:pPr algn="ctr"/>
+            <a:endParaRPr lang="en-US" sz="1800" dirty="0"/>
+          </a:p>
+          <a:p>
+            <a:pPr marL="571500" indent="-571500" algn="ctr">
+              <a:buFont typeface="Arial" panose="020B0604020202020204" pitchFamily="34" charset="0"/>
+              <a:buChar char="•"/>
+            </a:pPr>
+            <a:endParaRPr lang="en-US" sz="3600" dirty="0"/>
+          </a:p>
+        </p:txBody>
+      </p:sp>
+      <p:sp>
+        <p:nvSpPr>
+          <p:cNvPr id="8" name="Content Placeholder 37"/>
+          <p:cNvSpPr txBox="1">
+            <a:spLocks/>
+          </p:cNvSpPr>
+          <p:nvPr/>
+        </p:nvSpPr>
+        <p:spPr>
+          <a:xfrm>
+            <a:off x="3427920" y="3684921"/>
+            <a:ext cx="4876800" cy="4493185"/>
+          </a:xfrm>
+          <a:prstGeom prst="rect">
+            <a:avLst/>
+          </a:prstGeom>
+        </p:spPr>
+        <p:txBody>
+          <a:bodyPr vert="horz" lIns="91440" tIns="45720" rIns="91440" bIns="45720" rtlCol="0" anchor="t">
+            <a:normAutofit/>
+          </a:bodyPr>
+          <a:lstStyle>
+            <a:lvl1pPr marL="0" indent="0" algn="l" defTabSz="914400" rtl="0" eaLnBrk="1" latinLnBrk="0" hangingPunct="1">
+              <a:lnSpc>
+                <a:spcPct val="90000"/>
+              </a:lnSpc>
+              <a:spcBef>
+                <a:spcPts val="1000"/>
+              </a:spcBef>
+              <a:buFont typeface="Arial" panose="020B0604020202020204" pitchFamily="34" charset="0"/>
+              <a:buNone/>
+              <a:defRPr sz="2800" kern="1200">
+                <a:solidFill>
+                  <a:schemeClr val="tx1"/>
+                </a:solidFill>
+                <a:latin typeface="Segoe" panose="020B0502040504020203"/>
+                <a:ea typeface="+mn-ea"/>
+                <a:cs typeface="+mn-cs"/>
+              </a:defRPr>
+            </a:lvl1pPr>
+            <a:lvl2pPr marL="360363" indent="-360363" algn="l" defTabSz="914400" rtl="0" eaLnBrk="1" latinLnBrk="0" hangingPunct="1">
+              <a:lnSpc>
+                <a:spcPct val="90000"/>
+              </a:lnSpc>
+              <a:spcBef>
+                <a:spcPts val="500"/>
+              </a:spcBef>
+              <a:buFont typeface="Arial" panose="020B0604020202020204" pitchFamily="34" charset="0"/>
+              <a:buChar char="•"/>
+              <a:defRPr sz="2400" kern="1200">
+                <a:solidFill>
+                  <a:schemeClr val="tx1"/>
+                </a:solidFill>
+                <a:latin typeface="Segoe" panose="020B0502040504020203"/>
+                <a:ea typeface="+mn-ea"/>
+                <a:cs typeface="+mn-cs"/>
+              </a:defRPr>
+            </a:lvl2pPr>
+            <a:lvl3pPr marL="628650" indent="-254000" algn="l" defTabSz="914400" rtl="0" eaLnBrk="1" latinLnBrk="0" hangingPunct="1">
+              <a:lnSpc>
+                <a:spcPct val="90000"/>
+              </a:lnSpc>
+              <a:spcBef>
+                <a:spcPts val="500"/>
+              </a:spcBef>
+              <a:buFontTx/>
+              <a:buChar char="–"/>
+              <a:tabLst>
+                <a:tab pos="895350" algn="l"/>
+              </a:tabLst>
+              <a:defRPr sz="2400" kern="1200">
+                <a:solidFill>
+                  <a:schemeClr val="tx1"/>
+                </a:solidFill>
+                <a:latin typeface="Segoe" panose="020B0502040504020203"/>
+                <a:ea typeface="+mn-ea"/>
+                <a:cs typeface="+mn-cs"/>
+              </a:defRPr>
+            </a:lvl3pPr>
+            <a:lvl4pPr marL="895350" indent="476250" algn="l" defTabSz="914400" rtl="0" eaLnBrk="1" latinLnBrk="0" hangingPunct="1">
+              <a:lnSpc>
+                <a:spcPct val="90000"/>
+              </a:lnSpc>
+              <a:spcBef>
+                <a:spcPts val="500"/>
+              </a:spcBef>
+              <a:buFont typeface="Arial" panose="020B0604020202020204" pitchFamily="34" charset="0"/>
+              <a:buNone/>
+              <a:defRPr sz="2400" kern="1200">
+                <a:solidFill>
+                  <a:schemeClr val="tx1"/>
+                </a:solidFill>
+                <a:latin typeface="Segoe" panose="020B0502040504020203"/>
+                <a:ea typeface="+mn-ea"/>
+                <a:cs typeface="+mn-cs"/>
+              </a:defRPr>
+            </a:lvl4pPr>
+            <a:lvl5pPr marL="1828800" indent="0" algn="l" defTabSz="914400" rtl="0" eaLnBrk="1" latinLnBrk="0" hangingPunct="1">
+              <a:lnSpc>
+                <a:spcPct val="90000"/>
+              </a:lnSpc>
+              <a:spcBef>
+                <a:spcPts val="500"/>
+              </a:spcBef>
+              <a:buFont typeface="Arial" panose="020B0604020202020204" pitchFamily="34" charset="0"/>
+              <a:buNone/>
+              <a:defRPr sz="2400" kern="1200">
+                <a:solidFill>
+                  <a:schemeClr val="tx1"/>
+                </a:solidFill>
+                <a:latin typeface="Segoe" panose="020B0502040504020203"/>
+                <a:ea typeface="+mn-ea"/>
+                <a:cs typeface="+mn-cs"/>
+              </a:defRPr>
+            </a:lvl5pPr>
+            <a:lvl6pPr marL="2514600" indent="-228600" algn="l" defTabSz="914400" rtl="0" eaLnBrk="1" latinLnBrk="0" hangingPunct="1">
+              <a:lnSpc>
+                <a:spcPct val="90000"/>
+              </a:lnSpc>
+              <a:spcBef>
+                <a:spcPts val="500"/>
+              </a:spcBef>
+              <a:buFont typeface="Arial" panose="020B0604020202020204" pitchFamily="34" charset="0"/>
+              <a:buChar char="•"/>
+              <a:defRPr sz="1800" kern="1200">
+                <a:solidFill>
+                  <a:schemeClr val="tx1"/>
+                </a:solidFill>
+                <a:latin typeface="+mn-lt"/>
+                <a:ea typeface="+mn-ea"/>
+                <a:cs typeface="+mn-cs"/>
+              </a:defRPr>
+            </a:lvl6pPr>
+            <a:lvl7pPr marL="2971800" indent="-228600" algn="l" defTabSz="914400" rtl="0" eaLnBrk="1" latinLnBrk="0" hangingPunct="1">
+              <a:lnSpc>
+                <a:spcPct val="90000"/>
+              </a:lnSpc>
+              <a:spcBef>
+                <a:spcPts val="500"/>
+              </a:spcBef>
+              <a:buFont typeface="Arial" panose="020B0604020202020204" pitchFamily="34" charset="0"/>
+              <a:buChar char="•"/>
+              <a:defRPr sz="1800" kern="1200">
+                <a:solidFill>
+                  <a:schemeClr val="tx1"/>
+                </a:solidFill>
+                <a:latin typeface="+mn-lt"/>
+                <a:ea typeface="+mn-ea"/>
+                <a:cs typeface="+mn-cs"/>
+              </a:defRPr>
+            </a:lvl7pPr>
+            <a:lvl8pPr marL="3429000" indent="-228600" algn="l" defTabSz="914400" rtl="0" eaLnBrk="1" latinLnBrk="0" hangingPunct="1">
+              <a:lnSpc>
+                <a:spcPct val="90000"/>
+              </a:lnSpc>
+              <a:spcBef>
+                <a:spcPts val="500"/>
+              </a:spcBef>
+              <a:buFont typeface="Arial" panose="020B0604020202020204" pitchFamily="34" charset="0"/>
+              <a:buChar char="•"/>
+              <a:defRPr sz="1800" kern="1200">
+                <a:solidFill>
+                  <a:schemeClr val="tx1"/>
+                </a:solidFill>
+                <a:latin typeface="+mn-lt"/>
+                <a:ea typeface="+mn-ea"/>
+                <a:cs typeface="+mn-cs"/>
+              </a:defRPr>
+            </a:lvl8pPr>
+            <a:lvl9pPr marL="3886200" indent="-228600" algn="l" defTabSz="914400" rtl="0" eaLnBrk="1" latinLnBrk="0" hangingPunct="1">
+              <a:lnSpc>
+                <a:spcPct val="90000"/>
+              </a:lnSpc>
+              <a:spcBef>
+                <a:spcPts val="500"/>
+              </a:spcBef>
+              <a:buFont typeface="Arial" panose="020B0604020202020204" pitchFamily="34" charset="0"/>
+              <a:buChar char="•"/>
+              <a:defRPr sz="1800" kern="1200">
+                <a:solidFill>
+                  <a:schemeClr val="tx1"/>
+                </a:solidFill>
+                <a:latin typeface="+mn-lt"/>
+                <a:ea typeface="+mn-ea"/>
+                <a:cs typeface="+mn-cs"/>
+              </a:defRPr>
+            </a:lvl9pPr>
+          </a:lstStyle>
+          <a:p>
+            <a:pPr algn="ctr"/>
+            <a:r>
+              <a:rPr lang="en-US" sz="5400" b="1" dirty="0"/>
+              <a:t>Event</a:t>
+            </a:r>
+          </a:p>
+          <a:p>
+            <a:pPr algn="ctr"/>
+            <a:r>
+              <a:rPr lang="fr-FR" sz="1800" b="1" cap="all" dirty="0"/>
+              <a:t>A déjà eu lieu</a:t>
+            </a:r>
+          </a:p>
+          <a:p>
+            <a:pPr algn="ctr"/>
+            <a:r>
+              <a:rPr lang="fr-FR" sz="1800" dirty="0"/>
+              <a:t>(Immutable)</a:t>
+            </a:r>
+          </a:p>
+          <a:p>
+            <a:pPr algn="ctr"/>
+            <a:r>
+              <a:rPr lang="fr-FR" sz="1800" dirty="0"/>
+              <a:t>Verbe au participe passé</a:t>
+            </a:r>
+          </a:p>
+          <a:p>
+            <a:pPr algn="ctr"/>
+            <a:r>
+              <a:rPr lang="fr-FR" sz="1800" dirty="0"/>
+              <a:t>Ex: </a:t>
+            </a:r>
+            <a:r>
+              <a:rPr lang="fr-FR" sz="1800" dirty="0" err="1">
+                <a:solidFill>
+                  <a:schemeClr val="bg1">
+                    <a:lumMod val="50000"/>
+                  </a:schemeClr>
+                </a:solidFill>
+              </a:rPr>
+              <a:t>RoomBooked</a:t>
+            </a:r>
+            <a:endParaRPr lang="fr-FR" sz="1800" dirty="0">
+              <a:solidFill>
+                <a:schemeClr val="bg1">
+                  <a:lumMod val="50000"/>
+                </a:schemeClr>
+              </a:solidFill>
+            </a:endParaRPr>
+          </a:p>
+          <a:p>
+            <a:pPr algn="ctr"/>
+            <a:endParaRPr lang="en-US" sz="1800" dirty="0"/>
+          </a:p>
+          <a:p>
+            <a:pPr marL="571500" indent="-571500" algn="ctr">
+              <a:buFont typeface="Arial" panose="020B0604020202020204" pitchFamily="34" charset="0"/>
+              <a:buChar char="•"/>
+            </a:pPr>
+            <a:endParaRPr lang="en-US" sz="3600" dirty="0"/>
+          </a:p>
+        </p:txBody>
+      </p:sp>
+    </p:spTree>
+    <p:extLst>
+      <p:ext uri="{BB962C8B-B14F-4D97-AF65-F5344CB8AC3E}">
+        <p14:creationId xmlns:p14="http://schemas.microsoft.com/office/powerpoint/2010/main" val="1521714206"/>
+      </p:ext>
+    </p:extLst>
+  </p:cSld>
+  <p:clrMapOvr>
+    <a:masterClrMapping/>
+  </p:clrMapOvr>
+  <p:timing>
+    <p:tnLst>
+      <p:par>
+        <p:cTn id="1" dur="indefinite" restart="never" nodeType="tmRoot">
+          <p:childTnLst>
+            <p:seq concurrent="1" nextAc="seek">
+              <p:cTn id="2" dur="indefinite" nodeType="mainSeq">
+                <p:childTnLst>
+                  <p:par>
+                    <p:cTn id="3" fill="hold">
+                      <p:stCondLst>
+                        <p:cond delay="indefinite"/>
+                      </p:stCondLst>
+                      <p:childTnLst>
+                        <p:par>
+                          <p:cTn id="4" fill="hold">
+                            <p:stCondLst>
+                              <p:cond delay="0"/>
+                            </p:stCondLst>
+                            <p:childTnLst>
+                              <p:par>
+                                <p:cTn id="5" presetID="1" presetClass="entr" presetSubtype="0" fill="hold" grpId="0" nodeType="clickEffect">
+                                  <p:stCondLst>
+                                    <p:cond delay="0"/>
+                                  </p:stCondLst>
+                                  <p:childTnLst>
+                                    <p:set>
+                                      <p:cBhvr>
+                                        <p:cTn id="6" dur="1" fill="hold">
+                                          <p:stCondLst>
+                                            <p:cond delay="0"/>
+                                          </p:stCondLst>
+                                        </p:cTn>
+                                        <p:tgtEl>
+                                          <p:spTgt spid="6"/>
+                                        </p:tgtEl>
+                                        <p:attrNameLst>
+                                          <p:attrName>style.visibility</p:attrName>
+                                        </p:attrNameLst>
+                                      </p:cBhvr>
+                                      <p:to>
+                                        <p:strVal val="visible"/>
+                                      </p:to>
+                                    </p:set>
+                                  </p:childTnLst>
+                                </p:cTn>
+                              </p:par>
+                            </p:childTnLst>
+                          </p:cTn>
+                        </p:par>
+                      </p:childTnLst>
+                    </p:cTn>
+                  </p:par>
+                  <p:par>
+                    <p:cTn id="7" fill="hold">
+                      <p:stCondLst>
+                        <p:cond delay="indefinite"/>
+                      </p:stCondLst>
+                      <p:childTnLst>
+                        <p:par>
+                          <p:cTn id="8" fill="hold">
+                            <p:stCondLst>
+                              <p:cond delay="0"/>
+                            </p:stCondLst>
+                            <p:childTnLst>
+                              <p:par>
+                                <p:cTn id="9" presetID="1" presetClass="entr" presetSubtype="0" fill="hold" grpId="0" nodeType="clickEffect">
+                                  <p:stCondLst>
+                                    <p:cond delay="0"/>
+                                  </p:stCondLst>
+                                  <p:childTnLst>
+                                    <p:set>
+                                      <p:cBhvr>
+                                        <p:cTn id="10" dur="1" fill="hold">
+                                          <p:stCondLst>
+                                            <p:cond delay="0"/>
+                                          </p:stCondLst>
+                                        </p:cTn>
+                                        <p:tgtEl>
+                                          <p:spTgt spid="8"/>
+                                        </p:tgtEl>
+                                        <p:attrNameLst>
+                                          <p:attrName>style.visibility</p:attrName>
+                                        </p:attrNameLst>
+                                      </p:cBhvr>
+                                      <p:to>
+                                        <p:strVal val="visible"/>
+                                      </p:to>
+                                    </p:set>
+                                  </p:childTnLst>
+                                </p:cTn>
+                              </p:par>
+                            </p:childTnLst>
+                          </p:cTn>
+                        </p:par>
+                      </p:childTnLst>
+                    </p:cTn>
+                  </p:par>
+                </p:childTnLst>
+              </p:cTn>
+              <p:prevCondLst>
+                <p:cond evt="onPrev" delay="0">
+                  <p:tgtEl>
+                    <p:sldTgt/>
+                  </p:tgtEl>
+                </p:cond>
+              </p:prevCondLst>
+              <p:nextCondLst>
+                <p:cond evt="onNext" delay="0">
+                  <p:tgtEl>
+                    <p:sldTgt/>
+                  </p:tgtEl>
+                </p:cond>
+              </p:nextCondLst>
+            </p:seq>
+          </p:childTnLst>
+        </p:cTn>
+      </p:par>
+    </p:tnLst>
+    <p:bldLst>
+      <p:bldP spid="6" grpId="0"/>
+      <p:bldP spid="8" grpId="0"/>
+    </p:bldLst>
+  </p:timing>
+</p:sld>
+</file>
+
+<file path=ppt/slides/slide34.xml><?xml version="1.0" encoding="utf-8"?>
+<p:sld xmlns:a="http://schemas.openxmlformats.org/drawingml/2006/main" xmlns:r="http://schemas.openxmlformats.org/officeDocument/2006/relationships" xmlns:p="http://schemas.openxmlformats.org/presentationml/2006/main">
+  <p:cSld>
+    <p:spTree>
+      <p:nvGrpSpPr>
+        <p:cNvPr id="1" name=""/>
+        <p:cNvGrpSpPr/>
+        <p:nvPr/>
+      </p:nvGrpSpPr>
+      <p:grpSpPr>
+        <a:xfrm>
+          <a:off x="0" y="0"/>
+          <a:ext cx="0" cy="0"/>
+          <a:chOff x="0" y="0"/>
+          <a:chExt cx="0" cy="0"/>
+        </a:xfrm>
+      </p:grpSpPr>
+      <p:sp>
+        <p:nvSpPr>
+          <p:cNvPr id="2" name="Title 1"/>
+          <p:cNvSpPr>
+            <a:spLocks noGrp="1"/>
+          </p:cNvSpPr>
+          <p:nvPr>
+            <p:ph type="title"/>
+          </p:nvPr>
+        </p:nvSpPr>
+        <p:spPr>
+          <a:xfrm>
+            <a:off x="0" y="2161985"/>
+            <a:ext cx="6324600" cy="590931"/>
+          </a:xfrm>
+        </p:spPr>
+        <p:txBody>
+          <a:bodyPr/>
+          <a:lstStyle/>
+          <a:p>
+            <a:r>
+              <a:rPr lang="en-US" dirty="0" err="1"/>
+              <a:t>Démo</a:t>
+            </a:r>
+            <a:endParaRPr lang="en-US" dirty="0"/>
+          </a:p>
+        </p:txBody>
+      </p:sp>
+    </p:spTree>
+    <p:extLst>
+      <p:ext uri="{BB962C8B-B14F-4D97-AF65-F5344CB8AC3E}">
+        <p14:creationId xmlns:p14="http://schemas.microsoft.com/office/powerpoint/2010/main" val="1607914314"/>
+      </p:ext>
+    </p:extLst>
+  </p:cSld>
+  <p:clrMapOvr>
+    <a:masterClrMapping/>
+  </p:clrMapOvr>
+</p:sld>
+</file>
+
+<file path=ppt/slides/slide35.xml><?xml version="1.0" encoding="utf-8"?>
+<p:sld xmlns:a="http://schemas.openxmlformats.org/drawingml/2006/main" xmlns:r="http://schemas.openxmlformats.org/officeDocument/2006/relationships" xmlns:p="http://schemas.openxmlformats.org/presentationml/2006/main">
+  <p:cSld>
+    <p:spTree>
+      <p:nvGrpSpPr>
+        <p:cNvPr id="1" name=""/>
+        <p:cNvGrpSpPr/>
+        <p:nvPr/>
+      </p:nvGrpSpPr>
+      <p:grpSpPr>
+        <a:xfrm>
+          <a:off x="0" y="0"/>
+          <a:ext cx="0" cy="0"/>
+          <a:chOff x="0" y="0"/>
+          <a:chExt cx="0" cy="0"/>
+        </a:xfrm>
+      </p:grpSpPr>
+      <p:sp>
+        <p:nvSpPr>
+          <p:cNvPr id="38" name="Content Placeholder 37"/>
+          <p:cNvSpPr>
+            <a:spLocks noGrp="1"/>
+          </p:cNvSpPr>
+          <p:nvPr>
+            <p:ph idx="1"/>
+          </p:nvPr>
+        </p:nvSpPr>
+        <p:spPr>
+          <a:xfrm>
+            <a:off x="838200" y="2056534"/>
+            <a:ext cx="10515600" cy="3542755"/>
+          </a:xfrm>
+        </p:spPr>
+        <p:txBody>
+          <a:bodyPr anchor="ctr">
+            <a:normAutofit/>
+          </a:bodyPr>
+          <a:lstStyle/>
+          <a:p>
+            <a:pPr algn="ctr"/>
+            <a:r>
+              <a:rPr lang="fr-FR" sz="4400" i="1" dirty="0"/>
+              <a:t>&lt;Slide pour </a:t>
+            </a:r>
+            <a:r>
+              <a:rPr lang="fr-FR" sz="4400" i="1" dirty="0" err="1"/>
+              <a:t>Eric</a:t>
+            </a:r>
+            <a:r>
+              <a:rPr lang="fr-FR" sz="4400" i="1" dirty="0"/>
+              <a:t>&gt;</a:t>
+            </a:r>
+          </a:p>
+        </p:txBody>
+      </p:sp>
+      <p:sp>
+        <p:nvSpPr>
+          <p:cNvPr id="41" name="Title 40"/>
+          <p:cNvSpPr>
+            <a:spLocks noGrp="1"/>
+          </p:cNvSpPr>
+          <p:nvPr>
+            <p:ph type="title"/>
+          </p:nvPr>
+        </p:nvSpPr>
+        <p:spPr/>
+        <p:txBody>
+          <a:bodyPr/>
+          <a:lstStyle/>
+          <a:p>
+            <a:r>
+              <a:rPr lang="en-US" dirty="0" err="1"/>
+              <a:t>Euh</a:t>
+            </a:r>
+            <a:r>
+              <a:rPr lang="en-US" dirty="0"/>
+              <a:t>… </a:t>
+            </a:r>
+            <a:r>
+              <a:rPr lang="en-US" dirty="0" err="1"/>
+              <a:t>avant</a:t>
+            </a:r>
+            <a:r>
+              <a:rPr lang="en-US" dirty="0"/>
+              <a:t> </a:t>
+            </a:r>
+            <a:r>
+              <a:rPr lang="en-US" dirty="0" err="1"/>
+              <a:t>ça</a:t>
+            </a:r>
+            <a:endParaRPr lang="en-US" dirty="0"/>
+          </a:p>
+        </p:txBody>
+      </p:sp>
+      <p:sp>
+        <p:nvSpPr>
+          <p:cNvPr id="29" name="Slide Number Placeholder 28"/>
+          <p:cNvSpPr>
+            <a:spLocks noGrp="1"/>
+          </p:cNvSpPr>
+          <p:nvPr>
+            <p:ph type="sldNum" sz="quarter" idx="4"/>
+          </p:nvPr>
+        </p:nvSpPr>
+        <p:spPr/>
+        <p:txBody>
+          <a:bodyPr/>
+          <a:lstStyle/>
+          <a:p>
+            <a:r>
+              <a:rPr lang="en-US" dirty="0">
+                <a:latin typeface="Segoe" panose="020B0502040504020203"/>
+              </a:rPr>
+              <a:t>N° </a:t>
+            </a:r>
+            <a:fld id="{6BFFD774-5C5F-4855-9115-A9F49D34CCD3}" type="slidenum">
+              <a:rPr lang="en-US" smtClean="0">
+                <a:latin typeface="Segoe" panose="020B0502040504020203"/>
+              </a:rPr>
+              <a:pPr/>
+              <a:t>35</a:t>
+            </a:fld>
+            <a:endParaRPr lang="en-US" dirty="0">
+              <a:latin typeface="Segoe" panose="020B0502040504020203"/>
+            </a:endParaRPr>
+          </a:p>
+        </p:txBody>
+      </p:sp>
+      <p:sp>
+        <p:nvSpPr>
+          <p:cNvPr id="2" name="Text Placeholder 1"/>
+          <p:cNvSpPr>
+            <a:spLocks noGrp="1"/>
+          </p:cNvSpPr>
+          <p:nvPr>
+            <p:ph type="body" sz="quarter" idx="13"/>
+          </p:nvPr>
+        </p:nvSpPr>
+        <p:spPr/>
+        <p:txBody>
+          <a:bodyPr/>
+          <a:lstStyle/>
+          <a:p>
+            <a:r>
+              <a:rPr lang="fr-FR" dirty="0"/>
+              <a:t>Vous connaissez </a:t>
+            </a:r>
+            <a:r>
+              <a:rPr lang="fr-FR" dirty="0" err="1"/>
+              <a:t>dotnet</a:t>
+            </a:r>
+            <a:r>
+              <a:rPr lang="fr-FR" dirty="0"/>
+              <a:t> </a:t>
+            </a:r>
+            <a:r>
+              <a:rPr lang="fr-FR" dirty="0" err="1"/>
+              <a:t>core</a:t>
+            </a:r>
+            <a:r>
+              <a:rPr lang="fr-FR" dirty="0"/>
+              <a:t> ?</a:t>
+            </a:r>
+          </a:p>
+        </p:txBody>
+      </p:sp>
+    </p:spTree>
+    <p:extLst>
+      <p:ext uri="{BB962C8B-B14F-4D97-AF65-F5344CB8AC3E}">
+        <p14:creationId xmlns:p14="http://schemas.microsoft.com/office/powerpoint/2010/main" val="3635505835"/>
+      </p:ext>
+    </p:extLst>
+  </p:cSld>
+  <p:clrMapOvr>
+    <a:masterClrMapping/>
+  </p:clrMapOvr>
+</p:sld>
+</file>
+
+<file path=ppt/slides/slide36.xml><?xml version="1.0" encoding="utf-8"?>
+<p:sld xmlns:a="http://schemas.openxmlformats.org/drawingml/2006/main" xmlns:r="http://schemas.openxmlformats.org/officeDocument/2006/relationships" xmlns:p="http://schemas.openxmlformats.org/presentationml/2006/main">
+  <p:cSld>
+    <p:spTree>
+      <p:nvGrpSpPr>
+        <p:cNvPr id="1" name=""/>
+        <p:cNvGrpSpPr/>
+        <p:nvPr/>
+      </p:nvGrpSpPr>
+      <p:grpSpPr>
+        <a:xfrm>
+          <a:off x="0" y="0"/>
+          <a:ext cx="0" cy="0"/>
+          <a:chOff x="0" y="0"/>
+          <a:chExt cx="0" cy="0"/>
+        </a:xfrm>
+      </p:grpSpPr>
+      <p:sp>
+        <p:nvSpPr>
+          <p:cNvPr id="2" name="Title 1"/>
+          <p:cNvSpPr>
+            <a:spLocks noGrp="1"/>
+          </p:cNvSpPr>
+          <p:nvPr>
+            <p:ph type="title"/>
+          </p:nvPr>
+        </p:nvSpPr>
+        <p:spPr>
+          <a:xfrm>
+            <a:off x="0" y="2161985"/>
+            <a:ext cx="6324600" cy="590931"/>
+          </a:xfrm>
+        </p:spPr>
+        <p:txBody>
+          <a:bodyPr/>
+          <a:lstStyle/>
+          <a:p>
+            <a:r>
+              <a:rPr lang="en-US" dirty="0"/>
+              <a:t>Live coding</a:t>
+            </a:r>
+          </a:p>
+        </p:txBody>
+      </p:sp>
+    </p:spTree>
+    <p:extLst>
+      <p:ext uri="{BB962C8B-B14F-4D97-AF65-F5344CB8AC3E}">
+        <p14:creationId xmlns:p14="http://schemas.microsoft.com/office/powerpoint/2010/main" val="3085624357"/>
+      </p:ext>
+    </p:extLst>
+  </p:cSld>
+  <p:clrMapOvr>
+    <a:masterClrMapping/>
+  </p:clrMapOvr>
+</p:sld>
+</file>
+
+<file path=ppt/slides/slide37.xml><?xml version="1.0" encoding="utf-8"?>
+<p:sld xmlns:a="http://schemas.openxmlformats.org/drawingml/2006/main" xmlns:r="http://schemas.openxmlformats.org/officeDocument/2006/relationships" xmlns:p="http://schemas.openxmlformats.org/presentationml/2006/main">
+  <p:cSld>
+    <p:spTree>
+      <p:nvGrpSpPr>
+        <p:cNvPr id="1" name=""/>
+        <p:cNvGrpSpPr/>
+        <p:nvPr/>
+      </p:nvGrpSpPr>
+      <p:grpSpPr>
+        <a:xfrm>
+          <a:off x="0" y="0"/>
+          <a:ext cx="0" cy="0"/>
+          <a:chOff x="0" y="0"/>
+          <a:chExt cx="0" cy="0"/>
+        </a:xfrm>
+      </p:grpSpPr>
+      <p:sp>
+        <p:nvSpPr>
+          <p:cNvPr id="2" name="Title 1"/>
+          <p:cNvSpPr>
+            <a:spLocks noGrp="1"/>
+          </p:cNvSpPr>
+          <p:nvPr>
+            <p:ph type="title"/>
+          </p:nvPr>
+        </p:nvSpPr>
+        <p:spPr>
+          <a:xfrm>
+            <a:off x="0" y="2161985"/>
+            <a:ext cx="6324600" cy="590931"/>
+          </a:xfrm>
+        </p:spPr>
+        <p:txBody>
+          <a:bodyPr/>
+          <a:lstStyle/>
+          <a:p>
+            <a:r>
+              <a:rPr lang="en-US" dirty="0"/>
+              <a:t>Pour </a:t>
+            </a:r>
+            <a:r>
+              <a:rPr lang="en-US" dirty="0" err="1"/>
+              <a:t>conclure</a:t>
+            </a:r>
+            <a:endParaRPr lang="en-US" dirty="0"/>
+          </a:p>
+        </p:txBody>
+      </p:sp>
+    </p:spTree>
+    <p:extLst>
+      <p:ext uri="{BB962C8B-B14F-4D97-AF65-F5344CB8AC3E}">
+        <p14:creationId xmlns:p14="http://schemas.microsoft.com/office/powerpoint/2010/main" val="514438884"/>
+      </p:ext>
+    </p:extLst>
+  </p:cSld>
+  <p:clrMapOvr>
+    <a:masterClrMapping/>
+  </p:clrMapOvr>
+</p:sld>
+</file>
+
+<file path=ppt/slides/slide38.xml><?xml version="1.0" encoding="utf-8"?>
+<p:sld xmlns:a="http://schemas.openxmlformats.org/drawingml/2006/main" xmlns:r="http://schemas.openxmlformats.org/officeDocument/2006/relationships" xmlns:p="http://schemas.openxmlformats.org/presentationml/2006/main">
+  <p:cSld>
+    <p:spTree>
+      <p:nvGrpSpPr>
+        <p:cNvPr id="1" name=""/>
+        <p:cNvGrpSpPr/>
+        <p:nvPr/>
+      </p:nvGrpSpPr>
+      <p:grpSpPr>
+        <a:xfrm>
+          <a:off x="0" y="0"/>
+          <a:ext cx="0" cy="0"/>
+          <a:chOff x="0" y="0"/>
+          <a:chExt cx="0" cy="0"/>
+        </a:xfrm>
+      </p:grpSpPr>
+      <p:sp>
+        <p:nvSpPr>
+          <p:cNvPr id="41" name="Title 40"/>
+          <p:cNvSpPr>
+            <a:spLocks noGrp="1"/>
+          </p:cNvSpPr>
+          <p:nvPr>
+            <p:ph type="title"/>
+          </p:nvPr>
+        </p:nvSpPr>
+        <p:spPr/>
+        <p:txBody>
+          <a:bodyPr/>
+          <a:lstStyle/>
+          <a:p>
+            <a:r>
+              <a:rPr lang="en-US" dirty="0"/>
+              <a:t>Attention !</a:t>
+            </a:r>
+          </a:p>
+        </p:txBody>
+      </p:sp>
+      <p:sp>
+        <p:nvSpPr>
+          <p:cNvPr id="29" name="Slide Number Placeholder 28"/>
+          <p:cNvSpPr>
+            <a:spLocks noGrp="1"/>
+          </p:cNvSpPr>
+          <p:nvPr>
+            <p:ph type="sldNum" sz="quarter" idx="4"/>
+          </p:nvPr>
+        </p:nvSpPr>
+        <p:spPr/>
+        <p:txBody>
+          <a:bodyPr/>
+          <a:lstStyle/>
+          <a:p>
+            <a:r>
+              <a:rPr lang="en-US" dirty="0">
+                <a:latin typeface="Segoe" panose="020B0502040504020203"/>
+              </a:rPr>
+              <a:t>N° </a:t>
+            </a:r>
+            <a:fld id="{6BFFD774-5C5F-4855-9115-A9F49D34CCD3}" type="slidenum">
+              <a:rPr lang="en-US" smtClean="0">
+                <a:latin typeface="Segoe" panose="020B0502040504020203"/>
+              </a:rPr>
+              <a:pPr/>
+              <a:t>38</a:t>
+            </a:fld>
+            <a:endParaRPr lang="en-US" dirty="0">
+              <a:latin typeface="Segoe" panose="020B0502040504020203"/>
+            </a:endParaRPr>
+          </a:p>
+        </p:txBody>
+      </p:sp>
+      <p:pic>
+        <p:nvPicPr>
+          <p:cNvPr id="6148" name="Picture 4" descr="Afficher l'image d'origine"/>
+          <p:cNvPicPr>
+            <a:picLocks noChangeAspect="1" noChangeArrowheads="1"/>
+          </p:cNvPicPr>
+          <p:nvPr/>
+        </p:nvPicPr>
+        <p:blipFill>
+          <a:blip r:embed="rId3">
+            <a:extLst>
+              <a:ext uri="{28A0092B-C50C-407E-A947-70E740481C1C}">
+                <a14:useLocalDpi xmlns:a14="http://schemas.microsoft.com/office/drawing/2010/main" val="0"/>
+              </a:ext>
+            </a:extLst>
+          </a:blip>
+          <a:srcRect/>
+          <a:stretch>
+            <a:fillRect/>
+          </a:stretch>
+        </p:blipFill>
+        <p:spPr bwMode="auto">
+          <a:xfrm>
+            <a:off x="1779145" y="2797415"/>
+            <a:ext cx="8633709" cy="1692130"/>
+          </a:xfrm>
+          <a:prstGeom prst="rect">
+            <a:avLst/>
+          </a:prstGeom>
+          <a:noFill/>
+          <a:extLst>
+            <a:ext uri="{909E8E84-426E-40DD-AFC4-6F175D3DCCD1}">
+              <a14:hiddenFill xmlns:a14="http://schemas.microsoft.com/office/drawing/2010/main">
+                <a:solidFill>
+                  <a:srgbClr val="FFFFFF"/>
+                </a:solidFill>
+              </a14:hiddenFill>
+            </a:ext>
+          </a:extLst>
+        </p:spPr>
+      </p:pic>
+    </p:spTree>
+    <p:extLst>
+      <p:ext uri="{BB962C8B-B14F-4D97-AF65-F5344CB8AC3E}">
+        <p14:creationId xmlns:p14="http://schemas.microsoft.com/office/powerpoint/2010/main" val="3456007632"/>
+      </p:ext>
+    </p:extLst>
+  </p:cSld>
+  <p:clrMapOvr>
+    <a:masterClrMapping/>
+  </p:clrMapOvr>
+</p:sld>
+</file>
+
+<file path=ppt/slides/slide39.xml><?xml version="1.0" encoding="utf-8"?>
+<p:sld xmlns:a="http://schemas.openxmlformats.org/drawingml/2006/main" xmlns:r="http://schemas.openxmlformats.org/officeDocument/2006/relationships" xmlns:p="http://schemas.openxmlformats.org/presentationml/2006/main">
+  <p:cSld>
+    <p:spTree>
+      <p:nvGrpSpPr>
+        <p:cNvPr id="1" name=""/>
+        <p:cNvGrpSpPr/>
+        <p:nvPr/>
+      </p:nvGrpSpPr>
+      <p:grpSpPr>
+        <a:xfrm>
+          <a:off x="0" y="0"/>
+          <a:ext cx="0" cy="0"/>
+          <a:chOff x="0" y="0"/>
+          <a:chExt cx="0" cy="0"/>
+        </a:xfrm>
+      </p:grpSpPr>
+      <p:sp>
+        <p:nvSpPr>
+          <p:cNvPr id="38" name="Content Placeholder 37"/>
+          <p:cNvSpPr>
+            <a:spLocks noGrp="1"/>
+          </p:cNvSpPr>
+          <p:nvPr>
+            <p:ph idx="1"/>
+          </p:nvPr>
+        </p:nvSpPr>
+        <p:spPr>
+          <a:xfrm>
+            <a:off x="838200" y="2056534"/>
+            <a:ext cx="10515600" cy="3542755"/>
+          </a:xfrm>
+        </p:spPr>
+        <p:txBody>
+          <a:bodyPr anchor="ctr">
+            <a:normAutofit fontScale="85000" lnSpcReduction="20000"/>
+          </a:bodyPr>
+          <a:lstStyle/>
+          <a:p>
+            <a:r>
+              <a:rPr lang="fr-FR" sz="4400" i="1" dirty="0"/>
+              <a:t>CQRS n’est pas un pattern général d’architecture</a:t>
+            </a:r>
+          </a:p>
+          <a:p>
+            <a:endParaRPr lang="fr-FR" sz="4400" i="1" dirty="0"/>
+          </a:p>
+          <a:p>
+            <a:r>
+              <a:rPr lang="fr-FR" sz="4400" i="1" dirty="0"/>
+              <a:t>Utilisez-le pour les composants soumis à rude épreuve (perf)</a:t>
+            </a:r>
+          </a:p>
+          <a:p>
+            <a:endParaRPr lang="fr-FR" sz="4400" i="1" dirty="0"/>
+          </a:p>
+          <a:p>
+            <a:r>
+              <a:rPr lang="fr-FR" sz="4400" i="1" dirty="0"/>
+              <a:t>Ce pattern peut très bien être utilisé que sur une sous-partie de votre plate-forme</a:t>
+            </a:r>
+          </a:p>
+        </p:txBody>
+      </p:sp>
+      <p:sp>
+        <p:nvSpPr>
+          <p:cNvPr id="41" name="Title 40"/>
+          <p:cNvSpPr>
+            <a:spLocks noGrp="1"/>
+          </p:cNvSpPr>
+          <p:nvPr>
+            <p:ph type="title"/>
+          </p:nvPr>
+        </p:nvSpPr>
+        <p:spPr/>
+        <p:txBody>
+          <a:bodyPr/>
+          <a:lstStyle/>
+          <a:p>
+            <a:r>
+              <a:rPr lang="en-US" dirty="0" err="1"/>
+              <a:t>N’en</a:t>
+            </a:r>
+            <a:r>
+              <a:rPr lang="en-US" dirty="0"/>
+              <a:t> </a:t>
+            </a:r>
+            <a:r>
+              <a:rPr lang="en-US" dirty="0" err="1"/>
+              <a:t>mettez</a:t>
+            </a:r>
+            <a:r>
+              <a:rPr lang="en-US" dirty="0"/>
+              <a:t> pas </a:t>
+            </a:r>
+            <a:r>
+              <a:rPr lang="en-US" dirty="0" err="1"/>
+              <a:t>partout</a:t>
+            </a:r>
+            <a:r>
+              <a:rPr lang="en-US" dirty="0"/>
+              <a:t> !</a:t>
+            </a:r>
+          </a:p>
+        </p:txBody>
+      </p:sp>
+      <p:sp>
+        <p:nvSpPr>
+          <p:cNvPr id="29" name="Slide Number Placeholder 28"/>
+          <p:cNvSpPr>
+            <a:spLocks noGrp="1"/>
+          </p:cNvSpPr>
+          <p:nvPr>
+            <p:ph type="sldNum" sz="quarter" idx="4"/>
+          </p:nvPr>
+        </p:nvSpPr>
+        <p:spPr/>
+        <p:txBody>
+          <a:bodyPr/>
+          <a:lstStyle/>
+          <a:p>
+            <a:r>
+              <a:rPr lang="en-US" dirty="0">
+                <a:latin typeface="Segoe" panose="020B0502040504020203"/>
+              </a:rPr>
+              <a:t>N° </a:t>
+            </a:r>
+            <a:fld id="{6BFFD774-5C5F-4855-9115-A9F49D34CCD3}" type="slidenum">
+              <a:rPr lang="en-US" smtClean="0">
+                <a:latin typeface="Segoe" panose="020B0502040504020203"/>
+              </a:rPr>
+              <a:pPr/>
+              <a:t>39</a:t>
+            </a:fld>
+            <a:endParaRPr lang="en-US" dirty="0">
+              <a:latin typeface="Segoe" panose="020B0502040504020203"/>
+            </a:endParaRPr>
+          </a:p>
+        </p:txBody>
+      </p:sp>
+      <p:sp>
+        <p:nvSpPr>
+          <p:cNvPr id="2" name="Text Placeholder 1"/>
+          <p:cNvSpPr>
+            <a:spLocks noGrp="1"/>
+          </p:cNvSpPr>
+          <p:nvPr>
+            <p:ph type="body" sz="quarter" idx="13"/>
+          </p:nvPr>
+        </p:nvSpPr>
+        <p:spPr/>
+        <p:txBody>
+          <a:bodyPr/>
+          <a:lstStyle/>
+          <a:p>
+            <a:endParaRPr lang="fr-FR"/>
+          </a:p>
+        </p:txBody>
+      </p:sp>
+      <p:pic>
+        <p:nvPicPr>
+          <p:cNvPr id="6" name="Picture 4" descr="Afficher l'image d'origine"/>
+          <p:cNvPicPr>
+            <a:picLocks noChangeAspect="1" noChangeArrowheads="1"/>
+          </p:cNvPicPr>
+          <p:nvPr/>
+        </p:nvPicPr>
+        <p:blipFill>
+          <a:blip r:embed="rId3">
+            <a:extLst>
+              <a:ext uri="{28A0092B-C50C-407E-A947-70E740481C1C}">
+                <a14:useLocalDpi xmlns:a14="http://schemas.microsoft.com/office/drawing/2010/main" val="0"/>
+              </a:ext>
+            </a:extLst>
+          </a:blip>
+          <a:srcRect/>
+          <a:stretch>
+            <a:fillRect/>
+          </a:stretch>
+        </p:blipFill>
+        <p:spPr bwMode="auto">
+          <a:xfrm>
+            <a:off x="4496372" y="1162947"/>
+            <a:ext cx="3199255" cy="627025"/>
+          </a:xfrm>
+          <a:prstGeom prst="rect">
+            <a:avLst/>
+          </a:prstGeom>
+          <a:noFill/>
+          <a:extLst>
+            <a:ext uri="{909E8E84-426E-40DD-AFC4-6F175D3DCCD1}">
+              <a14:hiddenFill xmlns:a14="http://schemas.microsoft.com/office/drawing/2010/main">
+                <a:solidFill>
+                  <a:srgbClr val="FFFFFF"/>
+                </a:solidFill>
+              </a14:hiddenFill>
+            </a:ext>
+          </a:extLst>
+        </p:spPr>
+      </p:pic>
+    </p:spTree>
+    <p:extLst>
+      <p:ext uri="{BB962C8B-B14F-4D97-AF65-F5344CB8AC3E}">
+        <p14:creationId xmlns:p14="http://schemas.microsoft.com/office/powerpoint/2010/main" val="1003182416"/>
+      </p:ext>
+    </p:extLst>
+  </p:cSld>
+  <p:clrMapOvr>
+    <a:masterClrMapping/>
+  </p:clrMapOvr>
+</p:sld>
+</file>
+
+<file path=ppt/slides/slide4.xml><?xml version="1.0" encoding="utf-8"?>
+<p:sld xmlns:a="http://schemas.openxmlformats.org/drawingml/2006/main" xmlns:r="http://schemas.openxmlformats.org/officeDocument/2006/relationships" xmlns:p="http://schemas.openxmlformats.org/presentationml/2006/main">
+  <p:cSld>
+    <p:spTree>
+      <p:nvGrpSpPr>
+        <p:cNvPr id="1" name=""/>
+        <p:cNvGrpSpPr/>
+        <p:nvPr/>
+      </p:nvGrpSpPr>
+      <p:grpSpPr>
+        <a:xfrm>
+          <a:off x="0" y="0"/>
+          <a:ext cx="0" cy="0"/>
+          <a:chOff x="0" y="0"/>
+          <a:chExt cx="0" cy="0"/>
+        </a:xfrm>
+      </p:grpSpPr>
+      <p:sp>
+        <p:nvSpPr>
+          <p:cNvPr id="41" name="Title 40"/>
+          <p:cNvSpPr>
+            <a:spLocks noGrp="1"/>
+          </p:cNvSpPr>
+          <p:nvPr>
+            <p:ph type="title"/>
+          </p:nvPr>
+        </p:nvSpPr>
+        <p:spPr/>
+        <p:txBody>
+          <a:bodyPr/>
+          <a:lstStyle/>
+          <a:p>
+            <a:r>
+              <a:rPr lang="en-US" dirty="0"/>
+              <a:t>Des </a:t>
+            </a:r>
+            <a:r>
+              <a:rPr lang="en-US" dirty="0" err="1"/>
+              <a:t>problèmes</a:t>
+            </a:r>
+            <a:r>
+              <a:rPr lang="en-US" dirty="0"/>
+              <a:t> de </a:t>
+            </a:r>
+            <a:r>
+              <a:rPr lang="en-US" dirty="0" err="1"/>
+              <a:t>Scalabilité</a:t>
+            </a:r>
+            <a:r>
+              <a:rPr lang="en-US" dirty="0"/>
+              <a:t> ?</a:t>
+            </a:r>
+          </a:p>
+        </p:txBody>
+      </p:sp>
+      <p:sp>
+        <p:nvSpPr>
+          <p:cNvPr id="42" name="Text Placeholder 41"/>
+          <p:cNvSpPr>
+            <a:spLocks noGrp="1"/>
+          </p:cNvSpPr>
+          <p:nvPr>
+            <p:ph type="body" sz="quarter" idx="13"/>
+          </p:nvPr>
+        </p:nvSpPr>
+        <p:spPr/>
+        <p:txBody>
+          <a:bodyPr/>
+          <a:lstStyle/>
+          <a:p>
+            <a:endParaRPr lang="en-US"/>
+          </a:p>
+        </p:txBody>
+      </p:sp>
+      <p:sp>
+        <p:nvSpPr>
+          <p:cNvPr id="29" name="Slide Number Placeholder 28"/>
+          <p:cNvSpPr>
+            <a:spLocks noGrp="1"/>
+          </p:cNvSpPr>
+          <p:nvPr>
+            <p:ph type="sldNum" sz="quarter" idx="4"/>
+          </p:nvPr>
+        </p:nvSpPr>
+        <p:spPr/>
+        <p:txBody>
+          <a:bodyPr/>
+          <a:lstStyle/>
+          <a:p>
+            <a:r>
+              <a:rPr lang="en-US" dirty="0">
+                <a:latin typeface="Segoe" panose="020B0502040504020203"/>
+              </a:rPr>
+              <a:t>N° </a:t>
+            </a:r>
+            <a:fld id="{6BFFD774-5C5F-4855-9115-A9F49D34CCD3}" type="slidenum">
+              <a:rPr lang="en-US" smtClean="0">
+                <a:latin typeface="Segoe" panose="020B0502040504020203"/>
+              </a:rPr>
+              <a:pPr/>
+              <a:t>4</a:t>
+            </a:fld>
+            <a:endParaRPr lang="en-US" dirty="0">
+              <a:latin typeface="Segoe" panose="020B0502040504020203"/>
+            </a:endParaRPr>
+          </a:p>
+        </p:txBody>
+      </p:sp>
+      <p:pic>
+        <p:nvPicPr>
+          <p:cNvPr id="1028" name="Picture 4" descr="https://s-media-cache-ak0.pinimg.com/originals/69/12/a7/6912a7bfe9d6e154c83697a5e13d13fb.jpg"/>
+          <p:cNvPicPr>
+            <a:picLocks noChangeAspect="1" noChangeArrowheads="1"/>
+          </p:cNvPicPr>
+          <p:nvPr/>
+        </p:nvPicPr>
+        <p:blipFill rotWithShape="1">
+          <a:blip r:embed="rId3">
+            <a:extLst>
+              <a:ext uri="{28A0092B-C50C-407E-A947-70E740481C1C}">
+                <a14:useLocalDpi xmlns:a14="http://schemas.microsoft.com/office/drawing/2010/main" val="0"/>
+              </a:ext>
+            </a:extLst>
+          </a:blip>
+          <a:srcRect l="1907" t="1851" r="2477" b="1521"/>
+          <a:stretch/>
+        </p:blipFill>
+        <p:spPr bwMode="auto">
+          <a:xfrm>
+            <a:off x="2822222" y="1332088"/>
+            <a:ext cx="6508814" cy="4933245"/>
+          </a:xfrm>
+          <a:prstGeom prst="rect">
+            <a:avLst/>
+          </a:prstGeom>
+          <a:noFill/>
+          <a:ln w="6350">
+            <a:solidFill>
+              <a:schemeClr val="accent1"/>
+            </a:solidFill>
+          </a:ln>
+          <a:extLst>
+            <a:ext uri="{909E8E84-426E-40DD-AFC4-6F175D3DCCD1}">
+              <a14:hiddenFill xmlns:a14="http://schemas.microsoft.com/office/drawing/2010/main">
+                <a:solidFill>
+                  <a:srgbClr val="FFFFFF"/>
+                </a:solidFill>
+              </a14:hiddenFill>
+            </a:ext>
+          </a:extLst>
+        </p:spPr>
+      </p:pic>
+    </p:spTree>
+    <p:extLst>
+      <p:ext uri="{BB962C8B-B14F-4D97-AF65-F5344CB8AC3E}">
+        <p14:creationId xmlns:p14="http://schemas.microsoft.com/office/powerpoint/2010/main" val="3227599500"/>
+      </p:ext>
+    </p:extLst>
+  </p:cSld>
+  <p:clrMapOvr>
+    <a:masterClrMapping/>
+  </p:clrMapOvr>
+</p:sld>
+</file>
+
+<file path=ppt/slides/slide40.xml><?xml version="1.0" encoding="utf-8"?>
+<p:sld xmlns:a="http://schemas.openxmlformats.org/drawingml/2006/main" xmlns:r="http://schemas.openxmlformats.org/officeDocument/2006/relationships" xmlns:p="http://schemas.openxmlformats.org/presentationml/2006/main">
+  <p:cSld>
+    <p:spTree>
+      <p:nvGrpSpPr>
+        <p:cNvPr id="1" name=""/>
+        <p:cNvGrpSpPr/>
+        <p:nvPr/>
+      </p:nvGrpSpPr>
+      <p:grpSpPr>
+        <a:xfrm>
+          <a:off x="0" y="0"/>
+          <a:ext cx="0" cy="0"/>
+          <a:chOff x="0" y="0"/>
+          <a:chExt cx="0" cy="0"/>
+        </a:xfrm>
+      </p:grpSpPr>
+      <p:sp>
+        <p:nvSpPr>
+          <p:cNvPr id="38" name="Content Placeholder 37"/>
+          <p:cNvSpPr>
+            <a:spLocks noGrp="1"/>
+          </p:cNvSpPr>
+          <p:nvPr>
+            <p:ph idx="1"/>
+          </p:nvPr>
+        </p:nvSpPr>
+        <p:spPr>
+          <a:xfrm>
+            <a:off x="838200" y="2056534"/>
+            <a:ext cx="10515600" cy="3542755"/>
+          </a:xfrm>
+        </p:spPr>
+        <p:txBody>
+          <a:bodyPr anchor="ctr">
+            <a:normAutofit/>
+          </a:bodyPr>
+          <a:lstStyle/>
+          <a:p>
+            <a:pPr algn="ctr"/>
+            <a:r>
+              <a:rPr lang="fr-FR" sz="6000" i="1" dirty="0"/>
+              <a:t>CQRS          Event </a:t>
+            </a:r>
+            <a:r>
+              <a:rPr lang="fr-FR" sz="6000" i="1" dirty="0" err="1"/>
+              <a:t>Sourcing</a:t>
+            </a:r>
+            <a:endParaRPr lang="fr-FR" sz="6000" i="1" dirty="0"/>
+          </a:p>
+          <a:p>
+            <a:pPr algn="ctr"/>
+            <a:r>
+              <a:rPr lang="fr-FR" sz="4000" i="1" dirty="0">
+                <a:solidFill>
+                  <a:schemeClr val="bg1">
+                    <a:lumMod val="65000"/>
+                  </a:schemeClr>
+                </a:solidFill>
+              </a:rPr>
+              <a:t>mais</a:t>
+            </a:r>
+            <a:endParaRPr lang="fr-FR" sz="6000" i="1" dirty="0">
+              <a:solidFill>
+                <a:schemeClr val="bg1">
+                  <a:lumMod val="65000"/>
+                </a:schemeClr>
+              </a:solidFill>
+            </a:endParaRPr>
+          </a:p>
+          <a:p>
+            <a:pPr algn="ctr"/>
+            <a:r>
+              <a:rPr lang="fr-FR" sz="6000" i="1" dirty="0"/>
+              <a:t>CQRS != Event </a:t>
+            </a:r>
+            <a:r>
+              <a:rPr lang="fr-FR" sz="6000" i="1" dirty="0" err="1"/>
+              <a:t>Sourcing</a:t>
+            </a:r>
+            <a:endParaRPr lang="fr-FR" sz="6000" i="1" dirty="0"/>
+          </a:p>
+        </p:txBody>
+      </p:sp>
+      <p:sp>
+        <p:nvSpPr>
+          <p:cNvPr id="41" name="Title 40"/>
+          <p:cNvSpPr>
+            <a:spLocks noGrp="1"/>
+          </p:cNvSpPr>
+          <p:nvPr>
+            <p:ph type="title"/>
+          </p:nvPr>
+        </p:nvSpPr>
+        <p:spPr/>
+        <p:txBody>
+          <a:bodyPr/>
+          <a:lstStyle/>
+          <a:p>
+            <a:r>
+              <a:rPr lang="fr-FR" dirty="0"/>
+              <a:t>Une dernière précision</a:t>
+            </a:r>
+          </a:p>
+        </p:txBody>
+      </p:sp>
+      <p:sp>
+        <p:nvSpPr>
+          <p:cNvPr id="29" name="Slide Number Placeholder 28"/>
+          <p:cNvSpPr>
+            <a:spLocks noGrp="1"/>
+          </p:cNvSpPr>
+          <p:nvPr>
+            <p:ph type="sldNum" sz="quarter" idx="4"/>
+          </p:nvPr>
+        </p:nvSpPr>
+        <p:spPr/>
+        <p:txBody>
+          <a:bodyPr/>
+          <a:lstStyle/>
+          <a:p>
+            <a:r>
+              <a:rPr lang="en-US" dirty="0">
+                <a:latin typeface="Segoe" panose="020B0502040504020203"/>
+              </a:rPr>
+              <a:t>N° </a:t>
+            </a:r>
+            <a:fld id="{6BFFD774-5C5F-4855-9115-A9F49D34CCD3}" type="slidenum">
+              <a:rPr lang="en-US" smtClean="0">
+                <a:latin typeface="Segoe" panose="020B0502040504020203"/>
+              </a:rPr>
+              <a:pPr/>
+              <a:t>40</a:t>
+            </a:fld>
+            <a:endParaRPr lang="en-US" dirty="0">
+              <a:latin typeface="Segoe" panose="020B0502040504020203"/>
+            </a:endParaRPr>
+          </a:p>
+        </p:txBody>
+      </p:sp>
+      <p:pic>
+        <p:nvPicPr>
+          <p:cNvPr id="14338" name="Picture 2" descr="Afficher l'image d'origine"/>
+          <p:cNvPicPr>
+            <a:picLocks noChangeAspect="1" noChangeArrowheads="1"/>
+          </p:cNvPicPr>
+          <p:nvPr/>
+        </p:nvPicPr>
+        <p:blipFill>
+          <a:blip r:embed="rId3">
+            <a:extLst>
+              <a:ext uri="{28A0092B-C50C-407E-A947-70E740481C1C}">
+                <a14:useLocalDpi xmlns:a14="http://schemas.microsoft.com/office/drawing/2010/main" val="0"/>
+              </a:ext>
+            </a:extLst>
+          </a:blip>
+          <a:srcRect/>
+          <a:stretch>
+            <a:fillRect/>
+          </a:stretch>
+        </p:blipFill>
+        <p:spPr bwMode="auto">
+          <a:xfrm>
+            <a:off x="4277435" y="2572562"/>
+            <a:ext cx="949657" cy="949657"/>
+          </a:xfrm>
+          <a:prstGeom prst="rect">
+            <a:avLst/>
+          </a:prstGeom>
+          <a:noFill/>
+          <a:extLst>
+            <a:ext uri="{909E8E84-426E-40DD-AFC4-6F175D3DCCD1}">
+              <a14:hiddenFill xmlns:a14="http://schemas.microsoft.com/office/drawing/2010/main">
+                <a:solidFill>
+                  <a:srgbClr val="FFFFFF"/>
+                </a:solidFill>
+              </a14:hiddenFill>
+            </a:ext>
+          </a:extLst>
+        </p:spPr>
+      </p:pic>
+    </p:spTree>
+    <p:extLst>
+      <p:ext uri="{BB962C8B-B14F-4D97-AF65-F5344CB8AC3E}">
+        <p14:creationId xmlns:p14="http://schemas.microsoft.com/office/powerpoint/2010/main" val="1035014557"/>
+      </p:ext>
+    </p:extLst>
+  </p:cSld>
+  <p:clrMapOvr>
+    <a:masterClrMapping/>
+  </p:clrMapOvr>
+</p:sld>
+</file>
+
+<file path=ppt/slides/slide41.xml><?xml version="1.0" encoding="utf-8"?>
+<p:sld xmlns:a="http://schemas.openxmlformats.org/drawingml/2006/main" xmlns:r="http://schemas.openxmlformats.org/officeDocument/2006/relationships" xmlns:p="http://schemas.openxmlformats.org/presentationml/2006/main">
+  <p:cSld>
+    <p:spTree>
+      <p:nvGrpSpPr>
+        <p:cNvPr id="1" name=""/>
+        <p:cNvGrpSpPr/>
+        <p:nvPr/>
+      </p:nvGrpSpPr>
+      <p:grpSpPr>
+        <a:xfrm>
+          <a:off x="0" y="0"/>
+          <a:ext cx="0" cy="0"/>
+          <a:chOff x="0" y="0"/>
+          <a:chExt cx="0" cy="0"/>
+        </a:xfrm>
+      </p:grpSpPr>
+      <p:sp>
+        <p:nvSpPr>
+          <p:cNvPr id="3" name="Slide Number Placeholder 2"/>
+          <p:cNvSpPr>
+            <a:spLocks noGrp="1"/>
+          </p:cNvSpPr>
+          <p:nvPr>
+            <p:ph type="sldNum" sz="quarter" idx="4294967295"/>
+          </p:nvPr>
+        </p:nvSpPr>
+        <p:spPr>
+          <a:xfrm>
+            <a:off x="9448800" y="6492875"/>
+            <a:ext cx="2743200" cy="365125"/>
+          </a:xfrm>
+        </p:spPr>
+        <p:txBody>
+          <a:bodyPr/>
+          <a:lstStyle/>
+          <a:p>
+            <a:r>
+              <a:rPr lang="en-US"/>
+              <a:t>N° </a:t>
+            </a:r>
+            <a:fld id="{6BFFD774-5C5F-4855-9115-A9F49D34CCD3}" type="slidenum">
+              <a:rPr lang="en-US" smtClean="0"/>
+              <a:pPr/>
+              <a:t>41</a:t>
+            </a:fld>
+            <a:endParaRPr lang="en-US" dirty="0"/>
+          </a:p>
+        </p:txBody>
+      </p:sp>
+    </p:spTree>
+    <p:extLst>
+      <p:ext uri="{BB962C8B-B14F-4D97-AF65-F5344CB8AC3E}">
+        <p14:creationId xmlns:p14="http://schemas.microsoft.com/office/powerpoint/2010/main" val="3406228000"/>
+      </p:ext>
+    </p:extLst>
+  </p:cSld>
+  <p:clrMapOvr>
+    <a:masterClrMapping/>
+  </p:clrMapOvr>
+</p:sld>
+</file>
+
+<file path=ppt/slides/slide42.xml><?xml version="1.0" encoding="utf-8"?>
+<p:sld xmlns:a="http://schemas.openxmlformats.org/drawingml/2006/main" xmlns:r="http://schemas.openxmlformats.org/officeDocument/2006/relationships" xmlns:p="http://schemas.openxmlformats.org/presentationml/2006/main">
+  <p:cSld>
+    <p:spTree>
+      <p:nvGrpSpPr>
+        <p:cNvPr id="1" name=""/>
+        <p:cNvGrpSpPr/>
+        <p:nvPr/>
+      </p:nvGrpSpPr>
+      <p:grpSpPr>
+        <a:xfrm>
+          <a:off x="0" y="0"/>
+          <a:ext cx="0" cy="0"/>
+          <a:chOff x="0" y="0"/>
+          <a:chExt cx="0" cy="0"/>
+        </a:xfrm>
+      </p:grpSpPr>
+      <p:sp>
+        <p:nvSpPr>
+          <p:cNvPr id="7" name="Text Placeholder 6"/>
+          <p:cNvSpPr>
+            <a:spLocks noGrp="1"/>
+          </p:cNvSpPr>
+          <p:nvPr>
+            <p:ph type="body" sz="quarter" idx="10"/>
+          </p:nvPr>
+        </p:nvSpPr>
+        <p:spPr/>
+        <p:txBody>
+          <a:bodyPr/>
+          <a:lstStyle/>
+          <a:p>
+            <a:r>
+              <a:rPr lang="en-US" sz="2800" dirty="0"/>
+              <a:t>@</a:t>
+            </a:r>
+            <a:r>
+              <a:rPr lang="en-US" sz="2800" dirty="0" err="1"/>
+              <a:t>tpierrain</a:t>
+            </a:r>
+            <a:r>
+              <a:rPr lang="en-US" sz="2800" dirty="0"/>
+              <a:t> @</a:t>
+            </a:r>
+            <a:r>
+              <a:rPr lang="en-US" sz="2800" dirty="0" err="1"/>
+              <a:t>boucardbruno</a:t>
+            </a:r>
+            <a:r>
+              <a:rPr lang="en-US" sz="2800" dirty="0"/>
+              <a:t> @</a:t>
+            </a:r>
+            <a:r>
+              <a:rPr lang="en-US" sz="2800" dirty="0" err="1"/>
+              <a:t>tjaskula</a:t>
+            </a:r>
+            <a:r>
+              <a:rPr lang="en-US" sz="2800" dirty="0"/>
+              <a:t> @</a:t>
+            </a:r>
+            <a:r>
+              <a:rPr lang="en-US" sz="2800" dirty="0" err="1"/>
+              <a:t>EricVernie</a:t>
+            </a:r>
+            <a:endParaRPr lang="en-US" sz="2800" dirty="0"/>
+          </a:p>
+        </p:txBody>
+      </p:sp>
+      <p:sp>
+        <p:nvSpPr>
+          <p:cNvPr id="6" name="Slide Number Placeholder 5"/>
+          <p:cNvSpPr>
+            <a:spLocks noGrp="1"/>
+          </p:cNvSpPr>
+          <p:nvPr>
+            <p:ph type="sldNum" sz="quarter" idx="4294967295"/>
+          </p:nvPr>
+        </p:nvSpPr>
+        <p:spPr>
+          <a:xfrm>
+            <a:off x="9448800" y="6492875"/>
+            <a:ext cx="2743200" cy="365125"/>
+          </a:xfrm>
+        </p:spPr>
+        <p:txBody>
+          <a:bodyPr/>
+          <a:lstStyle/>
+          <a:p>
+            <a:r>
+              <a:rPr lang="en-US"/>
+              <a:t>N° </a:t>
+            </a:r>
+            <a:fld id="{6BFFD774-5C5F-4855-9115-A9F49D34CCD3}" type="slidenum">
+              <a:rPr lang="en-US" smtClean="0"/>
+              <a:pPr/>
+              <a:t>42</a:t>
+            </a:fld>
+            <a:endParaRPr lang="en-US" dirty="0"/>
+          </a:p>
+        </p:txBody>
+      </p:sp>
+    </p:spTree>
+    <p:extLst>
+      <p:ext uri="{BB962C8B-B14F-4D97-AF65-F5344CB8AC3E}">
+        <p14:creationId xmlns:p14="http://schemas.microsoft.com/office/powerpoint/2010/main" val="3741219683"/>
+      </p:ext>
+    </p:extLst>
+  </p:cSld>
+  <p:clrMapOvr>
+    <a:masterClrMapping/>
+  </p:clrMapOvr>
+</p:sld>
+</file>
+
+<file path=ppt/slides/slide43.xml><?xml version="1.0" encoding="utf-8"?>
+<p:sld xmlns:a="http://schemas.openxmlformats.org/drawingml/2006/main" xmlns:r="http://schemas.openxmlformats.org/officeDocument/2006/relationships" xmlns:p="http://schemas.openxmlformats.org/presentationml/2006/main">
+  <p:cSld>
+    <p:spTree>
+      <p:nvGrpSpPr>
+        <p:cNvPr id="1" name=""/>
+        <p:cNvGrpSpPr/>
+        <p:nvPr/>
+      </p:nvGrpSpPr>
+      <p:grpSpPr>
+        <a:xfrm>
+          <a:off x="0" y="0"/>
+          <a:ext cx="0" cy="0"/>
+          <a:chOff x="0" y="0"/>
+          <a:chExt cx="0" cy="0"/>
+        </a:xfrm>
+      </p:grpSpPr>
+      <p:pic>
+        <p:nvPicPr>
+          <p:cNvPr id="6" name="Image 5"/>
+          <p:cNvPicPr>
+            <a:picLocks noChangeAspect="1"/>
+          </p:cNvPicPr>
+          <p:nvPr/>
+        </p:nvPicPr>
+        <p:blipFill>
+          <a:blip r:embed="rId2">
+            <a:extLst>
+              <a:ext uri="{28A0092B-C50C-407E-A947-70E740481C1C}">
+                <a14:useLocalDpi xmlns:a14="http://schemas.microsoft.com/office/drawing/2010/main" val="0"/>
+              </a:ext>
+            </a:extLst>
+          </a:blip>
+          <a:stretch>
+            <a:fillRect/>
+          </a:stretch>
+        </p:blipFill>
+        <p:spPr>
+          <a:xfrm>
+            <a:off x="4614496" y="2670929"/>
+            <a:ext cx="2963009" cy="2963009"/>
+          </a:xfrm>
+          <a:prstGeom prst="rect">
+            <a:avLst/>
+          </a:prstGeom>
+        </p:spPr>
+      </p:pic>
+      <p:sp>
+        <p:nvSpPr>
+          <p:cNvPr id="2" name="Slide Number Placeholder 1"/>
+          <p:cNvSpPr>
+            <a:spLocks noGrp="1"/>
+          </p:cNvSpPr>
+          <p:nvPr>
+            <p:ph type="sldNum" sz="quarter" idx="4294967295"/>
+          </p:nvPr>
+        </p:nvSpPr>
+        <p:spPr>
+          <a:xfrm>
+            <a:off x="9448800" y="6492875"/>
+            <a:ext cx="2743200" cy="365125"/>
+          </a:xfrm>
+        </p:spPr>
+        <p:txBody>
+          <a:bodyPr/>
+          <a:lstStyle/>
+          <a:p>
+            <a:r>
+              <a:rPr lang="en-US" dirty="0"/>
+              <a:t>N° </a:t>
+            </a:r>
+            <a:fld id="{6BFFD774-5C5F-4855-9115-A9F49D34CCD3}" type="slidenum">
+              <a:rPr lang="en-US" smtClean="0"/>
+              <a:pPr/>
+              <a:t>43</a:t>
+            </a:fld>
+            <a:endParaRPr lang="en-US" dirty="0"/>
+          </a:p>
+        </p:txBody>
+      </p:sp>
+    </p:spTree>
+    <p:extLst>
+      <p:ext uri="{BB962C8B-B14F-4D97-AF65-F5344CB8AC3E}">
+        <p14:creationId xmlns:p14="http://schemas.microsoft.com/office/powerpoint/2010/main" val="1692793826"/>
+      </p:ext>
+    </p:extLst>
+  </p:cSld>
+  <p:clrMapOvr>
+    <a:masterClrMapping/>
+  </p:clrMapOvr>
+</p:sld>
+</file>
+
+<file path=ppt/slides/slide44.xml><?xml version="1.0" encoding="utf-8"?>
+<p:sld xmlns:a="http://schemas.openxmlformats.org/drawingml/2006/main" xmlns:r="http://schemas.openxmlformats.org/officeDocument/2006/relationships" xmlns:p="http://schemas.openxmlformats.org/presentationml/2006/main">
+  <p:cSld>
+    <p:spTree>
+      <p:nvGrpSpPr>
+        <p:cNvPr id="1" name=""/>
+        <p:cNvGrpSpPr/>
+        <p:nvPr/>
+      </p:nvGrpSpPr>
+      <p:grpSpPr>
+        <a:xfrm>
+          <a:off x="0" y="0"/>
+          <a:ext cx="0" cy="0"/>
+          <a:chOff x="0" y="0"/>
+          <a:chExt cx="0" cy="0"/>
+        </a:xfrm>
+      </p:grpSpPr>
+      <p:sp>
+        <p:nvSpPr>
+          <p:cNvPr id="2" name="Espace réservé du contenu 1"/>
+          <p:cNvSpPr>
+            <a:spLocks noGrp="1"/>
+          </p:cNvSpPr>
+          <p:nvPr>
+            <p:ph idx="1"/>
+          </p:nvPr>
+        </p:nvSpPr>
+        <p:spPr/>
+        <p:txBody>
+          <a:bodyPr>
+            <a:normAutofit lnSpcReduction="10000"/>
+          </a:bodyPr>
+          <a:lstStyle/>
+          <a:p>
+            <a:r>
+              <a:rPr lang="en-US" dirty="0">
+                <a:solidFill>
+                  <a:srgbClr val="0000FF"/>
+                </a:solidFill>
+                <a:highlight>
+                  <a:srgbClr val="FFFFFF"/>
+                </a:highlight>
+              </a:rPr>
+              <a:t>try</a:t>
+            </a:r>
+            <a:endParaRPr lang="en-US" dirty="0">
+              <a:solidFill>
+                <a:srgbClr val="000000"/>
+              </a:solidFill>
+              <a:highlight>
+                <a:srgbClr val="FFFFFF"/>
+              </a:highlight>
+            </a:endParaRPr>
+          </a:p>
+          <a:p>
+            <a:r>
+              <a:rPr lang="en-US" dirty="0">
+                <a:solidFill>
+                  <a:srgbClr val="000000"/>
+                </a:solidFill>
+                <a:highlight>
+                  <a:srgbClr val="FFFFFF"/>
+                </a:highlight>
+              </a:rPr>
+              <a:t>{</a:t>
+            </a:r>
+          </a:p>
+          <a:p>
+            <a:r>
+              <a:rPr lang="nn-NO" dirty="0">
+                <a:solidFill>
+                  <a:srgbClr val="000000"/>
+                </a:solidFill>
+                <a:highlight>
+                  <a:srgbClr val="FFFFFF"/>
+                </a:highlight>
+              </a:rPr>
+              <a:t>    </a:t>
+            </a:r>
+            <a:r>
+              <a:rPr lang="nn-NO" dirty="0">
+                <a:solidFill>
+                  <a:srgbClr val="0000FF"/>
+                </a:solidFill>
+                <a:highlight>
+                  <a:srgbClr val="FFFFFF"/>
+                </a:highlight>
+              </a:rPr>
+              <a:t>var</a:t>
+            </a:r>
+            <a:r>
+              <a:rPr lang="nn-NO" dirty="0">
+                <a:solidFill>
+                  <a:srgbClr val="000000"/>
+                </a:solidFill>
+                <a:highlight>
+                  <a:srgbClr val="FFFFFF"/>
+                </a:highlight>
+              </a:rPr>
+              <a:t> uri = </a:t>
+            </a:r>
+            <a:r>
+              <a:rPr lang="nn-NO" dirty="0">
+                <a:solidFill>
+                  <a:srgbClr val="0000FF"/>
+                </a:solidFill>
+                <a:highlight>
+                  <a:srgbClr val="FFFFFF"/>
+                </a:highlight>
+              </a:rPr>
+              <a:t>new</a:t>
+            </a:r>
+            <a:r>
+              <a:rPr lang="nn-NO" dirty="0">
+                <a:solidFill>
+                  <a:srgbClr val="000000"/>
+                </a:solidFill>
+                <a:highlight>
+                  <a:srgbClr val="FFFFFF"/>
+                </a:highlight>
+              </a:rPr>
+              <a:t> </a:t>
+            </a:r>
+            <a:r>
+              <a:rPr lang="nn-NO" dirty="0">
+                <a:solidFill>
+                  <a:srgbClr val="2B91AF"/>
+                </a:solidFill>
+                <a:highlight>
+                  <a:srgbClr val="FFFFFF"/>
+                </a:highlight>
+              </a:rPr>
+              <a:t>Uri</a:t>
+            </a:r>
+            <a:r>
+              <a:rPr lang="nn-NO" dirty="0">
+                <a:solidFill>
+                  <a:srgbClr val="000000"/>
+                </a:solidFill>
+                <a:highlight>
+                  <a:srgbClr val="FFFFFF"/>
+                </a:highlight>
+              </a:rPr>
+              <a:t>(</a:t>
+            </a:r>
+            <a:r>
+              <a:rPr lang="nn-NO" dirty="0">
+                <a:solidFill>
+                  <a:srgbClr val="A31515"/>
+                </a:solidFill>
+                <a:highlight>
+                  <a:srgbClr val="FFFFFF"/>
+                </a:highlight>
+              </a:rPr>
+              <a:t>"http://example.com/datalist.aspx"</a:t>
+            </a:r>
+            <a:r>
+              <a:rPr lang="nn-NO" dirty="0">
+                <a:solidFill>
+                  <a:srgbClr val="000000"/>
+                </a:solidFill>
+                <a:highlight>
+                  <a:srgbClr val="FFFFFF"/>
+                </a:highlight>
+              </a:rPr>
+              <a:t>);</a:t>
+            </a:r>
+          </a:p>
+          <a:p>
+            <a:r>
+              <a:rPr lang="en-US" dirty="0">
+                <a:solidFill>
+                  <a:srgbClr val="000000"/>
+                </a:solidFill>
+                <a:highlight>
+                  <a:srgbClr val="FFFFFF"/>
+                </a:highlight>
+              </a:rPr>
+              <a:t>    </a:t>
+            </a:r>
+            <a:r>
+              <a:rPr lang="en-US" dirty="0" err="1">
+                <a:solidFill>
+                  <a:srgbClr val="0000FF"/>
+                </a:solidFill>
+                <a:highlight>
+                  <a:srgbClr val="FFFFFF"/>
+                </a:highlight>
+              </a:rPr>
+              <a:t>var</a:t>
+            </a:r>
+            <a:r>
+              <a:rPr lang="en-US" dirty="0">
+                <a:solidFill>
+                  <a:srgbClr val="000000"/>
+                </a:solidFill>
+                <a:highlight>
+                  <a:srgbClr val="FFFFFF"/>
+                </a:highlight>
+              </a:rPr>
+              <a:t> </a:t>
+            </a:r>
+            <a:r>
+              <a:rPr lang="en-US" dirty="0" err="1">
+                <a:solidFill>
+                  <a:srgbClr val="000000"/>
+                </a:solidFill>
+                <a:highlight>
+                  <a:srgbClr val="FFFFFF"/>
+                </a:highlight>
+              </a:rPr>
+              <a:t>httpClient</a:t>
+            </a:r>
+            <a:r>
+              <a:rPr lang="en-US" dirty="0">
+                <a:solidFill>
+                  <a:srgbClr val="000000"/>
+                </a:solidFill>
+                <a:highlight>
+                  <a:srgbClr val="FFFFFF"/>
+                </a:highlight>
+              </a:rPr>
+              <a:t> = </a:t>
+            </a:r>
+            <a:r>
+              <a:rPr lang="en-US" dirty="0">
+                <a:solidFill>
+                  <a:srgbClr val="0000FF"/>
+                </a:solidFill>
+                <a:highlight>
+                  <a:srgbClr val="FFFFFF"/>
+                </a:highlight>
+              </a:rPr>
+              <a:t>new</a:t>
+            </a:r>
+            <a:r>
+              <a:rPr lang="en-US" dirty="0">
+                <a:solidFill>
+                  <a:srgbClr val="000000"/>
+                </a:solidFill>
+                <a:highlight>
+                  <a:srgbClr val="FFFFFF"/>
+                </a:highlight>
+              </a:rPr>
+              <a:t> </a:t>
+            </a:r>
+            <a:r>
+              <a:rPr lang="en-US" dirty="0" err="1">
+                <a:solidFill>
+                  <a:srgbClr val="2B91AF"/>
+                </a:solidFill>
+                <a:highlight>
+                  <a:srgbClr val="FFFFFF"/>
+                </a:highlight>
+              </a:rPr>
+              <a:t>HttpClient</a:t>
+            </a:r>
+            <a:r>
+              <a:rPr lang="en-US" dirty="0">
+                <a:solidFill>
+                  <a:srgbClr val="000000"/>
+                </a:solidFill>
+                <a:highlight>
+                  <a:srgbClr val="FFFFFF"/>
+                </a:highlight>
+              </a:rPr>
+              <a:t>();</a:t>
+            </a:r>
+          </a:p>
+          <a:p>
+            <a:r>
+              <a:rPr lang="en-US" dirty="0">
+                <a:solidFill>
+                  <a:srgbClr val="000000"/>
+                </a:solidFill>
+                <a:highlight>
+                  <a:srgbClr val="FFFFFF"/>
+                </a:highlight>
+              </a:rPr>
+              <a:t>    </a:t>
+            </a:r>
+            <a:r>
+              <a:rPr lang="en-US" dirty="0" err="1">
+                <a:solidFill>
+                  <a:srgbClr val="0000FF"/>
+                </a:solidFill>
+                <a:highlight>
+                  <a:srgbClr val="FFFFFF"/>
+                </a:highlight>
+              </a:rPr>
+              <a:t>var</a:t>
+            </a:r>
+            <a:r>
+              <a:rPr lang="en-US" dirty="0">
+                <a:solidFill>
+                  <a:srgbClr val="000000"/>
+                </a:solidFill>
+                <a:highlight>
+                  <a:srgbClr val="FFFFFF"/>
+                </a:highlight>
+              </a:rPr>
+              <a:t> result = </a:t>
+            </a:r>
+            <a:r>
+              <a:rPr lang="en-US" dirty="0">
+                <a:solidFill>
+                  <a:srgbClr val="0000FF"/>
+                </a:solidFill>
+                <a:highlight>
+                  <a:srgbClr val="FFFFFF"/>
+                </a:highlight>
+              </a:rPr>
+              <a:t>await</a:t>
+            </a:r>
+            <a:r>
+              <a:rPr lang="en-US" dirty="0">
+                <a:solidFill>
+                  <a:srgbClr val="000000"/>
+                </a:solidFill>
+                <a:highlight>
+                  <a:srgbClr val="FFFFFF"/>
+                </a:highlight>
+              </a:rPr>
+              <a:t> </a:t>
+            </a:r>
+            <a:r>
+              <a:rPr lang="en-US" dirty="0" err="1">
+                <a:solidFill>
+                  <a:srgbClr val="000000"/>
+                </a:solidFill>
+                <a:highlight>
+                  <a:srgbClr val="FFFFFF"/>
+                </a:highlight>
+              </a:rPr>
+              <a:t>httpClient.GetStringAsync</a:t>
+            </a:r>
+            <a:r>
+              <a:rPr lang="en-US" dirty="0">
+                <a:solidFill>
+                  <a:srgbClr val="000000"/>
+                </a:solidFill>
+                <a:highlight>
+                  <a:srgbClr val="FFFFFF"/>
+                </a:highlight>
+              </a:rPr>
+              <a:t>(</a:t>
+            </a:r>
+            <a:r>
+              <a:rPr lang="en-US" dirty="0" err="1">
+                <a:solidFill>
+                  <a:srgbClr val="000000"/>
+                </a:solidFill>
+                <a:highlight>
+                  <a:srgbClr val="FFFFFF"/>
+                </a:highlight>
+              </a:rPr>
+              <a:t>uri</a:t>
+            </a:r>
+            <a:r>
+              <a:rPr lang="en-US" dirty="0">
+                <a:solidFill>
+                  <a:srgbClr val="000000"/>
+                </a:solidFill>
+                <a:highlight>
+                  <a:srgbClr val="FFFFFF"/>
+                </a:highlight>
+              </a:rPr>
+              <a:t>);</a:t>
+            </a:r>
+          </a:p>
+          <a:p>
+            <a:r>
+              <a:rPr lang="en-US" dirty="0">
+                <a:solidFill>
+                  <a:srgbClr val="000000"/>
+                </a:solidFill>
+                <a:highlight>
+                  <a:srgbClr val="FFFFFF"/>
+                </a:highlight>
+              </a:rPr>
+              <a:t>}</a:t>
+            </a:r>
+          </a:p>
+          <a:p>
+            <a:r>
+              <a:rPr lang="en-US" dirty="0">
+                <a:solidFill>
+                  <a:srgbClr val="0000FF"/>
+                </a:solidFill>
+                <a:highlight>
+                  <a:srgbClr val="FFFFFF"/>
+                </a:highlight>
+              </a:rPr>
+              <a:t>catch</a:t>
+            </a:r>
+            <a:r>
+              <a:rPr lang="en-US" dirty="0">
+                <a:solidFill>
+                  <a:srgbClr val="000000"/>
+                </a:solidFill>
+                <a:highlight>
+                  <a:srgbClr val="FFFFFF"/>
+                </a:highlight>
+              </a:rPr>
+              <a:t> (</a:t>
+            </a:r>
+            <a:r>
+              <a:rPr lang="en-US" dirty="0">
+                <a:solidFill>
+                  <a:srgbClr val="2B91AF"/>
+                </a:solidFill>
+                <a:highlight>
+                  <a:srgbClr val="FFFFFF"/>
+                </a:highlight>
+              </a:rPr>
+              <a:t>Exception</a:t>
+            </a:r>
+            <a:r>
+              <a:rPr lang="en-US" dirty="0">
+                <a:solidFill>
+                  <a:srgbClr val="000000"/>
+                </a:solidFill>
+                <a:highlight>
+                  <a:srgbClr val="FFFFFF"/>
+                </a:highlight>
+              </a:rPr>
+              <a:t> e)</a:t>
+            </a:r>
+          </a:p>
+          <a:p>
+            <a:r>
+              <a:rPr lang="en-US" dirty="0">
+                <a:solidFill>
+                  <a:srgbClr val="000000"/>
+                </a:solidFill>
+                <a:highlight>
+                  <a:srgbClr val="FFFFFF"/>
+                </a:highlight>
+              </a:rPr>
+              <a:t>{</a:t>
+            </a:r>
+          </a:p>
+          <a:p>
+            <a:r>
+              <a:rPr lang="en-US" dirty="0">
+                <a:solidFill>
+                  <a:srgbClr val="000000"/>
+                </a:solidFill>
+                <a:highlight>
+                  <a:srgbClr val="FFFFFF"/>
+                </a:highlight>
+              </a:rPr>
+              <a:t>}</a:t>
+            </a:r>
+            <a:endParaRPr lang="en-US" dirty="0">
+              <a:solidFill>
+                <a:srgbClr val="000000"/>
+              </a:solidFill>
+              <a:highlight>
+                <a:srgbClr val="FFFFFF"/>
+              </a:highlight>
+              <a:latin typeface="Consolas"/>
+            </a:endParaRPr>
+          </a:p>
+        </p:txBody>
+      </p:sp>
+      <p:sp>
+        <p:nvSpPr>
+          <p:cNvPr id="3" name="Titre 2"/>
+          <p:cNvSpPr>
+            <a:spLocks noGrp="1"/>
+          </p:cNvSpPr>
+          <p:nvPr>
+            <p:ph type="title"/>
+          </p:nvPr>
+        </p:nvSpPr>
+        <p:spPr/>
+        <p:txBody>
+          <a:bodyPr/>
+          <a:lstStyle/>
+          <a:p>
+            <a:r>
+              <a:rPr lang="fr-FR" dirty="0"/>
+              <a:t>Exemple</a:t>
+            </a:r>
+          </a:p>
+        </p:txBody>
+      </p:sp>
+      <p:sp>
+        <p:nvSpPr>
+          <p:cNvPr id="4" name="Espace réservé du texte 3"/>
+          <p:cNvSpPr>
+            <a:spLocks noGrp="1"/>
+          </p:cNvSpPr>
+          <p:nvPr>
+            <p:ph type="body" sz="quarter" idx="13"/>
+          </p:nvPr>
+        </p:nvSpPr>
+        <p:spPr/>
+        <p:txBody>
+          <a:bodyPr/>
+          <a:lstStyle/>
+          <a:p>
+            <a:r>
+              <a:rPr lang="fr-FR" dirty="0"/>
+              <a:t>de code</a:t>
+            </a:r>
+          </a:p>
+        </p:txBody>
+      </p:sp>
+      <p:sp>
+        <p:nvSpPr>
+          <p:cNvPr id="5" name="Espace réservé du numéro de diapositive 4"/>
+          <p:cNvSpPr>
+            <a:spLocks noGrp="1"/>
+          </p:cNvSpPr>
+          <p:nvPr>
+            <p:ph type="sldNum" sz="quarter" idx="4"/>
+          </p:nvPr>
+        </p:nvSpPr>
+        <p:spPr/>
+        <p:txBody>
+          <a:bodyPr/>
+          <a:lstStyle/>
+          <a:p>
+            <a:r>
+              <a:rPr lang="en-US">
+                <a:latin typeface="Segoe" panose="020B0502040504020203"/>
+              </a:rPr>
+              <a:t>N° </a:t>
+            </a:r>
+            <a:fld id="{6BFFD774-5C5F-4855-9115-A9F49D34CCD3}" type="slidenum">
+              <a:rPr lang="en-US" smtClean="0">
+                <a:latin typeface="Segoe" panose="020B0502040504020203"/>
+              </a:rPr>
+              <a:pPr/>
+              <a:t>44</a:t>
+            </a:fld>
+            <a:endParaRPr lang="en-US" dirty="0">
+              <a:latin typeface="Segoe" panose="020B0502040504020203"/>
+            </a:endParaRPr>
+          </a:p>
+        </p:txBody>
+      </p:sp>
+    </p:spTree>
+    <p:extLst>
+      <p:ext uri="{BB962C8B-B14F-4D97-AF65-F5344CB8AC3E}">
+        <p14:creationId xmlns:p14="http://schemas.microsoft.com/office/powerpoint/2010/main" val="3944300715"/>
+      </p:ext>
+    </p:extLst>
+  </p:cSld>
+  <p:clrMapOvr>
+    <a:masterClrMapping/>
+  </p:clrMapOvr>
+</p:sld>
+</file>
+
+<file path=ppt/slides/slide5.xml><?xml version="1.0" encoding="utf-8"?>
+<p:sld xmlns:a="http://schemas.openxmlformats.org/drawingml/2006/main" xmlns:r="http://schemas.openxmlformats.org/officeDocument/2006/relationships" xmlns:p="http://schemas.openxmlformats.org/presentationml/2006/main">
+  <p:cSld>
+    <p:spTree>
+      <p:nvGrpSpPr>
+        <p:cNvPr id="1" name=""/>
+        <p:cNvGrpSpPr/>
+        <p:nvPr/>
+      </p:nvGrpSpPr>
+      <p:grpSpPr>
+        <a:xfrm>
+          <a:off x="0" y="0"/>
+          <a:ext cx="0" cy="0"/>
+          <a:chOff x="0" y="0"/>
+          <a:chExt cx="0" cy="0"/>
+        </a:xfrm>
+      </p:grpSpPr>
+      <p:sp>
+        <p:nvSpPr>
+          <p:cNvPr id="38" name="Content Placeholder 37"/>
+          <p:cNvSpPr>
+            <a:spLocks noGrp="1"/>
+          </p:cNvSpPr>
+          <p:nvPr>
+            <p:ph idx="1"/>
+          </p:nvPr>
+        </p:nvSpPr>
+        <p:spPr>
+          <a:xfrm>
+            <a:off x="158042" y="1611458"/>
+            <a:ext cx="5655735" cy="4477663"/>
+          </a:xfrm>
+        </p:spPr>
+        <p:txBody>
+          <a:bodyPr anchor="ctr">
+            <a:normAutofit/>
+          </a:bodyPr>
+          <a:lstStyle/>
+          <a:p>
+            <a:pPr algn="ctr"/>
+            <a:r>
+              <a:rPr lang="fr-FR" sz="6000" dirty="0"/>
+              <a:t>Loi de Pareto</a:t>
+            </a:r>
+          </a:p>
+          <a:p>
+            <a:pPr algn="ctr"/>
+            <a:r>
+              <a:rPr lang="fr-FR" sz="3600" dirty="0"/>
+              <a:t>80-20</a:t>
+            </a:r>
+          </a:p>
+        </p:txBody>
+      </p:sp>
+      <p:sp>
+        <p:nvSpPr>
+          <p:cNvPr id="41" name="Title 40"/>
+          <p:cNvSpPr>
+            <a:spLocks noGrp="1"/>
+          </p:cNvSpPr>
+          <p:nvPr>
+            <p:ph type="title"/>
+          </p:nvPr>
+        </p:nvSpPr>
+        <p:spPr/>
+        <p:txBody>
+          <a:bodyPr/>
+          <a:lstStyle/>
+          <a:p>
+            <a:r>
+              <a:rPr lang="en-US" dirty="0"/>
+              <a:t>Le </a:t>
+            </a:r>
+            <a:r>
+              <a:rPr lang="en-US" dirty="0" err="1"/>
+              <a:t>coupable</a:t>
+            </a:r>
+            <a:r>
+              <a:rPr lang="en-US" dirty="0"/>
+              <a:t>…</a:t>
+            </a:r>
+          </a:p>
+        </p:txBody>
+      </p:sp>
+      <p:sp>
+        <p:nvSpPr>
+          <p:cNvPr id="29" name="Slide Number Placeholder 28"/>
+          <p:cNvSpPr>
+            <a:spLocks noGrp="1"/>
+          </p:cNvSpPr>
+          <p:nvPr>
+            <p:ph type="sldNum" sz="quarter" idx="4"/>
+          </p:nvPr>
+        </p:nvSpPr>
+        <p:spPr/>
+        <p:txBody>
+          <a:bodyPr/>
+          <a:lstStyle/>
+          <a:p>
+            <a:r>
+              <a:rPr lang="en-US" dirty="0">
+                <a:latin typeface="Segoe" panose="020B0502040504020203"/>
+              </a:rPr>
+              <a:t>N° </a:t>
+            </a:r>
+            <a:fld id="{6BFFD774-5C5F-4855-9115-A9F49D34CCD3}" type="slidenum">
+              <a:rPr lang="en-US" smtClean="0">
+                <a:latin typeface="Segoe" panose="020B0502040504020203"/>
+              </a:rPr>
+              <a:pPr/>
+              <a:t>5</a:t>
+            </a:fld>
+            <a:endParaRPr lang="en-US" dirty="0">
+              <a:latin typeface="Segoe" panose="020B0502040504020203"/>
+            </a:endParaRPr>
+          </a:p>
+        </p:txBody>
+      </p:sp>
+      <p:graphicFrame>
+        <p:nvGraphicFramePr>
+          <p:cNvPr id="9" name="Chart 3"/>
+          <p:cNvGraphicFramePr>
+            <a:graphicFrameLocks/>
+          </p:cNvGraphicFramePr>
+          <p:nvPr>
+            <p:extLst>
+              <p:ext uri="{D42A27DB-BD31-4B8C-83A1-F6EECF244321}">
+                <p14:modId xmlns:p14="http://schemas.microsoft.com/office/powerpoint/2010/main" val="3220790443"/>
+              </p:ext>
+            </p:extLst>
+          </p:nvPr>
+        </p:nvGraphicFramePr>
+        <p:xfrm>
+          <a:off x="5425546" y="1414270"/>
+          <a:ext cx="5614987" cy="4872037"/>
+        </p:xfrm>
+        <a:graphic>
+          <a:graphicData uri="http://schemas.openxmlformats.org/drawingml/2006/chart">
+            <c:chart xmlns:c="http://schemas.openxmlformats.org/drawingml/2006/chart" xmlns:r="http://schemas.openxmlformats.org/officeDocument/2006/relationships" r:id="rId3"/>
+          </a:graphicData>
+        </a:graphic>
+      </p:graphicFrame>
+      <p:sp>
+        <p:nvSpPr>
+          <p:cNvPr id="10" name="Content Placeholder 37"/>
+          <p:cNvSpPr txBox="1">
+            <a:spLocks/>
+          </p:cNvSpPr>
+          <p:nvPr/>
+        </p:nvSpPr>
+        <p:spPr>
+          <a:xfrm>
+            <a:off x="7725039" y="3988729"/>
+            <a:ext cx="2037646" cy="1812316"/>
           </a:xfrm>
           <a:prstGeom prst="rect">
             <a:avLst/>
@@ -20610,82 +23288,24 @@
           <a:p>
             <a:pPr algn="ctr"/>
             <a:r>
-              <a:rPr lang="en-US" sz="6600" b="1" dirty="0">
+              <a:rPr lang="fr-FR" dirty="0">
                 <a:solidFill>
-                  <a:srgbClr val="5C2C8F"/>
+                  <a:schemeClr val="bg1"/>
                 </a:solidFill>
               </a:rPr>
-              <a:t>Query</a:t>
-            </a:r>
-          </a:p>
-          <a:p>
-            <a:pPr algn="ctr"/>
-            <a:r>
-              <a:rPr lang="fr-FR" sz="2400" dirty="0"/>
-              <a:t>Demande une info</a:t>
-            </a:r>
-          </a:p>
-          <a:p>
-            <a:pPr algn="ctr"/>
-            <a:r>
-              <a:rPr lang="fr-FR" sz="2400" dirty="0"/>
-              <a:t>Ne change JAMAIS l’état du système</a:t>
-            </a:r>
-            <a:br>
-              <a:rPr lang="fr-FR" sz="2400" dirty="0"/>
-            </a:br>
-            <a:endParaRPr lang="fr-FR" sz="2400" dirty="0"/>
-          </a:p>
-          <a:p>
-            <a:pPr algn="ctr"/>
-            <a:r>
-              <a:rPr lang="fr-FR" sz="2400" dirty="0"/>
-              <a:t>Retourne des données</a:t>
-            </a:r>
-          </a:p>
-          <a:p>
-            <a:pPr algn="ctr"/>
-            <a:r>
-              <a:rPr lang="fr-FR" sz="2400" dirty="0"/>
-              <a:t>Verbe a l’impératif</a:t>
-            </a:r>
-          </a:p>
-          <a:p>
-            <a:pPr algn="ctr"/>
-            <a:r>
-              <a:rPr lang="fr-FR" sz="2400" dirty="0"/>
-              <a:t>Ex: </a:t>
-            </a:r>
-            <a:r>
-              <a:rPr lang="fr-FR" sz="2400" dirty="0" err="1">
-                <a:solidFill>
-                  <a:srgbClr val="5C2C8F"/>
-                </a:solidFill>
-              </a:rPr>
-              <a:t>SearchAvailableRooms</a:t>
-            </a:r>
-            <a:endParaRPr lang="fr-FR" sz="2400" dirty="0">
+              <a:t>80% de lecture</a:t>
+            </a:r>
+            <a:endParaRPr lang="en-US" dirty="0">
               <a:solidFill>
-                <a:srgbClr val="5C2C8F"/>
+                <a:schemeClr val="bg1"/>
               </a:solidFill>
             </a:endParaRPr>
           </a:p>
-          <a:p>
-            <a:pPr algn="ctr"/>
-            <a:endParaRPr lang="en-US" sz="2400" dirty="0"/>
-          </a:p>
-          <a:p>
-            <a:pPr marL="571500" indent="-571500" algn="ctr">
-              <a:buFont typeface="Arial" panose="020B0604020202020204" pitchFamily="34" charset="0"/>
-              <a:buChar char="•"/>
-            </a:pPr>
-            <a:endParaRPr lang="en-US" sz="4400" dirty="0"/>
-          </a:p>
-        </p:txBody>
-      </p:sp>
-      <p:sp>
-        <p:nvSpPr>
-          <p:cNvPr id="8" name="Content Placeholder 37"/>
+        </p:txBody>
+      </p:sp>
+      <p:sp>
+        <p:nvSpPr>
+          <p:cNvPr id="11" name="Content Placeholder 37"/>
           <p:cNvSpPr txBox="1">
             <a:spLocks/>
           </p:cNvSpPr>
@@ -20693,8 +23313,8 @@
         </p:nvSpPr>
         <p:spPr>
           <a:xfrm>
-            <a:off x="3427920" y="3493009"/>
-            <a:ext cx="4876800" cy="4493185"/>
+            <a:off x="6286322" y="1691151"/>
+            <a:ext cx="2037646" cy="1812316"/>
           </a:xfrm>
           <a:prstGeom prst="rect">
             <a:avLst/>
@@ -20874,2626 +23494,6 @@
           <a:p>
             <a:pPr algn="ctr"/>
             <a:r>
-              <a:rPr lang="en-US" sz="6600" b="1" dirty="0"/>
-              <a:t>Event</a:t>
-            </a:r>
-          </a:p>
-          <a:p>
-            <a:pPr algn="ctr"/>
-            <a:r>
-              <a:rPr lang="fr-FR" sz="2400" dirty="0"/>
-              <a:t>A déjà eu lieu</a:t>
-            </a:r>
-          </a:p>
-          <a:p>
-            <a:pPr algn="ctr"/>
-            <a:r>
-              <a:rPr lang="fr-FR" sz="2400" dirty="0"/>
-              <a:t>(Immutable)</a:t>
-            </a:r>
-          </a:p>
-          <a:p>
-            <a:pPr algn="ctr"/>
-            <a:r>
-              <a:rPr lang="fr-FR" sz="2400" dirty="0"/>
-              <a:t>Verbe au participe passé</a:t>
-            </a:r>
-          </a:p>
-          <a:p>
-            <a:pPr algn="ctr"/>
-            <a:r>
-              <a:rPr lang="fr-FR" sz="2400" dirty="0"/>
-              <a:t>Ex: </a:t>
-            </a:r>
-            <a:r>
-              <a:rPr lang="fr-FR" sz="2400" dirty="0" err="1">
-                <a:solidFill>
-                  <a:schemeClr val="bg1">
-                    <a:lumMod val="50000"/>
-                  </a:schemeClr>
-                </a:solidFill>
-              </a:rPr>
-              <a:t>RoomBooked</a:t>
-            </a:r>
-            <a:endParaRPr lang="fr-FR" sz="2400" dirty="0">
-              <a:solidFill>
-                <a:schemeClr val="bg1">
-                  <a:lumMod val="50000"/>
-                </a:schemeClr>
-              </a:solidFill>
-            </a:endParaRPr>
-          </a:p>
-          <a:p>
-            <a:pPr algn="ctr"/>
-            <a:endParaRPr lang="en-US" sz="2400" dirty="0"/>
-          </a:p>
-          <a:p>
-            <a:pPr marL="571500" indent="-571500" algn="ctr">
-              <a:buFont typeface="Arial" panose="020B0604020202020204" pitchFamily="34" charset="0"/>
-              <a:buChar char="•"/>
-            </a:pPr>
-            <a:endParaRPr lang="en-US" sz="4400" dirty="0"/>
-          </a:p>
-        </p:txBody>
-      </p:sp>
-    </p:spTree>
-    <p:extLst>
-      <p:ext uri="{BB962C8B-B14F-4D97-AF65-F5344CB8AC3E}">
-        <p14:creationId xmlns:p14="http://schemas.microsoft.com/office/powerpoint/2010/main" val="1521714206"/>
-      </p:ext>
-    </p:extLst>
-  </p:cSld>
-  <p:clrMapOvr>
-    <a:masterClrMapping/>
-  </p:clrMapOvr>
-  <p:timing>
-    <p:tnLst>
-      <p:par>
-        <p:cTn id="1" dur="indefinite" restart="never" nodeType="tmRoot">
-          <p:childTnLst>
-            <p:seq concurrent="1" nextAc="seek">
-              <p:cTn id="2" dur="indefinite" nodeType="mainSeq">
-                <p:childTnLst>
-                  <p:par>
-                    <p:cTn id="3" fill="hold">
-                      <p:stCondLst>
-                        <p:cond delay="indefinite"/>
-                      </p:stCondLst>
-                      <p:childTnLst>
-                        <p:par>
-                          <p:cTn id="4" fill="hold">
-                            <p:stCondLst>
-                              <p:cond delay="0"/>
-                            </p:stCondLst>
-                            <p:childTnLst>
-                              <p:par>
-                                <p:cTn id="5" presetID="1" presetClass="entr" presetSubtype="0" fill="hold" grpId="0" nodeType="clickEffect">
-                                  <p:stCondLst>
-                                    <p:cond delay="0"/>
-                                  </p:stCondLst>
-                                  <p:childTnLst>
-                                    <p:set>
-                                      <p:cBhvr>
-                                        <p:cTn id="6" dur="1" fill="hold">
-                                          <p:stCondLst>
-                                            <p:cond delay="0"/>
-                                          </p:stCondLst>
-                                        </p:cTn>
-                                        <p:tgtEl>
-                                          <p:spTgt spid="6"/>
-                                        </p:tgtEl>
-                                        <p:attrNameLst>
-                                          <p:attrName>style.visibility</p:attrName>
-                                        </p:attrNameLst>
-                                      </p:cBhvr>
-                                      <p:to>
-                                        <p:strVal val="visible"/>
-                                      </p:to>
-                                    </p:set>
-                                  </p:childTnLst>
-                                </p:cTn>
-                              </p:par>
-                            </p:childTnLst>
-                          </p:cTn>
-                        </p:par>
-                      </p:childTnLst>
-                    </p:cTn>
-                  </p:par>
-                  <p:par>
-                    <p:cTn id="7" fill="hold">
-                      <p:stCondLst>
-                        <p:cond delay="indefinite"/>
-                      </p:stCondLst>
-                      <p:childTnLst>
-                        <p:par>
-                          <p:cTn id="8" fill="hold">
-                            <p:stCondLst>
-                              <p:cond delay="0"/>
-                            </p:stCondLst>
-                            <p:childTnLst>
-                              <p:par>
-                                <p:cTn id="9" presetID="1" presetClass="entr" presetSubtype="0" fill="hold" grpId="0" nodeType="clickEffect">
-                                  <p:stCondLst>
-                                    <p:cond delay="0"/>
-                                  </p:stCondLst>
-                                  <p:childTnLst>
-                                    <p:set>
-                                      <p:cBhvr>
-                                        <p:cTn id="10" dur="1" fill="hold">
-                                          <p:stCondLst>
-                                            <p:cond delay="0"/>
-                                          </p:stCondLst>
-                                        </p:cTn>
-                                        <p:tgtEl>
-                                          <p:spTgt spid="8"/>
-                                        </p:tgtEl>
-                                        <p:attrNameLst>
-                                          <p:attrName>style.visibility</p:attrName>
-                                        </p:attrNameLst>
-                                      </p:cBhvr>
-                                      <p:to>
-                                        <p:strVal val="visible"/>
-                                      </p:to>
-                                    </p:set>
-                                  </p:childTnLst>
-                                </p:cTn>
-                              </p:par>
-                            </p:childTnLst>
-                          </p:cTn>
-                        </p:par>
-                      </p:childTnLst>
-                    </p:cTn>
-                  </p:par>
-                </p:childTnLst>
-              </p:cTn>
-              <p:prevCondLst>
-                <p:cond evt="onPrev" delay="0">
-                  <p:tgtEl>
-                    <p:sldTgt/>
-                  </p:tgtEl>
-                </p:cond>
-              </p:prevCondLst>
-              <p:nextCondLst>
-                <p:cond evt="onNext" delay="0">
-                  <p:tgtEl>
-                    <p:sldTgt/>
-                  </p:tgtEl>
-                </p:cond>
-              </p:nextCondLst>
-            </p:seq>
-          </p:childTnLst>
-        </p:cTn>
-      </p:par>
-    </p:tnLst>
-    <p:bldLst>
-      <p:bldP spid="6" grpId="0"/>
-      <p:bldP spid="8" grpId="0"/>
-    </p:bldLst>
-  </p:timing>
-</p:sld>
-</file>
-
-<file path=ppt/slides/slide34.xml><?xml version="1.0" encoding="utf-8"?>
-<p:sld xmlns:a="http://schemas.openxmlformats.org/drawingml/2006/main" xmlns:r="http://schemas.openxmlformats.org/officeDocument/2006/relationships" xmlns:p="http://schemas.openxmlformats.org/presentationml/2006/main">
-  <p:cSld>
-    <p:spTree>
-      <p:nvGrpSpPr>
-        <p:cNvPr id="1" name=""/>
-        <p:cNvGrpSpPr/>
-        <p:nvPr/>
-      </p:nvGrpSpPr>
-      <p:grpSpPr>
-        <a:xfrm>
-          <a:off x="0" y="0"/>
-          <a:ext cx="0" cy="0"/>
-          <a:chOff x="0" y="0"/>
-          <a:chExt cx="0" cy="0"/>
-        </a:xfrm>
-      </p:grpSpPr>
-      <p:sp>
-        <p:nvSpPr>
-          <p:cNvPr id="2" name="Title 1"/>
-          <p:cNvSpPr>
-            <a:spLocks noGrp="1"/>
-          </p:cNvSpPr>
-          <p:nvPr>
-            <p:ph type="title"/>
-          </p:nvPr>
-        </p:nvSpPr>
-        <p:spPr>
-          <a:xfrm>
-            <a:off x="0" y="2161985"/>
-            <a:ext cx="6324600" cy="590931"/>
-          </a:xfrm>
-        </p:spPr>
-        <p:txBody>
-          <a:bodyPr/>
-          <a:lstStyle/>
-          <a:p>
-            <a:r>
-              <a:rPr lang="en-US" dirty="0" err="1"/>
-              <a:t>Démo</a:t>
-            </a:r>
-            <a:endParaRPr lang="en-US" dirty="0"/>
-          </a:p>
-        </p:txBody>
-      </p:sp>
-    </p:spTree>
-    <p:extLst>
-      <p:ext uri="{BB962C8B-B14F-4D97-AF65-F5344CB8AC3E}">
-        <p14:creationId xmlns:p14="http://schemas.microsoft.com/office/powerpoint/2010/main" val="1607914314"/>
-      </p:ext>
-    </p:extLst>
-  </p:cSld>
-  <p:clrMapOvr>
-    <a:masterClrMapping/>
-  </p:clrMapOvr>
-</p:sld>
-</file>
-
-<file path=ppt/slides/slide35.xml><?xml version="1.0" encoding="utf-8"?>
-<p:sld xmlns:a="http://schemas.openxmlformats.org/drawingml/2006/main" xmlns:r="http://schemas.openxmlformats.org/officeDocument/2006/relationships" xmlns:p="http://schemas.openxmlformats.org/presentationml/2006/main">
-  <p:cSld>
-    <p:spTree>
-      <p:nvGrpSpPr>
-        <p:cNvPr id="1" name=""/>
-        <p:cNvGrpSpPr/>
-        <p:nvPr/>
-      </p:nvGrpSpPr>
-      <p:grpSpPr>
-        <a:xfrm>
-          <a:off x="0" y="0"/>
-          <a:ext cx="0" cy="0"/>
-          <a:chOff x="0" y="0"/>
-          <a:chExt cx="0" cy="0"/>
-        </a:xfrm>
-      </p:grpSpPr>
-      <p:sp>
-        <p:nvSpPr>
-          <p:cNvPr id="38" name="Content Placeholder 37"/>
-          <p:cNvSpPr>
-            <a:spLocks noGrp="1"/>
-          </p:cNvSpPr>
-          <p:nvPr>
-            <p:ph idx="1"/>
-          </p:nvPr>
-        </p:nvSpPr>
-        <p:spPr>
-          <a:xfrm>
-            <a:off x="838200" y="2056534"/>
-            <a:ext cx="10515600" cy="3542755"/>
-          </a:xfrm>
-        </p:spPr>
-        <p:txBody>
-          <a:bodyPr anchor="ctr">
-            <a:normAutofit/>
-          </a:bodyPr>
-          <a:lstStyle/>
-          <a:p>
-            <a:pPr algn="ctr"/>
-            <a:r>
-              <a:rPr lang="fr-FR" sz="4400" i="1" dirty="0"/>
-              <a:t>&lt;Slide pour </a:t>
-            </a:r>
-            <a:r>
-              <a:rPr lang="fr-FR" sz="4400" i="1" dirty="0" err="1"/>
-              <a:t>Eric</a:t>
-            </a:r>
-            <a:r>
-              <a:rPr lang="fr-FR" sz="4400" i="1" dirty="0"/>
-              <a:t>&gt;</a:t>
-            </a:r>
-          </a:p>
-        </p:txBody>
-      </p:sp>
-      <p:sp>
-        <p:nvSpPr>
-          <p:cNvPr id="41" name="Title 40"/>
-          <p:cNvSpPr>
-            <a:spLocks noGrp="1"/>
-          </p:cNvSpPr>
-          <p:nvPr>
-            <p:ph type="title"/>
-          </p:nvPr>
-        </p:nvSpPr>
-        <p:spPr/>
-        <p:txBody>
-          <a:bodyPr/>
-          <a:lstStyle/>
-          <a:p>
-            <a:r>
-              <a:rPr lang="en-US" dirty="0" err="1"/>
-              <a:t>Euh</a:t>
-            </a:r>
-            <a:r>
-              <a:rPr lang="en-US" dirty="0"/>
-              <a:t>… </a:t>
-            </a:r>
-            <a:r>
-              <a:rPr lang="en-US" dirty="0" err="1"/>
-              <a:t>avant</a:t>
-            </a:r>
-            <a:r>
-              <a:rPr lang="en-US" dirty="0"/>
-              <a:t> </a:t>
-            </a:r>
-            <a:r>
-              <a:rPr lang="en-US" dirty="0" err="1"/>
-              <a:t>ça</a:t>
-            </a:r>
-            <a:endParaRPr lang="en-US" dirty="0"/>
-          </a:p>
-        </p:txBody>
-      </p:sp>
-      <p:sp>
-        <p:nvSpPr>
-          <p:cNvPr id="29" name="Slide Number Placeholder 28"/>
-          <p:cNvSpPr>
-            <a:spLocks noGrp="1"/>
-          </p:cNvSpPr>
-          <p:nvPr>
-            <p:ph type="sldNum" sz="quarter" idx="4"/>
-          </p:nvPr>
-        </p:nvSpPr>
-        <p:spPr/>
-        <p:txBody>
-          <a:bodyPr/>
-          <a:lstStyle/>
-          <a:p>
-            <a:r>
-              <a:rPr lang="en-US" dirty="0">
-                <a:latin typeface="Segoe" panose="020B0502040504020203"/>
-              </a:rPr>
-              <a:t>N° </a:t>
-            </a:r>
-            <a:fld id="{6BFFD774-5C5F-4855-9115-A9F49D34CCD3}" type="slidenum">
-              <a:rPr lang="en-US" smtClean="0">
-                <a:latin typeface="Segoe" panose="020B0502040504020203"/>
-              </a:rPr>
-              <a:pPr/>
-              <a:t>35</a:t>
-            </a:fld>
-            <a:endParaRPr lang="en-US" dirty="0">
-              <a:latin typeface="Segoe" panose="020B0502040504020203"/>
-            </a:endParaRPr>
-          </a:p>
-        </p:txBody>
-      </p:sp>
-      <p:sp>
-        <p:nvSpPr>
-          <p:cNvPr id="2" name="Text Placeholder 1"/>
-          <p:cNvSpPr>
-            <a:spLocks noGrp="1"/>
-          </p:cNvSpPr>
-          <p:nvPr>
-            <p:ph type="body" sz="quarter" idx="13"/>
-          </p:nvPr>
-        </p:nvSpPr>
-        <p:spPr/>
-        <p:txBody>
-          <a:bodyPr/>
-          <a:lstStyle/>
-          <a:p>
-            <a:r>
-              <a:rPr lang="fr-FR" dirty="0"/>
-              <a:t>Vous connaissez </a:t>
-            </a:r>
-            <a:r>
-              <a:rPr lang="fr-FR" dirty="0" err="1"/>
-              <a:t>dotnet</a:t>
-            </a:r>
-            <a:r>
-              <a:rPr lang="fr-FR" dirty="0"/>
-              <a:t> </a:t>
-            </a:r>
-            <a:r>
-              <a:rPr lang="fr-FR" dirty="0" err="1"/>
-              <a:t>core</a:t>
-            </a:r>
-            <a:r>
-              <a:rPr lang="fr-FR" dirty="0"/>
-              <a:t> ?</a:t>
-            </a:r>
-          </a:p>
-        </p:txBody>
-      </p:sp>
-    </p:spTree>
-    <p:extLst>
-      <p:ext uri="{BB962C8B-B14F-4D97-AF65-F5344CB8AC3E}">
-        <p14:creationId xmlns:p14="http://schemas.microsoft.com/office/powerpoint/2010/main" val="3635505835"/>
-      </p:ext>
-    </p:extLst>
-  </p:cSld>
-  <p:clrMapOvr>
-    <a:masterClrMapping/>
-  </p:clrMapOvr>
-</p:sld>
-</file>
-
-<file path=ppt/slides/slide36.xml><?xml version="1.0" encoding="utf-8"?>
-<p:sld xmlns:a="http://schemas.openxmlformats.org/drawingml/2006/main" xmlns:r="http://schemas.openxmlformats.org/officeDocument/2006/relationships" xmlns:p="http://schemas.openxmlformats.org/presentationml/2006/main">
-  <p:cSld>
-    <p:spTree>
-      <p:nvGrpSpPr>
-        <p:cNvPr id="1" name=""/>
-        <p:cNvGrpSpPr/>
-        <p:nvPr/>
-      </p:nvGrpSpPr>
-      <p:grpSpPr>
-        <a:xfrm>
-          <a:off x="0" y="0"/>
-          <a:ext cx="0" cy="0"/>
-          <a:chOff x="0" y="0"/>
-          <a:chExt cx="0" cy="0"/>
-        </a:xfrm>
-      </p:grpSpPr>
-      <p:sp>
-        <p:nvSpPr>
-          <p:cNvPr id="2" name="Title 1"/>
-          <p:cNvSpPr>
-            <a:spLocks noGrp="1"/>
-          </p:cNvSpPr>
-          <p:nvPr>
-            <p:ph type="title"/>
-          </p:nvPr>
-        </p:nvSpPr>
-        <p:spPr>
-          <a:xfrm>
-            <a:off x="0" y="2161985"/>
-            <a:ext cx="6324600" cy="590931"/>
-          </a:xfrm>
-        </p:spPr>
-        <p:txBody>
-          <a:bodyPr/>
-          <a:lstStyle/>
-          <a:p>
-            <a:r>
-              <a:rPr lang="en-US" dirty="0"/>
-              <a:t>Live coding</a:t>
-            </a:r>
-          </a:p>
-        </p:txBody>
-      </p:sp>
-    </p:spTree>
-    <p:extLst>
-      <p:ext uri="{BB962C8B-B14F-4D97-AF65-F5344CB8AC3E}">
-        <p14:creationId xmlns:p14="http://schemas.microsoft.com/office/powerpoint/2010/main" val="3085624357"/>
-      </p:ext>
-    </p:extLst>
-  </p:cSld>
-  <p:clrMapOvr>
-    <a:masterClrMapping/>
-  </p:clrMapOvr>
-</p:sld>
-</file>
-
-<file path=ppt/slides/slide37.xml><?xml version="1.0" encoding="utf-8"?>
-<p:sld xmlns:a="http://schemas.openxmlformats.org/drawingml/2006/main" xmlns:r="http://schemas.openxmlformats.org/officeDocument/2006/relationships" xmlns:p="http://schemas.openxmlformats.org/presentationml/2006/main">
-  <p:cSld>
-    <p:spTree>
-      <p:nvGrpSpPr>
-        <p:cNvPr id="1" name=""/>
-        <p:cNvGrpSpPr/>
-        <p:nvPr/>
-      </p:nvGrpSpPr>
-      <p:grpSpPr>
-        <a:xfrm>
-          <a:off x="0" y="0"/>
-          <a:ext cx="0" cy="0"/>
-          <a:chOff x="0" y="0"/>
-          <a:chExt cx="0" cy="0"/>
-        </a:xfrm>
-      </p:grpSpPr>
-      <p:sp>
-        <p:nvSpPr>
-          <p:cNvPr id="2" name="Title 1"/>
-          <p:cNvSpPr>
-            <a:spLocks noGrp="1"/>
-          </p:cNvSpPr>
-          <p:nvPr>
-            <p:ph type="title"/>
-          </p:nvPr>
-        </p:nvSpPr>
-        <p:spPr>
-          <a:xfrm>
-            <a:off x="0" y="2161985"/>
-            <a:ext cx="6324600" cy="590931"/>
-          </a:xfrm>
-        </p:spPr>
-        <p:txBody>
-          <a:bodyPr/>
-          <a:lstStyle/>
-          <a:p>
-            <a:r>
-              <a:rPr lang="en-US" dirty="0"/>
-              <a:t>Pour </a:t>
-            </a:r>
-            <a:r>
-              <a:rPr lang="en-US" dirty="0" err="1"/>
-              <a:t>conclure</a:t>
-            </a:r>
-            <a:endParaRPr lang="en-US" dirty="0"/>
-          </a:p>
-        </p:txBody>
-      </p:sp>
-    </p:spTree>
-    <p:extLst>
-      <p:ext uri="{BB962C8B-B14F-4D97-AF65-F5344CB8AC3E}">
-        <p14:creationId xmlns:p14="http://schemas.microsoft.com/office/powerpoint/2010/main" val="514438884"/>
-      </p:ext>
-    </p:extLst>
-  </p:cSld>
-  <p:clrMapOvr>
-    <a:masterClrMapping/>
-  </p:clrMapOvr>
-</p:sld>
-</file>
-
-<file path=ppt/slides/slide38.xml><?xml version="1.0" encoding="utf-8"?>
-<p:sld xmlns:a="http://schemas.openxmlformats.org/drawingml/2006/main" xmlns:r="http://schemas.openxmlformats.org/officeDocument/2006/relationships" xmlns:p="http://schemas.openxmlformats.org/presentationml/2006/main">
-  <p:cSld>
-    <p:spTree>
-      <p:nvGrpSpPr>
-        <p:cNvPr id="1" name=""/>
-        <p:cNvGrpSpPr/>
-        <p:nvPr/>
-      </p:nvGrpSpPr>
-      <p:grpSpPr>
-        <a:xfrm>
-          <a:off x="0" y="0"/>
-          <a:ext cx="0" cy="0"/>
-          <a:chOff x="0" y="0"/>
-          <a:chExt cx="0" cy="0"/>
-        </a:xfrm>
-      </p:grpSpPr>
-      <p:sp>
-        <p:nvSpPr>
-          <p:cNvPr id="41" name="Title 40"/>
-          <p:cNvSpPr>
-            <a:spLocks noGrp="1"/>
-          </p:cNvSpPr>
-          <p:nvPr>
-            <p:ph type="title"/>
-          </p:nvPr>
-        </p:nvSpPr>
-        <p:spPr/>
-        <p:txBody>
-          <a:bodyPr/>
-          <a:lstStyle/>
-          <a:p>
-            <a:r>
-              <a:rPr lang="en-US" dirty="0"/>
-              <a:t>Attention !</a:t>
-            </a:r>
-          </a:p>
-        </p:txBody>
-      </p:sp>
-      <p:sp>
-        <p:nvSpPr>
-          <p:cNvPr id="29" name="Slide Number Placeholder 28"/>
-          <p:cNvSpPr>
-            <a:spLocks noGrp="1"/>
-          </p:cNvSpPr>
-          <p:nvPr>
-            <p:ph type="sldNum" sz="quarter" idx="4"/>
-          </p:nvPr>
-        </p:nvSpPr>
-        <p:spPr/>
-        <p:txBody>
-          <a:bodyPr/>
-          <a:lstStyle/>
-          <a:p>
-            <a:r>
-              <a:rPr lang="en-US" dirty="0">
-                <a:latin typeface="Segoe" panose="020B0502040504020203"/>
-              </a:rPr>
-              <a:t>N° </a:t>
-            </a:r>
-            <a:fld id="{6BFFD774-5C5F-4855-9115-A9F49D34CCD3}" type="slidenum">
-              <a:rPr lang="en-US" smtClean="0">
-                <a:latin typeface="Segoe" panose="020B0502040504020203"/>
-              </a:rPr>
-              <a:pPr/>
-              <a:t>38</a:t>
-            </a:fld>
-            <a:endParaRPr lang="en-US" dirty="0">
-              <a:latin typeface="Segoe" panose="020B0502040504020203"/>
-            </a:endParaRPr>
-          </a:p>
-        </p:txBody>
-      </p:sp>
-      <p:pic>
-        <p:nvPicPr>
-          <p:cNvPr id="6148" name="Picture 4" descr="Afficher l'image d'origine"/>
-          <p:cNvPicPr>
-            <a:picLocks noChangeAspect="1" noChangeArrowheads="1"/>
-          </p:cNvPicPr>
-          <p:nvPr/>
-        </p:nvPicPr>
-        <p:blipFill>
-          <a:blip r:embed="rId3">
-            <a:extLst>
-              <a:ext uri="{28A0092B-C50C-407E-A947-70E740481C1C}">
-                <a14:useLocalDpi xmlns:a14="http://schemas.microsoft.com/office/drawing/2010/main" val="0"/>
-              </a:ext>
-            </a:extLst>
-          </a:blip>
-          <a:srcRect/>
-          <a:stretch>
-            <a:fillRect/>
-          </a:stretch>
-        </p:blipFill>
-        <p:spPr bwMode="auto">
-          <a:xfrm>
-            <a:off x="1779145" y="2797415"/>
-            <a:ext cx="8633709" cy="1692130"/>
-          </a:xfrm>
-          <a:prstGeom prst="rect">
-            <a:avLst/>
-          </a:prstGeom>
-          <a:noFill/>
-          <a:extLst>
-            <a:ext uri="{909E8E84-426E-40DD-AFC4-6F175D3DCCD1}">
-              <a14:hiddenFill xmlns:a14="http://schemas.microsoft.com/office/drawing/2010/main">
-                <a:solidFill>
-                  <a:srgbClr val="FFFFFF"/>
-                </a:solidFill>
-              </a14:hiddenFill>
-            </a:ext>
-          </a:extLst>
-        </p:spPr>
-      </p:pic>
-    </p:spTree>
-    <p:extLst>
-      <p:ext uri="{BB962C8B-B14F-4D97-AF65-F5344CB8AC3E}">
-        <p14:creationId xmlns:p14="http://schemas.microsoft.com/office/powerpoint/2010/main" val="3456007632"/>
-      </p:ext>
-    </p:extLst>
-  </p:cSld>
-  <p:clrMapOvr>
-    <a:masterClrMapping/>
-  </p:clrMapOvr>
-</p:sld>
-</file>
-
-<file path=ppt/slides/slide39.xml><?xml version="1.0" encoding="utf-8"?>
-<p:sld xmlns:a="http://schemas.openxmlformats.org/drawingml/2006/main" xmlns:r="http://schemas.openxmlformats.org/officeDocument/2006/relationships" xmlns:p="http://schemas.openxmlformats.org/presentationml/2006/main">
-  <p:cSld>
-    <p:spTree>
-      <p:nvGrpSpPr>
-        <p:cNvPr id="1" name=""/>
-        <p:cNvGrpSpPr/>
-        <p:nvPr/>
-      </p:nvGrpSpPr>
-      <p:grpSpPr>
-        <a:xfrm>
-          <a:off x="0" y="0"/>
-          <a:ext cx="0" cy="0"/>
-          <a:chOff x="0" y="0"/>
-          <a:chExt cx="0" cy="0"/>
-        </a:xfrm>
-      </p:grpSpPr>
-      <p:sp>
-        <p:nvSpPr>
-          <p:cNvPr id="38" name="Content Placeholder 37"/>
-          <p:cNvSpPr>
-            <a:spLocks noGrp="1"/>
-          </p:cNvSpPr>
-          <p:nvPr>
-            <p:ph idx="1"/>
-          </p:nvPr>
-        </p:nvSpPr>
-        <p:spPr>
-          <a:xfrm>
-            <a:off x="838200" y="2056534"/>
-            <a:ext cx="10515600" cy="3542755"/>
-          </a:xfrm>
-        </p:spPr>
-        <p:txBody>
-          <a:bodyPr anchor="ctr">
-            <a:normAutofit fontScale="85000" lnSpcReduction="20000"/>
-          </a:bodyPr>
-          <a:lstStyle/>
-          <a:p>
-            <a:r>
-              <a:rPr lang="fr-FR" sz="4400" i="1" dirty="0"/>
-              <a:t>CQRS n’est pas un pattern général d’architecture</a:t>
-            </a:r>
-          </a:p>
-          <a:p>
-            <a:endParaRPr lang="fr-FR" sz="4400" i="1" dirty="0"/>
-          </a:p>
-          <a:p>
-            <a:r>
-              <a:rPr lang="fr-FR" sz="4400" i="1" dirty="0"/>
-              <a:t>Utilisez-le pour les composants soumis à rude épreuve (perf)</a:t>
-            </a:r>
-          </a:p>
-          <a:p>
-            <a:endParaRPr lang="fr-FR" sz="4400" i="1" dirty="0"/>
-          </a:p>
-          <a:p>
-            <a:r>
-              <a:rPr lang="fr-FR" sz="4400" i="1" dirty="0"/>
-              <a:t>Ce pattern peut très bien être utilisé que sur une sous-partie de votre plate-forme</a:t>
-            </a:r>
-          </a:p>
-        </p:txBody>
-      </p:sp>
-      <p:sp>
-        <p:nvSpPr>
-          <p:cNvPr id="41" name="Title 40"/>
-          <p:cNvSpPr>
-            <a:spLocks noGrp="1"/>
-          </p:cNvSpPr>
-          <p:nvPr>
-            <p:ph type="title"/>
-          </p:nvPr>
-        </p:nvSpPr>
-        <p:spPr/>
-        <p:txBody>
-          <a:bodyPr/>
-          <a:lstStyle/>
-          <a:p>
-            <a:r>
-              <a:rPr lang="en-US" dirty="0" err="1"/>
-              <a:t>N’en</a:t>
-            </a:r>
-            <a:r>
-              <a:rPr lang="en-US" dirty="0"/>
-              <a:t> </a:t>
-            </a:r>
-            <a:r>
-              <a:rPr lang="en-US" dirty="0" err="1"/>
-              <a:t>mettez</a:t>
-            </a:r>
-            <a:r>
-              <a:rPr lang="en-US" dirty="0"/>
-              <a:t> pas </a:t>
-            </a:r>
-            <a:r>
-              <a:rPr lang="en-US" dirty="0" err="1"/>
-              <a:t>partout</a:t>
-            </a:r>
-            <a:r>
-              <a:rPr lang="en-US" dirty="0"/>
-              <a:t> !</a:t>
-            </a:r>
-          </a:p>
-        </p:txBody>
-      </p:sp>
-      <p:sp>
-        <p:nvSpPr>
-          <p:cNvPr id="29" name="Slide Number Placeholder 28"/>
-          <p:cNvSpPr>
-            <a:spLocks noGrp="1"/>
-          </p:cNvSpPr>
-          <p:nvPr>
-            <p:ph type="sldNum" sz="quarter" idx="4"/>
-          </p:nvPr>
-        </p:nvSpPr>
-        <p:spPr/>
-        <p:txBody>
-          <a:bodyPr/>
-          <a:lstStyle/>
-          <a:p>
-            <a:r>
-              <a:rPr lang="en-US" dirty="0">
-                <a:latin typeface="Segoe" panose="020B0502040504020203"/>
-              </a:rPr>
-              <a:t>N° </a:t>
-            </a:r>
-            <a:fld id="{6BFFD774-5C5F-4855-9115-A9F49D34CCD3}" type="slidenum">
-              <a:rPr lang="en-US" smtClean="0">
-                <a:latin typeface="Segoe" panose="020B0502040504020203"/>
-              </a:rPr>
-              <a:pPr/>
-              <a:t>39</a:t>
-            </a:fld>
-            <a:endParaRPr lang="en-US" dirty="0">
-              <a:latin typeface="Segoe" panose="020B0502040504020203"/>
-            </a:endParaRPr>
-          </a:p>
-        </p:txBody>
-      </p:sp>
-      <p:sp>
-        <p:nvSpPr>
-          <p:cNvPr id="2" name="Text Placeholder 1"/>
-          <p:cNvSpPr>
-            <a:spLocks noGrp="1"/>
-          </p:cNvSpPr>
-          <p:nvPr>
-            <p:ph type="body" sz="quarter" idx="13"/>
-          </p:nvPr>
-        </p:nvSpPr>
-        <p:spPr/>
-        <p:txBody>
-          <a:bodyPr/>
-          <a:lstStyle/>
-          <a:p>
-            <a:endParaRPr lang="fr-FR"/>
-          </a:p>
-        </p:txBody>
-      </p:sp>
-      <p:pic>
-        <p:nvPicPr>
-          <p:cNvPr id="6" name="Picture 4" descr="Afficher l'image d'origine"/>
-          <p:cNvPicPr>
-            <a:picLocks noChangeAspect="1" noChangeArrowheads="1"/>
-          </p:cNvPicPr>
-          <p:nvPr/>
-        </p:nvPicPr>
-        <p:blipFill>
-          <a:blip r:embed="rId3">
-            <a:extLst>
-              <a:ext uri="{28A0092B-C50C-407E-A947-70E740481C1C}">
-                <a14:useLocalDpi xmlns:a14="http://schemas.microsoft.com/office/drawing/2010/main" val="0"/>
-              </a:ext>
-            </a:extLst>
-          </a:blip>
-          <a:srcRect/>
-          <a:stretch>
-            <a:fillRect/>
-          </a:stretch>
-        </p:blipFill>
-        <p:spPr bwMode="auto">
-          <a:xfrm>
-            <a:off x="4496372" y="1162947"/>
-            <a:ext cx="3199255" cy="627025"/>
-          </a:xfrm>
-          <a:prstGeom prst="rect">
-            <a:avLst/>
-          </a:prstGeom>
-          <a:noFill/>
-          <a:extLst>
-            <a:ext uri="{909E8E84-426E-40DD-AFC4-6F175D3DCCD1}">
-              <a14:hiddenFill xmlns:a14="http://schemas.microsoft.com/office/drawing/2010/main">
-                <a:solidFill>
-                  <a:srgbClr val="FFFFFF"/>
-                </a:solidFill>
-              </a14:hiddenFill>
-            </a:ext>
-          </a:extLst>
-        </p:spPr>
-      </p:pic>
-    </p:spTree>
-    <p:extLst>
-      <p:ext uri="{BB962C8B-B14F-4D97-AF65-F5344CB8AC3E}">
-        <p14:creationId xmlns:p14="http://schemas.microsoft.com/office/powerpoint/2010/main" val="1003182416"/>
-      </p:ext>
-    </p:extLst>
-  </p:cSld>
-  <p:clrMapOvr>
-    <a:masterClrMapping/>
-  </p:clrMapOvr>
-</p:sld>
-</file>
-
-<file path=ppt/slides/slide4.xml><?xml version="1.0" encoding="utf-8"?>
-<p:sld xmlns:a="http://schemas.openxmlformats.org/drawingml/2006/main" xmlns:r="http://schemas.openxmlformats.org/officeDocument/2006/relationships" xmlns:p="http://schemas.openxmlformats.org/presentationml/2006/main">
-  <p:cSld>
-    <p:spTree>
-      <p:nvGrpSpPr>
-        <p:cNvPr id="1" name=""/>
-        <p:cNvGrpSpPr/>
-        <p:nvPr/>
-      </p:nvGrpSpPr>
-      <p:grpSpPr>
-        <a:xfrm>
-          <a:off x="0" y="0"/>
-          <a:ext cx="0" cy="0"/>
-          <a:chOff x="0" y="0"/>
-          <a:chExt cx="0" cy="0"/>
-        </a:xfrm>
-      </p:grpSpPr>
-      <p:sp>
-        <p:nvSpPr>
-          <p:cNvPr id="41" name="Title 40"/>
-          <p:cNvSpPr>
-            <a:spLocks noGrp="1"/>
-          </p:cNvSpPr>
-          <p:nvPr>
-            <p:ph type="title"/>
-          </p:nvPr>
-        </p:nvSpPr>
-        <p:spPr/>
-        <p:txBody>
-          <a:bodyPr/>
-          <a:lstStyle/>
-          <a:p>
-            <a:r>
-              <a:rPr lang="en-US" dirty="0"/>
-              <a:t>Des </a:t>
-            </a:r>
-            <a:r>
-              <a:rPr lang="en-US" dirty="0" err="1"/>
-              <a:t>problèmes</a:t>
-            </a:r>
-            <a:r>
-              <a:rPr lang="en-US" dirty="0"/>
-              <a:t> de </a:t>
-            </a:r>
-            <a:r>
-              <a:rPr lang="en-US" dirty="0" err="1"/>
-              <a:t>Scalabilité</a:t>
-            </a:r>
-            <a:r>
-              <a:rPr lang="en-US" dirty="0"/>
-              <a:t> ?</a:t>
-            </a:r>
-          </a:p>
-        </p:txBody>
-      </p:sp>
-      <p:sp>
-        <p:nvSpPr>
-          <p:cNvPr id="42" name="Text Placeholder 41"/>
-          <p:cNvSpPr>
-            <a:spLocks noGrp="1"/>
-          </p:cNvSpPr>
-          <p:nvPr>
-            <p:ph type="body" sz="quarter" idx="13"/>
-          </p:nvPr>
-        </p:nvSpPr>
-        <p:spPr/>
-        <p:txBody>
-          <a:bodyPr/>
-          <a:lstStyle/>
-          <a:p>
-            <a:endParaRPr lang="en-US"/>
-          </a:p>
-        </p:txBody>
-      </p:sp>
-      <p:sp>
-        <p:nvSpPr>
-          <p:cNvPr id="29" name="Slide Number Placeholder 28"/>
-          <p:cNvSpPr>
-            <a:spLocks noGrp="1"/>
-          </p:cNvSpPr>
-          <p:nvPr>
-            <p:ph type="sldNum" sz="quarter" idx="4"/>
-          </p:nvPr>
-        </p:nvSpPr>
-        <p:spPr/>
-        <p:txBody>
-          <a:bodyPr/>
-          <a:lstStyle/>
-          <a:p>
-            <a:r>
-              <a:rPr lang="en-US" dirty="0">
-                <a:latin typeface="Segoe" panose="020B0502040504020203"/>
-              </a:rPr>
-              <a:t>N° </a:t>
-            </a:r>
-            <a:fld id="{6BFFD774-5C5F-4855-9115-A9F49D34CCD3}" type="slidenum">
-              <a:rPr lang="en-US" smtClean="0">
-                <a:latin typeface="Segoe" panose="020B0502040504020203"/>
-              </a:rPr>
-              <a:pPr/>
-              <a:t>4</a:t>
-            </a:fld>
-            <a:endParaRPr lang="en-US" dirty="0">
-              <a:latin typeface="Segoe" panose="020B0502040504020203"/>
-            </a:endParaRPr>
-          </a:p>
-        </p:txBody>
-      </p:sp>
-      <p:pic>
-        <p:nvPicPr>
-          <p:cNvPr id="1028" name="Picture 4" descr="https://s-media-cache-ak0.pinimg.com/originals/69/12/a7/6912a7bfe9d6e154c83697a5e13d13fb.jpg"/>
-          <p:cNvPicPr>
-            <a:picLocks noChangeAspect="1" noChangeArrowheads="1"/>
-          </p:cNvPicPr>
-          <p:nvPr/>
-        </p:nvPicPr>
-        <p:blipFill rotWithShape="1">
-          <a:blip r:embed="rId3">
-            <a:extLst>
-              <a:ext uri="{28A0092B-C50C-407E-A947-70E740481C1C}">
-                <a14:useLocalDpi xmlns:a14="http://schemas.microsoft.com/office/drawing/2010/main" val="0"/>
-              </a:ext>
-            </a:extLst>
-          </a:blip>
-          <a:srcRect l="1907" t="1851" r="2477" b="1521"/>
-          <a:stretch/>
-        </p:blipFill>
-        <p:spPr bwMode="auto">
-          <a:xfrm>
-            <a:off x="2822222" y="1332088"/>
-            <a:ext cx="6508814" cy="4933245"/>
-          </a:xfrm>
-          <a:prstGeom prst="rect">
-            <a:avLst/>
-          </a:prstGeom>
-          <a:noFill/>
-          <a:ln w="6350">
-            <a:solidFill>
-              <a:schemeClr val="accent1"/>
-            </a:solidFill>
-          </a:ln>
-          <a:extLst>
-            <a:ext uri="{909E8E84-426E-40DD-AFC4-6F175D3DCCD1}">
-              <a14:hiddenFill xmlns:a14="http://schemas.microsoft.com/office/drawing/2010/main">
-                <a:solidFill>
-                  <a:srgbClr val="FFFFFF"/>
-                </a:solidFill>
-              </a14:hiddenFill>
-            </a:ext>
-          </a:extLst>
-        </p:spPr>
-      </p:pic>
-    </p:spTree>
-    <p:extLst>
-      <p:ext uri="{BB962C8B-B14F-4D97-AF65-F5344CB8AC3E}">
-        <p14:creationId xmlns:p14="http://schemas.microsoft.com/office/powerpoint/2010/main" val="3227599500"/>
-      </p:ext>
-    </p:extLst>
-  </p:cSld>
-  <p:clrMapOvr>
-    <a:masterClrMapping/>
-  </p:clrMapOvr>
-</p:sld>
-</file>
-
-<file path=ppt/slides/slide40.xml><?xml version="1.0" encoding="utf-8"?>
-<p:sld xmlns:a="http://schemas.openxmlformats.org/drawingml/2006/main" xmlns:r="http://schemas.openxmlformats.org/officeDocument/2006/relationships" xmlns:p="http://schemas.openxmlformats.org/presentationml/2006/main">
-  <p:cSld>
-    <p:spTree>
-      <p:nvGrpSpPr>
-        <p:cNvPr id="1" name=""/>
-        <p:cNvGrpSpPr/>
-        <p:nvPr/>
-      </p:nvGrpSpPr>
-      <p:grpSpPr>
-        <a:xfrm>
-          <a:off x="0" y="0"/>
-          <a:ext cx="0" cy="0"/>
-          <a:chOff x="0" y="0"/>
-          <a:chExt cx="0" cy="0"/>
-        </a:xfrm>
-      </p:grpSpPr>
-      <p:sp>
-        <p:nvSpPr>
-          <p:cNvPr id="38" name="Content Placeholder 37"/>
-          <p:cNvSpPr>
-            <a:spLocks noGrp="1"/>
-          </p:cNvSpPr>
-          <p:nvPr>
-            <p:ph idx="1"/>
-          </p:nvPr>
-        </p:nvSpPr>
-        <p:spPr>
-          <a:xfrm>
-            <a:off x="838200" y="2056534"/>
-            <a:ext cx="10515600" cy="3542755"/>
-          </a:xfrm>
-        </p:spPr>
-        <p:txBody>
-          <a:bodyPr anchor="ctr">
-            <a:normAutofit/>
-          </a:bodyPr>
-          <a:lstStyle/>
-          <a:p>
-            <a:pPr algn="ctr"/>
-            <a:r>
-              <a:rPr lang="fr-FR" sz="6000" i="1" dirty="0"/>
-              <a:t>CQRS          Event </a:t>
-            </a:r>
-            <a:r>
-              <a:rPr lang="fr-FR" sz="6000" i="1" dirty="0" err="1"/>
-              <a:t>Sourcing</a:t>
-            </a:r>
-            <a:endParaRPr lang="fr-FR" sz="6000" i="1" dirty="0"/>
-          </a:p>
-          <a:p>
-            <a:pPr algn="ctr"/>
-            <a:r>
-              <a:rPr lang="fr-FR" sz="4000" i="1" dirty="0">
-                <a:solidFill>
-                  <a:schemeClr val="bg1">
-                    <a:lumMod val="65000"/>
-                  </a:schemeClr>
-                </a:solidFill>
-              </a:rPr>
-              <a:t>mais</a:t>
-            </a:r>
-            <a:endParaRPr lang="fr-FR" sz="6000" i="1" dirty="0">
-              <a:solidFill>
-                <a:schemeClr val="bg1">
-                  <a:lumMod val="65000"/>
-                </a:schemeClr>
-              </a:solidFill>
-            </a:endParaRPr>
-          </a:p>
-          <a:p>
-            <a:pPr algn="ctr"/>
-            <a:r>
-              <a:rPr lang="fr-FR" sz="6000" i="1" dirty="0"/>
-              <a:t>CQRS != Event </a:t>
-            </a:r>
-            <a:r>
-              <a:rPr lang="fr-FR" sz="6000" i="1" dirty="0" err="1"/>
-              <a:t>Sourcing</a:t>
-            </a:r>
-            <a:endParaRPr lang="fr-FR" sz="6000" i="1" dirty="0"/>
-          </a:p>
-        </p:txBody>
-      </p:sp>
-      <p:sp>
-        <p:nvSpPr>
-          <p:cNvPr id="41" name="Title 40"/>
-          <p:cNvSpPr>
-            <a:spLocks noGrp="1"/>
-          </p:cNvSpPr>
-          <p:nvPr>
-            <p:ph type="title"/>
-          </p:nvPr>
-        </p:nvSpPr>
-        <p:spPr/>
-        <p:txBody>
-          <a:bodyPr/>
-          <a:lstStyle/>
-          <a:p>
-            <a:r>
-              <a:rPr lang="fr-FR" dirty="0"/>
-              <a:t>Une dernière précision</a:t>
-            </a:r>
-          </a:p>
-        </p:txBody>
-      </p:sp>
-      <p:sp>
-        <p:nvSpPr>
-          <p:cNvPr id="29" name="Slide Number Placeholder 28"/>
-          <p:cNvSpPr>
-            <a:spLocks noGrp="1"/>
-          </p:cNvSpPr>
-          <p:nvPr>
-            <p:ph type="sldNum" sz="quarter" idx="4"/>
-          </p:nvPr>
-        </p:nvSpPr>
-        <p:spPr/>
-        <p:txBody>
-          <a:bodyPr/>
-          <a:lstStyle/>
-          <a:p>
-            <a:r>
-              <a:rPr lang="en-US" dirty="0">
-                <a:latin typeface="Segoe" panose="020B0502040504020203"/>
-              </a:rPr>
-              <a:t>N° </a:t>
-            </a:r>
-            <a:fld id="{6BFFD774-5C5F-4855-9115-A9F49D34CCD3}" type="slidenum">
-              <a:rPr lang="en-US" smtClean="0">
-                <a:latin typeface="Segoe" panose="020B0502040504020203"/>
-              </a:rPr>
-              <a:pPr/>
-              <a:t>40</a:t>
-            </a:fld>
-            <a:endParaRPr lang="en-US" dirty="0">
-              <a:latin typeface="Segoe" panose="020B0502040504020203"/>
-            </a:endParaRPr>
-          </a:p>
-        </p:txBody>
-      </p:sp>
-      <p:pic>
-        <p:nvPicPr>
-          <p:cNvPr id="14338" name="Picture 2" descr="Afficher l'image d'origine"/>
-          <p:cNvPicPr>
-            <a:picLocks noChangeAspect="1" noChangeArrowheads="1"/>
-          </p:cNvPicPr>
-          <p:nvPr/>
-        </p:nvPicPr>
-        <p:blipFill>
-          <a:blip r:embed="rId3">
-            <a:extLst>
-              <a:ext uri="{28A0092B-C50C-407E-A947-70E740481C1C}">
-                <a14:useLocalDpi xmlns:a14="http://schemas.microsoft.com/office/drawing/2010/main" val="0"/>
-              </a:ext>
-            </a:extLst>
-          </a:blip>
-          <a:srcRect/>
-          <a:stretch>
-            <a:fillRect/>
-          </a:stretch>
-        </p:blipFill>
-        <p:spPr bwMode="auto">
-          <a:xfrm>
-            <a:off x="4277435" y="2572562"/>
-            <a:ext cx="949657" cy="949657"/>
-          </a:xfrm>
-          <a:prstGeom prst="rect">
-            <a:avLst/>
-          </a:prstGeom>
-          <a:noFill/>
-          <a:extLst>
-            <a:ext uri="{909E8E84-426E-40DD-AFC4-6F175D3DCCD1}">
-              <a14:hiddenFill xmlns:a14="http://schemas.microsoft.com/office/drawing/2010/main">
-                <a:solidFill>
-                  <a:srgbClr val="FFFFFF"/>
-                </a:solidFill>
-              </a14:hiddenFill>
-            </a:ext>
-          </a:extLst>
-        </p:spPr>
-      </p:pic>
-    </p:spTree>
-    <p:extLst>
-      <p:ext uri="{BB962C8B-B14F-4D97-AF65-F5344CB8AC3E}">
-        <p14:creationId xmlns:p14="http://schemas.microsoft.com/office/powerpoint/2010/main" val="1035014557"/>
-      </p:ext>
-    </p:extLst>
-  </p:cSld>
-  <p:clrMapOvr>
-    <a:masterClrMapping/>
-  </p:clrMapOvr>
-</p:sld>
-</file>
-
-<file path=ppt/slides/slide41.xml><?xml version="1.0" encoding="utf-8"?>
-<p:sld xmlns:a="http://schemas.openxmlformats.org/drawingml/2006/main" xmlns:r="http://schemas.openxmlformats.org/officeDocument/2006/relationships" xmlns:p="http://schemas.openxmlformats.org/presentationml/2006/main">
-  <p:cSld>
-    <p:spTree>
-      <p:nvGrpSpPr>
-        <p:cNvPr id="1" name=""/>
-        <p:cNvGrpSpPr/>
-        <p:nvPr/>
-      </p:nvGrpSpPr>
-      <p:grpSpPr>
-        <a:xfrm>
-          <a:off x="0" y="0"/>
-          <a:ext cx="0" cy="0"/>
-          <a:chOff x="0" y="0"/>
-          <a:chExt cx="0" cy="0"/>
-        </a:xfrm>
-      </p:grpSpPr>
-      <p:sp>
-        <p:nvSpPr>
-          <p:cNvPr id="3" name="Slide Number Placeholder 2"/>
-          <p:cNvSpPr>
-            <a:spLocks noGrp="1"/>
-          </p:cNvSpPr>
-          <p:nvPr>
-            <p:ph type="sldNum" sz="quarter" idx="4294967295"/>
-          </p:nvPr>
-        </p:nvSpPr>
-        <p:spPr>
-          <a:xfrm>
-            <a:off x="9448800" y="6492875"/>
-            <a:ext cx="2743200" cy="365125"/>
-          </a:xfrm>
-        </p:spPr>
-        <p:txBody>
-          <a:bodyPr/>
-          <a:lstStyle/>
-          <a:p>
-            <a:r>
-              <a:rPr lang="en-US"/>
-              <a:t>N° </a:t>
-            </a:r>
-            <a:fld id="{6BFFD774-5C5F-4855-9115-A9F49D34CCD3}" type="slidenum">
-              <a:rPr lang="en-US" smtClean="0"/>
-              <a:pPr/>
-              <a:t>41</a:t>
-            </a:fld>
-            <a:endParaRPr lang="en-US" dirty="0"/>
-          </a:p>
-        </p:txBody>
-      </p:sp>
-    </p:spTree>
-    <p:extLst>
-      <p:ext uri="{BB962C8B-B14F-4D97-AF65-F5344CB8AC3E}">
-        <p14:creationId xmlns:p14="http://schemas.microsoft.com/office/powerpoint/2010/main" val="3406228000"/>
-      </p:ext>
-    </p:extLst>
-  </p:cSld>
-  <p:clrMapOvr>
-    <a:masterClrMapping/>
-  </p:clrMapOvr>
-</p:sld>
-</file>
-
-<file path=ppt/slides/slide42.xml><?xml version="1.0" encoding="utf-8"?>
-<p:sld xmlns:a="http://schemas.openxmlformats.org/drawingml/2006/main" xmlns:r="http://schemas.openxmlformats.org/officeDocument/2006/relationships" xmlns:p="http://schemas.openxmlformats.org/presentationml/2006/main">
-  <p:cSld>
-    <p:spTree>
-      <p:nvGrpSpPr>
-        <p:cNvPr id="1" name=""/>
-        <p:cNvGrpSpPr/>
-        <p:nvPr/>
-      </p:nvGrpSpPr>
-      <p:grpSpPr>
-        <a:xfrm>
-          <a:off x="0" y="0"/>
-          <a:ext cx="0" cy="0"/>
-          <a:chOff x="0" y="0"/>
-          <a:chExt cx="0" cy="0"/>
-        </a:xfrm>
-      </p:grpSpPr>
-      <p:sp>
-        <p:nvSpPr>
-          <p:cNvPr id="7" name="Text Placeholder 6"/>
-          <p:cNvSpPr>
-            <a:spLocks noGrp="1"/>
-          </p:cNvSpPr>
-          <p:nvPr>
-            <p:ph type="body" sz="quarter" idx="10"/>
-          </p:nvPr>
-        </p:nvSpPr>
-        <p:spPr/>
-        <p:txBody>
-          <a:bodyPr/>
-          <a:lstStyle/>
-          <a:p>
-            <a:r>
-              <a:rPr lang="en-US" sz="2800" dirty="0"/>
-              <a:t>@</a:t>
-            </a:r>
-            <a:r>
-              <a:rPr lang="en-US" sz="2800" dirty="0" err="1"/>
-              <a:t>tpierrain</a:t>
-            </a:r>
-            <a:r>
-              <a:rPr lang="en-US" sz="2800" dirty="0"/>
-              <a:t> @</a:t>
-            </a:r>
-            <a:r>
-              <a:rPr lang="en-US" sz="2800" dirty="0" err="1"/>
-              <a:t>boucardbruno</a:t>
-            </a:r>
-            <a:r>
-              <a:rPr lang="en-US" sz="2800" dirty="0"/>
-              <a:t> @</a:t>
-            </a:r>
-            <a:r>
-              <a:rPr lang="en-US" sz="2800" dirty="0" err="1"/>
-              <a:t>tjaskula</a:t>
-            </a:r>
-            <a:r>
-              <a:rPr lang="en-US" sz="2800" dirty="0"/>
-              <a:t> @</a:t>
-            </a:r>
-            <a:r>
-              <a:rPr lang="en-US" sz="2800" dirty="0" err="1"/>
-              <a:t>EricVernie</a:t>
-            </a:r>
-            <a:endParaRPr lang="en-US" sz="2800" dirty="0"/>
-          </a:p>
-        </p:txBody>
-      </p:sp>
-      <p:sp>
-        <p:nvSpPr>
-          <p:cNvPr id="6" name="Slide Number Placeholder 5"/>
-          <p:cNvSpPr>
-            <a:spLocks noGrp="1"/>
-          </p:cNvSpPr>
-          <p:nvPr>
-            <p:ph type="sldNum" sz="quarter" idx="4294967295"/>
-          </p:nvPr>
-        </p:nvSpPr>
-        <p:spPr>
-          <a:xfrm>
-            <a:off x="9448800" y="6492875"/>
-            <a:ext cx="2743200" cy="365125"/>
-          </a:xfrm>
-        </p:spPr>
-        <p:txBody>
-          <a:bodyPr/>
-          <a:lstStyle/>
-          <a:p>
-            <a:r>
-              <a:rPr lang="en-US"/>
-              <a:t>N° </a:t>
-            </a:r>
-            <a:fld id="{6BFFD774-5C5F-4855-9115-A9F49D34CCD3}" type="slidenum">
-              <a:rPr lang="en-US" smtClean="0"/>
-              <a:pPr/>
-              <a:t>42</a:t>
-            </a:fld>
-            <a:endParaRPr lang="en-US" dirty="0"/>
-          </a:p>
-        </p:txBody>
-      </p:sp>
-    </p:spTree>
-    <p:extLst>
-      <p:ext uri="{BB962C8B-B14F-4D97-AF65-F5344CB8AC3E}">
-        <p14:creationId xmlns:p14="http://schemas.microsoft.com/office/powerpoint/2010/main" val="3741219683"/>
-      </p:ext>
-    </p:extLst>
-  </p:cSld>
-  <p:clrMapOvr>
-    <a:masterClrMapping/>
-  </p:clrMapOvr>
-</p:sld>
-</file>
-
-<file path=ppt/slides/slide43.xml><?xml version="1.0" encoding="utf-8"?>
-<p:sld xmlns:a="http://schemas.openxmlformats.org/drawingml/2006/main" xmlns:r="http://schemas.openxmlformats.org/officeDocument/2006/relationships" xmlns:p="http://schemas.openxmlformats.org/presentationml/2006/main">
-  <p:cSld>
-    <p:spTree>
-      <p:nvGrpSpPr>
-        <p:cNvPr id="1" name=""/>
-        <p:cNvGrpSpPr/>
-        <p:nvPr/>
-      </p:nvGrpSpPr>
-      <p:grpSpPr>
-        <a:xfrm>
-          <a:off x="0" y="0"/>
-          <a:ext cx="0" cy="0"/>
-          <a:chOff x="0" y="0"/>
-          <a:chExt cx="0" cy="0"/>
-        </a:xfrm>
-      </p:grpSpPr>
-      <p:pic>
-        <p:nvPicPr>
-          <p:cNvPr id="6" name="Image 5"/>
-          <p:cNvPicPr>
-            <a:picLocks noChangeAspect="1"/>
-          </p:cNvPicPr>
-          <p:nvPr/>
-        </p:nvPicPr>
-        <p:blipFill>
-          <a:blip r:embed="rId2">
-            <a:extLst>
-              <a:ext uri="{28A0092B-C50C-407E-A947-70E740481C1C}">
-                <a14:useLocalDpi xmlns:a14="http://schemas.microsoft.com/office/drawing/2010/main" val="0"/>
-              </a:ext>
-            </a:extLst>
-          </a:blip>
-          <a:stretch>
-            <a:fillRect/>
-          </a:stretch>
-        </p:blipFill>
-        <p:spPr>
-          <a:xfrm>
-            <a:off x="4614496" y="2670929"/>
-            <a:ext cx="2963009" cy="2963009"/>
-          </a:xfrm>
-          <a:prstGeom prst="rect">
-            <a:avLst/>
-          </a:prstGeom>
-        </p:spPr>
-      </p:pic>
-      <p:sp>
-        <p:nvSpPr>
-          <p:cNvPr id="2" name="Slide Number Placeholder 1"/>
-          <p:cNvSpPr>
-            <a:spLocks noGrp="1"/>
-          </p:cNvSpPr>
-          <p:nvPr>
-            <p:ph type="sldNum" sz="quarter" idx="4294967295"/>
-          </p:nvPr>
-        </p:nvSpPr>
-        <p:spPr>
-          <a:xfrm>
-            <a:off x="9448800" y="6492875"/>
-            <a:ext cx="2743200" cy="365125"/>
-          </a:xfrm>
-        </p:spPr>
-        <p:txBody>
-          <a:bodyPr/>
-          <a:lstStyle/>
-          <a:p>
-            <a:r>
-              <a:rPr lang="en-US" dirty="0"/>
-              <a:t>N° </a:t>
-            </a:r>
-            <a:fld id="{6BFFD774-5C5F-4855-9115-A9F49D34CCD3}" type="slidenum">
-              <a:rPr lang="en-US" smtClean="0"/>
-              <a:pPr/>
-              <a:t>43</a:t>
-            </a:fld>
-            <a:endParaRPr lang="en-US" dirty="0"/>
-          </a:p>
-        </p:txBody>
-      </p:sp>
-    </p:spTree>
-    <p:extLst>
-      <p:ext uri="{BB962C8B-B14F-4D97-AF65-F5344CB8AC3E}">
-        <p14:creationId xmlns:p14="http://schemas.microsoft.com/office/powerpoint/2010/main" val="1692793826"/>
-      </p:ext>
-    </p:extLst>
-  </p:cSld>
-  <p:clrMapOvr>
-    <a:masterClrMapping/>
-  </p:clrMapOvr>
-</p:sld>
-</file>
-
-<file path=ppt/slides/slide44.xml><?xml version="1.0" encoding="utf-8"?>
-<p:sld xmlns:a="http://schemas.openxmlformats.org/drawingml/2006/main" xmlns:r="http://schemas.openxmlformats.org/officeDocument/2006/relationships" xmlns:p="http://schemas.openxmlformats.org/presentationml/2006/main">
-  <p:cSld>
-    <p:spTree>
-      <p:nvGrpSpPr>
-        <p:cNvPr id="1" name=""/>
-        <p:cNvGrpSpPr/>
-        <p:nvPr/>
-      </p:nvGrpSpPr>
-      <p:grpSpPr>
-        <a:xfrm>
-          <a:off x="0" y="0"/>
-          <a:ext cx="0" cy="0"/>
-          <a:chOff x="0" y="0"/>
-          <a:chExt cx="0" cy="0"/>
-        </a:xfrm>
-      </p:grpSpPr>
-      <p:sp>
-        <p:nvSpPr>
-          <p:cNvPr id="2" name="Espace réservé du contenu 1"/>
-          <p:cNvSpPr>
-            <a:spLocks noGrp="1"/>
-          </p:cNvSpPr>
-          <p:nvPr>
-            <p:ph idx="1"/>
-          </p:nvPr>
-        </p:nvSpPr>
-        <p:spPr/>
-        <p:txBody>
-          <a:bodyPr>
-            <a:normAutofit lnSpcReduction="10000"/>
-          </a:bodyPr>
-          <a:lstStyle/>
-          <a:p>
-            <a:r>
-              <a:rPr lang="en-US" dirty="0">
-                <a:solidFill>
-                  <a:srgbClr val="0000FF"/>
-                </a:solidFill>
-                <a:highlight>
-                  <a:srgbClr val="FFFFFF"/>
-                </a:highlight>
-              </a:rPr>
-              <a:t>try</a:t>
-            </a:r>
-            <a:endParaRPr lang="en-US" dirty="0">
-              <a:solidFill>
-                <a:srgbClr val="000000"/>
-              </a:solidFill>
-              <a:highlight>
-                <a:srgbClr val="FFFFFF"/>
-              </a:highlight>
-            </a:endParaRPr>
-          </a:p>
-          <a:p>
-            <a:r>
-              <a:rPr lang="en-US" dirty="0">
-                <a:solidFill>
-                  <a:srgbClr val="000000"/>
-                </a:solidFill>
-                <a:highlight>
-                  <a:srgbClr val="FFFFFF"/>
-                </a:highlight>
-              </a:rPr>
-              <a:t>{</a:t>
-            </a:r>
-          </a:p>
-          <a:p>
-            <a:r>
-              <a:rPr lang="nn-NO" dirty="0">
-                <a:solidFill>
-                  <a:srgbClr val="000000"/>
-                </a:solidFill>
-                <a:highlight>
-                  <a:srgbClr val="FFFFFF"/>
-                </a:highlight>
-              </a:rPr>
-              <a:t>    </a:t>
-            </a:r>
-            <a:r>
-              <a:rPr lang="nn-NO" dirty="0">
-                <a:solidFill>
-                  <a:srgbClr val="0000FF"/>
-                </a:solidFill>
-                <a:highlight>
-                  <a:srgbClr val="FFFFFF"/>
-                </a:highlight>
-              </a:rPr>
-              <a:t>var</a:t>
-            </a:r>
-            <a:r>
-              <a:rPr lang="nn-NO" dirty="0">
-                <a:solidFill>
-                  <a:srgbClr val="000000"/>
-                </a:solidFill>
-                <a:highlight>
-                  <a:srgbClr val="FFFFFF"/>
-                </a:highlight>
-              </a:rPr>
-              <a:t> uri = </a:t>
-            </a:r>
-            <a:r>
-              <a:rPr lang="nn-NO" dirty="0">
-                <a:solidFill>
-                  <a:srgbClr val="0000FF"/>
-                </a:solidFill>
-                <a:highlight>
-                  <a:srgbClr val="FFFFFF"/>
-                </a:highlight>
-              </a:rPr>
-              <a:t>new</a:t>
-            </a:r>
-            <a:r>
-              <a:rPr lang="nn-NO" dirty="0">
-                <a:solidFill>
-                  <a:srgbClr val="000000"/>
-                </a:solidFill>
-                <a:highlight>
-                  <a:srgbClr val="FFFFFF"/>
-                </a:highlight>
-              </a:rPr>
-              <a:t> </a:t>
-            </a:r>
-            <a:r>
-              <a:rPr lang="nn-NO" dirty="0">
-                <a:solidFill>
-                  <a:srgbClr val="2B91AF"/>
-                </a:solidFill>
-                <a:highlight>
-                  <a:srgbClr val="FFFFFF"/>
-                </a:highlight>
-              </a:rPr>
-              <a:t>Uri</a:t>
-            </a:r>
-            <a:r>
-              <a:rPr lang="nn-NO" dirty="0">
-                <a:solidFill>
-                  <a:srgbClr val="000000"/>
-                </a:solidFill>
-                <a:highlight>
-                  <a:srgbClr val="FFFFFF"/>
-                </a:highlight>
-              </a:rPr>
-              <a:t>(</a:t>
-            </a:r>
-            <a:r>
-              <a:rPr lang="nn-NO" dirty="0">
-                <a:solidFill>
-                  <a:srgbClr val="A31515"/>
-                </a:solidFill>
-                <a:highlight>
-                  <a:srgbClr val="FFFFFF"/>
-                </a:highlight>
-              </a:rPr>
-              <a:t>"http://example.com/datalist.aspx"</a:t>
-            </a:r>
-            <a:r>
-              <a:rPr lang="nn-NO" dirty="0">
-                <a:solidFill>
-                  <a:srgbClr val="000000"/>
-                </a:solidFill>
-                <a:highlight>
-                  <a:srgbClr val="FFFFFF"/>
-                </a:highlight>
-              </a:rPr>
-              <a:t>);</a:t>
-            </a:r>
-          </a:p>
-          <a:p>
-            <a:r>
-              <a:rPr lang="en-US" dirty="0">
-                <a:solidFill>
-                  <a:srgbClr val="000000"/>
-                </a:solidFill>
-                <a:highlight>
-                  <a:srgbClr val="FFFFFF"/>
-                </a:highlight>
-              </a:rPr>
-              <a:t>    </a:t>
-            </a:r>
-            <a:r>
-              <a:rPr lang="en-US" dirty="0" err="1">
-                <a:solidFill>
-                  <a:srgbClr val="0000FF"/>
-                </a:solidFill>
-                <a:highlight>
-                  <a:srgbClr val="FFFFFF"/>
-                </a:highlight>
-              </a:rPr>
-              <a:t>var</a:t>
-            </a:r>
-            <a:r>
-              <a:rPr lang="en-US" dirty="0">
-                <a:solidFill>
-                  <a:srgbClr val="000000"/>
-                </a:solidFill>
-                <a:highlight>
-                  <a:srgbClr val="FFFFFF"/>
-                </a:highlight>
-              </a:rPr>
-              <a:t> </a:t>
-            </a:r>
-            <a:r>
-              <a:rPr lang="en-US" dirty="0" err="1">
-                <a:solidFill>
-                  <a:srgbClr val="000000"/>
-                </a:solidFill>
-                <a:highlight>
-                  <a:srgbClr val="FFFFFF"/>
-                </a:highlight>
-              </a:rPr>
-              <a:t>httpClient</a:t>
-            </a:r>
-            <a:r>
-              <a:rPr lang="en-US" dirty="0">
-                <a:solidFill>
-                  <a:srgbClr val="000000"/>
-                </a:solidFill>
-                <a:highlight>
-                  <a:srgbClr val="FFFFFF"/>
-                </a:highlight>
-              </a:rPr>
-              <a:t> = </a:t>
-            </a:r>
-            <a:r>
-              <a:rPr lang="en-US" dirty="0">
-                <a:solidFill>
-                  <a:srgbClr val="0000FF"/>
-                </a:solidFill>
-                <a:highlight>
-                  <a:srgbClr val="FFFFFF"/>
-                </a:highlight>
-              </a:rPr>
-              <a:t>new</a:t>
-            </a:r>
-            <a:r>
-              <a:rPr lang="en-US" dirty="0">
-                <a:solidFill>
-                  <a:srgbClr val="000000"/>
-                </a:solidFill>
-                <a:highlight>
-                  <a:srgbClr val="FFFFFF"/>
-                </a:highlight>
-              </a:rPr>
-              <a:t> </a:t>
-            </a:r>
-            <a:r>
-              <a:rPr lang="en-US" dirty="0" err="1">
-                <a:solidFill>
-                  <a:srgbClr val="2B91AF"/>
-                </a:solidFill>
-                <a:highlight>
-                  <a:srgbClr val="FFFFFF"/>
-                </a:highlight>
-              </a:rPr>
-              <a:t>HttpClient</a:t>
-            </a:r>
-            <a:r>
-              <a:rPr lang="en-US" dirty="0">
-                <a:solidFill>
-                  <a:srgbClr val="000000"/>
-                </a:solidFill>
-                <a:highlight>
-                  <a:srgbClr val="FFFFFF"/>
-                </a:highlight>
-              </a:rPr>
-              <a:t>();</a:t>
-            </a:r>
-          </a:p>
-          <a:p>
-            <a:r>
-              <a:rPr lang="en-US" dirty="0">
-                <a:solidFill>
-                  <a:srgbClr val="000000"/>
-                </a:solidFill>
-                <a:highlight>
-                  <a:srgbClr val="FFFFFF"/>
-                </a:highlight>
-              </a:rPr>
-              <a:t>    </a:t>
-            </a:r>
-            <a:r>
-              <a:rPr lang="en-US" dirty="0" err="1">
-                <a:solidFill>
-                  <a:srgbClr val="0000FF"/>
-                </a:solidFill>
-                <a:highlight>
-                  <a:srgbClr val="FFFFFF"/>
-                </a:highlight>
-              </a:rPr>
-              <a:t>var</a:t>
-            </a:r>
-            <a:r>
-              <a:rPr lang="en-US" dirty="0">
-                <a:solidFill>
-                  <a:srgbClr val="000000"/>
-                </a:solidFill>
-                <a:highlight>
-                  <a:srgbClr val="FFFFFF"/>
-                </a:highlight>
-              </a:rPr>
-              <a:t> result = </a:t>
-            </a:r>
-            <a:r>
-              <a:rPr lang="en-US" dirty="0">
-                <a:solidFill>
-                  <a:srgbClr val="0000FF"/>
-                </a:solidFill>
-                <a:highlight>
-                  <a:srgbClr val="FFFFFF"/>
-                </a:highlight>
-              </a:rPr>
-              <a:t>await</a:t>
-            </a:r>
-            <a:r>
-              <a:rPr lang="en-US" dirty="0">
-                <a:solidFill>
-                  <a:srgbClr val="000000"/>
-                </a:solidFill>
-                <a:highlight>
-                  <a:srgbClr val="FFFFFF"/>
-                </a:highlight>
-              </a:rPr>
-              <a:t> </a:t>
-            </a:r>
-            <a:r>
-              <a:rPr lang="en-US" dirty="0" err="1">
-                <a:solidFill>
-                  <a:srgbClr val="000000"/>
-                </a:solidFill>
-                <a:highlight>
-                  <a:srgbClr val="FFFFFF"/>
-                </a:highlight>
-              </a:rPr>
-              <a:t>httpClient.GetStringAsync</a:t>
-            </a:r>
-            <a:r>
-              <a:rPr lang="en-US" dirty="0">
-                <a:solidFill>
-                  <a:srgbClr val="000000"/>
-                </a:solidFill>
-                <a:highlight>
-                  <a:srgbClr val="FFFFFF"/>
-                </a:highlight>
-              </a:rPr>
-              <a:t>(</a:t>
-            </a:r>
-            <a:r>
-              <a:rPr lang="en-US" dirty="0" err="1">
-                <a:solidFill>
-                  <a:srgbClr val="000000"/>
-                </a:solidFill>
-                <a:highlight>
-                  <a:srgbClr val="FFFFFF"/>
-                </a:highlight>
-              </a:rPr>
-              <a:t>uri</a:t>
-            </a:r>
-            <a:r>
-              <a:rPr lang="en-US" dirty="0">
-                <a:solidFill>
-                  <a:srgbClr val="000000"/>
-                </a:solidFill>
-                <a:highlight>
-                  <a:srgbClr val="FFFFFF"/>
-                </a:highlight>
-              </a:rPr>
-              <a:t>);</a:t>
-            </a:r>
-          </a:p>
-          <a:p>
-            <a:r>
-              <a:rPr lang="en-US" dirty="0">
-                <a:solidFill>
-                  <a:srgbClr val="000000"/>
-                </a:solidFill>
-                <a:highlight>
-                  <a:srgbClr val="FFFFFF"/>
-                </a:highlight>
-              </a:rPr>
-              <a:t>}</a:t>
-            </a:r>
-          </a:p>
-          <a:p>
-            <a:r>
-              <a:rPr lang="en-US" dirty="0">
-                <a:solidFill>
-                  <a:srgbClr val="0000FF"/>
-                </a:solidFill>
-                <a:highlight>
-                  <a:srgbClr val="FFFFFF"/>
-                </a:highlight>
-              </a:rPr>
-              <a:t>catch</a:t>
-            </a:r>
-            <a:r>
-              <a:rPr lang="en-US" dirty="0">
-                <a:solidFill>
-                  <a:srgbClr val="000000"/>
-                </a:solidFill>
-                <a:highlight>
-                  <a:srgbClr val="FFFFFF"/>
-                </a:highlight>
-              </a:rPr>
-              <a:t> (</a:t>
-            </a:r>
-            <a:r>
-              <a:rPr lang="en-US" dirty="0">
-                <a:solidFill>
-                  <a:srgbClr val="2B91AF"/>
-                </a:solidFill>
-                <a:highlight>
-                  <a:srgbClr val="FFFFFF"/>
-                </a:highlight>
-              </a:rPr>
-              <a:t>Exception</a:t>
-            </a:r>
-            <a:r>
-              <a:rPr lang="en-US" dirty="0">
-                <a:solidFill>
-                  <a:srgbClr val="000000"/>
-                </a:solidFill>
-                <a:highlight>
-                  <a:srgbClr val="FFFFFF"/>
-                </a:highlight>
-              </a:rPr>
-              <a:t> e)</a:t>
-            </a:r>
-          </a:p>
-          <a:p>
-            <a:r>
-              <a:rPr lang="en-US" dirty="0">
-                <a:solidFill>
-                  <a:srgbClr val="000000"/>
-                </a:solidFill>
-                <a:highlight>
-                  <a:srgbClr val="FFFFFF"/>
-                </a:highlight>
-              </a:rPr>
-              <a:t>{</a:t>
-            </a:r>
-          </a:p>
-          <a:p>
-            <a:r>
-              <a:rPr lang="en-US" dirty="0">
-                <a:solidFill>
-                  <a:srgbClr val="000000"/>
-                </a:solidFill>
-                <a:highlight>
-                  <a:srgbClr val="FFFFFF"/>
-                </a:highlight>
-              </a:rPr>
-              <a:t>}</a:t>
-            </a:r>
-            <a:endParaRPr lang="en-US" dirty="0">
-              <a:solidFill>
-                <a:srgbClr val="000000"/>
-              </a:solidFill>
-              <a:highlight>
-                <a:srgbClr val="FFFFFF"/>
-              </a:highlight>
-              <a:latin typeface="Consolas"/>
-            </a:endParaRPr>
-          </a:p>
-        </p:txBody>
-      </p:sp>
-      <p:sp>
-        <p:nvSpPr>
-          <p:cNvPr id="3" name="Titre 2"/>
-          <p:cNvSpPr>
-            <a:spLocks noGrp="1"/>
-          </p:cNvSpPr>
-          <p:nvPr>
-            <p:ph type="title"/>
-          </p:nvPr>
-        </p:nvSpPr>
-        <p:spPr/>
-        <p:txBody>
-          <a:bodyPr/>
-          <a:lstStyle/>
-          <a:p>
-            <a:r>
-              <a:rPr lang="fr-FR" dirty="0"/>
-              <a:t>Exemple</a:t>
-            </a:r>
-          </a:p>
-        </p:txBody>
-      </p:sp>
-      <p:sp>
-        <p:nvSpPr>
-          <p:cNvPr id="4" name="Espace réservé du texte 3"/>
-          <p:cNvSpPr>
-            <a:spLocks noGrp="1"/>
-          </p:cNvSpPr>
-          <p:nvPr>
-            <p:ph type="body" sz="quarter" idx="13"/>
-          </p:nvPr>
-        </p:nvSpPr>
-        <p:spPr/>
-        <p:txBody>
-          <a:bodyPr/>
-          <a:lstStyle/>
-          <a:p>
-            <a:r>
-              <a:rPr lang="fr-FR" dirty="0"/>
-              <a:t>de code</a:t>
-            </a:r>
-          </a:p>
-        </p:txBody>
-      </p:sp>
-      <p:sp>
-        <p:nvSpPr>
-          <p:cNvPr id="5" name="Espace réservé du numéro de diapositive 4"/>
-          <p:cNvSpPr>
-            <a:spLocks noGrp="1"/>
-          </p:cNvSpPr>
-          <p:nvPr>
-            <p:ph type="sldNum" sz="quarter" idx="4"/>
-          </p:nvPr>
-        </p:nvSpPr>
-        <p:spPr/>
-        <p:txBody>
-          <a:bodyPr/>
-          <a:lstStyle/>
-          <a:p>
-            <a:r>
-              <a:rPr lang="en-US">
-                <a:latin typeface="Segoe" panose="020B0502040504020203"/>
-              </a:rPr>
-              <a:t>N° </a:t>
-            </a:r>
-            <a:fld id="{6BFFD774-5C5F-4855-9115-A9F49D34CCD3}" type="slidenum">
-              <a:rPr lang="en-US" smtClean="0">
-                <a:latin typeface="Segoe" panose="020B0502040504020203"/>
-              </a:rPr>
-              <a:pPr/>
-              <a:t>44</a:t>
-            </a:fld>
-            <a:endParaRPr lang="en-US" dirty="0">
-              <a:latin typeface="Segoe" panose="020B0502040504020203"/>
-            </a:endParaRPr>
-          </a:p>
-        </p:txBody>
-      </p:sp>
-    </p:spTree>
-    <p:extLst>
-      <p:ext uri="{BB962C8B-B14F-4D97-AF65-F5344CB8AC3E}">
-        <p14:creationId xmlns:p14="http://schemas.microsoft.com/office/powerpoint/2010/main" val="3944300715"/>
-      </p:ext>
-    </p:extLst>
-  </p:cSld>
-  <p:clrMapOvr>
-    <a:masterClrMapping/>
-  </p:clrMapOvr>
-</p:sld>
-</file>
-
-<file path=ppt/slides/slide5.xml><?xml version="1.0" encoding="utf-8"?>
-<p:sld xmlns:a="http://schemas.openxmlformats.org/drawingml/2006/main" xmlns:r="http://schemas.openxmlformats.org/officeDocument/2006/relationships" xmlns:p="http://schemas.openxmlformats.org/presentationml/2006/main">
-  <p:cSld>
-    <p:spTree>
-      <p:nvGrpSpPr>
-        <p:cNvPr id="1" name=""/>
-        <p:cNvGrpSpPr/>
-        <p:nvPr/>
-      </p:nvGrpSpPr>
-      <p:grpSpPr>
-        <a:xfrm>
-          <a:off x="0" y="0"/>
-          <a:ext cx="0" cy="0"/>
-          <a:chOff x="0" y="0"/>
-          <a:chExt cx="0" cy="0"/>
-        </a:xfrm>
-      </p:grpSpPr>
-      <p:sp>
-        <p:nvSpPr>
-          <p:cNvPr id="38" name="Content Placeholder 37"/>
-          <p:cNvSpPr>
-            <a:spLocks noGrp="1"/>
-          </p:cNvSpPr>
-          <p:nvPr>
-            <p:ph idx="1"/>
-          </p:nvPr>
-        </p:nvSpPr>
-        <p:spPr>
-          <a:xfrm>
-            <a:off x="158042" y="1611458"/>
-            <a:ext cx="5655735" cy="4477663"/>
-          </a:xfrm>
-        </p:spPr>
-        <p:txBody>
-          <a:bodyPr anchor="ctr">
-            <a:normAutofit/>
-          </a:bodyPr>
-          <a:lstStyle/>
-          <a:p>
-            <a:pPr algn="ctr"/>
-            <a:r>
-              <a:rPr lang="fr-FR" sz="6000" dirty="0"/>
-              <a:t>Loi de Pareto</a:t>
-            </a:r>
-          </a:p>
-          <a:p>
-            <a:pPr algn="ctr"/>
-            <a:r>
-              <a:rPr lang="fr-FR" sz="3600" dirty="0"/>
-              <a:t>80-20</a:t>
-            </a:r>
-          </a:p>
-        </p:txBody>
-      </p:sp>
-      <p:sp>
-        <p:nvSpPr>
-          <p:cNvPr id="41" name="Title 40"/>
-          <p:cNvSpPr>
-            <a:spLocks noGrp="1"/>
-          </p:cNvSpPr>
-          <p:nvPr>
-            <p:ph type="title"/>
-          </p:nvPr>
-        </p:nvSpPr>
-        <p:spPr/>
-        <p:txBody>
-          <a:bodyPr/>
-          <a:lstStyle/>
-          <a:p>
-            <a:r>
-              <a:rPr lang="en-US" dirty="0"/>
-              <a:t>Le </a:t>
-            </a:r>
-            <a:r>
-              <a:rPr lang="en-US" dirty="0" err="1"/>
-              <a:t>coupable</a:t>
-            </a:r>
-            <a:r>
-              <a:rPr lang="en-US" dirty="0"/>
-              <a:t>…</a:t>
-            </a:r>
-          </a:p>
-        </p:txBody>
-      </p:sp>
-      <p:sp>
-        <p:nvSpPr>
-          <p:cNvPr id="29" name="Slide Number Placeholder 28"/>
-          <p:cNvSpPr>
-            <a:spLocks noGrp="1"/>
-          </p:cNvSpPr>
-          <p:nvPr>
-            <p:ph type="sldNum" sz="quarter" idx="4"/>
-          </p:nvPr>
-        </p:nvSpPr>
-        <p:spPr/>
-        <p:txBody>
-          <a:bodyPr/>
-          <a:lstStyle/>
-          <a:p>
-            <a:r>
-              <a:rPr lang="en-US" dirty="0">
-                <a:latin typeface="Segoe" panose="020B0502040504020203"/>
-              </a:rPr>
-              <a:t>N° </a:t>
-            </a:r>
-            <a:fld id="{6BFFD774-5C5F-4855-9115-A9F49D34CCD3}" type="slidenum">
-              <a:rPr lang="en-US" smtClean="0">
-                <a:latin typeface="Segoe" panose="020B0502040504020203"/>
-              </a:rPr>
-              <a:pPr/>
-              <a:t>5</a:t>
-            </a:fld>
-            <a:endParaRPr lang="en-US" dirty="0">
-              <a:latin typeface="Segoe" panose="020B0502040504020203"/>
-            </a:endParaRPr>
-          </a:p>
-        </p:txBody>
-      </p:sp>
-      <p:graphicFrame>
-        <p:nvGraphicFramePr>
-          <p:cNvPr id="9" name="Chart 3"/>
-          <p:cNvGraphicFramePr>
-            <a:graphicFrameLocks/>
-          </p:cNvGraphicFramePr>
-          <p:nvPr>
-            <p:extLst>
-              <p:ext uri="{D42A27DB-BD31-4B8C-83A1-F6EECF244321}">
-                <p14:modId xmlns:p14="http://schemas.microsoft.com/office/powerpoint/2010/main" val="3220790443"/>
-              </p:ext>
-            </p:extLst>
-          </p:nvPr>
-        </p:nvGraphicFramePr>
-        <p:xfrm>
-          <a:off x="5425546" y="1414270"/>
-          <a:ext cx="5614987" cy="4872037"/>
-        </p:xfrm>
-        <a:graphic>
-          <a:graphicData uri="http://schemas.openxmlformats.org/drawingml/2006/chart">
-            <c:chart xmlns:c="http://schemas.openxmlformats.org/drawingml/2006/chart" xmlns:r="http://schemas.openxmlformats.org/officeDocument/2006/relationships" r:id="rId3"/>
-          </a:graphicData>
-        </a:graphic>
-      </p:graphicFrame>
-      <p:sp>
-        <p:nvSpPr>
-          <p:cNvPr id="10" name="Content Placeholder 37"/>
-          <p:cNvSpPr txBox="1">
-            <a:spLocks/>
-          </p:cNvSpPr>
-          <p:nvPr/>
-        </p:nvSpPr>
-        <p:spPr>
-          <a:xfrm>
-            <a:off x="7725039" y="3988729"/>
-            <a:ext cx="2037646" cy="1812316"/>
-          </a:xfrm>
-          <a:prstGeom prst="rect">
-            <a:avLst/>
-          </a:prstGeom>
-        </p:spPr>
-        <p:txBody>
-          <a:bodyPr vert="horz" lIns="91440" tIns="45720" rIns="91440" bIns="45720" rtlCol="0" anchor="ctr">
-            <a:normAutofit/>
-          </a:bodyPr>
-          <a:lstStyle>
-            <a:lvl1pPr marL="0" indent="0" algn="l" defTabSz="914400" rtl="0" eaLnBrk="1" latinLnBrk="0" hangingPunct="1">
-              <a:lnSpc>
-                <a:spcPct val="90000"/>
-              </a:lnSpc>
-              <a:spcBef>
-                <a:spcPts val="1000"/>
-              </a:spcBef>
-              <a:buFont typeface="Arial" panose="020B0604020202020204" pitchFamily="34" charset="0"/>
-              <a:buNone/>
-              <a:defRPr sz="2800" kern="1200">
-                <a:solidFill>
-                  <a:schemeClr val="tx1"/>
-                </a:solidFill>
-                <a:latin typeface="Segoe" panose="020B0502040504020203"/>
-                <a:ea typeface="+mn-ea"/>
-                <a:cs typeface="+mn-cs"/>
-              </a:defRPr>
-            </a:lvl1pPr>
-            <a:lvl2pPr marL="360363" indent="-360363" algn="l" defTabSz="914400" rtl="0" eaLnBrk="1" latinLnBrk="0" hangingPunct="1">
-              <a:lnSpc>
-                <a:spcPct val="90000"/>
-              </a:lnSpc>
-              <a:spcBef>
-                <a:spcPts val="500"/>
-              </a:spcBef>
-              <a:buFont typeface="Arial" panose="020B0604020202020204" pitchFamily="34" charset="0"/>
-              <a:buChar char="•"/>
-              <a:defRPr sz="2400" kern="1200">
-                <a:solidFill>
-                  <a:schemeClr val="tx1"/>
-                </a:solidFill>
-                <a:latin typeface="Segoe" panose="020B0502040504020203"/>
-                <a:ea typeface="+mn-ea"/>
-                <a:cs typeface="+mn-cs"/>
-              </a:defRPr>
-            </a:lvl2pPr>
-            <a:lvl3pPr marL="628650" indent="-254000" algn="l" defTabSz="914400" rtl="0" eaLnBrk="1" latinLnBrk="0" hangingPunct="1">
-              <a:lnSpc>
-                <a:spcPct val="90000"/>
-              </a:lnSpc>
-              <a:spcBef>
-                <a:spcPts val="500"/>
-              </a:spcBef>
-              <a:buFontTx/>
-              <a:buChar char="–"/>
-              <a:tabLst>
-                <a:tab pos="895350" algn="l"/>
-              </a:tabLst>
-              <a:defRPr sz="2400" kern="1200">
-                <a:solidFill>
-                  <a:schemeClr val="tx1"/>
-                </a:solidFill>
-                <a:latin typeface="Segoe" panose="020B0502040504020203"/>
-                <a:ea typeface="+mn-ea"/>
-                <a:cs typeface="+mn-cs"/>
-              </a:defRPr>
-            </a:lvl3pPr>
-            <a:lvl4pPr marL="895350" indent="476250" algn="l" defTabSz="914400" rtl="0" eaLnBrk="1" latinLnBrk="0" hangingPunct="1">
-              <a:lnSpc>
-                <a:spcPct val="90000"/>
-              </a:lnSpc>
-              <a:spcBef>
-                <a:spcPts val="500"/>
-              </a:spcBef>
-              <a:buFont typeface="Arial" panose="020B0604020202020204" pitchFamily="34" charset="0"/>
-              <a:buNone/>
-              <a:defRPr sz="2400" kern="1200">
-                <a:solidFill>
-                  <a:schemeClr val="tx1"/>
-                </a:solidFill>
-                <a:latin typeface="Segoe" panose="020B0502040504020203"/>
-                <a:ea typeface="+mn-ea"/>
-                <a:cs typeface="+mn-cs"/>
-              </a:defRPr>
-            </a:lvl4pPr>
-            <a:lvl5pPr marL="1828800" indent="0" algn="l" defTabSz="914400" rtl="0" eaLnBrk="1" latinLnBrk="0" hangingPunct="1">
-              <a:lnSpc>
-                <a:spcPct val="90000"/>
-              </a:lnSpc>
-              <a:spcBef>
-                <a:spcPts val="500"/>
-              </a:spcBef>
-              <a:buFont typeface="Arial" panose="020B0604020202020204" pitchFamily="34" charset="0"/>
-              <a:buNone/>
-              <a:defRPr sz="2400" kern="1200">
-                <a:solidFill>
-                  <a:schemeClr val="tx1"/>
-                </a:solidFill>
-                <a:latin typeface="Segoe" panose="020B0502040504020203"/>
-                <a:ea typeface="+mn-ea"/>
-                <a:cs typeface="+mn-cs"/>
-              </a:defRPr>
-            </a:lvl5pPr>
-            <a:lvl6pPr marL="2514600" indent="-228600" algn="l" defTabSz="914400" rtl="0" eaLnBrk="1" latinLnBrk="0" hangingPunct="1">
-              <a:lnSpc>
-                <a:spcPct val="90000"/>
-              </a:lnSpc>
-              <a:spcBef>
-                <a:spcPts val="500"/>
-              </a:spcBef>
-              <a:buFont typeface="Arial" panose="020B0604020202020204" pitchFamily="34" charset="0"/>
-              <a:buChar char="•"/>
-              <a:defRPr sz="1800" kern="1200">
-                <a:solidFill>
-                  <a:schemeClr val="tx1"/>
-                </a:solidFill>
-                <a:latin typeface="+mn-lt"/>
-                <a:ea typeface="+mn-ea"/>
-                <a:cs typeface="+mn-cs"/>
-              </a:defRPr>
-            </a:lvl6pPr>
-            <a:lvl7pPr marL="2971800" indent="-228600" algn="l" defTabSz="914400" rtl="0" eaLnBrk="1" latinLnBrk="0" hangingPunct="1">
-              <a:lnSpc>
-                <a:spcPct val="90000"/>
-              </a:lnSpc>
-              <a:spcBef>
-                <a:spcPts val="500"/>
-              </a:spcBef>
-              <a:buFont typeface="Arial" panose="020B0604020202020204" pitchFamily="34" charset="0"/>
-              <a:buChar char="•"/>
-              <a:defRPr sz="1800" kern="1200">
-                <a:solidFill>
-                  <a:schemeClr val="tx1"/>
-                </a:solidFill>
-                <a:latin typeface="+mn-lt"/>
-                <a:ea typeface="+mn-ea"/>
-                <a:cs typeface="+mn-cs"/>
-              </a:defRPr>
-            </a:lvl7pPr>
-            <a:lvl8pPr marL="3429000" indent="-228600" algn="l" defTabSz="914400" rtl="0" eaLnBrk="1" latinLnBrk="0" hangingPunct="1">
-              <a:lnSpc>
-                <a:spcPct val="90000"/>
-              </a:lnSpc>
-              <a:spcBef>
-                <a:spcPts val="500"/>
-              </a:spcBef>
-              <a:buFont typeface="Arial" panose="020B0604020202020204" pitchFamily="34" charset="0"/>
-              <a:buChar char="•"/>
-              <a:defRPr sz="1800" kern="1200">
-                <a:solidFill>
-                  <a:schemeClr val="tx1"/>
-                </a:solidFill>
-                <a:latin typeface="+mn-lt"/>
-                <a:ea typeface="+mn-ea"/>
-                <a:cs typeface="+mn-cs"/>
-              </a:defRPr>
-            </a:lvl8pPr>
-            <a:lvl9pPr marL="3886200" indent="-228600" algn="l" defTabSz="914400" rtl="0" eaLnBrk="1" latinLnBrk="0" hangingPunct="1">
-              <a:lnSpc>
-                <a:spcPct val="90000"/>
-              </a:lnSpc>
-              <a:spcBef>
-                <a:spcPts val="500"/>
-              </a:spcBef>
-              <a:buFont typeface="Arial" panose="020B0604020202020204" pitchFamily="34" charset="0"/>
-              <a:buChar char="•"/>
-              <a:defRPr sz="1800" kern="1200">
-                <a:solidFill>
-                  <a:schemeClr val="tx1"/>
-                </a:solidFill>
-                <a:latin typeface="+mn-lt"/>
-                <a:ea typeface="+mn-ea"/>
-                <a:cs typeface="+mn-cs"/>
-              </a:defRPr>
-            </a:lvl9pPr>
-          </a:lstStyle>
-          <a:p>
-            <a:pPr algn="ctr"/>
-            <a:r>
-              <a:rPr lang="fr-FR" dirty="0">
-                <a:solidFill>
-                  <a:schemeClr val="bg1"/>
-                </a:solidFill>
-              </a:rPr>
-              <a:t>80% de lecture</a:t>
-            </a:r>
-            <a:endParaRPr lang="en-US" dirty="0">
-              <a:solidFill>
-                <a:schemeClr val="bg1"/>
-              </a:solidFill>
-            </a:endParaRPr>
-          </a:p>
-        </p:txBody>
-      </p:sp>
-      <p:sp>
-        <p:nvSpPr>
-          <p:cNvPr id="11" name="Content Placeholder 37"/>
-          <p:cNvSpPr txBox="1">
-            <a:spLocks/>
-          </p:cNvSpPr>
-          <p:nvPr/>
-        </p:nvSpPr>
-        <p:spPr>
-          <a:xfrm>
-            <a:off x="6286322" y="1691151"/>
-            <a:ext cx="2037646" cy="1812316"/>
-          </a:xfrm>
-          <a:prstGeom prst="rect">
-            <a:avLst/>
-          </a:prstGeom>
-        </p:spPr>
-        <p:txBody>
-          <a:bodyPr vert="horz" lIns="91440" tIns="45720" rIns="91440" bIns="45720" rtlCol="0" anchor="ctr">
-            <a:normAutofit/>
-          </a:bodyPr>
-          <a:lstStyle>
-            <a:lvl1pPr marL="0" indent="0" algn="l" defTabSz="914400" rtl="0" eaLnBrk="1" latinLnBrk="0" hangingPunct="1">
-              <a:lnSpc>
-                <a:spcPct val="90000"/>
-              </a:lnSpc>
-              <a:spcBef>
-                <a:spcPts val="1000"/>
-              </a:spcBef>
-              <a:buFont typeface="Arial" panose="020B0604020202020204" pitchFamily="34" charset="0"/>
-              <a:buNone/>
-              <a:defRPr sz="2800" kern="1200">
-                <a:solidFill>
-                  <a:schemeClr val="tx1"/>
-                </a:solidFill>
-                <a:latin typeface="Segoe" panose="020B0502040504020203"/>
-                <a:ea typeface="+mn-ea"/>
-                <a:cs typeface="+mn-cs"/>
-              </a:defRPr>
-            </a:lvl1pPr>
-            <a:lvl2pPr marL="360363" indent="-360363" algn="l" defTabSz="914400" rtl="0" eaLnBrk="1" latinLnBrk="0" hangingPunct="1">
-              <a:lnSpc>
-                <a:spcPct val="90000"/>
-              </a:lnSpc>
-              <a:spcBef>
-                <a:spcPts val="500"/>
-              </a:spcBef>
-              <a:buFont typeface="Arial" panose="020B0604020202020204" pitchFamily="34" charset="0"/>
-              <a:buChar char="•"/>
-              <a:defRPr sz="2400" kern="1200">
-                <a:solidFill>
-                  <a:schemeClr val="tx1"/>
-                </a:solidFill>
-                <a:latin typeface="Segoe" panose="020B0502040504020203"/>
-                <a:ea typeface="+mn-ea"/>
-                <a:cs typeface="+mn-cs"/>
-              </a:defRPr>
-            </a:lvl2pPr>
-            <a:lvl3pPr marL="628650" indent="-254000" algn="l" defTabSz="914400" rtl="0" eaLnBrk="1" latinLnBrk="0" hangingPunct="1">
-              <a:lnSpc>
-                <a:spcPct val="90000"/>
-              </a:lnSpc>
-              <a:spcBef>
-                <a:spcPts val="500"/>
-              </a:spcBef>
-              <a:buFontTx/>
-              <a:buChar char="–"/>
-              <a:tabLst>
-                <a:tab pos="895350" algn="l"/>
-              </a:tabLst>
-              <a:defRPr sz="2400" kern="1200">
-                <a:solidFill>
-                  <a:schemeClr val="tx1"/>
-                </a:solidFill>
-                <a:latin typeface="Segoe" panose="020B0502040504020203"/>
-                <a:ea typeface="+mn-ea"/>
-                <a:cs typeface="+mn-cs"/>
-              </a:defRPr>
-            </a:lvl3pPr>
-            <a:lvl4pPr marL="895350" indent="476250" algn="l" defTabSz="914400" rtl="0" eaLnBrk="1" latinLnBrk="0" hangingPunct="1">
-              <a:lnSpc>
-                <a:spcPct val="90000"/>
-              </a:lnSpc>
-              <a:spcBef>
-                <a:spcPts val="500"/>
-              </a:spcBef>
-              <a:buFont typeface="Arial" panose="020B0604020202020204" pitchFamily="34" charset="0"/>
-              <a:buNone/>
-              <a:defRPr sz="2400" kern="1200">
-                <a:solidFill>
-                  <a:schemeClr val="tx1"/>
-                </a:solidFill>
-                <a:latin typeface="Segoe" panose="020B0502040504020203"/>
-                <a:ea typeface="+mn-ea"/>
-                <a:cs typeface="+mn-cs"/>
-              </a:defRPr>
-            </a:lvl4pPr>
-            <a:lvl5pPr marL="1828800" indent="0" algn="l" defTabSz="914400" rtl="0" eaLnBrk="1" latinLnBrk="0" hangingPunct="1">
-              <a:lnSpc>
-                <a:spcPct val="90000"/>
-              </a:lnSpc>
-              <a:spcBef>
-                <a:spcPts val="500"/>
-              </a:spcBef>
-              <a:buFont typeface="Arial" panose="020B0604020202020204" pitchFamily="34" charset="0"/>
-              <a:buNone/>
-              <a:defRPr sz="2400" kern="1200">
-                <a:solidFill>
-                  <a:schemeClr val="tx1"/>
-                </a:solidFill>
-                <a:latin typeface="Segoe" panose="020B0502040504020203"/>
-                <a:ea typeface="+mn-ea"/>
-                <a:cs typeface="+mn-cs"/>
-              </a:defRPr>
-            </a:lvl5pPr>
-            <a:lvl6pPr marL="2514600" indent="-228600" algn="l" defTabSz="914400" rtl="0" eaLnBrk="1" latinLnBrk="0" hangingPunct="1">
-              <a:lnSpc>
-                <a:spcPct val="90000"/>
-              </a:lnSpc>
-              <a:spcBef>
-                <a:spcPts val="500"/>
-              </a:spcBef>
-              <a:buFont typeface="Arial" panose="020B0604020202020204" pitchFamily="34" charset="0"/>
-              <a:buChar char="•"/>
-              <a:defRPr sz="1800" kern="1200">
-                <a:solidFill>
-                  <a:schemeClr val="tx1"/>
-                </a:solidFill>
-                <a:latin typeface="+mn-lt"/>
-                <a:ea typeface="+mn-ea"/>
-                <a:cs typeface="+mn-cs"/>
-              </a:defRPr>
-            </a:lvl6pPr>
-            <a:lvl7pPr marL="2971800" indent="-228600" algn="l" defTabSz="914400" rtl="0" eaLnBrk="1" latinLnBrk="0" hangingPunct="1">
-              <a:lnSpc>
-                <a:spcPct val="90000"/>
-              </a:lnSpc>
-              <a:spcBef>
-                <a:spcPts val="500"/>
-              </a:spcBef>
-              <a:buFont typeface="Arial" panose="020B0604020202020204" pitchFamily="34" charset="0"/>
-              <a:buChar char="•"/>
-              <a:defRPr sz="1800" kern="1200">
-                <a:solidFill>
-                  <a:schemeClr val="tx1"/>
-                </a:solidFill>
-                <a:latin typeface="+mn-lt"/>
-                <a:ea typeface="+mn-ea"/>
-                <a:cs typeface="+mn-cs"/>
-              </a:defRPr>
-            </a:lvl7pPr>
-            <a:lvl8pPr marL="3429000" indent="-228600" algn="l" defTabSz="914400" rtl="0" eaLnBrk="1" latinLnBrk="0" hangingPunct="1">
-              <a:lnSpc>
-                <a:spcPct val="90000"/>
-              </a:lnSpc>
-              <a:spcBef>
-                <a:spcPts val="500"/>
-              </a:spcBef>
-              <a:buFont typeface="Arial" panose="020B0604020202020204" pitchFamily="34" charset="0"/>
-              <a:buChar char="•"/>
-              <a:defRPr sz="1800" kern="1200">
-                <a:solidFill>
-                  <a:schemeClr val="tx1"/>
-                </a:solidFill>
-                <a:latin typeface="+mn-lt"/>
-                <a:ea typeface="+mn-ea"/>
-                <a:cs typeface="+mn-cs"/>
-              </a:defRPr>
-            </a:lvl8pPr>
-            <a:lvl9pPr marL="3886200" indent="-228600" algn="l" defTabSz="914400" rtl="0" eaLnBrk="1" latinLnBrk="0" hangingPunct="1">
-              <a:lnSpc>
-                <a:spcPct val="90000"/>
-              </a:lnSpc>
-              <a:spcBef>
-                <a:spcPts val="500"/>
-              </a:spcBef>
-              <a:buFont typeface="Arial" panose="020B0604020202020204" pitchFamily="34" charset="0"/>
-              <a:buChar char="•"/>
-              <a:defRPr sz="1800" kern="1200">
-                <a:solidFill>
-                  <a:schemeClr val="tx1"/>
-                </a:solidFill>
-                <a:latin typeface="+mn-lt"/>
-                <a:ea typeface="+mn-ea"/>
-                <a:cs typeface="+mn-cs"/>
-              </a:defRPr>
-            </a:lvl9pPr>
-          </a:lstStyle>
-          <a:p>
-            <a:pPr algn="ctr"/>
-            <a:r>
               <a:rPr lang="fr-FR" dirty="0">
                 <a:solidFill>
                   <a:schemeClr val="bg1"/>
@@ -23598,8 +23598,20 @@
           <a:lstStyle/>
           <a:p>
             <a:r>
+              <a:rPr lang="en-US" dirty="0" err="1"/>
+              <a:t>En</a:t>
+            </a:r>
+            <a:r>
               <a:rPr lang="en-US" dirty="0"/>
-              <a:t>Avec au final…</a:t>
+              <a:t> </a:t>
+            </a:r>
+            <a:r>
+              <a:rPr lang="en-US" dirty="0" err="1"/>
+              <a:t>même</a:t>
+            </a:r>
+            <a:r>
+              <a:rPr lang="en-US" dirty="0"/>
+              <a:t> temps…</a:t>
             </a:r>
           </a:p>
         </p:txBody>
@@ -25098,6 +25110,15 @@
 </file>
 
 <file path=customXml/item1.xml><?xml version="1.0" encoding="utf-8"?>
+<?mso-contentType ?>
+<FormTemplates xmlns="http://schemas.microsoft.com/sharepoint/v3/contenttype/forms">
+  <Display>DocumentLibraryForm</Display>
+  <Edit>DocumentLibraryForm</Edit>
+  <New>DocumentLibraryForm</New>
+</FormTemplates>
+</file>
+
+<file path=customXml/item2.xml><?xml version="1.0" encoding="utf-8"?>
 <ct:contentTypeSchema xmlns:ct="http://schemas.microsoft.com/office/2006/metadata/contentType" xmlns:ma="http://schemas.microsoft.com/office/2006/metadata/properties/metaAttributes" ct:_="" ma:_="" ma:contentTypeName="Document" ma:contentTypeID="0x010100AA82F50041FC6E4EBC42A700831FF004" ma:contentTypeVersion="4" ma:contentTypeDescription="Crée un document." ma:contentTypeScope="" ma:versionID="4c6ec815f8017e8af2e42809d3015731">
   <xsd:schema xmlns:xsd="http://www.w3.org/2001/XMLSchema" xmlns:xs="http://www.w3.org/2001/XMLSchema" xmlns:p="http://schemas.microsoft.com/office/2006/metadata/properties" xmlns:ns2="fcc931a8-69fd-4b0b-b111-5aa2089df431" xmlns:ns3="248c3350-8f11-4d45-912e-72bccbb754b6" targetNamespace="http://schemas.microsoft.com/office/2006/metadata/properties" ma:root="true" ma:fieldsID="fa4f347ab2845ae3d60427d91a21d39e" ns2:_="" ns3:_="">
     <xsd:import namespace="fcc931a8-69fd-4b0b-b111-5aa2089df431"/>
@@ -25264,15 +25285,6 @@
 </ct:contentTypeSchema>
 </file>
 
-<file path=customXml/item2.xml><?xml version="1.0" encoding="utf-8"?>
-<?mso-contentType ?>
-<FormTemplates xmlns="http://schemas.microsoft.com/sharepoint/v3/contenttype/forms">
-  <Display>DocumentLibraryForm</Display>
-  <Edit>DocumentLibraryForm</Edit>
-  <New>DocumentLibraryForm</New>
-</FormTemplates>
-</file>
-
 <file path=customXml/item3.xml><?xml version="1.0" encoding="utf-8"?>
 <p:properties xmlns:p="http://schemas.microsoft.com/office/2006/metadata/properties" xmlns:xsi="http://www.w3.org/2001/XMLSchema-instance" xmlns:pc="http://schemas.microsoft.com/office/infopath/2007/PartnerControls">
   <documentManagement/>
@@ -25280,6 +25292,14 @@
 </file>
 
 <file path=customXml/itemProps1.xml><?xml version="1.0" encoding="utf-8"?>
+<ds:datastoreItem xmlns:ds="http://schemas.openxmlformats.org/officeDocument/2006/customXml" ds:itemID="{4F22CF26-F779-4CA8-9499-C5BCD4F56499}">
+  <ds:schemaRefs>
+    <ds:schemaRef ds:uri="http://schemas.microsoft.com/sharepoint/v3/contenttype/forms"/>
+  </ds:schemaRefs>
+</ds:datastoreItem>
+</file>
+
+<file path=customXml/itemProps2.xml><?xml version="1.0" encoding="utf-8"?>
 <ds:datastoreItem xmlns:ds="http://schemas.openxmlformats.org/officeDocument/2006/customXml" ds:itemID="{E040B343-BD03-44D2-93AA-0A352731B5B4}">
   <ds:schemaRefs>
     <ds:schemaRef ds:uri="http://schemas.microsoft.com/office/2006/metadata/contentType"/>
@@ -25294,14 +25314,6 @@
     <ds:schemaRef ds:uri="http://purl.org/dc/elements/1.1/"/>
     <ds:schemaRef ds:uri="http://purl.org/dc/terms/"/>
     <ds:schemaRef ds:uri="http://schemas.microsoft.com/internal/obd"/>
-  </ds:schemaRefs>
-</ds:datastoreItem>
-</file>
-
-<file path=customXml/itemProps2.xml><?xml version="1.0" encoding="utf-8"?>
-<ds:datastoreItem xmlns:ds="http://schemas.openxmlformats.org/officeDocument/2006/customXml" ds:itemID="{4F22CF26-F779-4CA8-9499-C5BCD4F56499}">
-  <ds:schemaRefs>
-    <ds:schemaRef ds:uri="http://schemas.microsoft.com/sharepoint/v3/contenttype/forms"/>
   </ds:schemaRefs>
 </ds:datastoreItem>
 </file>

--- a/french/DecouvrirCQRSparLaPratique.pptx
+++ b/french/DecouvrirCQRSparLaPratique.pptx
@@ -5,10 +5,10 @@
     <p:sldMasterId id="2147483648" r:id="rId4"/>
   </p:sldMasterIdLst>
   <p:notesMasterIdLst>
-    <p:notesMasterId r:id="rId49"/>
+    <p:notesMasterId r:id="rId52"/>
   </p:notesMasterIdLst>
   <p:handoutMasterIdLst>
-    <p:handoutMasterId r:id="rId50"/>
+    <p:handoutMasterId r:id="rId53"/>
   </p:handoutMasterIdLst>
   <p:sldIdLst>
     <p:sldId id="257" r:id="rId5"/>
@@ -51,10 +51,13 @@
     <p:sldId id="300" r:id="rId42"/>
     <p:sldId id="301" r:id="rId43"/>
     <p:sldId id="302" r:id="rId44"/>
-    <p:sldId id="263" r:id="rId45"/>
-    <p:sldId id="271" r:id="rId46"/>
-    <p:sldId id="283" r:id="rId47"/>
-    <p:sldId id="284" r:id="rId48"/>
+    <p:sldId id="327" r:id="rId45"/>
+    <p:sldId id="326" r:id="rId46"/>
+    <p:sldId id="325" r:id="rId47"/>
+    <p:sldId id="263" r:id="rId48"/>
+    <p:sldId id="271" r:id="rId49"/>
+    <p:sldId id="283" r:id="rId50"/>
+    <p:sldId id="284" r:id="rId51"/>
   </p:sldIdLst>
   <p:sldSz cx="12192000" cy="6858000"/>
   <p:notesSz cx="6858000" cy="9144000"/>
@@ -202,6 +205,9 @@
             <p14:sldId id="300"/>
             <p14:sldId id="301"/>
             <p14:sldId id="302"/>
+            <p14:sldId id="327"/>
+            <p14:sldId id="326"/>
+            <p14:sldId id="325"/>
           </p14:sldIdLst>
         </p14:section>
         <p14:section name="FIN" id="{801A64D7-7AB9-44D3-974A-2E5C3712FD5F}">
@@ -3944,6 +3950,258 @@
 </p:notes>
 </file>
 
+<file path=ppt/notesSlides/notesSlide34.xml><?xml version="1.0" encoding="utf-8"?>
+<p:notes xmlns:a="http://schemas.openxmlformats.org/drawingml/2006/main" xmlns:r="http://schemas.openxmlformats.org/officeDocument/2006/relationships" xmlns:p="http://schemas.openxmlformats.org/presentationml/2006/main">
+  <p:cSld>
+    <p:spTree>
+      <p:nvGrpSpPr>
+        <p:cNvPr id="1" name=""/>
+        <p:cNvGrpSpPr/>
+        <p:nvPr/>
+      </p:nvGrpSpPr>
+      <p:grpSpPr>
+        <a:xfrm>
+          <a:off x="0" y="0"/>
+          <a:ext cx="0" cy="0"/>
+          <a:chOff x="0" y="0"/>
+          <a:chExt cx="0" cy="0"/>
+        </a:xfrm>
+      </p:grpSpPr>
+      <p:sp>
+        <p:nvSpPr>
+          <p:cNvPr id="2" name="Slide Image Placeholder 1"/>
+          <p:cNvSpPr>
+            <a:spLocks noGrp="1" noRot="1" noChangeAspect="1"/>
+          </p:cNvSpPr>
+          <p:nvPr>
+            <p:ph type="sldImg"/>
+          </p:nvPr>
+        </p:nvSpPr>
+        <p:spPr/>
+      </p:sp>
+      <p:sp>
+        <p:nvSpPr>
+          <p:cNvPr id="3" name="Notes Placeholder 2"/>
+          <p:cNvSpPr>
+            <a:spLocks noGrp="1"/>
+          </p:cNvSpPr>
+          <p:nvPr>
+            <p:ph type="body" idx="1"/>
+          </p:nvPr>
+        </p:nvSpPr>
+        <p:spPr/>
+        <p:txBody>
+          <a:bodyPr/>
+          <a:lstStyle/>
+          <a:p>
+            <a:endParaRPr lang="en-US"/>
+          </a:p>
+        </p:txBody>
+      </p:sp>
+      <p:sp>
+        <p:nvSpPr>
+          <p:cNvPr id="4" name="Slide Number Placeholder 3"/>
+          <p:cNvSpPr>
+            <a:spLocks noGrp="1"/>
+          </p:cNvSpPr>
+          <p:nvPr>
+            <p:ph type="sldNum" sz="quarter" idx="10"/>
+          </p:nvPr>
+        </p:nvSpPr>
+        <p:spPr/>
+        <p:txBody>
+          <a:bodyPr/>
+          <a:lstStyle/>
+          <a:p>
+            <a:fld id="{444FAE70-2102-49E3-ABCF-8EF7285755C6}" type="slidenum">
+              <a:rPr lang="en-US" smtClean="0"/>
+              <a:t>41</a:t>
+            </a:fld>
+            <a:endParaRPr lang="en-US"/>
+          </a:p>
+        </p:txBody>
+      </p:sp>
+    </p:spTree>
+    <p:extLst>
+      <p:ext uri="{BB962C8B-B14F-4D97-AF65-F5344CB8AC3E}">
+        <p14:creationId xmlns:p14="http://schemas.microsoft.com/office/powerpoint/2010/main" val="3423502174"/>
+      </p:ext>
+    </p:extLst>
+  </p:cSld>
+  <p:clrMapOvr>
+    <a:masterClrMapping/>
+  </p:clrMapOvr>
+</p:notes>
+</file>
+
+<file path=ppt/notesSlides/notesSlide35.xml><?xml version="1.0" encoding="utf-8"?>
+<p:notes xmlns:a="http://schemas.openxmlformats.org/drawingml/2006/main" xmlns:r="http://schemas.openxmlformats.org/officeDocument/2006/relationships" xmlns:p="http://schemas.openxmlformats.org/presentationml/2006/main">
+  <p:cSld>
+    <p:spTree>
+      <p:nvGrpSpPr>
+        <p:cNvPr id="1" name=""/>
+        <p:cNvGrpSpPr/>
+        <p:nvPr/>
+      </p:nvGrpSpPr>
+      <p:grpSpPr>
+        <a:xfrm>
+          <a:off x="0" y="0"/>
+          <a:ext cx="0" cy="0"/>
+          <a:chOff x="0" y="0"/>
+          <a:chExt cx="0" cy="0"/>
+        </a:xfrm>
+      </p:grpSpPr>
+      <p:sp>
+        <p:nvSpPr>
+          <p:cNvPr id="2" name="Slide Image Placeholder 1"/>
+          <p:cNvSpPr>
+            <a:spLocks noGrp="1" noRot="1" noChangeAspect="1"/>
+          </p:cNvSpPr>
+          <p:nvPr>
+            <p:ph type="sldImg"/>
+          </p:nvPr>
+        </p:nvSpPr>
+        <p:spPr/>
+      </p:sp>
+      <p:sp>
+        <p:nvSpPr>
+          <p:cNvPr id="3" name="Notes Placeholder 2"/>
+          <p:cNvSpPr>
+            <a:spLocks noGrp="1"/>
+          </p:cNvSpPr>
+          <p:nvPr>
+            <p:ph type="body" idx="1"/>
+          </p:nvPr>
+        </p:nvSpPr>
+        <p:spPr/>
+        <p:txBody>
+          <a:bodyPr/>
+          <a:lstStyle/>
+          <a:p>
+            <a:endParaRPr lang="en-US"/>
+          </a:p>
+        </p:txBody>
+      </p:sp>
+      <p:sp>
+        <p:nvSpPr>
+          <p:cNvPr id="4" name="Slide Number Placeholder 3"/>
+          <p:cNvSpPr>
+            <a:spLocks noGrp="1"/>
+          </p:cNvSpPr>
+          <p:nvPr>
+            <p:ph type="sldNum" sz="quarter" idx="10"/>
+          </p:nvPr>
+        </p:nvSpPr>
+        <p:spPr/>
+        <p:txBody>
+          <a:bodyPr/>
+          <a:lstStyle/>
+          <a:p>
+            <a:fld id="{444FAE70-2102-49E3-ABCF-8EF7285755C6}" type="slidenum">
+              <a:rPr lang="en-US" smtClean="0"/>
+              <a:t>42</a:t>
+            </a:fld>
+            <a:endParaRPr lang="en-US"/>
+          </a:p>
+        </p:txBody>
+      </p:sp>
+    </p:spTree>
+    <p:extLst>
+      <p:ext uri="{BB962C8B-B14F-4D97-AF65-F5344CB8AC3E}">
+        <p14:creationId xmlns:p14="http://schemas.microsoft.com/office/powerpoint/2010/main" val="321428644"/>
+      </p:ext>
+    </p:extLst>
+  </p:cSld>
+  <p:clrMapOvr>
+    <a:masterClrMapping/>
+  </p:clrMapOvr>
+</p:notes>
+</file>
+
+<file path=ppt/notesSlides/notesSlide36.xml><?xml version="1.0" encoding="utf-8"?>
+<p:notes xmlns:a="http://schemas.openxmlformats.org/drawingml/2006/main" xmlns:r="http://schemas.openxmlformats.org/officeDocument/2006/relationships" xmlns:p="http://schemas.openxmlformats.org/presentationml/2006/main">
+  <p:cSld>
+    <p:spTree>
+      <p:nvGrpSpPr>
+        <p:cNvPr id="1" name=""/>
+        <p:cNvGrpSpPr/>
+        <p:nvPr/>
+      </p:nvGrpSpPr>
+      <p:grpSpPr>
+        <a:xfrm>
+          <a:off x="0" y="0"/>
+          <a:ext cx="0" cy="0"/>
+          <a:chOff x="0" y="0"/>
+          <a:chExt cx="0" cy="0"/>
+        </a:xfrm>
+      </p:grpSpPr>
+      <p:sp>
+        <p:nvSpPr>
+          <p:cNvPr id="2" name="Slide Image Placeholder 1"/>
+          <p:cNvSpPr>
+            <a:spLocks noGrp="1" noRot="1" noChangeAspect="1"/>
+          </p:cNvSpPr>
+          <p:nvPr>
+            <p:ph type="sldImg"/>
+          </p:nvPr>
+        </p:nvSpPr>
+        <p:spPr/>
+      </p:sp>
+      <p:sp>
+        <p:nvSpPr>
+          <p:cNvPr id="3" name="Notes Placeholder 2"/>
+          <p:cNvSpPr>
+            <a:spLocks noGrp="1"/>
+          </p:cNvSpPr>
+          <p:nvPr>
+            <p:ph type="body" idx="1"/>
+          </p:nvPr>
+        </p:nvSpPr>
+        <p:spPr/>
+        <p:txBody>
+          <a:bodyPr/>
+          <a:lstStyle/>
+          <a:p>
+            <a:endParaRPr lang="en-US"/>
+          </a:p>
+        </p:txBody>
+      </p:sp>
+      <p:sp>
+        <p:nvSpPr>
+          <p:cNvPr id="4" name="Slide Number Placeholder 3"/>
+          <p:cNvSpPr>
+            <a:spLocks noGrp="1"/>
+          </p:cNvSpPr>
+          <p:nvPr>
+            <p:ph type="sldNum" sz="quarter" idx="10"/>
+          </p:nvPr>
+        </p:nvSpPr>
+        <p:spPr/>
+        <p:txBody>
+          <a:bodyPr/>
+          <a:lstStyle/>
+          <a:p>
+            <a:fld id="{444FAE70-2102-49E3-ABCF-8EF7285755C6}" type="slidenum">
+              <a:rPr lang="en-US" smtClean="0"/>
+              <a:t>43</a:t>
+            </a:fld>
+            <a:endParaRPr lang="en-US"/>
+          </a:p>
+        </p:txBody>
+      </p:sp>
+    </p:spTree>
+    <p:extLst>
+      <p:ext uri="{BB962C8B-B14F-4D97-AF65-F5344CB8AC3E}">
+        <p14:creationId xmlns:p14="http://schemas.microsoft.com/office/powerpoint/2010/main" val="2501111291"/>
+      </p:ext>
+    </p:extLst>
+  </p:cSld>
+  <p:clrMapOvr>
+    <a:masterClrMapping/>
+  </p:clrMapOvr>
+</p:notes>
+</file>
+
 <file path=ppt/notesSlides/notesSlide4.xml><?xml version="1.0" encoding="utf-8"?>
 <p:notes xmlns:a="http://schemas.openxmlformats.org/drawingml/2006/main" xmlns:r="http://schemas.openxmlformats.org/officeDocument/2006/relationships" xmlns:p="http://schemas.openxmlformats.org/presentationml/2006/main">
   <p:cSld>
@@ -6883,7 +7141,7 @@
         </p:nvGrpSpPr>
         <p:grpSpPr>
           <a:xfrm>
-            <a:off x="4248678" y="1511335"/>
+            <a:off x="4248678" y="1086332"/>
             <a:ext cx="7261082" cy="2726118"/>
             <a:chOff x="4248678" y="1511335"/>
             <a:chExt cx="7261082" cy="2726118"/>
@@ -7181,6 +7439,44 @@
           </p:pic>
         </p:grpSp>
       </p:grpSp>
+      <p:cxnSp>
+        <p:nvCxnSpPr>
+          <p:cNvPr id="3" name="Straight Connector 2"/>
+          <p:cNvCxnSpPr/>
+          <p:nvPr/>
+        </p:nvCxnSpPr>
+        <p:spPr>
+          <a:xfrm>
+            <a:off x="1906073" y="1532804"/>
+            <a:ext cx="8036417" cy="4571782"/>
+          </a:xfrm>
+          <a:prstGeom prst="line">
+            <a:avLst/>
+          </a:prstGeom>
+          <a:ln w="44450">
+            <a:solidFill>
+              <a:schemeClr val="bg1">
+                <a:lumMod val="85000"/>
+              </a:schemeClr>
+            </a:solidFill>
+            <a:prstDash val="lgDash"/>
+          </a:ln>
+        </p:spPr>
+        <p:style>
+          <a:lnRef idx="1">
+            <a:schemeClr val="accent1"/>
+          </a:lnRef>
+          <a:fillRef idx="0">
+            <a:schemeClr val="accent1"/>
+          </a:fillRef>
+          <a:effectRef idx="0">
+            <a:schemeClr val="accent1"/>
+          </a:effectRef>
+          <a:fontRef idx="minor">
+            <a:schemeClr val="tx1"/>
+          </a:fontRef>
+        </p:style>
+      </p:cxnSp>
     </p:spTree>
     <p:extLst>
       <p:ext uri="{BB962C8B-B14F-4D97-AF65-F5344CB8AC3E}">
@@ -7226,6 +7522,51 @@
                                         </p:cTn>
                                         <p:tgtEl>
                                           <p:spTgt spid="20"/>
+                                        </p:tgtEl>
+                                        <p:attrNameLst>
+                                          <p:attrName>style.visibility</p:attrName>
+                                        </p:attrNameLst>
+                                      </p:cBhvr>
+                                      <p:to>
+                                        <p:strVal val="visible"/>
+                                      </p:to>
+                                    </p:set>
+                                  </p:childTnLst>
+                                </p:cTn>
+                              </p:par>
+                            </p:childTnLst>
+                          </p:cTn>
+                        </p:par>
+                      </p:childTnLst>
+                    </p:cTn>
+                  </p:par>
+                  <p:par>
+                    <p:cTn id="7" fill="hold">
+                      <p:stCondLst>
+                        <p:cond delay="indefinite"/>
+                      </p:stCondLst>
+                      <p:childTnLst>
+                        <p:par>
+                          <p:cTn id="8" fill="hold">
+                            <p:stCondLst>
+                              <p:cond delay="0"/>
+                            </p:stCondLst>
+                            <p:childTnLst>
+                              <p:par>
+                                <p:cTn id="9" presetID="1" presetClass="entr" presetSubtype="0" fill="hold" nodeType="clickEffect">
+                                  <p:stCondLst>
+                                    <p:cond delay="0"/>
+                                  </p:stCondLst>
+                                  <p:childTnLst>
+                                    <p:set>
+                                      <p:cBhvr>
+                                        <p:cTn id="10" dur="1" fill="hold">
+                                          <p:stCondLst>
+                                            <p:cond delay="0"/>
+                                          </p:stCondLst>
+                                        </p:cTn>
+                                        <p:tgtEl>
+                                          <p:spTgt spid="3"/>
                                         </p:tgtEl>
                                         <p:attrNameLst>
                                           <p:attrName>style.visibility</p:attrName>
@@ -11428,6 +11769,14 @@
 <file path=ppt/slides/slide2.xml><?xml version="1.0" encoding="utf-8"?>
 <p:sld xmlns:a="http://schemas.openxmlformats.org/drawingml/2006/main" xmlns:r="http://schemas.openxmlformats.org/officeDocument/2006/relationships" xmlns:p="http://schemas.openxmlformats.org/presentationml/2006/main">
   <p:cSld>
+    <p:bg>
+      <p:bgPr>
+        <a:solidFill>
+          <a:schemeClr val="bg1"/>
+        </a:solidFill>
+        <a:effectLst/>
+      </p:bgPr>
+    </p:bg>
     <p:spTree>
       <p:nvGrpSpPr>
         <p:cNvPr id="1" name=""/>
@@ -20123,14 +20472,14 @@
       </p:grpSp>
       <p:sp>
         <p:nvSpPr>
-          <p:cNvPr id="6" name="TextBox 5"/>
+          <p:cNvPr id="15" name="TextBox 14"/>
           <p:cNvSpPr txBox="1"/>
           <p:nvPr/>
         </p:nvSpPr>
         <p:spPr>
           <a:xfrm>
-            <a:off x="10044953" y="3555640"/>
-            <a:ext cx="914400" cy="914400"/>
+            <a:off x="480855" y="4553024"/>
+            <a:ext cx="2118067" cy="1939852"/>
           </a:xfrm>
           <a:prstGeom prst="rect">
             <a:avLst/>
@@ -20138,18 +20487,30 @@
           <a:noFill/>
         </p:spPr>
         <p:txBody>
-          <a:bodyPr wrap="none" rtlCol="0">
+          <a:bodyPr wrap="square" rtlCol="0" anchor="ctr" anchorCtr="1">
             <a:noAutofit/>
           </a:bodyPr>
           <a:lstStyle/>
           <a:p>
-            <a:r>
-              <a:rPr lang="fr-FR" sz="3600" dirty="0">
+            <a:pPr algn="ctr"/>
+            <a:r>
+              <a:rPr lang="fr-FR" sz="2000" dirty="0">
                 <a:solidFill>
-                  <a:srgbClr val="B4009E"/>
+                  <a:srgbClr val="0078D7"/>
                 </a:solidFill>
               </a:rPr>
-              <a:t>FTW!</a:t>
+              <a:t>Bases de données relationnelles</a:t>
+            </a:r>
+          </a:p>
+          <a:p>
+            <a:pPr algn="ctr"/>
+            <a:r>
+              <a:rPr lang="fr-FR" sz="2000" dirty="0">
+                <a:solidFill>
+                  <a:srgbClr val="0078D7"/>
+                </a:solidFill>
+              </a:rPr>
+              <a:t>(ACID)</a:t>
             </a:r>
           </a:p>
         </p:txBody>
@@ -20258,6 +20619,89 @@
           </p:txBody>
         </p:sp>
       </p:grpSp>
+      <p:cxnSp>
+        <p:nvCxnSpPr>
+          <p:cNvPr id="7" name="Straight Connector 6"/>
+          <p:cNvCxnSpPr/>
+          <p:nvPr/>
+        </p:nvCxnSpPr>
+        <p:spPr>
+          <a:xfrm>
+            <a:off x="480855" y="4241346"/>
+            <a:ext cx="6099559" cy="21093"/>
+          </a:xfrm>
+          <a:prstGeom prst="line">
+            <a:avLst/>
+          </a:prstGeom>
+          <a:ln w="19050">
+            <a:solidFill>
+              <a:schemeClr val="bg1">
+                <a:lumMod val="85000"/>
+              </a:schemeClr>
+            </a:solidFill>
+            <a:prstDash val="lgDash"/>
+          </a:ln>
+        </p:spPr>
+        <p:style>
+          <a:lnRef idx="1">
+            <a:schemeClr val="accent1"/>
+          </a:lnRef>
+          <a:fillRef idx="0">
+            <a:schemeClr val="accent1"/>
+          </a:fillRef>
+          <a:effectRef idx="0">
+            <a:schemeClr val="accent1"/>
+          </a:effectRef>
+          <a:fontRef idx="minor">
+            <a:schemeClr val="tx1"/>
+          </a:fontRef>
+        </p:style>
+      </p:cxnSp>
+      <p:sp>
+        <p:nvSpPr>
+          <p:cNvPr id="6" name="TextBox 5"/>
+          <p:cNvSpPr txBox="1"/>
+          <p:nvPr/>
+        </p:nvSpPr>
+        <p:spPr>
+          <a:xfrm>
+            <a:off x="480855" y="1309564"/>
+            <a:ext cx="2118067" cy="1890835"/>
+          </a:xfrm>
+          <a:prstGeom prst="rect">
+            <a:avLst/>
+          </a:prstGeom>
+          <a:noFill/>
+        </p:spPr>
+        <p:txBody>
+          <a:bodyPr wrap="square" rtlCol="0" anchor="ctr" anchorCtr="1">
+            <a:noAutofit/>
+          </a:bodyPr>
+          <a:lstStyle/>
+          <a:p>
+            <a:pPr algn="ctr"/>
+            <a:r>
+              <a:rPr lang="fr-FR" sz="2000" dirty="0">
+                <a:solidFill>
+                  <a:srgbClr val="5C2C8F"/>
+                </a:solidFill>
+              </a:rPr>
+              <a:t>Caches, modèles dénormalisés, « prêts à «consommer »</a:t>
+            </a:r>
+          </a:p>
+          <a:p>
+            <a:pPr algn="ctr"/>
+            <a:r>
+              <a:rPr lang="fr-FR" sz="2000" dirty="0">
+                <a:solidFill>
+                  <a:srgbClr val="5C2C8F"/>
+                </a:solidFill>
+              </a:rPr>
+              <a:t>(no SQL)</a:t>
+            </a:r>
+          </a:p>
+        </p:txBody>
+      </p:sp>
     </p:spTree>
     <p:extLst>
       <p:ext uri="{BB962C8B-B14F-4D97-AF65-F5344CB8AC3E}">
@@ -20342,7 +20786,7 @@
             <a:pPr algn="ctr"/>
             <a:r>
               <a:rPr lang="fr-FR" sz="1800" dirty="0"/>
-              <a:t>Ne retourne pas de donnée !</a:t>
+              <a:t>&gt;&gt; Ne retourne pas de donnée ! &lt;&lt;</a:t>
             </a:r>
           </a:p>
           <a:p>
@@ -21173,7 +21617,7 @@
             <a:pPr algn="ctr"/>
             <a:r>
               <a:rPr lang="fr-FR" sz="4400" i="1" dirty="0"/>
-              <a:t>&lt;Slide pour </a:t>
+              <a:t>&lt;Slide(s) pour </a:t>
             </a:r>
             <a:r>
               <a:rPr lang="fr-FR" sz="4400" i="1" dirty="0" err="1"/>
@@ -21405,14 +21849,9 @@
           <a:lstStyle/>
           <a:p>
             <a:r>
-              <a:rPr lang="en-US" dirty="0"/>
-              <a:t>Pour </a:t>
-            </a:r>
-            <a:r>
-              <a:rPr lang="en-US" dirty="0" err="1"/>
-              <a:t>conclure</a:t>
-            </a:r>
-            <a:endParaRPr lang="en-US" dirty="0"/>
+              <a:rPr lang="fr-FR" dirty="0"/>
+              <a:t>Pour conclure…</a:t>
+            </a:r>
           </a:p>
         </p:txBody>
       </p:sp>
@@ -21591,13 +22030,13 @@
         </p:spPr>
         <p:txBody>
           <a:bodyPr anchor="ctr">
-            <a:normAutofit fontScale="85000" lnSpcReduction="20000"/>
+            <a:normAutofit/>
           </a:bodyPr>
           <a:lstStyle/>
           <a:p>
             <a:r>
-              <a:rPr lang="fr-FR" sz="4400" i="1" dirty="0"/>
-              <a:t>CQRS n’est pas un pattern général d’architecture</a:t>
+              <a:rPr lang="fr-FR" sz="4800" i="1" dirty="0"/>
+              <a:t>…un pattern général d’architecture</a:t>
             </a:r>
           </a:p>
           <a:p>
@@ -21605,17 +22044,17 @@
           </a:p>
           <a:p>
             <a:r>
-              <a:rPr lang="fr-FR" sz="4400" i="1" dirty="0"/>
+              <a:rPr lang="fr-FR" sz="2400" i="1" dirty="0"/>
               <a:t>Utilisez-le pour les composants soumis à rude épreuve (perf)</a:t>
             </a:r>
           </a:p>
           <a:p>
-            <a:endParaRPr lang="fr-FR" sz="4400" i="1" dirty="0"/>
-          </a:p>
-          <a:p>
-            <a:r>
-              <a:rPr lang="fr-FR" sz="4400" i="1" dirty="0"/>
-              <a:t>Ce pattern peut très bien être utilisé que sur une sous-partie de votre plate-forme</a:t>
+            <a:endParaRPr lang="fr-FR" sz="2400" i="1" dirty="0"/>
+          </a:p>
+          <a:p>
+            <a:r>
+              <a:rPr lang="fr-FR" sz="2400" i="1" dirty="0"/>
+              <a:t>Et uniquement sur une sous-partie de votre plate-forme par exemple</a:t>
             </a:r>
           </a:p>
         </p:txBody>
@@ -21636,8 +22075,12 @@
           <a:lstStyle/>
           <a:p>
             <a:r>
+              <a:rPr lang="en-US" dirty="0"/>
+              <a:t>CQRS </a:t>
+            </a:r>
+            <a:r>
               <a:rPr lang="en-US" dirty="0" err="1"/>
-              <a:t>N’en</a:t>
+              <a:t>ce</a:t>
             </a:r>
             <a:r>
               <a:rPr lang="en-US" dirty="0"/>
@@ -21645,19 +22088,11 @@
             </a:r>
             <a:r>
               <a:rPr lang="en-US" dirty="0" err="1"/>
-              <a:t>mettez</a:t>
+              <a:t>n’est</a:t>
             </a:r>
             <a:r>
               <a:rPr lang="en-US" dirty="0"/>
-              <a:t> pas </a:t>
-            </a:r>
-            <a:r>
-              <a:rPr lang="en-US" dirty="0" err="1"/>
-              <a:t>partout</a:t>
-            </a:r>
-            <a:r>
-              <a:rPr lang="en-US" dirty="0"/>
-              <a:t> !</a:t>
+              <a:t> pas…</a:t>
             </a:r>
           </a:p>
         </p:txBody>
@@ -21693,25 +22128,6 @@
             <a:endParaRPr lang="en-US" dirty="0">
               <a:latin typeface="Segoe" panose="020B0502040504020203"/>
             </a:endParaRPr>
-          </a:p>
-        </p:txBody>
-      </p:sp>
-      <p:sp>
-        <p:nvSpPr>
-          <p:cNvPr id="2" name="Text Placeholder 1"/>
-          <p:cNvSpPr>
-            <a:spLocks noGrp="1"/>
-          </p:cNvSpPr>
-          <p:nvPr>
-            <p:ph type="body" sz="quarter" idx="13"/>
-          </p:nvPr>
-        </p:nvSpPr>
-        <p:spPr/>
-        <p:txBody>
-          <a:bodyPr/>
-          <a:lstStyle/>
-          <a:p>
-            <a:endParaRPr lang="fr-FR"/>
           </a:p>
         </p:txBody>
       </p:sp>
@@ -21963,26 +22379,276 @@
         </p:nvSpPr>
         <p:spPr>
           <a:xfrm>
+            <a:off x="825843" y="2056534"/>
+            <a:ext cx="10515600" cy="3542755"/>
+          </a:xfrm>
+        </p:spPr>
+        <p:txBody>
+          <a:bodyPr anchor="ctr">
+            <a:normAutofit fontScale="92500" lnSpcReduction="20000"/>
+          </a:bodyPr>
+          <a:lstStyle/>
+          <a:p>
+            <a:pPr algn="ctr"/>
+            <a:r>
+              <a:rPr lang="fr-FR" sz="6000" i="1" dirty="0"/>
+              <a:t>               Event </a:t>
+            </a:r>
+            <a:r>
+              <a:rPr lang="fr-FR" sz="6000" i="1" dirty="0" err="1"/>
+              <a:t>Sourcing</a:t>
+            </a:r>
+            <a:endParaRPr lang="fr-FR" sz="6000" i="1" dirty="0"/>
+          </a:p>
+          <a:p>
+            <a:pPr algn="ctr"/>
+            <a:endParaRPr lang="fr-FR" sz="4000" i="1" dirty="0">
+              <a:solidFill>
+                <a:schemeClr val="bg1">
+                  <a:lumMod val="65000"/>
+                </a:schemeClr>
+              </a:solidFill>
+            </a:endParaRPr>
+          </a:p>
+          <a:p>
+            <a:pPr algn="ctr"/>
+            <a:endParaRPr lang="fr-FR" sz="4000" i="1" dirty="0">
+              <a:solidFill>
+                <a:schemeClr val="bg1">
+                  <a:lumMod val="65000"/>
+                </a:schemeClr>
+              </a:solidFill>
+            </a:endParaRPr>
+          </a:p>
+          <a:p>
+            <a:pPr algn="ctr"/>
+            <a:endParaRPr lang="fr-FR" sz="6000" i="1" dirty="0">
+              <a:solidFill>
+                <a:schemeClr val="bg1">
+                  <a:lumMod val="65000"/>
+                </a:schemeClr>
+              </a:solidFill>
+            </a:endParaRPr>
+          </a:p>
+          <a:p>
+            <a:pPr algn="ctr"/>
+            <a:r>
+              <a:rPr lang="fr-FR" sz="6000" i="1" dirty="0"/>
+              <a:t> </a:t>
+            </a:r>
+          </a:p>
+        </p:txBody>
+      </p:sp>
+      <p:sp>
+        <p:nvSpPr>
+          <p:cNvPr id="41" name="Title 40"/>
+          <p:cNvSpPr>
+            <a:spLocks noGrp="1"/>
+          </p:cNvSpPr>
+          <p:nvPr>
+            <p:ph type="title"/>
+          </p:nvPr>
+        </p:nvSpPr>
+        <p:spPr/>
+        <p:txBody>
+          <a:bodyPr/>
+          <a:lstStyle/>
+          <a:p>
+            <a:r>
+              <a:rPr lang="fr-FR" dirty="0"/>
+              <a:t>Ce n’est pas non plus…</a:t>
+            </a:r>
+          </a:p>
+        </p:txBody>
+      </p:sp>
+      <p:sp>
+        <p:nvSpPr>
+          <p:cNvPr id="29" name="Slide Number Placeholder 28"/>
+          <p:cNvSpPr>
+            <a:spLocks noGrp="1"/>
+          </p:cNvSpPr>
+          <p:nvPr>
+            <p:ph type="sldNum" sz="quarter" idx="4"/>
+          </p:nvPr>
+        </p:nvSpPr>
+        <p:spPr/>
+        <p:txBody>
+          <a:bodyPr/>
+          <a:lstStyle/>
+          <a:p>
+            <a:r>
+              <a:rPr lang="en-US" dirty="0">
+                <a:latin typeface="Segoe" panose="020B0502040504020203"/>
+              </a:rPr>
+              <a:t>N° </a:t>
+            </a:r>
+            <a:fld id="{6BFFD774-5C5F-4855-9115-A9F49D34CCD3}" type="slidenum">
+              <a:rPr lang="en-US" smtClean="0">
+                <a:latin typeface="Segoe" panose="020B0502040504020203"/>
+              </a:rPr>
+              <a:pPr/>
+              <a:t>40</a:t>
+            </a:fld>
+            <a:endParaRPr lang="en-US" dirty="0">
+              <a:latin typeface="Segoe" panose="020B0502040504020203"/>
+            </a:endParaRPr>
+          </a:p>
+        </p:txBody>
+      </p:sp>
+    </p:spTree>
+    <p:extLst>
+      <p:ext uri="{BB962C8B-B14F-4D97-AF65-F5344CB8AC3E}">
+        <p14:creationId xmlns:p14="http://schemas.microsoft.com/office/powerpoint/2010/main" val="1035014557"/>
+      </p:ext>
+    </p:extLst>
+  </p:cSld>
+  <p:clrMapOvr>
+    <a:masterClrMapping/>
+  </p:clrMapOvr>
+  <p:timing>
+    <p:tnLst>
+      <p:par>
+        <p:cTn id="1" dur="indefinite" restart="never" nodeType="tmRoot">
+          <p:childTnLst>
+            <p:seq concurrent="1" nextAc="seek">
+              <p:cTn id="2" dur="indefinite" nodeType="mainSeq">
+                <p:childTnLst>
+                  <p:par>
+                    <p:cTn id="3" fill="hold">
+                      <p:stCondLst>
+                        <p:cond delay="indefinite"/>
+                      </p:stCondLst>
+                      <p:childTnLst>
+                        <p:par>
+                          <p:cTn id="4" fill="hold">
+                            <p:stCondLst>
+                              <p:cond delay="0"/>
+                            </p:stCondLst>
+                            <p:childTnLst>
+                              <p:par>
+                                <p:cTn id="5" presetID="1" presetClass="entr" presetSubtype="0" fill="hold" grpId="0" nodeType="clickEffect">
+                                  <p:stCondLst>
+                                    <p:cond delay="0"/>
+                                  </p:stCondLst>
+                                  <p:childTnLst>
+                                    <p:set>
+                                      <p:cBhvr>
+                                        <p:cTn id="6" dur="1" fill="hold">
+                                          <p:stCondLst>
+                                            <p:cond delay="0"/>
+                                          </p:stCondLst>
+                                        </p:cTn>
+                                        <p:tgtEl>
+                                          <p:spTgt spid="38">
+                                            <p:txEl>
+                                              <p:pRg st="0" end="0"/>
+                                            </p:txEl>
+                                          </p:spTgt>
+                                        </p:tgtEl>
+                                        <p:attrNameLst>
+                                          <p:attrName>style.visibility</p:attrName>
+                                        </p:attrNameLst>
+                                      </p:cBhvr>
+                                      <p:to>
+                                        <p:strVal val="visible"/>
+                                      </p:to>
+                                    </p:set>
+                                  </p:childTnLst>
+                                </p:cTn>
+                              </p:par>
+                            </p:childTnLst>
+                          </p:cTn>
+                        </p:par>
+                      </p:childTnLst>
+                    </p:cTn>
+                  </p:par>
+                </p:childTnLst>
+              </p:cTn>
+              <p:prevCondLst>
+                <p:cond evt="onPrev" delay="0">
+                  <p:tgtEl>
+                    <p:sldTgt/>
+                  </p:tgtEl>
+                </p:cond>
+              </p:prevCondLst>
+              <p:nextCondLst>
+                <p:cond evt="onNext" delay="0">
+                  <p:tgtEl>
+                    <p:sldTgt/>
+                  </p:tgtEl>
+                </p:cond>
+              </p:nextCondLst>
+            </p:seq>
+          </p:childTnLst>
+        </p:cTn>
+      </p:par>
+    </p:tnLst>
+    <p:bldLst>
+      <p:bldP spid="38" grpId="0" uiExpand="1" build="p"/>
+    </p:bldLst>
+  </p:timing>
+</p:sld>
+</file>
+
+<file path=ppt/slides/slide41.xml><?xml version="1.0" encoding="utf-8"?>
+<p:sld xmlns:a="http://schemas.openxmlformats.org/drawingml/2006/main" xmlns:r="http://schemas.openxmlformats.org/officeDocument/2006/relationships" xmlns:p="http://schemas.openxmlformats.org/presentationml/2006/main">
+  <p:cSld>
+    <p:spTree>
+      <p:nvGrpSpPr>
+        <p:cNvPr id="1" name=""/>
+        <p:cNvGrpSpPr/>
+        <p:nvPr/>
+      </p:nvGrpSpPr>
+      <p:grpSpPr>
+        <a:xfrm>
+          <a:off x="0" y="0"/>
+          <a:ext cx="0" cy="0"/>
+          <a:chOff x="0" y="0"/>
+          <a:chExt cx="0" cy="0"/>
+        </a:xfrm>
+      </p:grpSpPr>
+      <p:sp>
+        <p:nvSpPr>
+          <p:cNvPr id="38" name="Content Placeholder 37"/>
+          <p:cNvSpPr>
+            <a:spLocks noGrp="1"/>
+          </p:cNvSpPr>
+          <p:nvPr>
+            <p:ph idx="1"/>
+          </p:nvPr>
+        </p:nvSpPr>
+        <p:spPr>
+          <a:xfrm>
             <a:off x="838200" y="2056534"/>
             <a:ext cx="10515600" cy="3542755"/>
           </a:xfrm>
         </p:spPr>
         <p:txBody>
           <a:bodyPr anchor="ctr">
-            <a:normAutofit/>
+            <a:normAutofit fontScale="92500" lnSpcReduction="20000"/>
           </a:bodyPr>
           <a:lstStyle/>
           <a:p>
             <a:pPr algn="ctr"/>
             <a:r>
               <a:rPr lang="fr-FR" sz="6000" i="1" dirty="0"/>
-              <a:t>CQRS          Event </a:t>
+              <a:t>CQRS      Event </a:t>
             </a:r>
             <a:r>
               <a:rPr lang="fr-FR" sz="6000" i="1" dirty="0" err="1"/>
               <a:t>Sourcing</a:t>
             </a:r>
             <a:endParaRPr lang="fr-FR" sz="6000" i="1" dirty="0"/>
+          </a:p>
+          <a:p>
+            <a:pPr algn="ctr"/>
+            <a:endParaRPr lang="fr-FR" sz="4000" i="1" dirty="0">
+              <a:solidFill>
+                <a:schemeClr val="bg1">
+                  <a:lumMod val="65000"/>
+                </a:schemeClr>
+              </a:solidFill>
+            </a:endParaRPr>
           </a:p>
           <a:p>
             <a:pPr algn="ctr"/>
@@ -21996,6 +22662,9 @@
               </a:rPr>
               <a:t>mais</a:t>
             </a:r>
+          </a:p>
+          <a:p>
+            <a:pPr algn="ctr"/>
             <a:endParaRPr lang="fr-FR" sz="6000" i="1" dirty="0">
               <a:solidFill>
                 <a:schemeClr val="bg1">
@@ -22035,7 +22704,7 @@
           <a:p>
             <a:r>
               <a:rPr lang="fr-FR" dirty="0"/>
-              <a:t>Une dernière précision</a:t>
+              <a:t>Ce n’est pas non plus…</a:t>
             </a:r>
           </a:p>
         </p:txBody>
@@ -22066,7 +22735,7 @@
                 <a:latin typeface="Segoe" panose="020B0502040504020203"/>
               </a:rPr>
               <a:pPr/>
-              <a:t>40</a:t>
+              <a:t>41</a:t>
             </a:fld>
             <a:endParaRPr lang="en-US" dirty="0">
               <a:latin typeface="Segoe" panose="020B0502040504020203"/>
@@ -22097,7 +22766,7 @@
         </p:blipFill>
         <p:spPr bwMode="auto">
           <a:xfrm>
-            <a:off x="4277435" y="2572562"/>
+            <a:off x="4393344" y="2056534"/>
             <a:ext cx="949657" cy="949657"/>
           </a:xfrm>
           <a:prstGeom prst="rect">
@@ -22115,79 +22784,473 @@
           </a:extLst>
         </p:spPr>
       </p:pic>
+      <p:sp>
+        <p:nvSpPr>
+          <p:cNvPr id="7" name="Content Placeholder 37"/>
+          <p:cNvSpPr txBox="1">
+            <a:spLocks/>
+          </p:cNvSpPr>
+          <p:nvPr/>
+        </p:nvSpPr>
+        <p:spPr>
+          <a:xfrm>
+            <a:off x="817604" y="2060650"/>
+            <a:ext cx="10515600" cy="3542755"/>
+          </a:xfrm>
+          <a:prstGeom prst="rect">
+            <a:avLst/>
+          </a:prstGeom>
+        </p:spPr>
+        <p:txBody>
+          <a:bodyPr vert="horz" lIns="91440" tIns="45720" rIns="91440" bIns="45720" rtlCol="0" anchor="ctr">
+            <a:normAutofit fontScale="92500" lnSpcReduction="20000"/>
+          </a:bodyPr>
+          <a:lstStyle>
+            <a:lvl1pPr marL="0" indent="0" algn="l" defTabSz="914400" rtl="0" eaLnBrk="1" latinLnBrk="0" hangingPunct="1">
+              <a:lnSpc>
+                <a:spcPct val="90000"/>
+              </a:lnSpc>
+              <a:spcBef>
+                <a:spcPts val="1000"/>
+              </a:spcBef>
+              <a:buFont typeface="Arial" panose="020B0604020202020204" pitchFamily="34" charset="0"/>
+              <a:buNone/>
+              <a:defRPr sz="2800" kern="1200">
+                <a:solidFill>
+                  <a:schemeClr val="tx1"/>
+                </a:solidFill>
+                <a:latin typeface="Segoe" panose="020B0502040504020203"/>
+                <a:ea typeface="+mn-ea"/>
+                <a:cs typeface="+mn-cs"/>
+              </a:defRPr>
+            </a:lvl1pPr>
+            <a:lvl2pPr marL="360363" indent="-360363" algn="l" defTabSz="914400" rtl="0" eaLnBrk="1" latinLnBrk="0" hangingPunct="1">
+              <a:lnSpc>
+                <a:spcPct val="90000"/>
+              </a:lnSpc>
+              <a:spcBef>
+                <a:spcPts val="500"/>
+              </a:spcBef>
+              <a:buFont typeface="Arial" panose="020B0604020202020204" pitchFamily="34" charset="0"/>
+              <a:buChar char="•"/>
+              <a:defRPr sz="2400" kern="1200">
+                <a:solidFill>
+                  <a:schemeClr val="tx1"/>
+                </a:solidFill>
+                <a:latin typeface="Segoe" panose="020B0502040504020203"/>
+                <a:ea typeface="+mn-ea"/>
+                <a:cs typeface="+mn-cs"/>
+              </a:defRPr>
+            </a:lvl2pPr>
+            <a:lvl3pPr marL="628650" indent="-254000" algn="l" defTabSz="914400" rtl="0" eaLnBrk="1" latinLnBrk="0" hangingPunct="1">
+              <a:lnSpc>
+                <a:spcPct val="90000"/>
+              </a:lnSpc>
+              <a:spcBef>
+                <a:spcPts val="500"/>
+              </a:spcBef>
+              <a:buFontTx/>
+              <a:buChar char="–"/>
+              <a:tabLst>
+                <a:tab pos="895350" algn="l"/>
+              </a:tabLst>
+              <a:defRPr sz="2400" kern="1200">
+                <a:solidFill>
+                  <a:schemeClr val="tx1"/>
+                </a:solidFill>
+                <a:latin typeface="Segoe" panose="020B0502040504020203"/>
+                <a:ea typeface="+mn-ea"/>
+                <a:cs typeface="+mn-cs"/>
+              </a:defRPr>
+            </a:lvl3pPr>
+            <a:lvl4pPr marL="895350" indent="476250" algn="l" defTabSz="914400" rtl="0" eaLnBrk="1" latinLnBrk="0" hangingPunct="1">
+              <a:lnSpc>
+                <a:spcPct val="90000"/>
+              </a:lnSpc>
+              <a:spcBef>
+                <a:spcPts val="500"/>
+              </a:spcBef>
+              <a:buFont typeface="Arial" panose="020B0604020202020204" pitchFamily="34" charset="0"/>
+              <a:buNone/>
+              <a:defRPr sz="2400" kern="1200">
+                <a:solidFill>
+                  <a:schemeClr val="tx1"/>
+                </a:solidFill>
+                <a:latin typeface="Segoe" panose="020B0502040504020203"/>
+                <a:ea typeface="+mn-ea"/>
+                <a:cs typeface="+mn-cs"/>
+              </a:defRPr>
+            </a:lvl4pPr>
+            <a:lvl5pPr marL="1828800" indent="0" algn="l" defTabSz="914400" rtl="0" eaLnBrk="1" latinLnBrk="0" hangingPunct="1">
+              <a:lnSpc>
+                <a:spcPct val="90000"/>
+              </a:lnSpc>
+              <a:spcBef>
+                <a:spcPts val="500"/>
+              </a:spcBef>
+              <a:buFont typeface="Arial" panose="020B0604020202020204" pitchFamily="34" charset="0"/>
+              <a:buNone/>
+              <a:defRPr sz="2400" kern="1200">
+                <a:solidFill>
+                  <a:schemeClr val="tx1"/>
+                </a:solidFill>
+                <a:latin typeface="Segoe" panose="020B0502040504020203"/>
+                <a:ea typeface="+mn-ea"/>
+                <a:cs typeface="+mn-cs"/>
+              </a:defRPr>
+            </a:lvl5pPr>
+            <a:lvl6pPr marL="2514600" indent="-228600" algn="l" defTabSz="914400" rtl="0" eaLnBrk="1" latinLnBrk="0" hangingPunct="1">
+              <a:lnSpc>
+                <a:spcPct val="90000"/>
+              </a:lnSpc>
+              <a:spcBef>
+                <a:spcPts val="500"/>
+              </a:spcBef>
+              <a:buFont typeface="Arial" panose="020B0604020202020204" pitchFamily="34" charset="0"/>
+              <a:buChar char="•"/>
+              <a:defRPr sz="1800" kern="1200">
+                <a:solidFill>
+                  <a:schemeClr val="tx1"/>
+                </a:solidFill>
+                <a:latin typeface="+mn-lt"/>
+                <a:ea typeface="+mn-ea"/>
+                <a:cs typeface="+mn-cs"/>
+              </a:defRPr>
+            </a:lvl6pPr>
+            <a:lvl7pPr marL="2971800" indent="-228600" algn="l" defTabSz="914400" rtl="0" eaLnBrk="1" latinLnBrk="0" hangingPunct="1">
+              <a:lnSpc>
+                <a:spcPct val="90000"/>
+              </a:lnSpc>
+              <a:spcBef>
+                <a:spcPts val="500"/>
+              </a:spcBef>
+              <a:buFont typeface="Arial" panose="020B0604020202020204" pitchFamily="34" charset="0"/>
+              <a:buChar char="•"/>
+              <a:defRPr sz="1800" kern="1200">
+                <a:solidFill>
+                  <a:schemeClr val="tx1"/>
+                </a:solidFill>
+                <a:latin typeface="+mn-lt"/>
+                <a:ea typeface="+mn-ea"/>
+                <a:cs typeface="+mn-cs"/>
+              </a:defRPr>
+            </a:lvl7pPr>
+            <a:lvl8pPr marL="3429000" indent="-228600" algn="l" defTabSz="914400" rtl="0" eaLnBrk="1" latinLnBrk="0" hangingPunct="1">
+              <a:lnSpc>
+                <a:spcPct val="90000"/>
+              </a:lnSpc>
+              <a:spcBef>
+                <a:spcPts val="500"/>
+              </a:spcBef>
+              <a:buFont typeface="Arial" panose="020B0604020202020204" pitchFamily="34" charset="0"/>
+              <a:buChar char="•"/>
+              <a:defRPr sz="1800" kern="1200">
+                <a:solidFill>
+                  <a:schemeClr val="tx1"/>
+                </a:solidFill>
+                <a:latin typeface="+mn-lt"/>
+                <a:ea typeface="+mn-ea"/>
+                <a:cs typeface="+mn-cs"/>
+              </a:defRPr>
+            </a:lvl8pPr>
+            <a:lvl9pPr marL="3886200" indent="-228600" algn="l" defTabSz="914400" rtl="0" eaLnBrk="1" latinLnBrk="0" hangingPunct="1">
+              <a:lnSpc>
+                <a:spcPct val="90000"/>
+              </a:lnSpc>
+              <a:spcBef>
+                <a:spcPts val="500"/>
+              </a:spcBef>
+              <a:buFont typeface="Arial" panose="020B0604020202020204" pitchFamily="34" charset="0"/>
+              <a:buChar char="•"/>
+              <a:defRPr sz="1800" kern="1200">
+                <a:solidFill>
+                  <a:schemeClr val="tx1"/>
+                </a:solidFill>
+                <a:latin typeface="+mn-lt"/>
+                <a:ea typeface="+mn-ea"/>
+                <a:cs typeface="+mn-cs"/>
+              </a:defRPr>
+            </a:lvl9pPr>
+          </a:lstStyle>
+          <a:p>
+            <a:pPr algn="ctr"/>
+            <a:r>
+              <a:rPr lang="fr-FR" sz="6000" i="1" dirty="0"/>
+              <a:t>               Event </a:t>
+            </a:r>
+            <a:r>
+              <a:rPr lang="fr-FR" sz="6000" i="1" dirty="0" err="1"/>
+              <a:t>Sourcing</a:t>
+            </a:r>
+            <a:endParaRPr lang="fr-FR" sz="6000" i="1" dirty="0"/>
+          </a:p>
+          <a:p>
+            <a:pPr algn="ctr"/>
+            <a:endParaRPr lang="fr-FR" sz="4000" i="1" dirty="0">
+              <a:solidFill>
+                <a:schemeClr val="bg1">
+                  <a:lumMod val="65000"/>
+                </a:schemeClr>
+              </a:solidFill>
+            </a:endParaRPr>
+          </a:p>
+          <a:p>
+            <a:pPr algn="ctr"/>
+            <a:endParaRPr lang="fr-FR" sz="4000" i="1" dirty="0">
+              <a:solidFill>
+                <a:schemeClr val="bg1">
+                  <a:lumMod val="65000"/>
+                </a:schemeClr>
+              </a:solidFill>
+            </a:endParaRPr>
+          </a:p>
+          <a:p>
+            <a:pPr algn="ctr"/>
+            <a:endParaRPr lang="fr-FR" sz="6000" i="1" dirty="0">
+              <a:solidFill>
+                <a:schemeClr val="bg1">
+                  <a:lumMod val="65000"/>
+                </a:schemeClr>
+              </a:solidFill>
+            </a:endParaRPr>
+          </a:p>
+          <a:p>
+            <a:pPr algn="ctr"/>
+            <a:r>
+              <a:rPr lang="fr-FR" sz="6000" i="1" dirty="0"/>
+              <a:t> </a:t>
+            </a:r>
+          </a:p>
+        </p:txBody>
+      </p:sp>
     </p:spTree>
     <p:extLst>
       <p:ext uri="{BB962C8B-B14F-4D97-AF65-F5344CB8AC3E}">
-        <p14:creationId xmlns:p14="http://schemas.microsoft.com/office/powerpoint/2010/main" val="1035014557"/>
+        <p14:creationId xmlns:p14="http://schemas.microsoft.com/office/powerpoint/2010/main" val="2092131959"/>
       </p:ext>
     </p:extLst>
   </p:cSld>
   <p:clrMapOvr>
     <a:masterClrMapping/>
   </p:clrMapOvr>
-</p:sld>
-</file>
-
-<file path=ppt/slides/slide41.xml><?xml version="1.0" encoding="utf-8"?>
-<p:sld xmlns:a="http://schemas.openxmlformats.org/drawingml/2006/main" xmlns:r="http://schemas.openxmlformats.org/officeDocument/2006/relationships" xmlns:p="http://schemas.openxmlformats.org/presentationml/2006/main">
-  <p:cSld>
-    <p:spTree>
-      <p:nvGrpSpPr>
-        <p:cNvPr id="1" name=""/>
-        <p:cNvGrpSpPr/>
-        <p:nvPr/>
-      </p:nvGrpSpPr>
-      <p:grpSpPr>
-        <a:xfrm>
-          <a:off x="0" y="0"/>
-          <a:ext cx="0" cy="0"/>
-          <a:chOff x="0" y="0"/>
-          <a:chExt cx="0" cy="0"/>
-        </a:xfrm>
-      </p:grpSpPr>
-      <p:sp>
-        <p:nvSpPr>
-          <p:cNvPr id="3" name="Slide Number Placeholder 2"/>
-          <p:cNvSpPr>
-            <a:spLocks noGrp="1"/>
-          </p:cNvSpPr>
-          <p:nvPr>
-            <p:ph type="sldNum" sz="quarter" idx="4294967295"/>
-          </p:nvPr>
-        </p:nvSpPr>
-        <p:spPr>
-          <a:xfrm>
-            <a:off x="9448800" y="6492875"/>
-            <a:ext cx="2743200" cy="365125"/>
-          </a:xfrm>
-        </p:spPr>
-        <p:txBody>
-          <a:bodyPr/>
-          <a:lstStyle/>
-          <a:p>
-            <a:r>
-              <a:rPr lang="en-US"/>
-              <a:t>N° </a:t>
-            </a:r>
-            <a:fld id="{6BFFD774-5C5F-4855-9115-A9F49D34CCD3}" type="slidenum">
-              <a:rPr lang="en-US" smtClean="0"/>
-              <a:pPr/>
-              <a:t>41</a:t>
-            </a:fld>
-            <a:endParaRPr lang="en-US" dirty="0"/>
-          </a:p>
-        </p:txBody>
-      </p:sp>
-    </p:spTree>
-    <p:extLst>
-      <p:ext uri="{BB962C8B-B14F-4D97-AF65-F5344CB8AC3E}">
-        <p14:creationId xmlns:p14="http://schemas.microsoft.com/office/powerpoint/2010/main" val="3406228000"/>
-      </p:ext>
-    </p:extLst>
-  </p:cSld>
-  <p:clrMapOvr>
-    <a:masterClrMapping/>
-  </p:clrMapOvr>
+  <p:timing>
+    <p:tnLst>
+      <p:par>
+        <p:cTn id="1" dur="indefinite" restart="never" nodeType="tmRoot">
+          <p:childTnLst>
+            <p:seq concurrent="1" nextAc="seek">
+              <p:cTn id="2" dur="indefinite" nodeType="mainSeq">
+                <p:childTnLst>
+                  <p:par>
+                    <p:cTn id="3" fill="hold">
+                      <p:stCondLst>
+                        <p:cond delay="indefinite"/>
+                        <p:cond evt="onBegin" delay="0">
+                          <p:tn val="2"/>
+                        </p:cond>
+                      </p:stCondLst>
+                      <p:childTnLst>
+                        <p:par>
+                          <p:cTn id="4" fill="hold">
+                            <p:stCondLst>
+                              <p:cond delay="0"/>
+                            </p:stCondLst>
+                            <p:childTnLst>
+                              <p:par>
+                                <p:cTn id="5" presetID="10" presetClass="entr" presetSubtype="0" fill="hold" grpId="0" nodeType="withEffect">
+                                  <p:stCondLst>
+                                    <p:cond delay="0"/>
+                                  </p:stCondLst>
+                                  <p:childTnLst>
+                                    <p:set>
+                                      <p:cBhvr>
+                                        <p:cTn id="6" dur="1" fill="hold">
+                                          <p:stCondLst>
+                                            <p:cond delay="0"/>
+                                          </p:stCondLst>
+                                        </p:cTn>
+                                        <p:tgtEl>
+                                          <p:spTgt spid="38">
+                                            <p:txEl>
+                                              <p:pRg st="0" end="0"/>
+                                            </p:txEl>
+                                          </p:spTgt>
+                                        </p:tgtEl>
+                                        <p:attrNameLst>
+                                          <p:attrName>style.visibility</p:attrName>
+                                        </p:attrNameLst>
+                                      </p:cBhvr>
+                                      <p:to>
+                                        <p:strVal val="visible"/>
+                                      </p:to>
+                                    </p:set>
+                                    <p:animEffect transition="in" filter="fade">
+                                      <p:cBhvr>
+                                        <p:cTn id="7" dur="2000"/>
+                                        <p:tgtEl>
+                                          <p:spTgt spid="38">
+                                            <p:txEl>
+                                              <p:pRg st="0" end="0"/>
+                                            </p:txEl>
+                                          </p:spTgt>
+                                        </p:tgtEl>
+                                      </p:cBhvr>
+                                    </p:animEffect>
+                                  </p:childTnLst>
+                                </p:cTn>
+                              </p:par>
+                              <p:par>
+                                <p:cTn id="8" presetID="10" presetClass="entr" presetSubtype="0" fill="hold" nodeType="withEffect">
+                                  <p:stCondLst>
+                                    <p:cond delay="0"/>
+                                  </p:stCondLst>
+                                  <p:childTnLst>
+                                    <p:set>
+                                      <p:cBhvr>
+                                        <p:cTn id="9" dur="1" fill="hold">
+                                          <p:stCondLst>
+                                            <p:cond delay="0"/>
+                                          </p:stCondLst>
+                                        </p:cTn>
+                                        <p:tgtEl>
+                                          <p:spTgt spid="14338"/>
+                                        </p:tgtEl>
+                                        <p:attrNameLst>
+                                          <p:attrName>style.visibility</p:attrName>
+                                        </p:attrNameLst>
+                                      </p:cBhvr>
+                                      <p:to>
+                                        <p:strVal val="visible"/>
+                                      </p:to>
+                                    </p:set>
+                                    <p:animEffect transition="in" filter="fade">
+                                      <p:cBhvr>
+                                        <p:cTn id="10" dur="2000"/>
+                                        <p:tgtEl>
+                                          <p:spTgt spid="14338"/>
+                                        </p:tgtEl>
+                                      </p:cBhvr>
+                                    </p:animEffect>
+                                  </p:childTnLst>
+                                </p:cTn>
+                              </p:par>
+                              <p:par>
+                                <p:cTn id="11" presetID="10" presetClass="entr" presetSubtype="0" fill="hold" grpId="0" nodeType="withEffect">
+                                  <p:stCondLst>
+                                    <p:cond delay="0"/>
+                                  </p:stCondLst>
+                                  <p:childTnLst>
+                                    <p:set>
+                                      <p:cBhvr>
+                                        <p:cTn id="12" dur="1" fill="hold">
+                                          <p:stCondLst>
+                                            <p:cond delay="0"/>
+                                          </p:stCondLst>
+                                        </p:cTn>
+                                        <p:tgtEl>
+                                          <p:spTgt spid="38">
+                                            <p:txEl>
+                                              <p:pRg st="2" end="2"/>
+                                            </p:txEl>
+                                          </p:spTgt>
+                                        </p:tgtEl>
+                                        <p:attrNameLst>
+                                          <p:attrName>style.visibility</p:attrName>
+                                        </p:attrNameLst>
+                                      </p:cBhvr>
+                                      <p:to>
+                                        <p:strVal val="visible"/>
+                                      </p:to>
+                                    </p:set>
+                                    <p:animEffect transition="in" filter="fade">
+                                      <p:cBhvr>
+                                        <p:cTn id="13" dur="2000"/>
+                                        <p:tgtEl>
+                                          <p:spTgt spid="38">
+                                            <p:txEl>
+                                              <p:pRg st="2" end="2"/>
+                                            </p:txEl>
+                                          </p:spTgt>
+                                        </p:tgtEl>
+                                      </p:cBhvr>
+                                    </p:animEffect>
+                                  </p:childTnLst>
+                                </p:cTn>
+                              </p:par>
+                              <p:par>
+                                <p:cTn id="14" presetID="10" presetClass="entr" presetSubtype="0" fill="hold" grpId="0" nodeType="withEffect">
+                                  <p:stCondLst>
+                                    <p:cond delay="0"/>
+                                  </p:stCondLst>
+                                  <p:childTnLst>
+                                    <p:set>
+                                      <p:cBhvr>
+                                        <p:cTn id="15" dur="1" fill="hold">
+                                          <p:stCondLst>
+                                            <p:cond delay="0"/>
+                                          </p:stCondLst>
+                                        </p:cTn>
+                                        <p:tgtEl>
+                                          <p:spTgt spid="38">
+                                            <p:txEl>
+                                              <p:pRg st="4" end="4"/>
+                                            </p:txEl>
+                                          </p:spTgt>
+                                        </p:tgtEl>
+                                        <p:attrNameLst>
+                                          <p:attrName>style.visibility</p:attrName>
+                                        </p:attrNameLst>
+                                      </p:cBhvr>
+                                      <p:to>
+                                        <p:strVal val="visible"/>
+                                      </p:to>
+                                    </p:set>
+                                    <p:animEffect transition="in" filter="fade">
+                                      <p:cBhvr>
+                                        <p:cTn id="16" dur="2000"/>
+                                        <p:tgtEl>
+                                          <p:spTgt spid="38">
+                                            <p:txEl>
+                                              <p:pRg st="4" end="4"/>
+                                            </p:txEl>
+                                          </p:spTgt>
+                                        </p:tgtEl>
+                                      </p:cBhvr>
+                                    </p:animEffect>
+                                  </p:childTnLst>
+                                </p:cTn>
+                              </p:par>
+                            </p:childTnLst>
+                          </p:cTn>
+                        </p:par>
+                      </p:childTnLst>
+                    </p:cTn>
+                  </p:par>
+                </p:childTnLst>
+              </p:cTn>
+              <p:prevCondLst>
+                <p:cond evt="onPrev" delay="0">
+                  <p:tgtEl>
+                    <p:sldTgt/>
+                  </p:tgtEl>
+                </p:cond>
+              </p:prevCondLst>
+              <p:nextCondLst>
+                <p:cond evt="onNext" delay="0">
+                  <p:tgtEl>
+                    <p:sldTgt/>
+                  </p:tgtEl>
+                </p:cond>
+              </p:nextCondLst>
+            </p:seq>
+          </p:childTnLst>
+        </p:cTn>
+      </p:par>
+    </p:tnLst>
+    <p:bldLst>
+      <p:bldP spid="38" grpId="0" uiExpand="1" build="allAtOnce"/>
+    </p:bldLst>
+  </p:timing>
 </p:sld>
 </file>
 
@@ -22210,6 +23273,1613 @@
       </p:grpSpPr>
       <p:sp>
         <p:nvSpPr>
+          <p:cNvPr id="38" name="Content Placeholder 37"/>
+          <p:cNvSpPr>
+            <a:spLocks noGrp="1"/>
+          </p:cNvSpPr>
+          <p:nvPr>
+            <p:ph idx="1"/>
+          </p:nvPr>
+        </p:nvSpPr>
+        <p:spPr>
+          <a:xfrm>
+            <a:off x="838200" y="2056534"/>
+            <a:ext cx="10515600" cy="3120773"/>
+          </a:xfrm>
+        </p:spPr>
+        <p:txBody>
+          <a:bodyPr anchor="ctr">
+            <a:normAutofit/>
+          </a:bodyPr>
+          <a:lstStyle/>
+          <a:p>
+            <a:pPr algn="ctr"/>
+            <a:r>
+              <a:rPr lang="en-US" sz="4400" dirty="0" err="1"/>
+              <a:t>Donc</a:t>
+            </a:r>
+            <a:r>
+              <a:rPr lang="en-US" sz="4400" dirty="0"/>
+              <a:t> </a:t>
+            </a:r>
+            <a:r>
+              <a:rPr lang="en-US" sz="4400" dirty="0" err="1"/>
+              <a:t>vous</a:t>
+            </a:r>
+            <a:r>
+              <a:rPr lang="en-US" sz="4400" dirty="0"/>
+              <a:t> </a:t>
+            </a:r>
+            <a:r>
+              <a:rPr lang="en-US" sz="4400" dirty="0" err="1"/>
+              <a:t>l’aurez</a:t>
+            </a:r>
+            <a:r>
+              <a:rPr lang="en-US" sz="4400" dirty="0"/>
+              <a:t> </a:t>
+            </a:r>
+            <a:r>
+              <a:rPr lang="en-US" sz="4400" dirty="0" err="1"/>
+              <a:t>compris</a:t>
+            </a:r>
+            <a:r>
+              <a:rPr lang="en-US" sz="4400" dirty="0"/>
+              <a:t>…</a:t>
+            </a:r>
+            <a:endParaRPr lang="fr-FR" sz="4400" i="1" dirty="0"/>
+          </a:p>
+        </p:txBody>
+      </p:sp>
+      <p:sp>
+        <p:nvSpPr>
+          <p:cNvPr id="29" name="Slide Number Placeholder 28"/>
+          <p:cNvSpPr>
+            <a:spLocks noGrp="1"/>
+          </p:cNvSpPr>
+          <p:nvPr>
+            <p:ph type="sldNum" sz="quarter" idx="4"/>
+          </p:nvPr>
+        </p:nvSpPr>
+        <p:spPr/>
+        <p:txBody>
+          <a:bodyPr/>
+          <a:lstStyle/>
+          <a:p>
+            <a:r>
+              <a:rPr lang="en-US" dirty="0">
+                <a:latin typeface="Segoe" panose="020B0502040504020203"/>
+              </a:rPr>
+              <a:t>N° </a:t>
+            </a:r>
+            <a:fld id="{6BFFD774-5C5F-4855-9115-A9F49D34CCD3}" type="slidenum">
+              <a:rPr lang="en-US" smtClean="0">
+                <a:latin typeface="Segoe" panose="020B0502040504020203"/>
+              </a:rPr>
+              <a:pPr/>
+              <a:t>42</a:t>
+            </a:fld>
+            <a:endParaRPr lang="en-US" dirty="0">
+              <a:latin typeface="Segoe" panose="020B0502040504020203"/>
+            </a:endParaRPr>
+          </a:p>
+        </p:txBody>
+      </p:sp>
+    </p:spTree>
+    <p:extLst>
+      <p:ext uri="{BB962C8B-B14F-4D97-AF65-F5344CB8AC3E}">
+        <p14:creationId xmlns:p14="http://schemas.microsoft.com/office/powerpoint/2010/main" val="4102372552"/>
+      </p:ext>
+    </p:extLst>
+  </p:cSld>
+  <p:clrMapOvr>
+    <a:masterClrMapping/>
+  </p:clrMapOvr>
+</p:sld>
+</file>
+
+<file path=ppt/slides/slide43.xml><?xml version="1.0" encoding="utf-8"?>
+<p:sld xmlns:a="http://schemas.openxmlformats.org/drawingml/2006/main" xmlns:r="http://schemas.openxmlformats.org/officeDocument/2006/relationships" xmlns:p="http://schemas.openxmlformats.org/presentationml/2006/main">
+  <p:cSld>
+    <p:spTree>
+      <p:nvGrpSpPr>
+        <p:cNvPr id="1" name=""/>
+        <p:cNvGrpSpPr/>
+        <p:nvPr/>
+      </p:nvGrpSpPr>
+      <p:grpSpPr>
+        <a:xfrm>
+          <a:off x="0" y="0"/>
+          <a:ext cx="0" cy="0"/>
+          <a:chOff x="0" y="0"/>
+          <a:chExt cx="0" cy="0"/>
+        </a:xfrm>
+      </p:grpSpPr>
+      <p:sp>
+        <p:nvSpPr>
+          <p:cNvPr id="38" name="Content Placeholder 37"/>
+          <p:cNvSpPr>
+            <a:spLocks noGrp="1"/>
+          </p:cNvSpPr>
+          <p:nvPr>
+            <p:ph idx="1"/>
+          </p:nvPr>
+        </p:nvSpPr>
+        <p:spPr>
+          <a:xfrm>
+            <a:off x="635000" y="1175849"/>
+            <a:ext cx="10515600" cy="776977"/>
+          </a:xfrm>
+        </p:spPr>
+        <p:txBody>
+          <a:bodyPr anchor="ctr">
+            <a:normAutofit fontScale="70000" lnSpcReduction="20000"/>
+          </a:bodyPr>
+          <a:lstStyle/>
+          <a:p>
+            <a:r>
+              <a:rPr lang="fr-FR" sz="4400" i="1" dirty="0"/>
+              <a:t>… bien séparer son code de lecture et son code d’écriture</a:t>
+            </a:r>
+          </a:p>
+        </p:txBody>
+      </p:sp>
+      <p:sp>
+        <p:nvSpPr>
+          <p:cNvPr id="41" name="Title 40"/>
+          <p:cNvSpPr>
+            <a:spLocks noGrp="1"/>
+          </p:cNvSpPr>
+          <p:nvPr>
+            <p:ph type="title"/>
+          </p:nvPr>
+        </p:nvSpPr>
+        <p:spPr/>
+        <p:txBody>
+          <a:bodyPr/>
+          <a:lstStyle/>
+          <a:p>
+            <a:r>
+              <a:rPr lang="fr-FR" dirty="0"/>
+              <a:t>CQRS c’est surtout…</a:t>
+            </a:r>
+          </a:p>
+        </p:txBody>
+      </p:sp>
+      <p:sp>
+        <p:nvSpPr>
+          <p:cNvPr id="29" name="Slide Number Placeholder 28"/>
+          <p:cNvSpPr>
+            <a:spLocks noGrp="1"/>
+          </p:cNvSpPr>
+          <p:nvPr>
+            <p:ph type="sldNum" sz="quarter" idx="4"/>
+          </p:nvPr>
+        </p:nvSpPr>
+        <p:spPr/>
+        <p:txBody>
+          <a:bodyPr/>
+          <a:lstStyle/>
+          <a:p>
+            <a:r>
+              <a:rPr lang="en-US" dirty="0">
+                <a:latin typeface="Segoe" panose="020B0502040504020203"/>
+              </a:rPr>
+              <a:t>N° </a:t>
+            </a:r>
+            <a:fld id="{6BFFD774-5C5F-4855-9115-A9F49D34CCD3}" type="slidenum">
+              <a:rPr lang="en-US" smtClean="0">
+                <a:latin typeface="Segoe" panose="020B0502040504020203"/>
+              </a:rPr>
+              <a:pPr/>
+              <a:t>43</a:t>
+            </a:fld>
+            <a:endParaRPr lang="en-US" dirty="0">
+              <a:latin typeface="Segoe" panose="020B0502040504020203"/>
+            </a:endParaRPr>
+          </a:p>
+        </p:txBody>
+      </p:sp>
+      <p:cxnSp>
+        <p:nvCxnSpPr>
+          <p:cNvPr id="3" name="Straight Connector 2"/>
+          <p:cNvCxnSpPr/>
+          <p:nvPr/>
+        </p:nvCxnSpPr>
+        <p:spPr>
+          <a:xfrm>
+            <a:off x="5892800" y="2190044"/>
+            <a:ext cx="0" cy="4064000"/>
+          </a:xfrm>
+          <a:prstGeom prst="line">
+            <a:avLst/>
+          </a:prstGeom>
+          <a:ln w="79375">
+            <a:solidFill>
+              <a:schemeClr val="bg1">
+                <a:lumMod val="75000"/>
+              </a:schemeClr>
+            </a:solidFill>
+            <a:prstDash val="lgDash"/>
+          </a:ln>
+        </p:spPr>
+        <p:style>
+          <a:lnRef idx="1">
+            <a:schemeClr val="accent1"/>
+          </a:lnRef>
+          <a:fillRef idx="0">
+            <a:schemeClr val="accent1"/>
+          </a:fillRef>
+          <a:effectRef idx="0">
+            <a:schemeClr val="accent1"/>
+          </a:effectRef>
+          <a:fontRef idx="minor">
+            <a:schemeClr val="tx1"/>
+          </a:fontRef>
+        </p:style>
+      </p:cxnSp>
+      <p:grpSp>
+        <p:nvGrpSpPr>
+          <p:cNvPr id="4" name="Group 3"/>
+          <p:cNvGrpSpPr/>
+          <p:nvPr/>
+        </p:nvGrpSpPr>
+        <p:grpSpPr>
+          <a:xfrm>
+            <a:off x="6640820" y="2699662"/>
+            <a:ext cx="4772696" cy="3276593"/>
+            <a:chOff x="6625768" y="4456923"/>
+            <a:chExt cx="4772696" cy="2664537"/>
+          </a:xfrm>
+        </p:grpSpPr>
+        <p:grpSp>
+          <p:nvGrpSpPr>
+            <p:cNvPr id="12" name="Group 11"/>
+            <p:cNvGrpSpPr/>
+            <p:nvPr/>
+          </p:nvGrpSpPr>
+          <p:grpSpPr>
+            <a:xfrm>
+              <a:off x="6774139" y="4456923"/>
+              <a:ext cx="4216363" cy="1435871"/>
+              <a:chOff x="3504650" y="1511335"/>
+              <a:chExt cx="8005110" cy="2726118"/>
+            </a:xfrm>
+          </p:grpSpPr>
+          <p:sp>
+            <p:nvSpPr>
+              <p:cNvPr id="13" name="Content Placeholder 37"/>
+              <p:cNvSpPr txBox="1">
+                <a:spLocks/>
+              </p:cNvSpPr>
+              <p:nvPr/>
+            </p:nvSpPr>
+            <p:spPr>
+              <a:xfrm>
+                <a:off x="3504650" y="2102181"/>
+                <a:ext cx="3618087" cy="1886867"/>
+              </a:xfrm>
+              <a:prstGeom prst="rect">
+                <a:avLst/>
+              </a:prstGeom>
+            </p:spPr>
+            <p:txBody>
+              <a:bodyPr vert="horz" lIns="91440" tIns="45720" rIns="91440" bIns="45720" rtlCol="0" anchor="ctr">
+                <a:normAutofit/>
+              </a:bodyPr>
+              <a:lstStyle>
+                <a:lvl1pPr marL="0" indent="0" algn="l" defTabSz="914400" rtl="0" eaLnBrk="1" latinLnBrk="0" hangingPunct="1">
+                  <a:lnSpc>
+                    <a:spcPct val="90000"/>
+                  </a:lnSpc>
+                  <a:spcBef>
+                    <a:spcPts val="1000"/>
+                  </a:spcBef>
+                  <a:buFont typeface="Arial" panose="020B0604020202020204" pitchFamily="34" charset="0"/>
+                  <a:buNone/>
+                  <a:defRPr sz="2800" kern="1200">
+                    <a:solidFill>
+                      <a:schemeClr val="tx1"/>
+                    </a:solidFill>
+                    <a:latin typeface="Segoe" panose="020B0502040504020203"/>
+                    <a:ea typeface="+mn-ea"/>
+                    <a:cs typeface="+mn-cs"/>
+                  </a:defRPr>
+                </a:lvl1pPr>
+                <a:lvl2pPr marL="360363" indent="-360363" algn="l" defTabSz="914400" rtl="0" eaLnBrk="1" latinLnBrk="0" hangingPunct="1">
+                  <a:lnSpc>
+                    <a:spcPct val="90000"/>
+                  </a:lnSpc>
+                  <a:spcBef>
+                    <a:spcPts val="500"/>
+                  </a:spcBef>
+                  <a:buFont typeface="Arial" panose="020B0604020202020204" pitchFamily="34" charset="0"/>
+                  <a:buChar char="•"/>
+                  <a:defRPr sz="2400" kern="1200">
+                    <a:solidFill>
+                      <a:schemeClr val="tx1"/>
+                    </a:solidFill>
+                    <a:latin typeface="Segoe" panose="020B0502040504020203"/>
+                    <a:ea typeface="+mn-ea"/>
+                    <a:cs typeface="+mn-cs"/>
+                  </a:defRPr>
+                </a:lvl2pPr>
+                <a:lvl3pPr marL="628650" indent="-254000" algn="l" defTabSz="914400" rtl="0" eaLnBrk="1" latinLnBrk="0" hangingPunct="1">
+                  <a:lnSpc>
+                    <a:spcPct val="90000"/>
+                  </a:lnSpc>
+                  <a:spcBef>
+                    <a:spcPts val="500"/>
+                  </a:spcBef>
+                  <a:buFontTx/>
+                  <a:buChar char="–"/>
+                  <a:tabLst>
+                    <a:tab pos="895350" algn="l"/>
+                  </a:tabLst>
+                  <a:defRPr sz="2400" kern="1200">
+                    <a:solidFill>
+                      <a:schemeClr val="tx1"/>
+                    </a:solidFill>
+                    <a:latin typeface="Segoe" panose="020B0502040504020203"/>
+                    <a:ea typeface="+mn-ea"/>
+                    <a:cs typeface="+mn-cs"/>
+                  </a:defRPr>
+                </a:lvl3pPr>
+                <a:lvl4pPr marL="895350" indent="476250" algn="l" defTabSz="914400" rtl="0" eaLnBrk="1" latinLnBrk="0" hangingPunct="1">
+                  <a:lnSpc>
+                    <a:spcPct val="90000"/>
+                  </a:lnSpc>
+                  <a:spcBef>
+                    <a:spcPts val="500"/>
+                  </a:spcBef>
+                  <a:buFont typeface="Arial" panose="020B0604020202020204" pitchFamily="34" charset="0"/>
+                  <a:buNone/>
+                  <a:defRPr sz="2400" kern="1200">
+                    <a:solidFill>
+                      <a:schemeClr val="tx1"/>
+                    </a:solidFill>
+                    <a:latin typeface="Segoe" panose="020B0502040504020203"/>
+                    <a:ea typeface="+mn-ea"/>
+                    <a:cs typeface="+mn-cs"/>
+                  </a:defRPr>
+                </a:lvl4pPr>
+                <a:lvl5pPr marL="1828800" indent="0" algn="l" defTabSz="914400" rtl="0" eaLnBrk="1" latinLnBrk="0" hangingPunct="1">
+                  <a:lnSpc>
+                    <a:spcPct val="90000"/>
+                  </a:lnSpc>
+                  <a:spcBef>
+                    <a:spcPts val="500"/>
+                  </a:spcBef>
+                  <a:buFont typeface="Arial" panose="020B0604020202020204" pitchFamily="34" charset="0"/>
+                  <a:buNone/>
+                  <a:defRPr sz="2400" kern="1200">
+                    <a:solidFill>
+                      <a:schemeClr val="tx1"/>
+                    </a:solidFill>
+                    <a:latin typeface="Segoe" panose="020B0502040504020203"/>
+                    <a:ea typeface="+mn-ea"/>
+                    <a:cs typeface="+mn-cs"/>
+                  </a:defRPr>
+                </a:lvl5pPr>
+                <a:lvl6pPr marL="2514600" indent="-228600" algn="l" defTabSz="914400" rtl="0" eaLnBrk="1" latinLnBrk="0" hangingPunct="1">
+                  <a:lnSpc>
+                    <a:spcPct val="90000"/>
+                  </a:lnSpc>
+                  <a:spcBef>
+                    <a:spcPts val="500"/>
+                  </a:spcBef>
+                  <a:buFont typeface="Arial" panose="020B0604020202020204" pitchFamily="34" charset="0"/>
+                  <a:buChar char="•"/>
+                  <a:defRPr sz="1800" kern="1200">
+                    <a:solidFill>
+                      <a:schemeClr val="tx1"/>
+                    </a:solidFill>
+                    <a:latin typeface="+mn-lt"/>
+                    <a:ea typeface="+mn-ea"/>
+                    <a:cs typeface="+mn-cs"/>
+                  </a:defRPr>
+                </a:lvl6pPr>
+                <a:lvl7pPr marL="2971800" indent="-228600" algn="l" defTabSz="914400" rtl="0" eaLnBrk="1" latinLnBrk="0" hangingPunct="1">
+                  <a:lnSpc>
+                    <a:spcPct val="90000"/>
+                  </a:lnSpc>
+                  <a:spcBef>
+                    <a:spcPts val="500"/>
+                  </a:spcBef>
+                  <a:buFont typeface="Arial" panose="020B0604020202020204" pitchFamily="34" charset="0"/>
+                  <a:buChar char="•"/>
+                  <a:defRPr sz="1800" kern="1200">
+                    <a:solidFill>
+                      <a:schemeClr val="tx1"/>
+                    </a:solidFill>
+                    <a:latin typeface="+mn-lt"/>
+                    <a:ea typeface="+mn-ea"/>
+                    <a:cs typeface="+mn-cs"/>
+                  </a:defRPr>
+                </a:lvl7pPr>
+                <a:lvl8pPr marL="3429000" indent="-228600" algn="l" defTabSz="914400" rtl="0" eaLnBrk="1" latinLnBrk="0" hangingPunct="1">
+                  <a:lnSpc>
+                    <a:spcPct val="90000"/>
+                  </a:lnSpc>
+                  <a:spcBef>
+                    <a:spcPts val="500"/>
+                  </a:spcBef>
+                  <a:buFont typeface="Arial" panose="020B0604020202020204" pitchFamily="34" charset="0"/>
+                  <a:buChar char="•"/>
+                  <a:defRPr sz="1800" kern="1200">
+                    <a:solidFill>
+                      <a:schemeClr val="tx1"/>
+                    </a:solidFill>
+                    <a:latin typeface="+mn-lt"/>
+                    <a:ea typeface="+mn-ea"/>
+                    <a:cs typeface="+mn-cs"/>
+                  </a:defRPr>
+                </a:lvl8pPr>
+                <a:lvl9pPr marL="3886200" indent="-228600" algn="l" defTabSz="914400" rtl="0" eaLnBrk="1" latinLnBrk="0" hangingPunct="1">
+                  <a:lnSpc>
+                    <a:spcPct val="90000"/>
+                  </a:lnSpc>
+                  <a:spcBef>
+                    <a:spcPts val="500"/>
+                  </a:spcBef>
+                  <a:buFont typeface="Arial" panose="020B0604020202020204" pitchFamily="34" charset="0"/>
+                  <a:buChar char="•"/>
+                  <a:defRPr sz="1800" kern="1200">
+                    <a:solidFill>
+                      <a:schemeClr val="tx1"/>
+                    </a:solidFill>
+                    <a:latin typeface="+mn-lt"/>
+                    <a:ea typeface="+mn-ea"/>
+                    <a:cs typeface="+mn-cs"/>
+                  </a:defRPr>
+                </a:lvl9pPr>
+              </a:lstStyle>
+              <a:p>
+                <a:pPr algn="ctr"/>
+                <a:r>
+                  <a:rPr lang="en-GB" sz="4000" b="1" dirty="0">
+                    <a:solidFill>
+                      <a:srgbClr val="5C2C8F"/>
+                    </a:solidFill>
+                  </a:rPr>
+                  <a:t>Queries</a:t>
+                </a:r>
+              </a:p>
+            </p:txBody>
+          </p:sp>
+          <p:grpSp>
+            <p:nvGrpSpPr>
+              <p:cNvPr id="14" name="Group 13"/>
+              <p:cNvGrpSpPr/>
+              <p:nvPr/>
+            </p:nvGrpSpPr>
+            <p:grpSpPr>
+              <a:xfrm>
+                <a:off x="7603033" y="1511335"/>
+                <a:ext cx="3906727" cy="2726118"/>
+                <a:chOff x="8175593" y="3889139"/>
+                <a:chExt cx="2946006" cy="2055726"/>
+              </a:xfrm>
+            </p:grpSpPr>
+            <p:pic>
+              <p:nvPicPr>
+                <p:cNvPr id="15" name="Picture 2" descr="Afficher l'image d'origine"/>
+                <p:cNvPicPr>
+                  <a:picLocks noChangeAspect="1" noChangeArrowheads="1"/>
+                </p:cNvPicPr>
+                <p:nvPr/>
+              </p:nvPicPr>
+              <p:blipFill rotWithShape="1">
+                <a:blip r:embed="rId3">
+                  <a:extLst>
+                    <a:ext uri="{28A0092B-C50C-407E-A947-70E740481C1C}">
+                      <a14:useLocalDpi xmlns:a14="http://schemas.microsoft.com/office/drawing/2010/main" val="0"/>
+                    </a:ext>
+                  </a:extLst>
+                </a:blip>
+                <a:srcRect l="32074" t="2771" r="42741" b="65708"/>
+                <a:stretch/>
+              </p:blipFill>
+              <p:spPr bwMode="auto">
+                <a:xfrm>
+                  <a:off x="8175593" y="3909777"/>
+                  <a:ext cx="2306433" cy="2035088"/>
+                </a:xfrm>
+                <a:prstGeom prst="rect">
+                  <a:avLst/>
+                </a:prstGeom>
+                <a:noFill/>
+                <a:extLst>
+                  <a:ext uri="{909E8E84-426E-40DD-AFC4-6F175D3DCCD1}">
+                    <a14:hiddenFill xmlns:a14="http://schemas.microsoft.com/office/drawing/2010/main">
+                      <a:solidFill>
+                        <a:srgbClr val="FFFFFF"/>
+                      </a:solidFill>
+                    </a14:hiddenFill>
+                  </a:ext>
+                </a:extLst>
+              </p:spPr>
+            </p:pic>
+            <p:pic>
+              <p:nvPicPr>
+                <p:cNvPr id="16" name="Picture 15"/>
+                <p:cNvPicPr>
+                  <a:picLocks noChangeAspect="1"/>
+                </p:cNvPicPr>
+                <p:nvPr/>
+              </p:nvPicPr>
+              <p:blipFill>
+                <a:blip r:embed="rId4">
+                  <a:clrChange>
+                    <a:clrFrom>
+                      <a:srgbClr val="FFFFFF"/>
+                    </a:clrFrom>
+                    <a:clrTo>
+                      <a:srgbClr val="FFFFFF">
+                        <a:alpha val="0"/>
+                      </a:srgbClr>
+                    </a:clrTo>
+                  </a:clrChange>
+                  <a:extLst>
+                    <a:ext uri="{28A0092B-C50C-407E-A947-70E740481C1C}">
+                      <a14:useLocalDpi xmlns:a14="http://schemas.microsoft.com/office/drawing/2010/main" val="0"/>
+                    </a:ext>
+                  </a:extLst>
+                </a:blip>
+                <a:stretch>
+                  <a:fillRect/>
+                </a:stretch>
+              </p:blipFill>
+              <p:spPr>
+                <a:xfrm>
+                  <a:off x="9719906" y="3889139"/>
+                  <a:ext cx="1401693" cy="1216384"/>
+                </a:xfrm>
+                <a:prstGeom prst="rect">
+                  <a:avLst/>
+                </a:prstGeom>
+              </p:spPr>
+            </p:pic>
+          </p:grpSp>
+        </p:grpSp>
+        <p:sp>
+          <p:nvSpPr>
+            <p:cNvPr id="18" name="Content Placeholder 37"/>
+            <p:cNvSpPr txBox="1">
+              <a:spLocks/>
+            </p:cNvSpPr>
+            <p:nvPr/>
+          </p:nvSpPr>
+          <p:spPr>
+            <a:xfrm>
+              <a:off x="6625768" y="6050187"/>
+              <a:ext cx="4772696" cy="1071273"/>
+            </a:xfrm>
+            <a:prstGeom prst="rect">
+              <a:avLst/>
+            </a:prstGeom>
+          </p:spPr>
+          <p:txBody>
+            <a:bodyPr vert="horz" lIns="91440" tIns="45720" rIns="91440" bIns="45720" rtlCol="0" anchor="ctr">
+              <a:noAutofit/>
+            </a:bodyPr>
+            <a:lstStyle>
+              <a:lvl1pPr marL="0" indent="0" algn="l" defTabSz="914400" rtl="0" eaLnBrk="1" latinLnBrk="0" hangingPunct="1">
+                <a:lnSpc>
+                  <a:spcPct val="90000"/>
+                </a:lnSpc>
+                <a:spcBef>
+                  <a:spcPts val="1000"/>
+                </a:spcBef>
+                <a:buFont typeface="Arial" panose="020B0604020202020204" pitchFamily="34" charset="0"/>
+                <a:buNone/>
+                <a:defRPr sz="2800" kern="1200">
+                  <a:solidFill>
+                    <a:schemeClr val="tx1"/>
+                  </a:solidFill>
+                  <a:latin typeface="Segoe" panose="020B0502040504020203"/>
+                  <a:ea typeface="+mn-ea"/>
+                  <a:cs typeface="+mn-cs"/>
+                </a:defRPr>
+              </a:lvl1pPr>
+              <a:lvl2pPr marL="360363" indent="-360363" algn="l" defTabSz="914400" rtl="0" eaLnBrk="1" latinLnBrk="0" hangingPunct="1">
+                <a:lnSpc>
+                  <a:spcPct val="90000"/>
+                </a:lnSpc>
+                <a:spcBef>
+                  <a:spcPts val="500"/>
+                </a:spcBef>
+                <a:buFont typeface="Arial" panose="020B0604020202020204" pitchFamily="34" charset="0"/>
+                <a:buChar char="•"/>
+                <a:defRPr sz="2400" kern="1200">
+                  <a:solidFill>
+                    <a:schemeClr val="tx1"/>
+                  </a:solidFill>
+                  <a:latin typeface="Segoe" panose="020B0502040504020203"/>
+                  <a:ea typeface="+mn-ea"/>
+                  <a:cs typeface="+mn-cs"/>
+                </a:defRPr>
+              </a:lvl2pPr>
+              <a:lvl3pPr marL="628650" indent="-254000" algn="l" defTabSz="914400" rtl="0" eaLnBrk="1" latinLnBrk="0" hangingPunct="1">
+                <a:lnSpc>
+                  <a:spcPct val="90000"/>
+                </a:lnSpc>
+                <a:spcBef>
+                  <a:spcPts val="500"/>
+                </a:spcBef>
+                <a:buFontTx/>
+                <a:buChar char="–"/>
+                <a:tabLst>
+                  <a:tab pos="895350" algn="l"/>
+                </a:tabLst>
+                <a:defRPr sz="2400" kern="1200">
+                  <a:solidFill>
+                    <a:schemeClr val="tx1"/>
+                  </a:solidFill>
+                  <a:latin typeface="Segoe" panose="020B0502040504020203"/>
+                  <a:ea typeface="+mn-ea"/>
+                  <a:cs typeface="+mn-cs"/>
+                </a:defRPr>
+              </a:lvl3pPr>
+              <a:lvl4pPr marL="895350" indent="476250" algn="l" defTabSz="914400" rtl="0" eaLnBrk="1" latinLnBrk="0" hangingPunct="1">
+                <a:lnSpc>
+                  <a:spcPct val="90000"/>
+                </a:lnSpc>
+                <a:spcBef>
+                  <a:spcPts val="500"/>
+                </a:spcBef>
+                <a:buFont typeface="Arial" panose="020B0604020202020204" pitchFamily="34" charset="0"/>
+                <a:buNone/>
+                <a:defRPr sz="2400" kern="1200">
+                  <a:solidFill>
+                    <a:schemeClr val="tx1"/>
+                  </a:solidFill>
+                  <a:latin typeface="Segoe" panose="020B0502040504020203"/>
+                  <a:ea typeface="+mn-ea"/>
+                  <a:cs typeface="+mn-cs"/>
+                </a:defRPr>
+              </a:lvl4pPr>
+              <a:lvl5pPr marL="1828800" indent="0" algn="l" defTabSz="914400" rtl="0" eaLnBrk="1" latinLnBrk="0" hangingPunct="1">
+                <a:lnSpc>
+                  <a:spcPct val="90000"/>
+                </a:lnSpc>
+                <a:spcBef>
+                  <a:spcPts val="500"/>
+                </a:spcBef>
+                <a:buFont typeface="Arial" panose="020B0604020202020204" pitchFamily="34" charset="0"/>
+                <a:buNone/>
+                <a:defRPr sz="2400" kern="1200">
+                  <a:solidFill>
+                    <a:schemeClr val="tx1"/>
+                  </a:solidFill>
+                  <a:latin typeface="Segoe" panose="020B0502040504020203"/>
+                  <a:ea typeface="+mn-ea"/>
+                  <a:cs typeface="+mn-cs"/>
+                </a:defRPr>
+              </a:lvl5pPr>
+              <a:lvl6pPr marL="2514600" indent="-228600" algn="l" defTabSz="914400" rtl="0" eaLnBrk="1" latinLnBrk="0" hangingPunct="1">
+                <a:lnSpc>
+                  <a:spcPct val="90000"/>
+                </a:lnSpc>
+                <a:spcBef>
+                  <a:spcPts val="500"/>
+                </a:spcBef>
+                <a:buFont typeface="Arial" panose="020B0604020202020204" pitchFamily="34" charset="0"/>
+                <a:buChar char="•"/>
+                <a:defRPr sz="1800" kern="1200">
+                  <a:solidFill>
+                    <a:schemeClr val="tx1"/>
+                  </a:solidFill>
+                  <a:latin typeface="+mn-lt"/>
+                  <a:ea typeface="+mn-ea"/>
+                  <a:cs typeface="+mn-cs"/>
+                </a:defRPr>
+              </a:lvl6pPr>
+              <a:lvl7pPr marL="2971800" indent="-228600" algn="l" defTabSz="914400" rtl="0" eaLnBrk="1" latinLnBrk="0" hangingPunct="1">
+                <a:lnSpc>
+                  <a:spcPct val="90000"/>
+                </a:lnSpc>
+                <a:spcBef>
+                  <a:spcPts val="500"/>
+                </a:spcBef>
+                <a:buFont typeface="Arial" panose="020B0604020202020204" pitchFamily="34" charset="0"/>
+                <a:buChar char="•"/>
+                <a:defRPr sz="1800" kern="1200">
+                  <a:solidFill>
+                    <a:schemeClr val="tx1"/>
+                  </a:solidFill>
+                  <a:latin typeface="+mn-lt"/>
+                  <a:ea typeface="+mn-ea"/>
+                  <a:cs typeface="+mn-cs"/>
+                </a:defRPr>
+              </a:lvl7pPr>
+              <a:lvl8pPr marL="3429000" indent="-228600" algn="l" defTabSz="914400" rtl="0" eaLnBrk="1" latinLnBrk="0" hangingPunct="1">
+                <a:lnSpc>
+                  <a:spcPct val="90000"/>
+                </a:lnSpc>
+                <a:spcBef>
+                  <a:spcPts val="500"/>
+                </a:spcBef>
+                <a:buFont typeface="Arial" panose="020B0604020202020204" pitchFamily="34" charset="0"/>
+                <a:buChar char="•"/>
+                <a:defRPr sz="1800" kern="1200">
+                  <a:solidFill>
+                    <a:schemeClr val="tx1"/>
+                  </a:solidFill>
+                  <a:latin typeface="+mn-lt"/>
+                  <a:ea typeface="+mn-ea"/>
+                  <a:cs typeface="+mn-cs"/>
+                </a:defRPr>
+              </a:lvl8pPr>
+              <a:lvl9pPr marL="3886200" indent="-228600" algn="l" defTabSz="914400" rtl="0" eaLnBrk="1" latinLnBrk="0" hangingPunct="1">
+                <a:lnSpc>
+                  <a:spcPct val="90000"/>
+                </a:lnSpc>
+                <a:spcBef>
+                  <a:spcPts val="500"/>
+                </a:spcBef>
+                <a:buFont typeface="Arial" panose="020B0604020202020204" pitchFamily="34" charset="0"/>
+                <a:buChar char="•"/>
+                <a:defRPr sz="1800" kern="1200">
+                  <a:solidFill>
+                    <a:schemeClr val="tx1"/>
+                  </a:solidFill>
+                  <a:latin typeface="+mn-lt"/>
+                  <a:ea typeface="+mn-ea"/>
+                  <a:cs typeface="+mn-cs"/>
+                </a:defRPr>
+              </a:lvl9pPr>
+            </a:lstStyle>
+            <a:p>
+              <a:pPr algn="ctr"/>
+              <a:r>
+                <a:rPr lang="fr-FR" i="1" dirty="0">
+                  <a:solidFill>
+                    <a:schemeClr val="bg1">
+                      <a:lumMod val="65000"/>
+                    </a:schemeClr>
+                  </a:solidFill>
+                </a:rPr>
+                <a:t>Caches, modèles dénormalisés, lecture-seule</a:t>
+              </a:r>
+            </a:p>
+          </p:txBody>
+        </p:sp>
+      </p:grpSp>
+      <p:grpSp>
+        <p:nvGrpSpPr>
+          <p:cNvPr id="5" name="Group 4"/>
+          <p:cNvGrpSpPr/>
+          <p:nvPr/>
+        </p:nvGrpSpPr>
+        <p:grpSpPr>
+          <a:xfrm>
+            <a:off x="635000" y="2699662"/>
+            <a:ext cx="4772696" cy="3131991"/>
+            <a:chOff x="483492" y="2699662"/>
+            <a:chExt cx="4772696" cy="3131991"/>
+          </a:xfrm>
+        </p:grpSpPr>
+        <p:grpSp>
+          <p:nvGrpSpPr>
+            <p:cNvPr id="7" name="Group 6"/>
+            <p:cNvGrpSpPr/>
+            <p:nvPr/>
+          </p:nvGrpSpPr>
+          <p:grpSpPr>
+            <a:xfrm>
+              <a:off x="688075" y="2699662"/>
+              <a:ext cx="4471758" cy="1600973"/>
+              <a:chOff x="321536" y="3509038"/>
+              <a:chExt cx="8490000" cy="3039578"/>
+            </a:xfrm>
+          </p:grpSpPr>
+          <p:sp>
+            <p:nvSpPr>
+              <p:cNvPr id="8" name="Content Placeholder 37"/>
+              <p:cNvSpPr txBox="1">
+                <a:spLocks/>
+              </p:cNvSpPr>
+              <p:nvPr/>
+            </p:nvSpPr>
+            <p:spPr>
+              <a:xfrm>
+                <a:off x="3634349" y="4346191"/>
+                <a:ext cx="5177187" cy="2046561"/>
+              </a:xfrm>
+              <a:prstGeom prst="rect">
+                <a:avLst/>
+              </a:prstGeom>
+            </p:spPr>
+            <p:txBody>
+              <a:bodyPr vert="horz" lIns="91440" tIns="45720" rIns="91440" bIns="45720" rtlCol="0" anchor="ctr">
+                <a:noAutofit/>
+              </a:bodyPr>
+              <a:lstStyle>
+                <a:lvl1pPr marL="0" indent="0" algn="l" defTabSz="914400" rtl="0" eaLnBrk="1" latinLnBrk="0" hangingPunct="1">
+                  <a:lnSpc>
+                    <a:spcPct val="90000"/>
+                  </a:lnSpc>
+                  <a:spcBef>
+                    <a:spcPts val="1000"/>
+                  </a:spcBef>
+                  <a:buFont typeface="Arial" panose="020B0604020202020204" pitchFamily="34" charset="0"/>
+                  <a:buNone/>
+                  <a:defRPr sz="2800" kern="1200">
+                    <a:solidFill>
+                      <a:schemeClr val="tx1"/>
+                    </a:solidFill>
+                    <a:latin typeface="Segoe" panose="020B0502040504020203"/>
+                    <a:ea typeface="+mn-ea"/>
+                    <a:cs typeface="+mn-cs"/>
+                  </a:defRPr>
+                </a:lvl1pPr>
+                <a:lvl2pPr marL="360363" indent="-360363" algn="l" defTabSz="914400" rtl="0" eaLnBrk="1" latinLnBrk="0" hangingPunct="1">
+                  <a:lnSpc>
+                    <a:spcPct val="90000"/>
+                  </a:lnSpc>
+                  <a:spcBef>
+                    <a:spcPts val="500"/>
+                  </a:spcBef>
+                  <a:buFont typeface="Arial" panose="020B0604020202020204" pitchFamily="34" charset="0"/>
+                  <a:buChar char="•"/>
+                  <a:defRPr sz="2400" kern="1200">
+                    <a:solidFill>
+                      <a:schemeClr val="tx1"/>
+                    </a:solidFill>
+                    <a:latin typeface="Segoe" panose="020B0502040504020203"/>
+                    <a:ea typeface="+mn-ea"/>
+                    <a:cs typeface="+mn-cs"/>
+                  </a:defRPr>
+                </a:lvl2pPr>
+                <a:lvl3pPr marL="628650" indent="-254000" algn="l" defTabSz="914400" rtl="0" eaLnBrk="1" latinLnBrk="0" hangingPunct="1">
+                  <a:lnSpc>
+                    <a:spcPct val="90000"/>
+                  </a:lnSpc>
+                  <a:spcBef>
+                    <a:spcPts val="500"/>
+                  </a:spcBef>
+                  <a:buFontTx/>
+                  <a:buChar char="–"/>
+                  <a:tabLst>
+                    <a:tab pos="895350" algn="l"/>
+                  </a:tabLst>
+                  <a:defRPr sz="2400" kern="1200">
+                    <a:solidFill>
+                      <a:schemeClr val="tx1"/>
+                    </a:solidFill>
+                    <a:latin typeface="Segoe" panose="020B0502040504020203"/>
+                    <a:ea typeface="+mn-ea"/>
+                    <a:cs typeface="+mn-cs"/>
+                  </a:defRPr>
+                </a:lvl3pPr>
+                <a:lvl4pPr marL="895350" indent="476250" algn="l" defTabSz="914400" rtl="0" eaLnBrk="1" latinLnBrk="0" hangingPunct="1">
+                  <a:lnSpc>
+                    <a:spcPct val="90000"/>
+                  </a:lnSpc>
+                  <a:spcBef>
+                    <a:spcPts val="500"/>
+                  </a:spcBef>
+                  <a:buFont typeface="Arial" panose="020B0604020202020204" pitchFamily="34" charset="0"/>
+                  <a:buNone/>
+                  <a:defRPr sz="2400" kern="1200">
+                    <a:solidFill>
+                      <a:schemeClr val="tx1"/>
+                    </a:solidFill>
+                    <a:latin typeface="Segoe" panose="020B0502040504020203"/>
+                    <a:ea typeface="+mn-ea"/>
+                    <a:cs typeface="+mn-cs"/>
+                  </a:defRPr>
+                </a:lvl4pPr>
+                <a:lvl5pPr marL="1828800" indent="0" algn="l" defTabSz="914400" rtl="0" eaLnBrk="1" latinLnBrk="0" hangingPunct="1">
+                  <a:lnSpc>
+                    <a:spcPct val="90000"/>
+                  </a:lnSpc>
+                  <a:spcBef>
+                    <a:spcPts val="500"/>
+                  </a:spcBef>
+                  <a:buFont typeface="Arial" panose="020B0604020202020204" pitchFamily="34" charset="0"/>
+                  <a:buNone/>
+                  <a:defRPr sz="2400" kern="1200">
+                    <a:solidFill>
+                      <a:schemeClr val="tx1"/>
+                    </a:solidFill>
+                    <a:latin typeface="Segoe" panose="020B0502040504020203"/>
+                    <a:ea typeface="+mn-ea"/>
+                    <a:cs typeface="+mn-cs"/>
+                  </a:defRPr>
+                </a:lvl5pPr>
+                <a:lvl6pPr marL="2514600" indent="-228600" algn="l" defTabSz="914400" rtl="0" eaLnBrk="1" latinLnBrk="0" hangingPunct="1">
+                  <a:lnSpc>
+                    <a:spcPct val="90000"/>
+                  </a:lnSpc>
+                  <a:spcBef>
+                    <a:spcPts val="500"/>
+                  </a:spcBef>
+                  <a:buFont typeface="Arial" panose="020B0604020202020204" pitchFamily="34" charset="0"/>
+                  <a:buChar char="•"/>
+                  <a:defRPr sz="1800" kern="1200">
+                    <a:solidFill>
+                      <a:schemeClr val="tx1"/>
+                    </a:solidFill>
+                    <a:latin typeface="+mn-lt"/>
+                    <a:ea typeface="+mn-ea"/>
+                    <a:cs typeface="+mn-cs"/>
+                  </a:defRPr>
+                </a:lvl6pPr>
+                <a:lvl7pPr marL="2971800" indent="-228600" algn="l" defTabSz="914400" rtl="0" eaLnBrk="1" latinLnBrk="0" hangingPunct="1">
+                  <a:lnSpc>
+                    <a:spcPct val="90000"/>
+                  </a:lnSpc>
+                  <a:spcBef>
+                    <a:spcPts val="500"/>
+                  </a:spcBef>
+                  <a:buFont typeface="Arial" panose="020B0604020202020204" pitchFamily="34" charset="0"/>
+                  <a:buChar char="•"/>
+                  <a:defRPr sz="1800" kern="1200">
+                    <a:solidFill>
+                      <a:schemeClr val="tx1"/>
+                    </a:solidFill>
+                    <a:latin typeface="+mn-lt"/>
+                    <a:ea typeface="+mn-ea"/>
+                    <a:cs typeface="+mn-cs"/>
+                  </a:defRPr>
+                </a:lvl7pPr>
+                <a:lvl8pPr marL="3429000" indent="-228600" algn="l" defTabSz="914400" rtl="0" eaLnBrk="1" latinLnBrk="0" hangingPunct="1">
+                  <a:lnSpc>
+                    <a:spcPct val="90000"/>
+                  </a:lnSpc>
+                  <a:spcBef>
+                    <a:spcPts val="500"/>
+                  </a:spcBef>
+                  <a:buFont typeface="Arial" panose="020B0604020202020204" pitchFamily="34" charset="0"/>
+                  <a:buChar char="•"/>
+                  <a:defRPr sz="1800" kern="1200">
+                    <a:solidFill>
+                      <a:schemeClr val="tx1"/>
+                    </a:solidFill>
+                    <a:latin typeface="+mn-lt"/>
+                    <a:ea typeface="+mn-ea"/>
+                    <a:cs typeface="+mn-cs"/>
+                  </a:defRPr>
+                </a:lvl8pPr>
+                <a:lvl9pPr marL="3886200" indent="-228600" algn="l" defTabSz="914400" rtl="0" eaLnBrk="1" latinLnBrk="0" hangingPunct="1">
+                  <a:lnSpc>
+                    <a:spcPct val="90000"/>
+                  </a:lnSpc>
+                  <a:spcBef>
+                    <a:spcPts val="500"/>
+                  </a:spcBef>
+                  <a:buFont typeface="Arial" panose="020B0604020202020204" pitchFamily="34" charset="0"/>
+                  <a:buChar char="•"/>
+                  <a:defRPr sz="1800" kern="1200">
+                    <a:solidFill>
+                      <a:schemeClr val="tx1"/>
+                    </a:solidFill>
+                    <a:latin typeface="+mn-lt"/>
+                    <a:ea typeface="+mn-ea"/>
+                    <a:cs typeface="+mn-cs"/>
+                  </a:defRPr>
+                </a:lvl9pPr>
+              </a:lstStyle>
+              <a:p>
+                <a:pPr algn="ctr"/>
+                <a:r>
+                  <a:rPr lang="en-GB" sz="4000" b="1" dirty="0">
+                    <a:solidFill>
+                      <a:srgbClr val="0078D7"/>
+                    </a:solidFill>
+                  </a:rPr>
+                  <a:t>Commands</a:t>
+                </a:r>
+              </a:p>
+            </p:txBody>
+          </p:sp>
+          <p:grpSp>
+            <p:nvGrpSpPr>
+              <p:cNvPr id="9" name="Group 8"/>
+              <p:cNvGrpSpPr/>
+              <p:nvPr/>
+            </p:nvGrpSpPr>
+            <p:grpSpPr>
+              <a:xfrm>
+                <a:off x="321536" y="3509038"/>
+                <a:ext cx="3930745" cy="3039578"/>
+                <a:chOff x="7543371" y="1196676"/>
+                <a:chExt cx="2877381" cy="2225029"/>
+              </a:xfrm>
+            </p:grpSpPr>
+            <p:pic>
+              <p:nvPicPr>
+                <p:cNvPr id="10" name="Picture 2" descr="Afficher l'image d'origine"/>
+                <p:cNvPicPr>
+                  <a:picLocks noChangeAspect="1" noChangeArrowheads="1"/>
+                </p:cNvPicPr>
+                <p:nvPr/>
+              </p:nvPicPr>
+              <p:blipFill rotWithShape="1">
+                <a:blip r:embed="rId3">
+                  <a:extLst>
+                    <a:ext uri="{28A0092B-C50C-407E-A947-70E740481C1C}">
+                      <a14:useLocalDpi xmlns:a14="http://schemas.microsoft.com/office/drawing/2010/main" val="0"/>
+                    </a:ext>
+                  </a:extLst>
+                </a:blip>
+                <a:srcRect l="33259" t="63713" r="43482" b="1825"/>
+                <a:stretch/>
+              </p:blipFill>
+              <p:spPr bwMode="auto">
+                <a:xfrm>
+                  <a:off x="7543371" y="1196676"/>
+                  <a:ext cx="2130056" cy="2225029"/>
+                </a:xfrm>
+                <a:prstGeom prst="rect">
+                  <a:avLst/>
+                </a:prstGeom>
+                <a:noFill/>
+                <a:extLst>
+                  <a:ext uri="{909E8E84-426E-40DD-AFC4-6F175D3DCCD1}">
+                    <a14:hiddenFill xmlns:a14="http://schemas.microsoft.com/office/drawing/2010/main">
+                      <a:solidFill>
+                        <a:srgbClr val="FFFFFF"/>
+                      </a:solidFill>
+                    </a14:hiddenFill>
+                  </a:ext>
+                </a:extLst>
+              </p:spPr>
+            </p:pic>
+            <p:pic>
+              <p:nvPicPr>
+                <p:cNvPr id="11" name="Picture 10"/>
+                <p:cNvPicPr>
+                  <a:picLocks noChangeAspect="1"/>
+                </p:cNvPicPr>
+                <p:nvPr/>
+              </p:nvPicPr>
+              <p:blipFill>
+                <a:blip r:embed="rId5">
+                  <a:clrChange>
+                    <a:clrFrom>
+                      <a:srgbClr val="FFFFFF"/>
+                    </a:clrFrom>
+                    <a:clrTo>
+                      <a:srgbClr val="FFFFFF">
+                        <a:alpha val="0"/>
+                      </a:srgbClr>
+                    </a:clrTo>
+                  </a:clrChange>
+                  <a:extLst>
+                    <a:ext uri="{28A0092B-C50C-407E-A947-70E740481C1C}">
+                      <a14:useLocalDpi xmlns:a14="http://schemas.microsoft.com/office/drawing/2010/main" val="0"/>
+                    </a:ext>
+                  </a:extLst>
+                </a:blip>
+                <a:stretch>
+                  <a:fillRect/>
+                </a:stretch>
+              </p:blipFill>
+              <p:spPr>
+                <a:xfrm>
+                  <a:off x="9860075" y="1333971"/>
+                  <a:ext cx="560677" cy="586810"/>
+                </a:xfrm>
+                <a:prstGeom prst="rect">
+                  <a:avLst/>
+                </a:prstGeom>
+              </p:spPr>
+            </p:pic>
+          </p:grpSp>
+        </p:grpSp>
+        <p:sp>
+          <p:nvSpPr>
+            <p:cNvPr id="19" name="Content Placeholder 37"/>
+            <p:cNvSpPr txBox="1">
+              <a:spLocks/>
+            </p:cNvSpPr>
+            <p:nvPr/>
+          </p:nvSpPr>
+          <p:spPr>
+            <a:xfrm>
+              <a:off x="483492" y="4760380"/>
+              <a:ext cx="4772696" cy="1071273"/>
+            </a:xfrm>
+            <a:prstGeom prst="rect">
+              <a:avLst/>
+            </a:prstGeom>
+          </p:spPr>
+          <p:txBody>
+            <a:bodyPr vert="horz" lIns="91440" tIns="45720" rIns="91440" bIns="45720" rtlCol="0" anchor="ctr">
+              <a:noAutofit/>
+            </a:bodyPr>
+            <a:lstStyle>
+              <a:lvl1pPr marL="0" indent="0" algn="l" defTabSz="914400" rtl="0" eaLnBrk="1" latinLnBrk="0" hangingPunct="1">
+                <a:lnSpc>
+                  <a:spcPct val="90000"/>
+                </a:lnSpc>
+                <a:spcBef>
+                  <a:spcPts val="1000"/>
+                </a:spcBef>
+                <a:buFont typeface="Arial" panose="020B0604020202020204" pitchFamily="34" charset="0"/>
+                <a:buNone/>
+                <a:defRPr sz="2800" kern="1200">
+                  <a:solidFill>
+                    <a:schemeClr val="tx1"/>
+                  </a:solidFill>
+                  <a:latin typeface="Segoe" panose="020B0502040504020203"/>
+                  <a:ea typeface="+mn-ea"/>
+                  <a:cs typeface="+mn-cs"/>
+                </a:defRPr>
+              </a:lvl1pPr>
+              <a:lvl2pPr marL="360363" indent="-360363" algn="l" defTabSz="914400" rtl="0" eaLnBrk="1" latinLnBrk="0" hangingPunct="1">
+                <a:lnSpc>
+                  <a:spcPct val="90000"/>
+                </a:lnSpc>
+                <a:spcBef>
+                  <a:spcPts val="500"/>
+                </a:spcBef>
+                <a:buFont typeface="Arial" panose="020B0604020202020204" pitchFamily="34" charset="0"/>
+                <a:buChar char="•"/>
+                <a:defRPr sz="2400" kern="1200">
+                  <a:solidFill>
+                    <a:schemeClr val="tx1"/>
+                  </a:solidFill>
+                  <a:latin typeface="Segoe" panose="020B0502040504020203"/>
+                  <a:ea typeface="+mn-ea"/>
+                  <a:cs typeface="+mn-cs"/>
+                </a:defRPr>
+              </a:lvl2pPr>
+              <a:lvl3pPr marL="628650" indent="-254000" algn="l" defTabSz="914400" rtl="0" eaLnBrk="1" latinLnBrk="0" hangingPunct="1">
+                <a:lnSpc>
+                  <a:spcPct val="90000"/>
+                </a:lnSpc>
+                <a:spcBef>
+                  <a:spcPts val="500"/>
+                </a:spcBef>
+                <a:buFontTx/>
+                <a:buChar char="–"/>
+                <a:tabLst>
+                  <a:tab pos="895350" algn="l"/>
+                </a:tabLst>
+                <a:defRPr sz="2400" kern="1200">
+                  <a:solidFill>
+                    <a:schemeClr val="tx1"/>
+                  </a:solidFill>
+                  <a:latin typeface="Segoe" panose="020B0502040504020203"/>
+                  <a:ea typeface="+mn-ea"/>
+                  <a:cs typeface="+mn-cs"/>
+                </a:defRPr>
+              </a:lvl3pPr>
+              <a:lvl4pPr marL="895350" indent="476250" algn="l" defTabSz="914400" rtl="0" eaLnBrk="1" latinLnBrk="0" hangingPunct="1">
+                <a:lnSpc>
+                  <a:spcPct val="90000"/>
+                </a:lnSpc>
+                <a:spcBef>
+                  <a:spcPts val="500"/>
+                </a:spcBef>
+                <a:buFont typeface="Arial" panose="020B0604020202020204" pitchFamily="34" charset="0"/>
+                <a:buNone/>
+                <a:defRPr sz="2400" kern="1200">
+                  <a:solidFill>
+                    <a:schemeClr val="tx1"/>
+                  </a:solidFill>
+                  <a:latin typeface="Segoe" panose="020B0502040504020203"/>
+                  <a:ea typeface="+mn-ea"/>
+                  <a:cs typeface="+mn-cs"/>
+                </a:defRPr>
+              </a:lvl4pPr>
+              <a:lvl5pPr marL="1828800" indent="0" algn="l" defTabSz="914400" rtl="0" eaLnBrk="1" latinLnBrk="0" hangingPunct="1">
+                <a:lnSpc>
+                  <a:spcPct val="90000"/>
+                </a:lnSpc>
+                <a:spcBef>
+                  <a:spcPts val="500"/>
+                </a:spcBef>
+                <a:buFont typeface="Arial" panose="020B0604020202020204" pitchFamily="34" charset="0"/>
+                <a:buNone/>
+                <a:defRPr sz="2400" kern="1200">
+                  <a:solidFill>
+                    <a:schemeClr val="tx1"/>
+                  </a:solidFill>
+                  <a:latin typeface="Segoe" panose="020B0502040504020203"/>
+                  <a:ea typeface="+mn-ea"/>
+                  <a:cs typeface="+mn-cs"/>
+                </a:defRPr>
+              </a:lvl5pPr>
+              <a:lvl6pPr marL="2514600" indent="-228600" algn="l" defTabSz="914400" rtl="0" eaLnBrk="1" latinLnBrk="0" hangingPunct="1">
+                <a:lnSpc>
+                  <a:spcPct val="90000"/>
+                </a:lnSpc>
+                <a:spcBef>
+                  <a:spcPts val="500"/>
+                </a:spcBef>
+                <a:buFont typeface="Arial" panose="020B0604020202020204" pitchFamily="34" charset="0"/>
+                <a:buChar char="•"/>
+                <a:defRPr sz="1800" kern="1200">
+                  <a:solidFill>
+                    <a:schemeClr val="tx1"/>
+                  </a:solidFill>
+                  <a:latin typeface="+mn-lt"/>
+                  <a:ea typeface="+mn-ea"/>
+                  <a:cs typeface="+mn-cs"/>
+                </a:defRPr>
+              </a:lvl6pPr>
+              <a:lvl7pPr marL="2971800" indent="-228600" algn="l" defTabSz="914400" rtl="0" eaLnBrk="1" latinLnBrk="0" hangingPunct="1">
+                <a:lnSpc>
+                  <a:spcPct val="90000"/>
+                </a:lnSpc>
+                <a:spcBef>
+                  <a:spcPts val="500"/>
+                </a:spcBef>
+                <a:buFont typeface="Arial" panose="020B0604020202020204" pitchFamily="34" charset="0"/>
+                <a:buChar char="•"/>
+                <a:defRPr sz="1800" kern="1200">
+                  <a:solidFill>
+                    <a:schemeClr val="tx1"/>
+                  </a:solidFill>
+                  <a:latin typeface="+mn-lt"/>
+                  <a:ea typeface="+mn-ea"/>
+                  <a:cs typeface="+mn-cs"/>
+                </a:defRPr>
+              </a:lvl7pPr>
+              <a:lvl8pPr marL="3429000" indent="-228600" algn="l" defTabSz="914400" rtl="0" eaLnBrk="1" latinLnBrk="0" hangingPunct="1">
+                <a:lnSpc>
+                  <a:spcPct val="90000"/>
+                </a:lnSpc>
+                <a:spcBef>
+                  <a:spcPts val="500"/>
+                </a:spcBef>
+                <a:buFont typeface="Arial" panose="020B0604020202020204" pitchFamily="34" charset="0"/>
+                <a:buChar char="•"/>
+                <a:defRPr sz="1800" kern="1200">
+                  <a:solidFill>
+                    <a:schemeClr val="tx1"/>
+                  </a:solidFill>
+                  <a:latin typeface="+mn-lt"/>
+                  <a:ea typeface="+mn-ea"/>
+                  <a:cs typeface="+mn-cs"/>
+                </a:defRPr>
+              </a:lvl8pPr>
+              <a:lvl9pPr marL="3886200" indent="-228600" algn="l" defTabSz="914400" rtl="0" eaLnBrk="1" latinLnBrk="0" hangingPunct="1">
+                <a:lnSpc>
+                  <a:spcPct val="90000"/>
+                </a:lnSpc>
+                <a:spcBef>
+                  <a:spcPts val="500"/>
+                </a:spcBef>
+                <a:buFont typeface="Arial" panose="020B0604020202020204" pitchFamily="34" charset="0"/>
+                <a:buChar char="•"/>
+                <a:defRPr sz="1800" kern="1200">
+                  <a:solidFill>
+                    <a:schemeClr val="tx1"/>
+                  </a:solidFill>
+                  <a:latin typeface="+mn-lt"/>
+                  <a:ea typeface="+mn-ea"/>
+                  <a:cs typeface="+mn-cs"/>
+                </a:defRPr>
+              </a:lvl9pPr>
+            </a:lstStyle>
+            <a:p>
+              <a:pPr algn="ctr"/>
+              <a:r>
+                <a:rPr lang="fr-FR" i="1" dirty="0">
+                  <a:solidFill>
+                    <a:schemeClr val="bg1">
+                      <a:lumMod val="65000"/>
+                    </a:schemeClr>
+                  </a:solidFill>
+                </a:rPr>
+                <a:t>Transactionnel</a:t>
+              </a:r>
+            </a:p>
+            <a:p>
+              <a:pPr algn="ctr"/>
+              <a:r>
+                <a:rPr lang="fr-FR" i="1" dirty="0">
+                  <a:solidFill>
+                    <a:schemeClr val="bg1">
+                      <a:lumMod val="65000"/>
+                    </a:schemeClr>
+                  </a:solidFill>
+                </a:rPr>
+                <a:t>ACID</a:t>
+              </a:r>
+            </a:p>
+          </p:txBody>
+        </p:sp>
+      </p:grpSp>
+    </p:spTree>
+    <p:extLst>
+      <p:ext uri="{BB962C8B-B14F-4D97-AF65-F5344CB8AC3E}">
+        <p14:creationId xmlns:p14="http://schemas.microsoft.com/office/powerpoint/2010/main" val="3486945497"/>
+      </p:ext>
+    </p:extLst>
+  </p:cSld>
+  <p:clrMapOvr>
+    <a:masterClrMapping/>
+  </p:clrMapOvr>
+  <p:timing>
+    <p:tnLst>
+      <p:par>
+        <p:cTn id="1" dur="indefinite" restart="never" nodeType="tmRoot">
+          <p:childTnLst>
+            <p:seq concurrent="1" nextAc="seek">
+              <p:cTn id="2" dur="indefinite" nodeType="mainSeq">
+                <p:childTnLst>
+                  <p:par>
+                    <p:cTn id="3" fill="hold">
+                      <p:stCondLst>
+                        <p:cond delay="indefinite"/>
+                      </p:stCondLst>
+                      <p:childTnLst>
+                        <p:par>
+                          <p:cTn id="4" fill="hold">
+                            <p:stCondLst>
+                              <p:cond delay="0"/>
+                            </p:stCondLst>
+                            <p:childTnLst>
+                              <p:par>
+                                <p:cTn id="5" presetID="1" presetClass="entr" presetSubtype="0" fill="hold" grpId="0" nodeType="clickEffect">
+                                  <p:stCondLst>
+                                    <p:cond delay="0"/>
+                                  </p:stCondLst>
+                                  <p:childTnLst>
+                                    <p:set>
+                                      <p:cBhvr>
+                                        <p:cTn id="6" dur="1" fill="hold">
+                                          <p:stCondLst>
+                                            <p:cond delay="0"/>
+                                          </p:stCondLst>
+                                        </p:cTn>
+                                        <p:tgtEl>
+                                          <p:spTgt spid="38">
+                                            <p:txEl>
+                                              <p:pRg st="0" end="0"/>
+                                            </p:txEl>
+                                          </p:spTgt>
+                                        </p:tgtEl>
+                                        <p:attrNameLst>
+                                          <p:attrName>style.visibility</p:attrName>
+                                        </p:attrNameLst>
+                                      </p:cBhvr>
+                                      <p:to>
+                                        <p:strVal val="visible"/>
+                                      </p:to>
+                                    </p:set>
+                                  </p:childTnLst>
+                                </p:cTn>
+                              </p:par>
+                              <p:par>
+                                <p:cTn id="7" presetID="1" presetClass="entr" presetSubtype="0" fill="hold" nodeType="withEffect">
+                                  <p:stCondLst>
+                                    <p:cond delay="0"/>
+                                  </p:stCondLst>
+                                  <p:childTnLst>
+                                    <p:set>
+                                      <p:cBhvr>
+                                        <p:cTn id="8" dur="1" fill="hold">
+                                          <p:stCondLst>
+                                            <p:cond delay="0"/>
+                                          </p:stCondLst>
+                                        </p:cTn>
+                                        <p:tgtEl>
+                                          <p:spTgt spid="3"/>
+                                        </p:tgtEl>
+                                        <p:attrNameLst>
+                                          <p:attrName>style.visibility</p:attrName>
+                                        </p:attrNameLst>
+                                      </p:cBhvr>
+                                      <p:to>
+                                        <p:strVal val="visible"/>
+                                      </p:to>
+                                    </p:set>
+                                  </p:childTnLst>
+                                </p:cTn>
+                              </p:par>
+                            </p:childTnLst>
+                          </p:cTn>
+                        </p:par>
+                      </p:childTnLst>
+                    </p:cTn>
+                  </p:par>
+                  <p:par>
+                    <p:cTn id="9" fill="hold">
+                      <p:stCondLst>
+                        <p:cond delay="indefinite"/>
+                      </p:stCondLst>
+                      <p:childTnLst>
+                        <p:par>
+                          <p:cTn id="10" fill="hold">
+                            <p:stCondLst>
+                              <p:cond delay="0"/>
+                            </p:stCondLst>
+                            <p:childTnLst>
+                              <p:par>
+                                <p:cTn id="11" presetID="1" presetClass="entr" presetSubtype="0" fill="hold" nodeType="clickEffect">
+                                  <p:stCondLst>
+                                    <p:cond delay="0"/>
+                                  </p:stCondLst>
+                                  <p:childTnLst>
+                                    <p:set>
+                                      <p:cBhvr>
+                                        <p:cTn id="12" dur="1" fill="hold">
+                                          <p:stCondLst>
+                                            <p:cond delay="0"/>
+                                          </p:stCondLst>
+                                        </p:cTn>
+                                        <p:tgtEl>
+                                          <p:spTgt spid="5"/>
+                                        </p:tgtEl>
+                                        <p:attrNameLst>
+                                          <p:attrName>style.visibility</p:attrName>
+                                        </p:attrNameLst>
+                                      </p:cBhvr>
+                                      <p:to>
+                                        <p:strVal val="visible"/>
+                                      </p:to>
+                                    </p:set>
+                                  </p:childTnLst>
+                                </p:cTn>
+                              </p:par>
+                            </p:childTnLst>
+                          </p:cTn>
+                        </p:par>
+                      </p:childTnLst>
+                    </p:cTn>
+                  </p:par>
+                  <p:par>
+                    <p:cTn id="13" fill="hold">
+                      <p:stCondLst>
+                        <p:cond delay="indefinite"/>
+                      </p:stCondLst>
+                      <p:childTnLst>
+                        <p:par>
+                          <p:cTn id="14" fill="hold">
+                            <p:stCondLst>
+                              <p:cond delay="0"/>
+                            </p:stCondLst>
+                            <p:childTnLst>
+                              <p:par>
+                                <p:cTn id="15" presetID="1" presetClass="entr" presetSubtype="0" fill="hold" nodeType="clickEffect">
+                                  <p:stCondLst>
+                                    <p:cond delay="0"/>
+                                  </p:stCondLst>
+                                  <p:childTnLst>
+                                    <p:set>
+                                      <p:cBhvr>
+                                        <p:cTn id="16" dur="1" fill="hold">
+                                          <p:stCondLst>
+                                            <p:cond delay="0"/>
+                                          </p:stCondLst>
+                                        </p:cTn>
+                                        <p:tgtEl>
+                                          <p:spTgt spid="4"/>
+                                        </p:tgtEl>
+                                        <p:attrNameLst>
+                                          <p:attrName>style.visibility</p:attrName>
+                                        </p:attrNameLst>
+                                      </p:cBhvr>
+                                      <p:to>
+                                        <p:strVal val="visible"/>
+                                      </p:to>
+                                    </p:set>
+                                  </p:childTnLst>
+                                </p:cTn>
+                              </p:par>
+                            </p:childTnLst>
+                          </p:cTn>
+                        </p:par>
+                      </p:childTnLst>
+                    </p:cTn>
+                  </p:par>
+                </p:childTnLst>
+              </p:cTn>
+              <p:prevCondLst>
+                <p:cond evt="onPrev" delay="0">
+                  <p:tgtEl>
+                    <p:sldTgt/>
+                  </p:tgtEl>
+                </p:cond>
+              </p:prevCondLst>
+              <p:nextCondLst>
+                <p:cond evt="onNext" delay="0">
+                  <p:tgtEl>
+                    <p:sldTgt/>
+                  </p:tgtEl>
+                </p:cond>
+              </p:nextCondLst>
+            </p:seq>
+          </p:childTnLst>
+        </p:cTn>
+      </p:par>
+    </p:tnLst>
+    <p:bldLst>
+      <p:bldP spid="38" grpId="0" build="p"/>
+    </p:bldLst>
+  </p:timing>
+</p:sld>
+</file>
+
+<file path=ppt/slides/slide44.xml><?xml version="1.0" encoding="utf-8"?>
+<p:sld xmlns:a="http://schemas.openxmlformats.org/drawingml/2006/main" xmlns:r="http://schemas.openxmlformats.org/officeDocument/2006/relationships" xmlns:p="http://schemas.openxmlformats.org/presentationml/2006/main">
+  <p:cSld>
+    <p:spTree>
+      <p:nvGrpSpPr>
+        <p:cNvPr id="1" name=""/>
+        <p:cNvGrpSpPr/>
+        <p:nvPr/>
+      </p:nvGrpSpPr>
+      <p:grpSpPr>
+        <a:xfrm>
+          <a:off x="0" y="0"/>
+          <a:ext cx="0" cy="0"/>
+          <a:chOff x="0" y="0"/>
+          <a:chExt cx="0" cy="0"/>
+        </a:xfrm>
+      </p:grpSpPr>
+      <p:sp>
+        <p:nvSpPr>
+          <p:cNvPr id="3" name="Slide Number Placeholder 2"/>
+          <p:cNvSpPr>
+            <a:spLocks noGrp="1"/>
+          </p:cNvSpPr>
+          <p:nvPr>
+            <p:ph type="sldNum" sz="quarter" idx="4294967295"/>
+          </p:nvPr>
+        </p:nvSpPr>
+        <p:spPr>
+          <a:xfrm>
+            <a:off x="9448800" y="6492875"/>
+            <a:ext cx="2743200" cy="365125"/>
+          </a:xfrm>
+        </p:spPr>
+        <p:txBody>
+          <a:bodyPr/>
+          <a:lstStyle/>
+          <a:p>
+            <a:r>
+              <a:rPr lang="en-US"/>
+              <a:t>N° </a:t>
+            </a:r>
+            <a:fld id="{6BFFD774-5C5F-4855-9115-A9F49D34CCD3}" type="slidenum">
+              <a:rPr lang="en-US" smtClean="0"/>
+              <a:pPr/>
+              <a:t>44</a:t>
+            </a:fld>
+            <a:endParaRPr lang="en-US" dirty="0"/>
+          </a:p>
+        </p:txBody>
+      </p:sp>
+    </p:spTree>
+    <p:extLst>
+      <p:ext uri="{BB962C8B-B14F-4D97-AF65-F5344CB8AC3E}">
+        <p14:creationId xmlns:p14="http://schemas.microsoft.com/office/powerpoint/2010/main" val="3406228000"/>
+      </p:ext>
+    </p:extLst>
+  </p:cSld>
+  <p:clrMapOvr>
+    <a:masterClrMapping/>
+  </p:clrMapOvr>
+</p:sld>
+</file>
+
+<file path=ppt/slides/slide45.xml><?xml version="1.0" encoding="utf-8"?>
+<p:sld xmlns:a="http://schemas.openxmlformats.org/drawingml/2006/main" xmlns:r="http://schemas.openxmlformats.org/officeDocument/2006/relationships" xmlns:p="http://schemas.openxmlformats.org/presentationml/2006/main">
+  <p:cSld>
+    <p:spTree>
+      <p:nvGrpSpPr>
+        <p:cNvPr id="1" name=""/>
+        <p:cNvGrpSpPr/>
+        <p:nvPr/>
+      </p:nvGrpSpPr>
+      <p:grpSpPr>
+        <a:xfrm>
+          <a:off x="0" y="0"/>
+          <a:ext cx="0" cy="0"/>
+          <a:chOff x="0" y="0"/>
+          <a:chExt cx="0" cy="0"/>
+        </a:xfrm>
+      </p:grpSpPr>
+      <p:sp>
+        <p:nvSpPr>
           <p:cNvPr id="7" name="Text Placeholder 6"/>
           <p:cNvSpPr>
             <a:spLocks noGrp="1"/>
@@ -22286,7 +24956,7 @@
             <a:fld id="{6BFFD774-5C5F-4855-9115-A9F49D34CCD3}" type="slidenum">
               <a:rPr lang="en-US" smtClean="0"/>
               <a:pPr/>
-              <a:t>42</a:t>
+              <a:t>45</a:t>
             </a:fld>
             <a:endParaRPr lang="en-US" dirty="0"/>
           </a:p>
@@ -22305,7 +24975,7 @@
 </p:sld>
 </file>
 
-<file path=ppt/slides/slide43.xml><?xml version="1.0" encoding="utf-8"?>
+<file path=ppt/slides/slide46.xml><?xml version="1.0" encoding="utf-8"?>
 <p:sld xmlns:a="http://schemas.openxmlformats.org/drawingml/2006/main" xmlns:r="http://schemas.openxmlformats.org/officeDocument/2006/relationships" xmlns:p="http://schemas.openxmlformats.org/presentationml/2006/main">
   <p:cSld>
     <p:spTree>
@@ -22379,7 +25049,7 @@
             <a:fld id="{6BFFD774-5C5F-4855-9115-A9F49D34CCD3}" type="slidenum">
               <a:rPr lang="en-US" smtClean="0"/>
               <a:pPr/>
-              <a:t>43</a:t>
+              <a:t>46</a:t>
             </a:fld>
             <a:endParaRPr lang="en-US" dirty="0"/>
           </a:p>
@@ -22398,7 +25068,7 @@
 </p:sld>
 </file>
 
-<file path=ppt/slides/slide44.xml><?xml version="1.0" encoding="utf-8"?>
+<file path=ppt/slides/slide47.xml><?xml version="1.0" encoding="utf-8"?>
 <p:sld xmlns:a="http://schemas.openxmlformats.org/drawingml/2006/main" xmlns:r="http://schemas.openxmlformats.org/officeDocument/2006/relationships" xmlns:p="http://schemas.openxmlformats.org/presentationml/2006/main">
   <p:cSld>
     <p:spTree>
@@ -22934,7 +25604,7 @@
                 <a:latin typeface="Segoe" panose="020B0502040504020203"/>
               </a:rPr>
               <a:pPr/>
-              <a:t>44</a:t>
+              <a:t>47</a:t>
             </a:fld>
             <a:endParaRPr lang="en-US" dirty="0">
               <a:latin typeface="Segoe" panose="020B0502040504020203"/>
@@ -25110,15 +27780,6 @@
 </file>
 
 <file path=customXml/item1.xml><?xml version="1.0" encoding="utf-8"?>
-<?mso-contentType ?>
-<FormTemplates xmlns="http://schemas.microsoft.com/sharepoint/v3/contenttype/forms">
-  <Display>DocumentLibraryForm</Display>
-  <Edit>DocumentLibraryForm</Edit>
-  <New>DocumentLibraryForm</New>
-</FormTemplates>
-</file>
-
-<file path=customXml/item2.xml><?xml version="1.0" encoding="utf-8"?>
 <ct:contentTypeSchema xmlns:ct="http://schemas.microsoft.com/office/2006/metadata/contentType" xmlns:ma="http://schemas.microsoft.com/office/2006/metadata/properties/metaAttributes" ct:_="" ma:_="" ma:contentTypeName="Document" ma:contentTypeID="0x010100AA82F50041FC6E4EBC42A700831FF004" ma:contentTypeVersion="4" ma:contentTypeDescription="Crée un document." ma:contentTypeScope="" ma:versionID="4c6ec815f8017e8af2e42809d3015731">
   <xsd:schema xmlns:xsd="http://www.w3.org/2001/XMLSchema" xmlns:xs="http://www.w3.org/2001/XMLSchema" xmlns:p="http://schemas.microsoft.com/office/2006/metadata/properties" xmlns:ns2="fcc931a8-69fd-4b0b-b111-5aa2089df431" xmlns:ns3="248c3350-8f11-4d45-912e-72bccbb754b6" targetNamespace="http://schemas.microsoft.com/office/2006/metadata/properties" ma:root="true" ma:fieldsID="fa4f347ab2845ae3d60427d91a21d39e" ns2:_="" ns3:_="">
     <xsd:import namespace="fcc931a8-69fd-4b0b-b111-5aa2089df431"/>
@@ -25285,6 +27946,15 @@
 </ct:contentTypeSchema>
 </file>
 
+<file path=customXml/item2.xml><?xml version="1.0" encoding="utf-8"?>
+<?mso-contentType ?>
+<FormTemplates xmlns="http://schemas.microsoft.com/sharepoint/v3/contenttype/forms">
+  <Display>DocumentLibraryForm</Display>
+  <Edit>DocumentLibraryForm</Edit>
+  <New>DocumentLibraryForm</New>
+</FormTemplates>
+</file>
+
 <file path=customXml/item3.xml><?xml version="1.0" encoding="utf-8"?>
 <p:properties xmlns:p="http://schemas.microsoft.com/office/2006/metadata/properties" xmlns:xsi="http://www.w3.org/2001/XMLSchema-instance" xmlns:pc="http://schemas.microsoft.com/office/infopath/2007/PartnerControls">
   <documentManagement/>
@@ -25292,14 +27962,6 @@
 </file>
 
 <file path=customXml/itemProps1.xml><?xml version="1.0" encoding="utf-8"?>
-<ds:datastoreItem xmlns:ds="http://schemas.openxmlformats.org/officeDocument/2006/customXml" ds:itemID="{4F22CF26-F779-4CA8-9499-C5BCD4F56499}">
-  <ds:schemaRefs>
-    <ds:schemaRef ds:uri="http://schemas.microsoft.com/sharepoint/v3/contenttype/forms"/>
-  </ds:schemaRefs>
-</ds:datastoreItem>
-</file>
-
-<file path=customXml/itemProps2.xml><?xml version="1.0" encoding="utf-8"?>
 <ds:datastoreItem xmlns:ds="http://schemas.openxmlformats.org/officeDocument/2006/customXml" ds:itemID="{E040B343-BD03-44D2-93AA-0A352731B5B4}">
   <ds:schemaRefs>
     <ds:schemaRef ds:uri="http://schemas.microsoft.com/office/2006/metadata/contentType"/>
@@ -25318,17 +27980,25 @@
 </ds:datastoreItem>
 </file>
 
+<file path=customXml/itemProps2.xml><?xml version="1.0" encoding="utf-8"?>
+<ds:datastoreItem xmlns:ds="http://schemas.openxmlformats.org/officeDocument/2006/customXml" ds:itemID="{4F22CF26-F779-4CA8-9499-C5BCD4F56499}">
+  <ds:schemaRefs>
+    <ds:schemaRef ds:uri="http://schemas.microsoft.com/sharepoint/v3/contenttype/forms"/>
+  </ds:schemaRefs>
+</ds:datastoreItem>
+</file>
+
 <file path=customXml/itemProps3.xml><?xml version="1.0" encoding="utf-8"?>
 <ds:datastoreItem xmlns:ds="http://schemas.openxmlformats.org/officeDocument/2006/customXml" ds:itemID="{C65D9654-E48E-4D67-82FF-6ACD37149160}">
   <ds:schemaRefs>
-    <ds:schemaRef ds:uri="http://schemas.microsoft.com/office/2006/documentManagement/types"/>
-    <ds:schemaRef ds:uri="http://schemas.microsoft.com/office/infopath/2007/PartnerControls"/>
-    <ds:schemaRef ds:uri="http://purl.org/dc/elements/1.1/"/>
     <ds:schemaRef ds:uri="http://schemas.microsoft.com/office/2006/metadata/properties"/>
     <ds:schemaRef ds:uri="248c3350-8f11-4d45-912e-72bccbb754b6"/>
     <ds:schemaRef ds:uri="http://purl.org/dc/terms/"/>
+    <ds:schemaRef ds:uri="http://schemas.microsoft.com/office/2006/documentManagement/types"/>
     <ds:schemaRef ds:uri="http://schemas.openxmlformats.org/package/2006/metadata/core-properties"/>
     <ds:schemaRef ds:uri="fcc931a8-69fd-4b0b-b111-5aa2089df431"/>
+    <ds:schemaRef ds:uri="http://purl.org/dc/elements/1.1/"/>
+    <ds:schemaRef ds:uri="http://schemas.microsoft.com/office/infopath/2007/PartnerControls"/>
     <ds:schemaRef ds:uri="http://www.w3.org/XML/1998/namespace"/>
     <ds:schemaRef ds:uri="http://purl.org/dc/dcmitype/"/>
   </ds:schemaRefs>

--- a/french/DecouvrirCQRSparLaPratique.pptx
+++ b/french/DecouvrirCQRSparLaPratique.pptx
@@ -22689,28 +22689,6 @@
       </p:sp>
       <p:sp>
         <p:nvSpPr>
-          <p:cNvPr id="41" name="Title 40"/>
-          <p:cNvSpPr>
-            <a:spLocks noGrp="1"/>
-          </p:cNvSpPr>
-          <p:nvPr>
-            <p:ph type="title"/>
-          </p:nvPr>
-        </p:nvSpPr>
-        <p:spPr/>
-        <p:txBody>
-          <a:bodyPr/>
-          <a:lstStyle/>
-          <a:p>
-            <a:r>
-              <a:rPr lang="fr-FR" dirty="0"/>
-              <a:t>Ce n’est pas non plus…</a:t>
-            </a:r>
-          </a:p>
-        </p:txBody>
-      </p:sp>
-      <p:sp>
-        <p:nvSpPr>
           <p:cNvPr id="29" name="Slide Number Placeholder 28"/>
           <p:cNvSpPr>
             <a:spLocks noGrp="1"/>
@@ -23525,10 +23503,10 @@
         </p:nvGrpSpPr>
         <p:grpSpPr>
           <a:xfrm>
-            <a:off x="6640820" y="2699662"/>
-            <a:ext cx="4772696" cy="3276593"/>
-            <a:chOff x="6625768" y="4456923"/>
-            <a:chExt cx="4772696" cy="2664537"/>
+            <a:off x="6663036" y="2699663"/>
+            <a:ext cx="4342518" cy="2340102"/>
+            <a:chOff x="6647984" y="4456923"/>
+            <a:chExt cx="4342518" cy="1902979"/>
           </a:xfrm>
         </p:grpSpPr>
         <p:grpSp>
@@ -23851,8 +23829,8 @@
           </p:nvSpPr>
           <p:spPr>
             <a:xfrm>
-              <a:off x="6625768" y="6050187"/>
-              <a:ext cx="4772696" cy="1071273"/>
+              <a:off x="6647984" y="5288629"/>
+              <a:ext cx="2157987" cy="1071273"/>
             </a:xfrm>
             <a:prstGeom prst="rect">
               <a:avLst/>
@@ -24032,7 +24010,7 @@
             <a:p>
               <a:pPr algn="ctr"/>
               <a:r>
-                <a:rPr lang="fr-FR" i="1" dirty="0">
+                <a:rPr lang="fr-FR" sz="2000" i="1" dirty="0">
                   <a:solidFill>
                     <a:schemeClr val="bg1">
                       <a:lumMod val="65000"/>
@@ -24053,10 +24031,10 @@
         </p:nvGrpSpPr>
         <p:grpSpPr>
           <a:xfrm>
-            <a:off x="635000" y="2699662"/>
-            <a:ext cx="4772696" cy="3131991"/>
-            <a:chOff x="483492" y="2699662"/>
-            <a:chExt cx="4772696" cy="3131991"/>
+            <a:off x="839583" y="2699662"/>
+            <a:ext cx="4471758" cy="2217064"/>
+            <a:chOff x="688075" y="2699662"/>
+            <a:chExt cx="4471758" cy="2217064"/>
           </a:xfrm>
         </p:grpSpPr>
         <p:grpSp>
@@ -24379,8 +24357,8 @@
           </p:nvSpPr>
           <p:spPr>
             <a:xfrm>
-              <a:off x="483492" y="4760380"/>
-              <a:ext cx="4772696" cy="1071273"/>
+              <a:off x="2774879" y="3845453"/>
+              <a:ext cx="1950907" cy="1071273"/>
             </a:xfrm>
             <a:prstGeom prst="rect">
               <a:avLst/>
@@ -24560,7 +24538,7 @@
             <a:p>
               <a:pPr algn="ctr"/>
               <a:r>
-                <a:rPr lang="fr-FR" i="1" dirty="0">
+                <a:rPr lang="fr-FR" sz="2000" i="1" dirty="0">
                   <a:solidFill>
                     <a:schemeClr val="bg1">
                       <a:lumMod val="65000"/>
@@ -24573,7 +24551,7 @@
             <a:p>
               <a:pPr algn="ctr"/>
               <a:r>
-                <a:rPr lang="fr-FR" i="1" dirty="0">
+                <a:rPr lang="fr-FR" sz="2000" i="1" dirty="0">
                   <a:solidFill>
                     <a:schemeClr val="bg1">
                       <a:lumMod val="65000"/>
@@ -24585,6 +24563,99 @@
             </a:p>
           </p:txBody>
         </p:sp>
+      </p:grpSp>
+      <p:grpSp>
+        <p:nvGrpSpPr>
+          <p:cNvPr id="6" name="Group 5"/>
+          <p:cNvGrpSpPr/>
+          <p:nvPr/>
+        </p:nvGrpSpPr>
+        <p:grpSpPr>
+          <a:xfrm>
+            <a:off x="5382345" y="5132584"/>
+            <a:ext cx="1149816" cy="1523235"/>
+            <a:chOff x="5382345" y="4613596"/>
+            <a:chExt cx="1149816" cy="1523235"/>
+          </a:xfrm>
+        </p:grpSpPr>
+        <p:pic>
+          <p:nvPicPr>
+            <p:cNvPr id="21" name="Picture 2" descr="directory"/>
+            <p:cNvPicPr>
+              <a:picLocks noChangeAspect="1" noChangeArrowheads="1"/>
+            </p:cNvPicPr>
+            <p:nvPr/>
+          </p:nvPicPr>
+          <p:blipFill rotWithShape="1">
+            <a:blip r:embed="rId6">
+              <a:extLst>
+                <a:ext uri="{28A0092B-C50C-407E-A947-70E740481C1C}">
+                  <a14:useLocalDpi xmlns:a14="http://schemas.microsoft.com/office/drawing/2010/main" val="0"/>
+                </a:ext>
+              </a:extLst>
+            </a:blip>
+            <a:srcRect l="23372" t="45424" r="67612" b="41425"/>
+            <a:stretch/>
+          </p:blipFill>
+          <p:spPr bwMode="auto">
+            <a:xfrm>
+              <a:off x="5382345" y="4613596"/>
+              <a:ext cx="1144004" cy="1218057"/>
+            </a:xfrm>
+            <a:prstGeom prst="rect">
+              <a:avLst/>
+            </a:prstGeom>
+            <a:noFill/>
+            <a:extLst>
+              <a:ext uri="{909E8E84-426E-40DD-AFC4-6F175D3DCCD1}">
+                <a14:hiddenFill xmlns:a14="http://schemas.microsoft.com/office/drawing/2010/main">
+                  <a:solidFill>
+                    <a:srgbClr val="FFFFFF"/>
+                  </a:solidFill>
+                </a14:hiddenFill>
+              </a:ext>
+            </a:extLst>
+          </p:spPr>
+        </p:pic>
+        <p:pic>
+          <p:nvPicPr>
+            <p:cNvPr id="31" name="Picture 2" descr="Afficher l'image d'origine"/>
+            <p:cNvPicPr>
+              <a:picLocks noChangeAspect="1" noChangeArrowheads="1"/>
+            </p:cNvPicPr>
+            <p:nvPr/>
+          </p:nvPicPr>
+          <p:blipFill rotWithShape="1">
+            <a:blip r:embed="rId3">
+              <a:extLst>
+                <a:ext uri="{28A0092B-C50C-407E-A947-70E740481C1C}">
+                  <a14:useLocalDpi xmlns:a14="http://schemas.microsoft.com/office/drawing/2010/main" val="0"/>
+                </a:ext>
+              </a:extLst>
+            </a:blip>
+            <a:srcRect l="18527" t="18578" r="67366" b="75486"/>
+            <a:stretch/>
+          </p:blipFill>
+          <p:spPr bwMode="auto">
+            <a:xfrm>
+              <a:off x="5407696" y="5803198"/>
+              <a:ext cx="1124465" cy="333633"/>
+            </a:xfrm>
+            <a:prstGeom prst="rect">
+              <a:avLst/>
+            </a:prstGeom>
+            <a:noFill/>
+            <a:extLst>
+              <a:ext uri="{909E8E84-426E-40DD-AFC4-6F175D3DCCD1}">
+                <a14:hiddenFill xmlns:a14="http://schemas.microsoft.com/office/drawing/2010/main">
+                  <a:solidFill>
+                    <a:srgbClr val="FFFFFF"/>
+                  </a:solidFill>
+                </a14:hiddenFill>
+              </a:ext>
+            </a:extLst>
+          </p:spPr>
+        </p:pic>
       </p:grpSp>
     </p:spTree>
     <p:extLst>
@@ -24752,6 +24823,51 @@
                                         </p:cTn>
                                         <p:tgtEl>
                                           <p:spTgt spid="4"/>
+                                        </p:tgtEl>
+                                        <p:attrNameLst>
+                                          <p:attrName>style.visibility</p:attrName>
+                                        </p:attrNameLst>
+                                      </p:cBhvr>
+                                      <p:to>
+                                        <p:strVal val="visible"/>
+                                      </p:to>
+                                    </p:set>
+                                  </p:childTnLst>
+                                </p:cTn>
+                              </p:par>
+                            </p:childTnLst>
+                          </p:cTn>
+                        </p:par>
+                      </p:childTnLst>
+                    </p:cTn>
+                  </p:par>
+                  <p:par>
+                    <p:cTn id="17" fill="hold">
+                      <p:stCondLst>
+                        <p:cond delay="indefinite"/>
+                      </p:stCondLst>
+                      <p:childTnLst>
+                        <p:par>
+                          <p:cTn id="18" fill="hold">
+                            <p:stCondLst>
+                              <p:cond delay="0"/>
+                            </p:stCondLst>
+                            <p:childTnLst>
+                              <p:par>
+                                <p:cTn id="19" presetID="1" presetClass="entr" presetSubtype="0" fill="hold" nodeType="clickEffect">
+                                  <p:stCondLst>
+                                    <p:cond delay="0"/>
+                                  </p:stCondLst>
+                                  <p:childTnLst>
+                                    <p:set>
+                                      <p:cBhvr>
+                                        <p:cTn id="20" dur="1" fill="hold">
+                                          <p:stCondLst>
+                                            <p:cond delay="0"/>
+                                          </p:stCondLst>
+                                        </p:cTn>
+                                        <p:tgtEl>
+                                          <p:spTgt spid="6"/>
                                         </p:tgtEl>
                                         <p:attrNameLst>
                                           <p:attrName>style.visibility</p:attrName>
@@ -27780,6 +27896,15 @@
 </file>
 
 <file path=customXml/item1.xml><?xml version="1.0" encoding="utf-8"?>
+<?mso-contentType ?>
+<FormTemplates xmlns="http://schemas.microsoft.com/sharepoint/v3/contenttype/forms">
+  <Display>DocumentLibraryForm</Display>
+  <Edit>DocumentLibraryForm</Edit>
+  <New>DocumentLibraryForm</New>
+</FormTemplates>
+</file>
+
+<file path=customXml/item2.xml><?xml version="1.0" encoding="utf-8"?>
 <ct:contentTypeSchema xmlns:ct="http://schemas.microsoft.com/office/2006/metadata/contentType" xmlns:ma="http://schemas.microsoft.com/office/2006/metadata/properties/metaAttributes" ct:_="" ma:_="" ma:contentTypeName="Document" ma:contentTypeID="0x010100AA82F50041FC6E4EBC42A700831FF004" ma:contentTypeVersion="4" ma:contentTypeDescription="Crée un document." ma:contentTypeScope="" ma:versionID="4c6ec815f8017e8af2e42809d3015731">
   <xsd:schema xmlns:xsd="http://www.w3.org/2001/XMLSchema" xmlns:xs="http://www.w3.org/2001/XMLSchema" xmlns:p="http://schemas.microsoft.com/office/2006/metadata/properties" xmlns:ns2="fcc931a8-69fd-4b0b-b111-5aa2089df431" xmlns:ns3="248c3350-8f11-4d45-912e-72bccbb754b6" targetNamespace="http://schemas.microsoft.com/office/2006/metadata/properties" ma:root="true" ma:fieldsID="fa4f347ab2845ae3d60427d91a21d39e" ns2:_="" ns3:_="">
     <xsd:import namespace="fcc931a8-69fd-4b0b-b111-5aa2089df431"/>
@@ -27946,15 +28071,6 @@
 </ct:contentTypeSchema>
 </file>
 
-<file path=customXml/item2.xml><?xml version="1.0" encoding="utf-8"?>
-<?mso-contentType ?>
-<FormTemplates xmlns="http://schemas.microsoft.com/sharepoint/v3/contenttype/forms">
-  <Display>DocumentLibraryForm</Display>
-  <Edit>DocumentLibraryForm</Edit>
-  <New>DocumentLibraryForm</New>
-</FormTemplates>
-</file>
-
 <file path=customXml/item3.xml><?xml version="1.0" encoding="utf-8"?>
 <p:properties xmlns:p="http://schemas.microsoft.com/office/2006/metadata/properties" xmlns:xsi="http://www.w3.org/2001/XMLSchema-instance" xmlns:pc="http://schemas.microsoft.com/office/infopath/2007/PartnerControls">
   <documentManagement/>
@@ -27962,6 +28078,14 @@
 </file>
 
 <file path=customXml/itemProps1.xml><?xml version="1.0" encoding="utf-8"?>
+<ds:datastoreItem xmlns:ds="http://schemas.openxmlformats.org/officeDocument/2006/customXml" ds:itemID="{4F22CF26-F779-4CA8-9499-C5BCD4F56499}">
+  <ds:schemaRefs>
+    <ds:schemaRef ds:uri="http://schemas.microsoft.com/sharepoint/v3/contenttype/forms"/>
+  </ds:schemaRefs>
+</ds:datastoreItem>
+</file>
+
+<file path=customXml/itemProps2.xml><?xml version="1.0" encoding="utf-8"?>
 <ds:datastoreItem xmlns:ds="http://schemas.openxmlformats.org/officeDocument/2006/customXml" ds:itemID="{E040B343-BD03-44D2-93AA-0A352731B5B4}">
   <ds:schemaRefs>
     <ds:schemaRef ds:uri="http://schemas.microsoft.com/office/2006/metadata/contentType"/>
@@ -27976,14 +28100,6 @@
     <ds:schemaRef ds:uri="http://purl.org/dc/elements/1.1/"/>
     <ds:schemaRef ds:uri="http://purl.org/dc/terms/"/>
     <ds:schemaRef ds:uri="http://schemas.microsoft.com/internal/obd"/>
-  </ds:schemaRefs>
-</ds:datastoreItem>
-</file>
-
-<file path=customXml/itemProps2.xml><?xml version="1.0" encoding="utf-8"?>
-<ds:datastoreItem xmlns:ds="http://schemas.openxmlformats.org/officeDocument/2006/customXml" ds:itemID="{4F22CF26-F779-4CA8-9499-C5BCD4F56499}">
-  <ds:schemaRefs>
-    <ds:schemaRef ds:uri="http://schemas.microsoft.com/sharepoint/v3/contenttype/forms"/>
   </ds:schemaRefs>
 </ds:datastoreItem>
 </file>

--- a/french/DecouvrirCQRSparLaPratique.pptx
+++ b/french/DecouvrirCQRSparLaPratique.pptx
@@ -5,10 +5,10 @@
     <p:sldMasterId id="2147483648" r:id="rId4"/>
   </p:sldMasterIdLst>
   <p:notesMasterIdLst>
-    <p:notesMasterId r:id="rId52"/>
+    <p:notesMasterId r:id="rId51"/>
   </p:notesMasterIdLst>
   <p:handoutMasterIdLst>
-    <p:handoutMasterId r:id="rId53"/>
+    <p:handoutMasterId r:id="rId52"/>
   </p:handoutMasterIdLst>
   <p:sldIdLst>
     <p:sldId id="257" r:id="rId5"/>
@@ -26,38 +26,37 @@
     <p:sldId id="295" r:id="rId17"/>
     <p:sldId id="297" r:id="rId18"/>
     <p:sldId id="296" r:id="rId19"/>
-    <p:sldId id="303" r:id="rId20"/>
-    <p:sldId id="305" r:id="rId21"/>
-    <p:sldId id="316" r:id="rId22"/>
-    <p:sldId id="317" r:id="rId23"/>
-    <p:sldId id="319" r:id="rId24"/>
-    <p:sldId id="320" r:id="rId25"/>
-    <p:sldId id="321" r:id="rId26"/>
-    <p:sldId id="304" r:id="rId27"/>
-    <p:sldId id="315" r:id="rId28"/>
-    <p:sldId id="314" r:id="rId29"/>
-    <p:sldId id="308" r:id="rId30"/>
-    <p:sldId id="309" r:id="rId31"/>
-    <p:sldId id="310" r:id="rId32"/>
-    <p:sldId id="311" r:id="rId33"/>
-    <p:sldId id="312" r:id="rId34"/>
-    <p:sldId id="313" r:id="rId35"/>
-    <p:sldId id="293" r:id="rId36"/>
-    <p:sldId id="322" r:id="rId37"/>
-    <p:sldId id="298" r:id="rId38"/>
-    <p:sldId id="323" r:id="rId39"/>
-    <p:sldId id="324" r:id="rId40"/>
-    <p:sldId id="299" r:id="rId41"/>
-    <p:sldId id="300" r:id="rId42"/>
-    <p:sldId id="301" r:id="rId43"/>
-    <p:sldId id="302" r:id="rId44"/>
-    <p:sldId id="327" r:id="rId45"/>
-    <p:sldId id="326" r:id="rId46"/>
-    <p:sldId id="325" r:id="rId47"/>
-    <p:sldId id="263" r:id="rId48"/>
-    <p:sldId id="271" r:id="rId49"/>
-    <p:sldId id="283" r:id="rId50"/>
-    <p:sldId id="284" r:id="rId51"/>
+    <p:sldId id="305" r:id="rId20"/>
+    <p:sldId id="316" r:id="rId21"/>
+    <p:sldId id="317" r:id="rId22"/>
+    <p:sldId id="319" r:id="rId23"/>
+    <p:sldId id="320" r:id="rId24"/>
+    <p:sldId id="321" r:id="rId25"/>
+    <p:sldId id="304" r:id="rId26"/>
+    <p:sldId id="315" r:id="rId27"/>
+    <p:sldId id="314" r:id="rId28"/>
+    <p:sldId id="308" r:id="rId29"/>
+    <p:sldId id="309" r:id="rId30"/>
+    <p:sldId id="310" r:id="rId31"/>
+    <p:sldId id="311" r:id="rId32"/>
+    <p:sldId id="312" r:id="rId33"/>
+    <p:sldId id="313" r:id="rId34"/>
+    <p:sldId id="293" r:id="rId35"/>
+    <p:sldId id="322" r:id="rId36"/>
+    <p:sldId id="298" r:id="rId37"/>
+    <p:sldId id="323" r:id="rId38"/>
+    <p:sldId id="324" r:id="rId39"/>
+    <p:sldId id="299" r:id="rId40"/>
+    <p:sldId id="300" r:id="rId41"/>
+    <p:sldId id="301" r:id="rId42"/>
+    <p:sldId id="302" r:id="rId43"/>
+    <p:sldId id="327" r:id="rId44"/>
+    <p:sldId id="326" r:id="rId45"/>
+    <p:sldId id="325" r:id="rId46"/>
+    <p:sldId id="263" r:id="rId47"/>
+    <p:sldId id="271" r:id="rId48"/>
+    <p:sldId id="283" r:id="rId49"/>
+    <p:sldId id="284" r:id="rId50"/>
   </p:sldIdLst>
   <p:sldSz cx="12192000" cy="6858000"/>
   <p:notesSz cx="6858000" cy="9144000"/>
@@ -180,7 +179,6 @@
             <p14:sldId id="295"/>
             <p14:sldId id="297"/>
             <p14:sldId id="296"/>
-            <p14:sldId id="303"/>
             <p14:sldId id="305"/>
             <p14:sldId id="316"/>
             <p14:sldId id="317"/>
@@ -1996,7 +1994,7 @@
     </p:spTree>
     <p:extLst>
       <p:ext uri="{BB962C8B-B14F-4D97-AF65-F5344CB8AC3E}">
-        <p14:creationId xmlns:p14="http://schemas.microsoft.com/office/powerpoint/2010/main" val="503410230"/>
+        <p14:creationId xmlns:p14="http://schemas.microsoft.com/office/powerpoint/2010/main" val="2727934449"/>
       </p:ext>
     </p:extLst>
   </p:cSld>
@@ -2080,7 +2078,7 @@
     </p:spTree>
     <p:extLst>
       <p:ext uri="{BB962C8B-B14F-4D97-AF65-F5344CB8AC3E}">
-        <p14:creationId xmlns:p14="http://schemas.microsoft.com/office/powerpoint/2010/main" val="2727934449"/>
+        <p14:creationId xmlns:p14="http://schemas.microsoft.com/office/powerpoint/2010/main" val="3081067382"/>
       </p:ext>
     </p:extLst>
   </p:cSld>
@@ -2164,7 +2162,7 @@
     </p:spTree>
     <p:extLst>
       <p:ext uri="{BB962C8B-B14F-4D97-AF65-F5344CB8AC3E}">
-        <p14:creationId xmlns:p14="http://schemas.microsoft.com/office/powerpoint/2010/main" val="3081067382"/>
+        <p14:creationId xmlns:p14="http://schemas.microsoft.com/office/powerpoint/2010/main" val="3926183372"/>
       </p:ext>
     </p:extLst>
   </p:cSld>
@@ -2248,7 +2246,7 @@
     </p:spTree>
     <p:extLst>
       <p:ext uri="{BB962C8B-B14F-4D97-AF65-F5344CB8AC3E}">
-        <p14:creationId xmlns:p14="http://schemas.microsoft.com/office/powerpoint/2010/main" val="3926183372"/>
+        <p14:creationId xmlns:p14="http://schemas.microsoft.com/office/powerpoint/2010/main" val="3307450288"/>
       </p:ext>
     </p:extLst>
   </p:cSld>
@@ -2332,7 +2330,7 @@
     </p:spTree>
     <p:extLst>
       <p:ext uri="{BB962C8B-B14F-4D97-AF65-F5344CB8AC3E}">
-        <p14:creationId xmlns:p14="http://schemas.microsoft.com/office/powerpoint/2010/main" val="3307450288"/>
+        <p14:creationId xmlns:p14="http://schemas.microsoft.com/office/powerpoint/2010/main" val="3986174711"/>
       </p:ext>
     </p:extLst>
   </p:cSld>
@@ -2416,7 +2414,7 @@
     </p:spTree>
     <p:extLst>
       <p:ext uri="{BB962C8B-B14F-4D97-AF65-F5344CB8AC3E}">
-        <p14:creationId xmlns:p14="http://schemas.microsoft.com/office/powerpoint/2010/main" val="3986174711"/>
+        <p14:creationId xmlns:p14="http://schemas.microsoft.com/office/powerpoint/2010/main" val="2253074679"/>
       </p:ext>
     </p:extLst>
   </p:cSld>
@@ -2500,7 +2498,7 @@
     </p:spTree>
     <p:extLst>
       <p:ext uri="{BB962C8B-B14F-4D97-AF65-F5344CB8AC3E}">
-        <p14:creationId xmlns:p14="http://schemas.microsoft.com/office/powerpoint/2010/main" val="2253074679"/>
+        <p14:creationId xmlns:p14="http://schemas.microsoft.com/office/powerpoint/2010/main" val="1047803993"/>
       </p:ext>
     </p:extLst>
   </p:cSld>
@@ -2584,7 +2582,7 @@
     </p:spTree>
     <p:extLst>
       <p:ext uri="{BB962C8B-B14F-4D97-AF65-F5344CB8AC3E}">
-        <p14:creationId xmlns:p14="http://schemas.microsoft.com/office/powerpoint/2010/main" val="1047803993"/>
+        <p14:creationId xmlns:p14="http://schemas.microsoft.com/office/powerpoint/2010/main" val="775041167"/>
       </p:ext>
     </p:extLst>
   </p:cSld>
@@ -2755,7 +2753,7 @@
     </p:spTree>
     <p:extLst>
       <p:ext uri="{BB962C8B-B14F-4D97-AF65-F5344CB8AC3E}">
-        <p14:creationId xmlns:p14="http://schemas.microsoft.com/office/powerpoint/2010/main" val="775041167"/>
+        <p14:creationId xmlns:p14="http://schemas.microsoft.com/office/powerpoint/2010/main" val="1376463602"/>
       </p:ext>
     </p:extLst>
   </p:cSld>
@@ -2839,7 +2837,7 @@
     </p:spTree>
     <p:extLst>
       <p:ext uri="{BB962C8B-B14F-4D97-AF65-F5344CB8AC3E}">
-        <p14:creationId xmlns:p14="http://schemas.microsoft.com/office/powerpoint/2010/main" val="1376463602"/>
+        <p14:creationId xmlns:p14="http://schemas.microsoft.com/office/powerpoint/2010/main" val="1521620413"/>
       </p:ext>
     </p:extLst>
   </p:cSld>
@@ -2923,7 +2921,7 @@
     </p:spTree>
     <p:extLst>
       <p:ext uri="{BB962C8B-B14F-4D97-AF65-F5344CB8AC3E}">
-        <p14:creationId xmlns:p14="http://schemas.microsoft.com/office/powerpoint/2010/main" val="1521620413"/>
+        <p14:creationId xmlns:p14="http://schemas.microsoft.com/office/powerpoint/2010/main" val="227538765"/>
       </p:ext>
     </p:extLst>
   </p:cSld>
@@ -3007,7 +3005,7 @@
     </p:spTree>
     <p:extLst>
       <p:ext uri="{BB962C8B-B14F-4D97-AF65-F5344CB8AC3E}">
-        <p14:creationId xmlns:p14="http://schemas.microsoft.com/office/powerpoint/2010/main" val="227538765"/>
+        <p14:creationId xmlns:p14="http://schemas.microsoft.com/office/powerpoint/2010/main" val="3781588557"/>
       </p:ext>
     </p:extLst>
   </p:cSld>
@@ -3091,7 +3089,7 @@
     </p:spTree>
     <p:extLst>
       <p:ext uri="{BB962C8B-B14F-4D97-AF65-F5344CB8AC3E}">
-        <p14:creationId xmlns:p14="http://schemas.microsoft.com/office/powerpoint/2010/main" val="3781588557"/>
+        <p14:creationId xmlns:p14="http://schemas.microsoft.com/office/powerpoint/2010/main" val="1021604474"/>
       </p:ext>
     </p:extLst>
   </p:cSld>
@@ -3175,7 +3173,7 @@
     </p:spTree>
     <p:extLst>
       <p:ext uri="{BB962C8B-B14F-4D97-AF65-F5344CB8AC3E}">
-        <p14:creationId xmlns:p14="http://schemas.microsoft.com/office/powerpoint/2010/main" val="1021604474"/>
+        <p14:creationId xmlns:p14="http://schemas.microsoft.com/office/powerpoint/2010/main" val="1535212582"/>
       </p:ext>
     </p:extLst>
   </p:cSld>
@@ -3259,7 +3257,7 @@
     </p:spTree>
     <p:extLst>
       <p:ext uri="{BB962C8B-B14F-4D97-AF65-F5344CB8AC3E}">
-        <p14:creationId xmlns:p14="http://schemas.microsoft.com/office/powerpoint/2010/main" val="1535212582"/>
+        <p14:creationId xmlns:p14="http://schemas.microsoft.com/office/powerpoint/2010/main" val="3304057752"/>
       </p:ext>
     </p:extLst>
   </p:cSld>
@@ -3343,7 +3341,7 @@
     </p:spTree>
     <p:extLst>
       <p:ext uri="{BB962C8B-B14F-4D97-AF65-F5344CB8AC3E}">
-        <p14:creationId xmlns:p14="http://schemas.microsoft.com/office/powerpoint/2010/main" val="3304057752"/>
+        <p14:creationId xmlns:p14="http://schemas.microsoft.com/office/powerpoint/2010/main" val="778503695"/>
       </p:ext>
     </p:extLst>
   </p:cSld>
@@ -3397,7 +3395,10 @@
           <a:bodyPr/>
           <a:lstStyle/>
           <a:p>
-            <a:endParaRPr lang="en-US" dirty="0"/>
+            <a:r>
+              <a:rPr lang="en-US" dirty="0"/>
+              <a:t>Ref: http://cdn.softwaretestinghelp.com/wp-content/qa/uploads/2011/06/Database-Testing.jpg</a:t>
+            </a:r>
           </a:p>
         </p:txBody>
       </p:sp>
@@ -3427,7 +3428,7 @@
     </p:spTree>
     <p:extLst>
       <p:ext uri="{BB962C8B-B14F-4D97-AF65-F5344CB8AC3E}">
-        <p14:creationId xmlns:p14="http://schemas.microsoft.com/office/powerpoint/2010/main" val="778503695"/>
+        <p14:creationId xmlns:p14="http://schemas.microsoft.com/office/powerpoint/2010/main" val="1712273590"/>
       </p:ext>
     </p:extLst>
   </p:cSld>
@@ -3481,10 +3482,7 @@
           <a:bodyPr/>
           <a:lstStyle/>
           <a:p>
-            <a:r>
-              <a:rPr lang="en-US" dirty="0"/>
-              <a:t>Ref: http://cdn.softwaretestinghelp.com/wp-content/qa/uploads/2011/06/Database-Testing.jpg</a:t>
-            </a:r>
+            <a:endParaRPr lang="en-US"/>
           </a:p>
         </p:txBody>
       </p:sp>
@@ -3505,7 +3503,7 @@
           <a:p>
             <a:fld id="{444FAE70-2102-49E3-ABCF-8EF7285755C6}" type="slidenum">
               <a:rPr lang="en-US" smtClean="0"/>
-              <a:t>33</a:t>
+              <a:t>34</a:t>
             </a:fld>
             <a:endParaRPr lang="en-US"/>
           </a:p>
@@ -3514,7 +3512,7 @@
     </p:spTree>
     <p:extLst>
       <p:ext uri="{BB962C8B-B14F-4D97-AF65-F5344CB8AC3E}">
-        <p14:creationId xmlns:p14="http://schemas.microsoft.com/office/powerpoint/2010/main" val="1712273590"/>
+        <p14:creationId xmlns:p14="http://schemas.microsoft.com/office/powerpoint/2010/main" val="2998743702"/>
       </p:ext>
     </p:extLst>
   </p:cSld>
@@ -3655,7 +3653,10 @@
           <a:bodyPr/>
           <a:lstStyle/>
           <a:p>
-            <a:endParaRPr lang="en-US"/>
+            <a:r>
+              <a:rPr lang="en-US" dirty="0"/>
+              <a:t>Ref: http://amgar.blog.processalimentaire.com/wp-content/uploads/2011/03/40061435.gif</a:t>
+            </a:r>
           </a:p>
         </p:txBody>
       </p:sp>
@@ -3676,7 +3677,7 @@
           <a:p>
             <a:fld id="{444FAE70-2102-49E3-ABCF-8EF7285755C6}" type="slidenum">
               <a:rPr lang="en-US" smtClean="0"/>
-              <a:t>35</a:t>
+              <a:t>37</a:t>
             </a:fld>
             <a:endParaRPr lang="en-US"/>
           </a:p>
@@ -3685,7 +3686,7 @@
     </p:spTree>
     <p:extLst>
       <p:ext uri="{BB962C8B-B14F-4D97-AF65-F5344CB8AC3E}">
-        <p14:creationId xmlns:p14="http://schemas.microsoft.com/office/powerpoint/2010/main" val="2998743702"/>
+        <p14:creationId xmlns:p14="http://schemas.microsoft.com/office/powerpoint/2010/main" val="40183936"/>
       </p:ext>
     </p:extLst>
   </p:cSld>
@@ -3739,10 +3740,7 @@
           <a:bodyPr/>
           <a:lstStyle/>
           <a:p>
-            <a:r>
-              <a:rPr lang="en-US" dirty="0"/>
-              <a:t>Ref: http://amgar.blog.processalimentaire.com/wp-content/uploads/2011/03/40061435.gif</a:t>
-            </a:r>
+            <a:endParaRPr lang="en-US"/>
           </a:p>
         </p:txBody>
       </p:sp>
@@ -3772,7 +3770,7 @@
     </p:spTree>
     <p:extLst>
       <p:ext uri="{BB962C8B-B14F-4D97-AF65-F5344CB8AC3E}">
-        <p14:creationId xmlns:p14="http://schemas.microsoft.com/office/powerpoint/2010/main" val="40183936"/>
+        <p14:creationId xmlns:p14="http://schemas.microsoft.com/office/powerpoint/2010/main" val="875628343"/>
       </p:ext>
     </p:extLst>
   </p:cSld>
@@ -3856,7 +3854,7 @@
     </p:spTree>
     <p:extLst>
       <p:ext uri="{BB962C8B-B14F-4D97-AF65-F5344CB8AC3E}">
-        <p14:creationId xmlns:p14="http://schemas.microsoft.com/office/powerpoint/2010/main" val="875628343"/>
+        <p14:creationId xmlns:p14="http://schemas.microsoft.com/office/powerpoint/2010/main" val="3603723436"/>
       </p:ext>
     </p:extLst>
   </p:cSld>
@@ -3940,7 +3938,7 @@
     </p:spTree>
     <p:extLst>
       <p:ext uri="{BB962C8B-B14F-4D97-AF65-F5344CB8AC3E}">
-        <p14:creationId xmlns:p14="http://schemas.microsoft.com/office/powerpoint/2010/main" val="3603723436"/>
+        <p14:creationId xmlns:p14="http://schemas.microsoft.com/office/powerpoint/2010/main" val="3423502174"/>
       </p:ext>
     </p:extLst>
   </p:cSld>
@@ -4024,7 +4022,7 @@
     </p:spTree>
     <p:extLst>
       <p:ext uri="{BB962C8B-B14F-4D97-AF65-F5344CB8AC3E}">
-        <p14:creationId xmlns:p14="http://schemas.microsoft.com/office/powerpoint/2010/main" val="3423502174"/>
+        <p14:creationId xmlns:p14="http://schemas.microsoft.com/office/powerpoint/2010/main" val="321428644"/>
       </p:ext>
     </p:extLst>
   </p:cSld>
@@ -4100,90 +4098,6 @@
             <a:fld id="{444FAE70-2102-49E3-ABCF-8EF7285755C6}" type="slidenum">
               <a:rPr lang="en-US" smtClean="0"/>
               <a:t>42</a:t>
-            </a:fld>
-            <a:endParaRPr lang="en-US"/>
-          </a:p>
-        </p:txBody>
-      </p:sp>
-    </p:spTree>
-    <p:extLst>
-      <p:ext uri="{BB962C8B-B14F-4D97-AF65-F5344CB8AC3E}">
-        <p14:creationId xmlns:p14="http://schemas.microsoft.com/office/powerpoint/2010/main" val="321428644"/>
-      </p:ext>
-    </p:extLst>
-  </p:cSld>
-  <p:clrMapOvr>
-    <a:masterClrMapping/>
-  </p:clrMapOvr>
-</p:notes>
-</file>
-
-<file path=ppt/notesSlides/notesSlide36.xml><?xml version="1.0" encoding="utf-8"?>
-<p:notes xmlns:a="http://schemas.openxmlformats.org/drawingml/2006/main" xmlns:r="http://schemas.openxmlformats.org/officeDocument/2006/relationships" xmlns:p="http://schemas.openxmlformats.org/presentationml/2006/main">
-  <p:cSld>
-    <p:spTree>
-      <p:nvGrpSpPr>
-        <p:cNvPr id="1" name=""/>
-        <p:cNvGrpSpPr/>
-        <p:nvPr/>
-      </p:nvGrpSpPr>
-      <p:grpSpPr>
-        <a:xfrm>
-          <a:off x="0" y="0"/>
-          <a:ext cx="0" cy="0"/>
-          <a:chOff x="0" y="0"/>
-          <a:chExt cx="0" cy="0"/>
-        </a:xfrm>
-      </p:grpSpPr>
-      <p:sp>
-        <p:nvSpPr>
-          <p:cNvPr id="2" name="Slide Image Placeholder 1"/>
-          <p:cNvSpPr>
-            <a:spLocks noGrp="1" noRot="1" noChangeAspect="1"/>
-          </p:cNvSpPr>
-          <p:nvPr>
-            <p:ph type="sldImg"/>
-          </p:nvPr>
-        </p:nvSpPr>
-        <p:spPr/>
-      </p:sp>
-      <p:sp>
-        <p:nvSpPr>
-          <p:cNvPr id="3" name="Notes Placeholder 2"/>
-          <p:cNvSpPr>
-            <a:spLocks noGrp="1"/>
-          </p:cNvSpPr>
-          <p:nvPr>
-            <p:ph type="body" idx="1"/>
-          </p:nvPr>
-        </p:nvSpPr>
-        <p:spPr/>
-        <p:txBody>
-          <a:bodyPr/>
-          <a:lstStyle/>
-          <a:p>
-            <a:endParaRPr lang="en-US"/>
-          </a:p>
-        </p:txBody>
-      </p:sp>
-      <p:sp>
-        <p:nvSpPr>
-          <p:cNvPr id="4" name="Slide Number Placeholder 3"/>
-          <p:cNvSpPr>
-            <a:spLocks noGrp="1"/>
-          </p:cNvSpPr>
-          <p:nvPr>
-            <p:ph type="sldNum" sz="quarter" idx="10"/>
-          </p:nvPr>
-        </p:nvSpPr>
-        <p:spPr/>
-        <p:txBody>
-          <a:bodyPr/>
-          <a:lstStyle/>
-          <a:p>
-            <a:fld id="{444FAE70-2102-49E3-ABCF-8EF7285755C6}" type="slidenum">
-              <a:rPr lang="en-US" smtClean="0"/>
-              <a:t>43</a:t>
             </a:fld>
             <a:endParaRPr lang="en-US"/>
           </a:p>
@@ -8975,7 +8889,7 @@
         <p:spPr>
           <a:xfrm>
             <a:off x="2291974" y="1130423"/>
-            <a:ext cx="6838377" cy="5538666"/>
+            <a:ext cx="4457823" cy="5538666"/>
           </a:xfrm>
           <a:prstGeom prst="rect">
             <a:avLst/>
@@ -9074,8 +8988,8 @@
         </p:nvSpPr>
         <p:spPr>
           <a:xfrm>
-            <a:off x="8560917" y="4016227"/>
-            <a:ext cx="569435" cy="1502663"/>
+            <a:off x="8443415" y="3255187"/>
+            <a:ext cx="686937" cy="2263703"/>
           </a:xfrm>
           <a:prstGeom prst="rect">
             <a:avLst/>
@@ -9124,7 +9038,57 @@
         </p:nvSpPr>
         <p:spPr>
           <a:xfrm>
-            <a:off x="8560917" y="1745974"/>
+            <a:off x="6431019" y="1745974"/>
+            <a:ext cx="4965806" cy="748397"/>
+          </a:xfrm>
+          <a:prstGeom prst="rect">
+            <a:avLst/>
+          </a:prstGeom>
+          <a:solidFill>
+            <a:schemeClr val="bg1"/>
+          </a:solidFill>
+          <a:ln>
+            <a:noFill/>
+          </a:ln>
+        </p:spPr>
+        <p:style>
+          <a:lnRef idx="2">
+            <a:schemeClr val="accent1">
+              <a:shade val="50000"/>
+            </a:schemeClr>
+          </a:lnRef>
+          <a:fillRef idx="1">
+            <a:schemeClr val="accent1"/>
+          </a:fillRef>
+          <a:effectRef idx="0">
+            <a:schemeClr val="accent1"/>
+          </a:effectRef>
+          <a:fontRef idx="minor">
+            <a:schemeClr val="lt1"/>
+          </a:fontRef>
+        </p:style>
+        <p:txBody>
+          <a:bodyPr rtlCol="0" anchor="ctr"/>
+          <a:lstStyle/>
+          <a:p>
+            <a:pPr algn="ctr"/>
+            <a:endParaRPr lang="fr-FR" dirty="0">
+              <a:solidFill>
+                <a:schemeClr val="tx2"/>
+              </a:solidFill>
+            </a:endParaRPr>
+          </a:p>
+        </p:txBody>
+      </p:sp>
+      <p:sp>
+        <p:nvSpPr>
+          <p:cNvPr id="16" name="Rectangle 15"/>
+          <p:cNvSpPr/>
+          <p:nvPr/>
+        </p:nvSpPr>
+        <p:spPr>
+          <a:xfrm>
+            <a:off x="5725009" y="4740910"/>
             <a:ext cx="2835908" cy="1502663"/>
           </a:xfrm>
           <a:prstGeom prst="rect">
@@ -9168,7 +9132,57 @@
       </p:sp>
       <p:sp>
         <p:nvSpPr>
-          <p:cNvPr id="17" name="Title 40"/>
+          <p:cNvPr id="17" name="Rectangle 16"/>
+          <p:cNvSpPr/>
+          <p:nvPr/>
+        </p:nvSpPr>
+        <p:spPr>
+          <a:xfrm>
+            <a:off x="6009725" y="1435861"/>
+            <a:ext cx="2137987" cy="1582665"/>
+          </a:xfrm>
+          <a:prstGeom prst="rect">
+            <a:avLst/>
+          </a:prstGeom>
+          <a:solidFill>
+            <a:schemeClr val="bg1"/>
+          </a:solidFill>
+          <a:ln>
+            <a:noFill/>
+          </a:ln>
+        </p:spPr>
+        <p:style>
+          <a:lnRef idx="2">
+            <a:schemeClr val="accent1">
+              <a:shade val="50000"/>
+            </a:schemeClr>
+          </a:lnRef>
+          <a:fillRef idx="1">
+            <a:schemeClr val="accent1"/>
+          </a:fillRef>
+          <a:effectRef idx="0">
+            <a:schemeClr val="accent1"/>
+          </a:effectRef>
+          <a:fontRef idx="minor">
+            <a:schemeClr val="lt1"/>
+          </a:fontRef>
+        </p:style>
+        <p:txBody>
+          <a:bodyPr rtlCol="0" anchor="ctr"/>
+          <a:lstStyle/>
+          <a:p>
+            <a:pPr algn="ctr"/>
+            <a:endParaRPr lang="fr-FR" dirty="0">
+              <a:solidFill>
+                <a:schemeClr val="tx2"/>
+              </a:solidFill>
+            </a:endParaRPr>
+          </a:p>
+        </p:txBody>
+      </p:sp>
+      <p:sp>
+        <p:nvSpPr>
+          <p:cNvPr id="19" name="Title 40"/>
           <p:cNvSpPr>
             <a:spLocks noGrp="1"/>
           </p:cNvSpPr>
@@ -9193,10 +9207,60 @@
           </a:p>
         </p:txBody>
       </p:sp>
+      <p:sp>
+        <p:nvSpPr>
+          <p:cNvPr id="18" name="Rectangle 17"/>
+          <p:cNvSpPr/>
+          <p:nvPr/>
+        </p:nvSpPr>
+        <p:spPr>
+          <a:xfrm>
+            <a:off x="8332768" y="1765167"/>
+            <a:ext cx="2835908" cy="1502663"/>
+          </a:xfrm>
+          <a:prstGeom prst="rect">
+            <a:avLst/>
+          </a:prstGeom>
+          <a:solidFill>
+            <a:schemeClr val="bg1"/>
+          </a:solidFill>
+          <a:ln>
+            <a:noFill/>
+          </a:ln>
+        </p:spPr>
+        <p:style>
+          <a:lnRef idx="2">
+            <a:schemeClr val="accent1">
+              <a:shade val="50000"/>
+            </a:schemeClr>
+          </a:lnRef>
+          <a:fillRef idx="1">
+            <a:schemeClr val="accent1"/>
+          </a:fillRef>
+          <a:effectRef idx="0">
+            <a:schemeClr val="accent1"/>
+          </a:effectRef>
+          <a:fontRef idx="minor">
+            <a:schemeClr val="lt1"/>
+          </a:fontRef>
+        </p:style>
+        <p:txBody>
+          <a:bodyPr rtlCol="0" anchor="ctr"/>
+          <a:lstStyle/>
+          <a:p>
+            <a:pPr algn="ctr"/>
+            <a:endParaRPr lang="fr-FR" dirty="0">
+              <a:solidFill>
+                <a:schemeClr val="tx2"/>
+              </a:solidFill>
+            </a:endParaRPr>
+          </a:p>
+        </p:txBody>
+      </p:sp>
     </p:spTree>
     <p:extLst>
       <p:ext uri="{BB962C8B-B14F-4D97-AF65-F5344CB8AC3E}">
-        <p14:creationId xmlns:p14="http://schemas.microsoft.com/office/powerpoint/2010/main" val="2345729361"/>
+        <p14:creationId xmlns:p14="http://schemas.microsoft.com/office/powerpoint/2010/main" val="2905763307"/>
       </p:ext>
     </p:extLst>
   </p:cSld>
@@ -9675,8 +9739,8 @@
         </p:nvSpPr>
         <p:spPr>
           <a:xfrm>
-            <a:off x="6431019" y="1745974"/>
-            <a:ext cx="4965806" cy="748397"/>
+            <a:off x="6431019" y="2321518"/>
+            <a:ext cx="1853172" cy="697007"/>
           </a:xfrm>
           <a:prstGeom prst="rect">
             <a:avLst/>
@@ -9776,7 +9840,7 @@
         <p:spPr>
           <a:xfrm>
             <a:off x="6009725" y="1435861"/>
-            <a:ext cx="2137987" cy="1582665"/>
+            <a:ext cx="1209941" cy="1582665"/>
           </a:xfrm>
           <a:prstGeom prst="rect">
             <a:avLst/>
@@ -9844,10 +9908,224 @@
           </a:p>
         </p:txBody>
       </p:sp>
+      <p:sp>
+        <p:nvSpPr>
+          <p:cNvPr id="18" name="Rectangle 17"/>
+          <p:cNvSpPr/>
+          <p:nvPr/>
+        </p:nvSpPr>
+        <p:spPr>
+          <a:xfrm>
+            <a:off x="7658022" y="1685238"/>
+            <a:ext cx="1853172" cy="697007"/>
+          </a:xfrm>
+          <a:prstGeom prst="rect">
+            <a:avLst/>
+          </a:prstGeom>
+          <a:solidFill>
+            <a:schemeClr val="bg1"/>
+          </a:solidFill>
+          <a:ln>
+            <a:noFill/>
+          </a:ln>
+        </p:spPr>
+        <p:style>
+          <a:lnRef idx="2">
+            <a:schemeClr val="accent1">
+              <a:shade val="50000"/>
+            </a:schemeClr>
+          </a:lnRef>
+          <a:fillRef idx="1">
+            <a:schemeClr val="accent1"/>
+          </a:fillRef>
+          <a:effectRef idx="0">
+            <a:schemeClr val="accent1"/>
+          </a:effectRef>
+          <a:fontRef idx="minor">
+            <a:schemeClr val="lt1"/>
+          </a:fontRef>
+        </p:style>
+        <p:txBody>
+          <a:bodyPr rtlCol="0" anchor="ctr"/>
+          <a:lstStyle/>
+          <a:p>
+            <a:pPr algn="ctr"/>
+            <a:endParaRPr lang="fr-FR" dirty="0">
+              <a:solidFill>
+                <a:schemeClr val="tx2"/>
+              </a:solidFill>
+            </a:endParaRPr>
+          </a:p>
+        </p:txBody>
+      </p:sp>
+      <p:grpSp>
+        <p:nvGrpSpPr>
+          <p:cNvPr id="20" name="Group 19"/>
+          <p:cNvGrpSpPr/>
+          <p:nvPr/>
+        </p:nvGrpSpPr>
+        <p:grpSpPr>
+          <a:xfrm rot="10800000">
+            <a:off x="5923125" y="1820580"/>
+            <a:ext cx="1501254" cy="1214651"/>
+            <a:chOff x="6851176" y="1815152"/>
+            <a:chExt cx="1501254" cy="1214651"/>
+          </a:xfrm>
+        </p:grpSpPr>
+        <p:pic>
+          <p:nvPicPr>
+            <p:cNvPr id="21" name="Picture 2" descr="Afficher l'image d'origine"/>
+            <p:cNvPicPr>
+              <a:picLocks noChangeAspect="1" noChangeArrowheads="1"/>
+            </p:cNvPicPr>
+            <p:nvPr/>
+          </p:nvPicPr>
+          <p:blipFill rotWithShape="1">
+            <a:blip r:embed="rId3">
+              <a:clrChange>
+                <a:clrFrom>
+                  <a:srgbClr val="FFFFFF"/>
+                </a:clrFrom>
+                <a:clrTo>
+                  <a:srgbClr val="FFFFFF">
+                    <a:alpha val="0"/>
+                  </a:srgbClr>
+                </a:clrTo>
+              </a:clrChange>
+              <a:extLst>
+                <a:ext uri="{28A0092B-C50C-407E-A947-70E740481C1C}">
+                  <a14:useLocalDpi xmlns:a14="http://schemas.microsoft.com/office/drawing/2010/main" val="0"/>
+                </a:ext>
+              </a:extLst>
+            </a:blip>
+            <a:srcRect l="57196" t="14597" r="31161" b="63789"/>
+            <a:stretch/>
+          </p:blipFill>
+          <p:spPr bwMode="auto">
+            <a:xfrm>
+              <a:off x="6851176" y="1815152"/>
+              <a:ext cx="928048" cy="1214651"/>
+            </a:xfrm>
+            <a:prstGeom prst="rect">
+              <a:avLst/>
+            </a:prstGeom>
+            <a:noFill/>
+            <a:extLst>
+              <a:ext uri="{909E8E84-426E-40DD-AFC4-6F175D3DCCD1}">
+                <a14:hiddenFill xmlns:a14="http://schemas.microsoft.com/office/drawing/2010/main">
+                  <a:solidFill>
+                    <a:srgbClr val="FFFFFF"/>
+                  </a:solidFill>
+                </a14:hiddenFill>
+              </a:ext>
+            </a:extLst>
+          </p:spPr>
+        </p:pic>
+        <p:sp>
+          <p:nvSpPr>
+            <p:cNvPr id="22" name="Rectangle 21"/>
+            <p:cNvSpPr/>
+            <p:nvPr/>
+          </p:nvSpPr>
+          <p:spPr>
+            <a:xfrm>
+              <a:off x="7219666" y="1815152"/>
+              <a:ext cx="1132764" cy="491320"/>
+            </a:xfrm>
+            <a:prstGeom prst="rect">
+              <a:avLst/>
+            </a:prstGeom>
+            <a:solidFill>
+              <a:schemeClr val="bg1"/>
+            </a:solidFill>
+            <a:ln>
+              <a:noFill/>
+            </a:ln>
+          </p:spPr>
+          <p:style>
+            <a:lnRef idx="2">
+              <a:schemeClr val="accent1">
+                <a:shade val="50000"/>
+              </a:schemeClr>
+            </a:lnRef>
+            <a:fillRef idx="1">
+              <a:schemeClr val="accent1"/>
+            </a:fillRef>
+            <a:effectRef idx="0">
+              <a:schemeClr val="accent1"/>
+            </a:effectRef>
+            <a:fontRef idx="minor">
+              <a:schemeClr val="lt1"/>
+            </a:fontRef>
+          </p:style>
+          <p:txBody>
+            <a:bodyPr rtlCol="0" anchor="ctr"/>
+            <a:lstStyle/>
+            <a:p>
+              <a:pPr algn="ctr"/>
+              <a:endParaRPr lang="fr-FR" dirty="0">
+                <a:solidFill>
+                  <a:schemeClr val="tx2"/>
+                </a:solidFill>
+              </a:endParaRPr>
+            </a:p>
+          </p:txBody>
+        </p:sp>
+      </p:grpSp>
+      <p:sp>
+        <p:nvSpPr>
+          <p:cNvPr id="23" name="Rectangle 22"/>
+          <p:cNvSpPr/>
+          <p:nvPr/>
+        </p:nvSpPr>
+        <p:spPr>
+          <a:xfrm>
+            <a:off x="8332768" y="1765167"/>
+            <a:ext cx="2835908" cy="1502663"/>
+          </a:xfrm>
+          <a:prstGeom prst="rect">
+            <a:avLst/>
+          </a:prstGeom>
+          <a:solidFill>
+            <a:schemeClr val="bg1"/>
+          </a:solidFill>
+          <a:ln>
+            <a:noFill/>
+          </a:ln>
+        </p:spPr>
+        <p:style>
+          <a:lnRef idx="2">
+            <a:schemeClr val="accent1">
+              <a:shade val="50000"/>
+            </a:schemeClr>
+          </a:lnRef>
+          <a:fillRef idx="1">
+            <a:schemeClr val="accent1"/>
+          </a:fillRef>
+          <a:effectRef idx="0">
+            <a:schemeClr val="accent1"/>
+          </a:effectRef>
+          <a:fontRef idx="minor">
+            <a:schemeClr val="lt1"/>
+          </a:fontRef>
+        </p:style>
+        <p:txBody>
+          <a:bodyPr rtlCol="0" anchor="ctr"/>
+          <a:lstStyle/>
+          <a:p>
+            <a:pPr algn="ctr"/>
+            <a:endParaRPr lang="fr-FR" dirty="0">
+              <a:solidFill>
+                <a:schemeClr val="tx2"/>
+              </a:solidFill>
+            </a:endParaRPr>
+          </a:p>
+        </p:txBody>
+      </p:sp>
     </p:spTree>
     <p:extLst>
       <p:ext uri="{BB962C8B-B14F-4D97-AF65-F5344CB8AC3E}">
-        <p14:creationId xmlns:p14="http://schemas.microsoft.com/office/powerpoint/2010/main" val="2905763307"/>
+        <p14:creationId xmlns:p14="http://schemas.microsoft.com/office/powerpoint/2010/main" val="3309446104"/>
       </p:ext>
     </p:extLst>
   </p:cSld>
@@ -9889,7 +10167,7 @@
           <a:bodyPr/>
           <a:lstStyle/>
           <a:p>
-            <a:endParaRPr lang="en-US"/>
+            <a:endParaRPr lang="en-US" dirty="0"/>
           </a:p>
         </p:txBody>
       </p:sp>
@@ -10177,7 +10455,7 @@
         <p:spPr>
           <a:xfrm>
             <a:off x="2291974" y="1130423"/>
-            <a:ext cx="4457823" cy="5538666"/>
+            <a:ext cx="2573223" cy="5538666"/>
           </a:xfrm>
           <a:prstGeom prst="rect">
             <a:avLst/>
@@ -10420,56 +10698,6 @@
       </p:sp>
       <p:sp>
         <p:nvSpPr>
-          <p:cNvPr id="17" name="Rectangle 16"/>
-          <p:cNvSpPr/>
-          <p:nvPr/>
-        </p:nvSpPr>
-        <p:spPr>
-          <a:xfrm>
-            <a:off x="6009725" y="1435861"/>
-            <a:ext cx="1209941" cy="1582665"/>
-          </a:xfrm>
-          <a:prstGeom prst="rect">
-            <a:avLst/>
-          </a:prstGeom>
-          <a:solidFill>
-            <a:schemeClr val="bg1"/>
-          </a:solidFill>
-          <a:ln>
-            <a:noFill/>
-          </a:ln>
-        </p:spPr>
-        <p:style>
-          <a:lnRef idx="2">
-            <a:schemeClr val="accent1">
-              <a:shade val="50000"/>
-            </a:schemeClr>
-          </a:lnRef>
-          <a:fillRef idx="1">
-            <a:schemeClr val="accent1"/>
-          </a:fillRef>
-          <a:effectRef idx="0">
-            <a:schemeClr val="accent1"/>
-          </a:effectRef>
-          <a:fontRef idx="minor">
-            <a:schemeClr val="lt1"/>
-          </a:fontRef>
-        </p:style>
-        <p:txBody>
-          <a:bodyPr rtlCol="0" anchor="ctr"/>
-          <a:lstStyle/>
-          <a:p>
-            <a:pPr algn="ctr"/>
-            <a:endParaRPr lang="fr-FR" dirty="0">
-              <a:solidFill>
-                <a:schemeClr val="tx2"/>
-              </a:solidFill>
-            </a:endParaRPr>
-          </a:p>
-        </p:txBody>
-      </p:sp>
-      <p:sp>
-        <p:nvSpPr>
           <p:cNvPr id="19" name="Title 40"/>
           <p:cNvSpPr>
             <a:spLocks noGrp="1"/>
@@ -10545,23 +10773,173 @@
           </a:p>
         </p:txBody>
       </p:sp>
+      <p:sp>
+        <p:nvSpPr>
+          <p:cNvPr id="23" name="Rectangle 22"/>
+          <p:cNvSpPr/>
+          <p:nvPr/>
+        </p:nvSpPr>
+        <p:spPr>
+          <a:xfrm>
+            <a:off x="7014633" y="1560100"/>
+            <a:ext cx="213982" cy="763698"/>
+          </a:xfrm>
+          <a:prstGeom prst="rect">
+            <a:avLst/>
+          </a:prstGeom>
+          <a:solidFill>
+            <a:schemeClr val="bg1"/>
+          </a:solidFill>
+          <a:ln>
+            <a:noFill/>
+          </a:ln>
+        </p:spPr>
+        <p:style>
+          <a:lnRef idx="2">
+            <a:schemeClr val="accent1">
+              <a:shade val="50000"/>
+            </a:schemeClr>
+          </a:lnRef>
+          <a:fillRef idx="1">
+            <a:schemeClr val="accent1"/>
+          </a:fillRef>
+          <a:effectRef idx="0">
+            <a:schemeClr val="accent1"/>
+          </a:effectRef>
+          <a:fontRef idx="minor">
+            <a:schemeClr val="lt1"/>
+          </a:fontRef>
+        </p:style>
+        <p:txBody>
+          <a:bodyPr rtlCol="0" anchor="ctr"/>
+          <a:lstStyle/>
+          <a:p>
+            <a:pPr algn="ctr"/>
+            <a:endParaRPr lang="fr-FR" dirty="0">
+              <a:solidFill>
+                <a:schemeClr val="tx2"/>
+              </a:solidFill>
+            </a:endParaRPr>
+          </a:p>
+        </p:txBody>
+      </p:sp>
+      <p:sp>
+        <p:nvSpPr>
+          <p:cNvPr id="24" name="Rectangle 23"/>
+          <p:cNvSpPr/>
+          <p:nvPr/>
+        </p:nvSpPr>
+        <p:spPr>
+          <a:xfrm>
+            <a:off x="6989610" y="1480484"/>
+            <a:ext cx="213982" cy="763698"/>
+          </a:xfrm>
+          <a:prstGeom prst="rect">
+            <a:avLst/>
+          </a:prstGeom>
+          <a:solidFill>
+            <a:schemeClr val="bg1"/>
+          </a:solidFill>
+          <a:ln>
+            <a:noFill/>
+          </a:ln>
+        </p:spPr>
+        <p:style>
+          <a:lnRef idx="2">
+            <a:schemeClr val="accent1">
+              <a:shade val="50000"/>
+            </a:schemeClr>
+          </a:lnRef>
+          <a:fillRef idx="1">
+            <a:schemeClr val="accent1"/>
+          </a:fillRef>
+          <a:effectRef idx="0">
+            <a:schemeClr val="accent1"/>
+          </a:effectRef>
+          <a:fontRef idx="minor">
+            <a:schemeClr val="lt1"/>
+          </a:fontRef>
+        </p:style>
+        <p:txBody>
+          <a:bodyPr rtlCol="0" anchor="ctr"/>
+          <a:lstStyle/>
+          <a:p>
+            <a:pPr algn="ctr"/>
+            <a:endParaRPr lang="fr-FR" dirty="0">
+              <a:solidFill>
+                <a:schemeClr val="tx2"/>
+              </a:solidFill>
+            </a:endParaRPr>
+          </a:p>
+        </p:txBody>
+      </p:sp>
+      <p:sp>
+        <p:nvSpPr>
+          <p:cNvPr id="25" name="Rectangle 24"/>
+          <p:cNvSpPr/>
+          <p:nvPr/>
+        </p:nvSpPr>
+        <p:spPr>
+          <a:xfrm>
+            <a:off x="6896351" y="1332631"/>
+            <a:ext cx="245329" cy="763698"/>
+          </a:xfrm>
+          <a:prstGeom prst="rect">
+            <a:avLst/>
+          </a:prstGeom>
+          <a:solidFill>
+            <a:schemeClr val="bg1"/>
+          </a:solidFill>
+          <a:ln>
+            <a:noFill/>
+          </a:ln>
+        </p:spPr>
+        <p:style>
+          <a:lnRef idx="2">
+            <a:schemeClr val="accent1">
+              <a:shade val="50000"/>
+            </a:schemeClr>
+          </a:lnRef>
+          <a:fillRef idx="1">
+            <a:schemeClr val="accent1"/>
+          </a:fillRef>
+          <a:effectRef idx="0">
+            <a:schemeClr val="accent1"/>
+          </a:effectRef>
+          <a:fontRef idx="minor">
+            <a:schemeClr val="lt1"/>
+          </a:fontRef>
+        </p:style>
+        <p:txBody>
+          <a:bodyPr rtlCol="0" anchor="ctr"/>
+          <a:lstStyle/>
+          <a:p>
+            <a:pPr algn="ctr"/>
+            <a:endParaRPr lang="fr-FR" dirty="0">
+              <a:solidFill>
+                <a:schemeClr val="tx2"/>
+              </a:solidFill>
+            </a:endParaRPr>
+          </a:p>
+        </p:txBody>
+      </p:sp>
       <p:grpSp>
         <p:nvGrpSpPr>
-          <p:cNvPr id="20" name="Group 19"/>
+          <p:cNvPr id="27" name="Group 26"/>
           <p:cNvGrpSpPr/>
           <p:nvPr/>
         </p:nvGrpSpPr>
         <p:grpSpPr>
-          <a:xfrm rot="10800000">
-            <a:off x="5923125" y="1820580"/>
-            <a:ext cx="1501254" cy="1214651"/>
-            <a:chOff x="6851176" y="1815152"/>
-            <a:chExt cx="1501254" cy="1214651"/>
+          <a:xfrm>
+            <a:off x="4857755" y="988292"/>
+            <a:ext cx="2007070" cy="1871188"/>
+            <a:chOff x="4857755" y="988292"/>
+            <a:chExt cx="2007070" cy="1871188"/>
           </a:xfrm>
         </p:grpSpPr>
         <p:pic>
           <p:nvPicPr>
-            <p:cNvPr id="21" name="Picture 2" descr="Afficher l'image d'origine"/>
+            <p:cNvPr id="28" name="Picture 2" descr="Afficher l'image d'origine"/>
             <p:cNvPicPr>
               <a:picLocks noChangeAspect="1" noChangeArrowheads="1"/>
             </p:cNvPicPr>
@@ -10569,6 +10947,45 @@
           </p:nvPicPr>
           <p:blipFill rotWithShape="1">
             <a:blip r:embed="rId3">
+              <a:extLst>
+                <a:ext uri="{28A0092B-C50C-407E-A947-70E740481C1C}">
+                  <a14:useLocalDpi xmlns:a14="http://schemas.microsoft.com/office/drawing/2010/main" val="0"/>
+                </a:ext>
+              </a:extLst>
+            </a:blip>
+            <a:srcRect l="32188" t="-117" r="42633" b="66820"/>
+            <a:stretch/>
+          </p:blipFill>
+          <p:spPr bwMode="auto">
+            <a:xfrm>
+              <a:off x="4857755" y="988292"/>
+              <a:ext cx="2007070" cy="1871188"/>
+            </a:xfrm>
+            <a:prstGeom prst="rect">
+              <a:avLst/>
+            </a:prstGeom>
+            <a:noFill/>
+            <a:extLst>
+              <a:ext uri="{909E8E84-426E-40DD-AFC4-6F175D3DCCD1}">
+                <a14:hiddenFill xmlns:a14="http://schemas.microsoft.com/office/drawing/2010/main">
+                  <a:solidFill>
+                    <a:srgbClr val="FFFFFF"/>
+                  </a:solidFill>
+                </a14:hiddenFill>
+              </a:ext>
+            </a:extLst>
+          </p:spPr>
+        </p:pic>
+        <p:pic>
+          <p:nvPicPr>
+            <p:cNvPr id="30" name="Picture 29"/>
+            <p:cNvPicPr>
+              <a:picLocks noChangeAspect="1"/>
+            </p:cNvPicPr>
+            <p:nvPr/>
+          </p:nvPicPr>
+          <p:blipFill>
+            <a:blip r:embed="rId4">
               <a:clrChange>
                 <a:clrFrom>
                   <a:srgbClr val="FFFFFF"/>
@@ -10585,84 +11002,274 @@
                 </a:ext>
               </a:extLst>
             </a:blip>
-            <a:srcRect l="57196" t="14597" r="31161" b="63789"/>
-            <a:stretch/>
+            <a:stretch>
+              <a:fillRect/>
+            </a:stretch>
           </p:blipFill>
-          <p:spPr bwMode="auto">
+          <p:spPr>
             <a:xfrm>
-              <a:off x="6851176" y="1815152"/>
-              <a:ext cx="928048" cy="1214651"/>
+              <a:off x="6108344" y="1260548"/>
+              <a:ext cx="645350" cy="560032"/>
             </a:xfrm>
             <a:prstGeom prst="rect">
               <a:avLst/>
             </a:prstGeom>
+          </p:spPr>
+        </p:pic>
+      </p:grpSp>
+      <p:sp>
+        <p:nvSpPr>
+          <p:cNvPr id="31" name="Rectangle 30"/>
+          <p:cNvSpPr/>
+          <p:nvPr/>
+        </p:nvSpPr>
+        <p:spPr>
+          <a:xfrm>
+            <a:off x="6844654" y="2612083"/>
+            <a:ext cx="237858" cy="237814"/>
+          </a:xfrm>
+          <a:prstGeom prst="rect">
+            <a:avLst/>
+          </a:prstGeom>
+          <a:solidFill>
+            <a:schemeClr val="bg1"/>
+          </a:solidFill>
+          <a:ln>
             <a:noFill/>
+          </a:ln>
+        </p:spPr>
+        <p:style>
+          <a:lnRef idx="2">
+            <a:schemeClr val="accent1">
+              <a:shade val="50000"/>
+            </a:schemeClr>
+          </a:lnRef>
+          <a:fillRef idx="1">
+            <a:schemeClr val="accent1"/>
+          </a:fillRef>
+          <a:effectRef idx="0">
+            <a:schemeClr val="accent1"/>
+          </a:effectRef>
+          <a:fontRef idx="minor">
+            <a:schemeClr val="lt1"/>
+          </a:fontRef>
+        </p:style>
+        <p:txBody>
+          <a:bodyPr rtlCol="0" anchor="ctr"/>
+          <a:lstStyle/>
+          <a:p>
+            <a:pPr algn="ctr"/>
+            <a:endParaRPr lang="fr-FR" dirty="0">
+              <a:solidFill>
+                <a:schemeClr val="tx2"/>
+              </a:solidFill>
+            </a:endParaRPr>
+          </a:p>
+        </p:txBody>
+      </p:sp>
+      <p:pic>
+        <p:nvPicPr>
+          <p:cNvPr id="21" name="Picture 2" descr="Afficher l'image d'origine"/>
+          <p:cNvPicPr>
+            <a:picLocks noChangeAspect="1" noChangeArrowheads="1"/>
+          </p:cNvPicPr>
+          <p:nvPr/>
+        </p:nvPicPr>
+        <p:blipFill rotWithShape="1">
+          <a:blip r:embed="rId3">
+            <a:clrChange>
+              <a:clrFrom>
+                <a:srgbClr val="FFFFFF"/>
+              </a:clrFrom>
+              <a:clrTo>
+                <a:srgbClr val="FFFFFF">
+                  <a:alpha val="0"/>
+                </a:srgbClr>
+              </a:clrTo>
+            </a:clrChange>
             <a:extLst>
-              <a:ext uri="{909E8E84-426E-40DD-AFC4-6F175D3DCCD1}">
-                <a14:hiddenFill xmlns:a14="http://schemas.microsoft.com/office/drawing/2010/main">
-                  <a:solidFill>
-                    <a:srgbClr val="FFFFFF"/>
-                  </a:solidFill>
-                </a14:hiddenFill>
+              <a:ext uri="{28A0092B-C50C-407E-A947-70E740481C1C}">
+                <a14:useLocalDpi xmlns:a14="http://schemas.microsoft.com/office/drawing/2010/main" val="0"/>
               </a:ext>
             </a:extLst>
-          </p:spPr>
-        </p:pic>
-        <p:sp>
-          <p:nvSpPr>
-            <p:cNvPr id="22" name="Rectangle 21"/>
-            <p:cNvSpPr/>
-            <p:nvPr/>
-          </p:nvSpPr>
-          <p:spPr>
-            <a:xfrm>
-              <a:off x="7219666" y="1815152"/>
-              <a:ext cx="1132764" cy="491320"/>
-            </a:xfrm>
-            <a:prstGeom prst="rect">
-              <a:avLst/>
-            </a:prstGeom>
-            <a:solidFill>
-              <a:schemeClr val="bg1"/>
-            </a:solidFill>
-            <a:ln>
-              <a:noFill/>
-            </a:ln>
-          </p:spPr>
-          <p:style>
-            <a:lnRef idx="2">
-              <a:schemeClr val="accent1">
-                <a:shade val="50000"/>
-              </a:schemeClr>
-            </a:lnRef>
-            <a:fillRef idx="1">
-              <a:schemeClr val="accent1"/>
-            </a:fillRef>
-            <a:effectRef idx="0">
-              <a:schemeClr val="accent1"/>
-            </a:effectRef>
-            <a:fontRef idx="minor">
-              <a:schemeClr val="lt1"/>
-            </a:fontRef>
-          </p:style>
-          <p:txBody>
-            <a:bodyPr rtlCol="0" anchor="ctr"/>
-            <a:lstStyle/>
-            <a:p>
-              <a:pPr algn="ctr"/>
-              <a:endParaRPr lang="fr-FR" dirty="0">
+          </a:blip>
+          <a:srcRect l="57196" t="14597" r="31161" b="63789"/>
+          <a:stretch/>
+        </p:blipFill>
+        <p:spPr bwMode="auto">
+          <a:xfrm rot="10800000">
+            <a:off x="6496331" y="1820580"/>
+            <a:ext cx="928048" cy="1214651"/>
+          </a:xfrm>
+          <a:prstGeom prst="rect">
+            <a:avLst/>
+          </a:prstGeom>
+          <a:noFill/>
+          <a:extLst>
+            <a:ext uri="{909E8E84-426E-40DD-AFC4-6F175D3DCCD1}">
+              <a14:hiddenFill xmlns:a14="http://schemas.microsoft.com/office/drawing/2010/main">
                 <a:solidFill>
-                  <a:schemeClr val="tx2"/>
+                  <a:srgbClr val="FFFFFF"/>
                 </a:solidFill>
-              </a:endParaRPr>
-            </a:p>
-          </p:txBody>
-        </p:sp>
-      </p:grpSp>
+              </a14:hiddenFill>
+            </a:ext>
+          </a:extLst>
+        </p:spPr>
+      </p:pic>
+      <p:sp>
+        <p:nvSpPr>
+          <p:cNvPr id="32" name="Rectangle 31"/>
+          <p:cNvSpPr/>
+          <p:nvPr/>
+        </p:nvSpPr>
+        <p:spPr>
+          <a:xfrm>
+            <a:off x="6367215" y="2564135"/>
+            <a:ext cx="373031" cy="152172"/>
+          </a:xfrm>
+          <a:prstGeom prst="rect">
+            <a:avLst/>
+          </a:prstGeom>
+          <a:solidFill>
+            <a:schemeClr val="bg1"/>
+          </a:solidFill>
+          <a:ln>
+            <a:noFill/>
+          </a:ln>
+        </p:spPr>
+        <p:style>
+          <a:lnRef idx="2">
+            <a:schemeClr val="accent1">
+              <a:shade val="50000"/>
+            </a:schemeClr>
+          </a:lnRef>
+          <a:fillRef idx="1">
+            <a:schemeClr val="accent1"/>
+          </a:fillRef>
+          <a:effectRef idx="0">
+            <a:schemeClr val="accent1"/>
+          </a:effectRef>
+          <a:fontRef idx="minor">
+            <a:schemeClr val="lt1"/>
+          </a:fontRef>
+        </p:style>
+        <p:txBody>
+          <a:bodyPr rtlCol="0" anchor="ctr"/>
+          <a:lstStyle/>
+          <a:p>
+            <a:pPr algn="ctr"/>
+            <a:endParaRPr lang="fr-FR" dirty="0">
+              <a:solidFill>
+                <a:schemeClr val="tx2"/>
+              </a:solidFill>
+            </a:endParaRPr>
+          </a:p>
+        </p:txBody>
+      </p:sp>
+      <p:sp>
+        <p:nvSpPr>
+          <p:cNvPr id="33" name="Rectangle 32"/>
+          <p:cNvSpPr/>
+          <p:nvPr/>
+        </p:nvSpPr>
+        <p:spPr>
+          <a:xfrm>
+            <a:off x="6804050" y="2573121"/>
+            <a:ext cx="278462" cy="182574"/>
+          </a:xfrm>
+          <a:prstGeom prst="rect">
+            <a:avLst/>
+          </a:prstGeom>
+          <a:solidFill>
+            <a:schemeClr val="bg1"/>
+          </a:solidFill>
+          <a:ln>
+            <a:noFill/>
+          </a:ln>
+        </p:spPr>
+        <p:style>
+          <a:lnRef idx="2">
+            <a:schemeClr val="accent1">
+              <a:shade val="50000"/>
+            </a:schemeClr>
+          </a:lnRef>
+          <a:fillRef idx="1">
+            <a:schemeClr val="accent1"/>
+          </a:fillRef>
+          <a:effectRef idx="0">
+            <a:schemeClr val="accent1"/>
+          </a:effectRef>
+          <a:fontRef idx="minor">
+            <a:schemeClr val="lt1"/>
+          </a:fontRef>
+        </p:style>
+        <p:txBody>
+          <a:bodyPr rtlCol="0" anchor="ctr"/>
+          <a:lstStyle/>
+          <a:p>
+            <a:pPr algn="ctr"/>
+            <a:endParaRPr lang="fr-FR" dirty="0">
+              <a:solidFill>
+                <a:schemeClr val="tx2"/>
+              </a:solidFill>
+            </a:endParaRPr>
+          </a:p>
+        </p:txBody>
+      </p:sp>
+      <p:sp>
+        <p:nvSpPr>
+          <p:cNvPr id="34" name="Rectangle 33"/>
+          <p:cNvSpPr/>
+          <p:nvPr/>
+        </p:nvSpPr>
+        <p:spPr>
+          <a:xfrm>
+            <a:off x="8332768" y="1765167"/>
+            <a:ext cx="2835908" cy="1502663"/>
+          </a:xfrm>
+          <a:prstGeom prst="rect">
+            <a:avLst/>
+          </a:prstGeom>
+          <a:solidFill>
+            <a:schemeClr val="bg1"/>
+          </a:solidFill>
+          <a:ln>
+            <a:noFill/>
+          </a:ln>
+        </p:spPr>
+        <p:style>
+          <a:lnRef idx="2">
+            <a:schemeClr val="accent1">
+              <a:shade val="50000"/>
+            </a:schemeClr>
+          </a:lnRef>
+          <a:fillRef idx="1">
+            <a:schemeClr val="accent1"/>
+          </a:fillRef>
+          <a:effectRef idx="0">
+            <a:schemeClr val="accent1"/>
+          </a:effectRef>
+          <a:fontRef idx="minor">
+            <a:schemeClr val="lt1"/>
+          </a:fontRef>
+        </p:style>
+        <p:txBody>
+          <a:bodyPr rtlCol="0" anchor="ctr"/>
+          <a:lstStyle/>
+          <a:p>
+            <a:pPr algn="ctr"/>
+            <a:endParaRPr lang="fr-FR" dirty="0">
+              <a:solidFill>
+                <a:schemeClr val="tx2"/>
+              </a:solidFill>
+            </a:endParaRPr>
+          </a:p>
+        </p:txBody>
+      </p:sp>
     </p:spTree>
     <p:extLst>
       <p:ext uri="{BB962C8B-B14F-4D97-AF65-F5344CB8AC3E}">
-        <p14:creationId xmlns:p14="http://schemas.microsoft.com/office/powerpoint/2010/main" val="3309446104"/>
+        <p14:creationId xmlns:p14="http://schemas.microsoft.com/office/powerpoint/2010/main" val="2562007113"/>
       </p:ext>
     </p:extLst>
   </p:cSld>
@@ -10991,8 +11598,8 @@
         </p:nvSpPr>
         <p:spPr>
           <a:xfrm>
-            <a:off x="2291974" y="1130423"/>
-            <a:ext cx="2573223" cy="5538666"/>
+            <a:off x="2291974" y="3018525"/>
+            <a:ext cx="2573223" cy="3650564"/>
           </a:xfrm>
           <a:prstGeom prst="rect">
             <a:avLst/>
@@ -11753,10 +12360,149 @@
           </a:p>
         </p:txBody>
       </p:sp>
+      <p:sp>
+        <p:nvSpPr>
+          <p:cNvPr id="34" name="Rectangle 33"/>
+          <p:cNvSpPr/>
+          <p:nvPr/>
+        </p:nvSpPr>
+        <p:spPr>
+          <a:xfrm>
+            <a:off x="3785130" y="2096329"/>
+            <a:ext cx="1072625" cy="938902"/>
+          </a:xfrm>
+          <a:prstGeom prst="rect">
+            <a:avLst/>
+          </a:prstGeom>
+          <a:solidFill>
+            <a:schemeClr val="bg1"/>
+          </a:solidFill>
+          <a:ln>
+            <a:noFill/>
+          </a:ln>
+        </p:spPr>
+        <p:style>
+          <a:lnRef idx="2">
+            <a:schemeClr val="accent1">
+              <a:shade val="50000"/>
+            </a:schemeClr>
+          </a:lnRef>
+          <a:fillRef idx="1">
+            <a:schemeClr val="accent1"/>
+          </a:fillRef>
+          <a:effectRef idx="0">
+            <a:schemeClr val="accent1"/>
+          </a:effectRef>
+          <a:fontRef idx="minor">
+            <a:schemeClr val="lt1"/>
+          </a:fontRef>
+        </p:style>
+        <p:txBody>
+          <a:bodyPr rtlCol="0" anchor="ctr"/>
+          <a:lstStyle/>
+          <a:p>
+            <a:pPr algn="ctr"/>
+            <a:endParaRPr lang="fr-FR" dirty="0">
+              <a:solidFill>
+                <a:schemeClr val="tx2"/>
+              </a:solidFill>
+            </a:endParaRPr>
+          </a:p>
+        </p:txBody>
+      </p:sp>
+      <p:pic>
+        <p:nvPicPr>
+          <p:cNvPr id="35" name="Picture 2" descr="Afficher l'image d'origine"/>
+          <p:cNvPicPr>
+            <a:picLocks noChangeAspect="1" noChangeArrowheads="1"/>
+          </p:cNvPicPr>
+          <p:nvPr/>
+        </p:nvPicPr>
+        <p:blipFill rotWithShape="1">
+          <a:blip r:embed="rId3">
+            <a:extLst>
+              <a:ext uri="{28A0092B-C50C-407E-A947-70E740481C1C}">
+                <a14:useLocalDpi xmlns:a14="http://schemas.microsoft.com/office/drawing/2010/main" val="0"/>
+              </a:ext>
+            </a:extLst>
+          </a:blip>
+          <a:srcRect l="18144" t="18429" r="67855" b="74871"/>
+          <a:stretch/>
+        </p:blipFill>
+        <p:spPr bwMode="auto">
+          <a:xfrm rot="10800000">
+            <a:off x="3738283" y="2030506"/>
+            <a:ext cx="1116106" cy="376518"/>
+          </a:xfrm>
+          <a:prstGeom prst="rect">
+            <a:avLst/>
+          </a:prstGeom>
+          <a:noFill/>
+          <a:extLst>
+            <a:ext uri="{909E8E84-426E-40DD-AFC4-6F175D3DCCD1}">
+              <a14:hiddenFill xmlns:a14="http://schemas.microsoft.com/office/drawing/2010/main">
+                <a:solidFill>
+                  <a:srgbClr val="FFFFFF"/>
+                </a:solidFill>
+              </a14:hiddenFill>
+            </a:ext>
+          </a:extLst>
+        </p:spPr>
+      </p:pic>
+      <p:sp>
+        <p:nvSpPr>
+          <p:cNvPr id="36" name="Rectangle 35"/>
+          <p:cNvSpPr/>
+          <p:nvPr/>
+        </p:nvSpPr>
+        <p:spPr>
+          <a:xfrm>
+            <a:off x="8332768" y="1765167"/>
+            <a:ext cx="2835908" cy="1502663"/>
+          </a:xfrm>
+          <a:prstGeom prst="rect">
+            <a:avLst/>
+          </a:prstGeom>
+          <a:solidFill>
+            <a:schemeClr val="bg1"/>
+          </a:solidFill>
+          <a:ln>
+            <a:noFill/>
+          </a:ln>
+        </p:spPr>
+        <p:style>
+          <a:lnRef idx="2">
+            <a:schemeClr val="accent1">
+              <a:shade val="50000"/>
+            </a:schemeClr>
+          </a:lnRef>
+          <a:fillRef idx="1">
+            <a:schemeClr val="accent1"/>
+          </a:fillRef>
+          <a:effectRef idx="0">
+            <a:schemeClr val="accent1"/>
+          </a:effectRef>
+          <a:fontRef idx="minor">
+            <a:schemeClr val="lt1"/>
+          </a:fontRef>
+        </p:style>
+        <p:txBody>
+          <a:bodyPr rtlCol="0" anchor="ctr"/>
+          <a:lstStyle/>
+          <a:p>
+            <a:pPr algn="ctr"/>
+            <a:endParaRPr lang="fr-FR" dirty="0">
+              <a:solidFill>
+                <a:schemeClr val="tx2"/>
+              </a:solidFill>
+            </a:endParaRPr>
+          </a:p>
+        </p:txBody>
+      </p:sp>
     </p:spTree>
     <p:extLst>
       <p:ext uri="{BB962C8B-B14F-4D97-AF65-F5344CB8AC3E}">
-        <p14:creationId xmlns:p14="http://schemas.microsoft.com/office/powerpoint/2010/main" val="2562007113"/>
+        <p14:creationId xmlns:p14="http://schemas.microsoft.com/office/powerpoint/2010/main" val="3475870936"/>
       </p:ext>
     </p:extLst>
   </p:cSld>
@@ -12634,7 +13380,7 @@
         <p:spPr>
           <a:xfrm>
             <a:off x="5725009" y="4740910"/>
-            <a:ext cx="2835908" cy="1502663"/>
+            <a:ext cx="2835908" cy="1650922"/>
           </a:xfrm>
           <a:prstGeom prst="rect">
             <a:avLst/>
@@ -13203,8 +13949,8 @@
         </p:nvSpPr>
         <p:spPr>
           <a:xfrm>
-            <a:off x="3785130" y="2096329"/>
-            <a:ext cx="1072625" cy="938902"/>
+            <a:off x="8332768" y="1765167"/>
+            <a:ext cx="2835908" cy="1502663"/>
           </a:xfrm>
           <a:prstGeom prst="rect">
             <a:avLst/>
@@ -13245,49 +13991,10 @@
           </a:p>
         </p:txBody>
       </p:sp>
-      <p:pic>
-        <p:nvPicPr>
-          <p:cNvPr id="35" name="Picture 2" descr="Afficher l'image d'origine"/>
-          <p:cNvPicPr>
-            <a:picLocks noChangeAspect="1" noChangeArrowheads="1"/>
-          </p:cNvPicPr>
-          <p:nvPr/>
-        </p:nvPicPr>
-        <p:blipFill rotWithShape="1">
-          <a:blip r:embed="rId3">
-            <a:extLst>
-              <a:ext uri="{28A0092B-C50C-407E-A947-70E740481C1C}">
-                <a14:useLocalDpi xmlns:a14="http://schemas.microsoft.com/office/drawing/2010/main" val="0"/>
-              </a:ext>
-            </a:extLst>
-          </a:blip>
-          <a:srcRect l="18144" t="18429" r="67855" b="74871"/>
-          <a:stretch/>
-        </p:blipFill>
-        <p:spPr bwMode="auto">
-          <a:xfrm rot="10800000">
-            <a:off x="3738283" y="2030506"/>
-            <a:ext cx="1116106" cy="376518"/>
-          </a:xfrm>
-          <a:prstGeom prst="rect">
-            <a:avLst/>
-          </a:prstGeom>
-          <a:noFill/>
-          <a:extLst>
-            <a:ext uri="{909E8E84-426E-40DD-AFC4-6F175D3DCCD1}">
-              <a14:hiddenFill xmlns:a14="http://schemas.microsoft.com/office/drawing/2010/main">
-                <a:solidFill>
-                  <a:srgbClr val="FFFFFF"/>
-                </a:solidFill>
-              </a14:hiddenFill>
-            </a:ext>
-          </a:extLst>
-        </p:spPr>
-      </p:pic>
     </p:spTree>
     <p:extLst>
       <p:ext uri="{BB962C8B-B14F-4D97-AF65-F5344CB8AC3E}">
-        <p14:creationId xmlns:p14="http://schemas.microsoft.com/office/powerpoint/2010/main" val="3475870936"/>
+        <p14:creationId xmlns:p14="http://schemas.microsoft.com/office/powerpoint/2010/main" val="1181391487"/>
       </p:ext>
     </p:extLst>
   </p:cSld>
@@ -13760,56 +14467,6 @@
       </p:sp>
       <p:sp>
         <p:nvSpPr>
-          <p:cNvPr id="15" name="Rectangle 14"/>
-          <p:cNvSpPr/>
-          <p:nvPr/>
-        </p:nvSpPr>
-        <p:spPr>
-          <a:xfrm>
-            <a:off x="6431019" y="2321518"/>
-            <a:ext cx="1853172" cy="697007"/>
-          </a:xfrm>
-          <a:prstGeom prst="rect">
-            <a:avLst/>
-          </a:prstGeom>
-          <a:solidFill>
-            <a:schemeClr val="bg1"/>
-          </a:solidFill>
-          <a:ln>
-            <a:noFill/>
-          </a:ln>
-        </p:spPr>
-        <p:style>
-          <a:lnRef idx="2">
-            <a:schemeClr val="accent1">
-              <a:shade val="50000"/>
-            </a:schemeClr>
-          </a:lnRef>
-          <a:fillRef idx="1">
-            <a:schemeClr val="accent1"/>
-          </a:fillRef>
-          <a:effectRef idx="0">
-            <a:schemeClr val="accent1"/>
-          </a:effectRef>
-          <a:fontRef idx="minor">
-            <a:schemeClr val="lt1"/>
-          </a:fontRef>
-        </p:style>
-        <p:txBody>
-          <a:bodyPr rtlCol="0" anchor="ctr"/>
-          <a:lstStyle/>
-          <a:p>
-            <a:pPr algn="ctr"/>
-            <a:endParaRPr lang="fr-FR" dirty="0">
-              <a:solidFill>
-                <a:schemeClr val="tx2"/>
-              </a:solidFill>
-            </a:endParaRPr>
-          </a:p>
-        </p:txBody>
-      </p:sp>
-      <p:sp>
-        <p:nvSpPr>
           <p:cNvPr id="16" name="Rectangle 15"/>
           <p:cNvSpPr/>
           <p:nvPr/>
@@ -13882,206 +14539,6 @@
               <a:rPr lang="fr-FR" dirty="0"/>
               <a:t>Le petit CQRS illustré</a:t>
             </a:r>
-          </a:p>
-        </p:txBody>
-      </p:sp>
-      <p:sp>
-        <p:nvSpPr>
-          <p:cNvPr id="18" name="Rectangle 17"/>
-          <p:cNvSpPr/>
-          <p:nvPr/>
-        </p:nvSpPr>
-        <p:spPr>
-          <a:xfrm>
-            <a:off x="7658022" y="1685238"/>
-            <a:ext cx="1853172" cy="697007"/>
-          </a:xfrm>
-          <a:prstGeom prst="rect">
-            <a:avLst/>
-          </a:prstGeom>
-          <a:solidFill>
-            <a:schemeClr val="bg1"/>
-          </a:solidFill>
-          <a:ln>
-            <a:noFill/>
-          </a:ln>
-        </p:spPr>
-        <p:style>
-          <a:lnRef idx="2">
-            <a:schemeClr val="accent1">
-              <a:shade val="50000"/>
-            </a:schemeClr>
-          </a:lnRef>
-          <a:fillRef idx="1">
-            <a:schemeClr val="accent1"/>
-          </a:fillRef>
-          <a:effectRef idx="0">
-            <a:schemeClr val="accent1"/>
-          </a:effectRef>
-          <a:fontRef idx="minor">
-            <a:schemeClr val="lt1"/>
-          </a:fontRef>
-        </p:style>
-        <p:txBody>
-          <a:bodyPr rtlCol="0" anchor="ctr"/>
-          <a:lstStyle/>
-          <a:p>
-            <a:pPr algn="ctr"/>
-            <a:endParaRPr lang="fr-FR" dirty="0">
-              <a:solidFill>
-                <a:schemeClr val="tx2"/>
-              </a:solidFill>
-            </a:endParaRPr>
-          </a:p>
-        </p:txBody>
-      </p:sp>
-      <p:sp>
-        <p:nvSpPr>
-          <p:cNvPr id="23" name="Rectangle 22"/>
-          <p:cNvSpPr/>
-          <p:nvPr/>
-        </p:nvSpPr>
-        <p:spPr>
-          <a:xfrm>
-            <a:off x="7014633" y="1560100"/>
-            <a:ext cx="213982" cy="763698"/>
-          </a:xfrm>
-          <a:prstGeom prst="rect">
-            <a:avLst/>
-          </a:prstGeom>
-          <a:solidFill>
-            <a:schemeClr val="bg1"/>
-          </a:solidFill>
-          <a:ln>
-            <a:noFill/>
-          </a:ln>
-        </p:spPr>
-        <p:style>
-          <a:lnRef idx="2">
-            <a:schemeClr val="accent1">
-              <a:shade val="50000"/>
-            </a:schemeClr>
-          </a:lnRef>
-          <a:fillRef idx="1">
-            <a:schemeClr val="accent1"/>
-          </a:fillRef>
-          <a:effectRef idx="0">
-            <a:schemeClr val="accent1"/>
-          </a:effectRef>
-          <a:fontRef idx="minor">
-            <a:schemeClr val="lt1"/>
-          </a:fontRef>
-        </p:style>
-        <p:txBody>
-          <a:bodyPr rtlCol="0" anchor="ctr"/>
-          <a:lstStyle/>
-          <a:p>
-            <a:pPr algn="ctr"/>
-            <a:endParaRPr lang="fr-FR" dirty="0">
-              <a:solidFill>
-                <a:schemeClr val="tx2"/>
-              </a:solidFill>
-            </a:endParaRPr>
-          </a:p>
-        </p:txBody>
-      </p:sp>
-      <p:sp>
-        <p:nvSpPr>
-          <p:cNvPr id="24" name="Rectangle 23"/>
-          <p:cNvSpPr/>
-          <p:nvPr/>
-        </p:nvSpPr>
-        <p:spPr>
-          <a:xfrm>
-            <a:off x="6989610" y="1480484"/>
-            <a:ext cx="213982" cy="763698"/>
-          </a:xfrm>
-          <a:prstGeom prst="rect">
-            <a:avLst/>
-          </a:prstGeom>
-          <a:solidFill>
-            <a:schemeClr val="bg1"/>
-          </a:solidFill>
-          <a:ln>
-            <a:noFill/>
-          </a:ln>
-        </p:spPr>
-        <p:style>
-          <a:lnRef idx="2">
-            <a:schemeClr val="accent1">
-              <a:shade val="50000"/>
-            </a:schemeClr>
-          </a:lnRef>
-          <a:fillRef idx="1">
-            <a:schemeClr val="accent1"/>
-          </a:fillRef>
-          <a:effectRef idx="0">
-            <a:schemeClr val="accent1"/>
-          </a:effectRef>
-          <a:fontRef idx="minor">
-            <a:schemeClr val="lt1"/>
-          </a:fontRef>
-        </p:style>
-        <p:txBody>
-          <a:bodyPr rtlCol="0" anchor="ctr"/>
-          <a:lstStyle/>
-          <a:p>
-            <a:pPr algn="ctr"/>
-            <a:endParaRPr lang="fr-FR" dirty="0">
-              <a:solidFill>
-                <a:schemeClr val="tx2"/>
-              </a:solidFill>
-            </a:endParaRPr>
-          </a:p>
-        </p:txBody>
-      </p:sp>
-      <p:sp>
-        <p:nvSpPr>
-          <p:cNvPr id="25" name="Rectangle 24"/>
-          <p:cNvSpPr/>
-          <p:nvPr/>
-        </p:nvSpPr>
-        <p:spPr>
-          <a:xfrm>
-            <a:off x="6896351" y="1332631"/>
-            <a:ext cx="245329" cy="763698"/>
-          </a:xfrm>
-          <a:prstGeom prst="rect">
-            <a:avLst/>
-          </a:prstGeom>
-          <a:solidFill>
-            <a:schemeClr val="bg1"/>
-          </a:solidFill>
-          <a:ln>
-            <a:noFill/>
-          </a:ln>
-        </p:spPr>
-        <p:style>
-          <a:lnRef idx="2">
-            <a:schemeClr val="accent1">
-              <a:shade val="50000"/>
-            </a:schemeClr>
-          </a:lnRef>
-          <a:fillRef idx="1">
-            <a:schemeClr val="accent1"/>
-          </a:fillRef>
-          <a:effectRef idx="0">
-            <a:schemeClr val="accent1"/>
-          </a:effectRef>
-          <a:fontRef idx="minor">
-            <a:schemeClr val="lt1"/>
-          </a:fontRef>
-        </p:style>
-        <p:txBody>
-          <a:bodyPr rtlCol="0" anchor="ctr"/>
-          <a:lstStyle/>
-          <a:p>
-            <a:pPr algn="ctr"/>
-            <a:endParaRPr lang="fr-FR" dirty="0">
-              <a:solidFill>
-                <a:schemeClr val="tx2"/>
-              </a:solidFill>
-            </a:endParaRPr>
           </a:p>
         </p:txBody>
       </p:sp>
@@ -14229,55 +14686,6 @@
           </a:p>
         </p:txBody>
       </p:sp>
-      <p:pic>
-        <p:nvPicPr>
-          <p:cNvPr id="21" name="Picture 2" descr="Afficher l'image d'origine"/>
-          <p:cNvPicPr>
-            <a:picLocks noChangeAspect="1" noChangeArrowheads="1"/>
-          </p:cNvPicPr>
-          <p:nvPr/>
-        </p:nvPicPr>
-        <p:blipFill rotWithShape="1">
-          <a:blip r:embed="rId3">
-            <a:clrChange>
-              <a:clrFrom>
-                <a:srgbClr val="FFFFFF"/>
-              </a:clrFrom>
-              <a:clrTo>
-                <a:srgbClr val="FFFFFF">
-                  <a:alpha val="0"/>
-                </a:srgbClr>
-              </a:clrTo>
-            </a:clrChange>
-            <a:extLst>
-              <a:ext uri="{28A0092B-C50C-407E-A947-70E740481C1C}">
-                <a14:useLocalDpi xmlns:a14="http://schemas.microsoft.com/office/drawing/2010/main" val="0"/>
-              </a:ext>
-            </a:extLst>
-          </a:blip>
-          <a:srcRect l="57196" t="14597" r="31161" b="63789"/>
-          <a:stretch/>
-        </p:blipFill>
-        <p:spPr bwMode="auto">
-          <a:xfrm rot="10800000">
-            <a:off x="6496331" y="1820580"/>
-            <a:ext cx="928048" cy="1214651"/>
-          </a:xfrm>
-          <a:prstGeom prst="rect">
-            <a:avLst/>
-          </a:prstGeom>
-          <a:noFill/>
-          <a:extLst>
-            <a:ext uri="{909E8E84-426E-40DD-AFC4-6F175D3DCCD1}">
-              <a14:hiddenFill xmlns:a14="http://schemas.microsoft.com/office/drawing/2010/main">
-                <a:solidFill>
-                  <a:srgbClr val="FFFFFF"/>
-                </a:solidFill>
-              </a14:hiddenFill>
-            </a:ext>
-          </a:extLst>
-        </p:spPr>
-      </p:pic>
       <p:sp>
         <p:nvSpPr>
           <p:cNvPr id="32" name="Rectangle 31"/>
@@ -14378,10 +14786,60 @@
           </a:p>
         </p:txBody>
       </p:sp>
+      <p:sp>
+        <p:nvSpPr>
+          <p:cNvPr id="22" name="Rectangle 21"/>
+          <p:cNvSpPr/>
+          <p:nvPr/>
+        </p:nvSpPr>
+        <p:spPr>
+          <a:xfrm>
+            <a:off x="8332768" y="1765167"/>
+            <a:ext cx="2835908" cy="1502663"/>
+          </a:xfrm>
+          <a:prstGeom prst="rect">
+            <a:avLst/>
+          </a:prstGeom>
+          <a:solidFill>
+            <a:schemeClr val="bg1"/>
+          </a:solidFill>
+          <a:ln>
+            <a:noFill/>
+          </a:ln>
+        </p:spPr>
+        <p:style>
+          <a:lnRef idx="2">
+            <a:schemeClr val="accent1">
+              <a:shade val="50000"/>
+            </a:schemeClr>
+          </a:lnRef>
+          <a:fillRef idx="1">
+            <a:schemeClr val="accent1"/>
+          </a:fillRef>
+          <a:effectRef idx="0">
+            <a:schemeClr val="accent1"/>
+          </a:effectRef>
+          <a:fontRef idx="minor">
+            <a:schemeClr val="lt1"/>
+          </a:fontRef>
+        </p:style>
+        <p:txBody>
+          <a:bodyPr rtlCol="0" anchor="ctr"/>
+          <a:lstStyle/>
+          <a:p>
+            <a:pPr algn="ctr"/>
+            <a:endParaRPr lang="fr-FR" dirty="0">
+              <a:solidFill>
+                <a:schemeClr val="tx2"/>
+              </a:solidFill>
+            </a:endParaRPr>
+          </a:p>
+        </p:txBody>
+      </p:sp>
     </p:spTree>
     <p:extLst>
       <p:ext uri="{BB962C8B-B14F-4D97-AF65-F5344CB8AC3E}">
-        <p14:creationId xmlns:p14="http://schemas.microsoft.com/office/powerpoint/2010/main" val="1181391487"/>
+        <p14:creationId xmlns:p14="http://schemas.microsoft.com/office/powerpoint/2010/main" val="3578230245"/>
       </p:ext>
     </p:extLst>
   </p:cSld>
@@ -14423,7 +14881,7 @@
           <a:bodyPr/>
           <a:lstStyle/>
           <a:p>
-            <a:endParaRPr lang="en-US" dirty="0"/>
+            <a:endParaRPr lang="en-US"/>
           </a:p>
         </p:txBody>
       </p:sp>
@@ -14710,8 +15168,8 @@
         </p:nvSpPr>
         <p:spPr>
           <a:xfrm>
-            <a:off x="2291974" y="3018525"/>
-            <a:ext cx="2573223" cy="3650564"/>
+            <a:off x="3748585" y="4773909"/>
+            <a:ext cx="4694830" cy="1895179"/>
           </a:xfrm>
           <a:prstGeom prst="rect">
             <a:avLst/>
@@ -14810,8 +15268,8 @@
         </p:nvSpPr>
         <p:spPr>
           <a:xfrm>
-            <a:off x="8443415" y="3255187"/>
-            <a:ext cx="686937" cy="2263703"/>
+            <a:off x="8560917" y="4016227"/>
+            <a:ext cx="569435" cy="1502663"/>
           </a:xfrm>
           <a:prstGeom prst="rect">
             <a:avLst/>
@@ -14854,57 +15312,7 @@
       </p:sp>
       <p:sp>
         <p:nvSpPr>
-          <p:cNvPr id="16" name="Rectangle 15"/>
-          <p:cNvSpPr/>
-          <p:nvPr/>
-        </p:nvSpPr>
-        <p:spPr>
-          <a:xfrm>
-            <a:off x="5725009" y="4740910"/>
-            <a:ext cx="2835908" cy="1650922"/>
-          </a:xfrm>
-          <a:prstGeom prst="rect">
-            <a:avLst/>
-          </a:prstGeom>
-          <a:solidFill>
-            <a:schemeClr val="bg1"/>
-          </a:solidFill>
-          <a:ln>
-            <a:noFill/>
-          </a:ln>
-        </p:spPr>
-        <p:style>
-          <a:lnRef idx="2">
-            <a:schemeClr val="accent1">
-              <a:shade val="50000"/>
-            </a:schemeClr>
-          </a:lnRef>
-          <a:fillRef idx="1">
-            <a:schemeClr val="accent1"/>
-          </a:fillRef>
-          <a:effectRef idx="0">
-            <a:schemeClr val="accent1"/>
-          </a:effectRef>
-          <a:fontRef idx="minor">
-            <a:schemeClr val="lt1"/>
-          </a:fontRef>
-        </p:style>
-        <p:txBody>
-          <a:bodyPr rtlCol="0" anchor="ctr"/>
-          <a:lstStyle/>
-          <a:p>
-            <a:pPr algn="ctr"/>
-            <a:endParaRPr lang="fr-FR" dirty="0">
-              <a:solidFill>
-                <a:schemeClr val="tx2"/>
-              </a:solidFill>
-            </a:endParaRPr>
-          </a:p>
-        </p:txBody>
-      </p:sp>
-      <p:sp>
-        <p:nvSpPr>
-          <p:cNvPr id="19" name="Title 40"/>
+          <p:cNvPr id="16" name="Title 40"/>
           <p:cNvSpPr>
             <a:spLocks noGrp="1"/>
           </p:cNvSpPr>
@@ -14929,254 +15337,10 @@
           </a:p>
         </p:txBody>
       </p:sp>
-      <p:grpSp>
-        <p:nvGrpSpPr>
-          <p:cNvPr id="27" name="Group 26"/>
-          <p:cNvGrpSpPr/>
-          <p:nvPr/>
-        </p:nvGrpSpPr>
-        <p:grpSpPr>
-          <a:xfrm>
-            <a:off x="4857755" y="988292"/>
-            <a:ext cx="2007070" cy="1871188"/>
-            <a:chOff x="4857755" y="988292"/>
-            <a:chExt cx="2007070" cy="1871188"/>
-          </a:xfrm>
-        </p:grpSpPr>
-        <p:pic>
-          <p:nvPicPr>
-            <p:cNvPr id="28" name="Picture 2" descr="Afficher l'image d'origine"/>
-            <p:cNvPicPr>
-              <a:picLocks noChangeAspect="1" noChangeArrowheads="1"/>
-            </p:cNvPicPr>
-            <p:nvPr/>
-          </p:nvPicPr>
-          <p:blipFill rotWithShape="1">
-            <a:blip r:embed="rId3">
-              <a:extLst>
-                <a:ext uri="{28A0092B-C50C-407E-A947-70E740481C1C}">
-                  <a14:useLocalDpi xmlns:a14="http://schemas.microsoft.com/office/drawing/2010/main" val="0"/>
-                </a:ext>
-              </a:extLst>
-            </a:blip>
-            <a:srcRect l="32188" t="-117" r="42633" b="66820"/>
-            <a:stretch/>
-          </p:blipFill>
-          <p:spPr bwMode="auto">
-            <a:xfrm>
-              <a:off x="4857755" y="988292"/>
-              <a:ext cx="2007070" cy="1871188"/>
-            </a:xfrm>
-            <a:prstGeom prst="rect">
-              <a:avLst/>
-            </a:prstGeom>
-            <a:noFill/>
-            <a:extLst>
-              <a:ext uri="{909E8E84-426E-40DD-AFC4-6F175D3DCCD1}">
-                <a14:hiddenFill xmlns:a14="http://schemas.microsoft.com/office/drawing/2010/main">
-                  <a:solidFill>
-                    <a:srgbClr val="FFFFFF"/>
-                  </a:solidFill>
-                </a14:hiddenFill>
-              </a:ext>
-            </a:extLst>
-          </p:spPr>
-        </p:pic>
-        <p:pic>
-          <p:nvPicPr>
-            <p:cNvPr id="30" name="Picture 29"/>
-            <p:cNvPicPr>
-              <a:picLocks noChangeAspect="1"/>
-            </p:cNvPicPr>
-            <p:nvPr/>
-          </p:nvPicPr>
-          <p:blipFill>
-            <a:blip r:embed="rId4">
-              <a:clrChange>
-                <a:clrFrom>
-                  <a:srgbClr val="FFFFFF"/>
-                </a:clrFrom>
-                <a:clrTo>
-                  <a:srgbClr val="FFFFFF">
-                    <a:alpha val="0"/>
-                  </a:srgbClr>
-                </a:clrTo>
-              </a:clrChange>
-              <a:extLst>
-                <a:ext uri="{28A0092B-C50C-407E-A947-70E740481C1C}">
-                  <a14:useLocalDpi xmlns:a14="http://schemas.microsoft.com/office/drawing/2010/main" val="0"/>
-                </a:ext>
-              </a:extLst>
-            </a:blip>
-            <a:stretch>
-              <a:fillRect/>
-            </a:stretch>
-          </p:blipFill>
-          <p:spPr>
-            <a:xfrm>
-              <a:off x="6108344" y="1260548"/>
-              <a:ext cx="645350" cy="560032"/>
-            </a:xfrm>
-            <a:prstGeom prst="rect">
-              <a:avLst/>
-            </a:prstGeom>
-          </p:spPr>
-        </p:pic>
-      </p:grpSp>
-      <p:sp>
-        <p:nvSpPr>
-          <p:cNvPr id="31" name="Rectangle 30"/>
-          <p:cNvSpPr/>
-          <p:nvPr/>
-        </p:nvSpPr>
-        <p:spPr>
-          <a:xfrm>
-            <a:off x="6844654" y="2612083"/>
-            <a:ext cx="237858" cy="237814"/>
-          </a:xfrm>
-          <a:prstGeom prst="rect">
-            <a:avLst/>
-          </a:prstGeom>
-          <a:solidFill>
-            <a:schemeClr val="bg1"/>
-          </a:solidFill>
-          <a:ln>
-            <a:noFill/>
-          </a:ln>
-        </p:spPr>
-        <p:style>
-          <a:lnRef idx="2">
-            <a:schemeClr val="accent1">
-              <a:shade val="50000"/>
-            </a:schemeClr>
-          </a:lnRef>
-          <a:fillRef idx="1">
-            <a:schemeClr val="accent1"/>
-          </a:fillRef>
-          <a:effectRef idx="0">
-            <a:schemeClr val="accent1"/>
-          </a:effectRef>
-          <a:fontRef idx="minor">
-            <a:schemeClr val="lt1"/>
-          </a:fontRef>
-        </p:style>
-        <p:txBody>
-          <a:bodyPr rtlCol="0" anchor="ctr"/>
-          <a:lstStyle/>
-          <a:p>
-            <a:pPr algn="ctr"/>
-            <a:endParaRPr lang="fr-FR" dirty="0">
-              <a:solidFill>
-                <a:schemeClr val="tx2"/>
-              </a:solidFill>
-            </a:endParaRPr>
-          </a:p>
-        </p:txBody>
-      </p:sp>
-      <p:sp>
-        <p:nvSpPr>
-          <p:cNvPr id="32" name="Rectangle 31"/>
-          <p:cNvSpPr/>
-          <p:nvPr/>
-        </p:nvSpPr>
-        <p:spPr>
-          <a:xfrm>
-            <a:off x="6367215" y="2564135"/>
-            <a:ext cx="373031" cy="152172"/>
-          </a:xfrm>
-          <a:prstGeom prst="rect">
-            <a:avLst/>
-          </a:prstGeom>
-          <a:solidFill>
-            <a:schemeClr val="bg1"/>
-          </a:solidFill>
-          <a:ln>
-            <a:noFill/>
-          </a:ln>
-        </p:spPr>
-        <p:style>
-          <a:lnRef idx="2">
-            <a:schemeClr val="accent1">
-              <a:shade val="50000"/>
-            </a:schemeClr>
-          </a:lnRef>
-          <a:fillRef idx="1">
-            <a:schemeClr val="accent1"/>
-          </a:fillRef>
-          <a:effectRef idx="0">
-            <a:schemeClr val="accent1"/>
-          </a:effectRef>
-          <a:fontRef idx="minor">
-            <a:schemeClr val="lt1"/>
-          </a:fontRef>
-        </p:style>
-        <p:txBody>
-          <a:bodyPr rtlCol="0" anchor="ctr"/>
-          <a:lstStyle/>
-          <a:p>
-            <a:pPr algn="ctr"/>
-            <a:endParaRPr lang="fr-FR" dirty="0">
-              <a:solidFill>
-                <a:schemeClr val="tx2"/>
-              </a:solidFill>
-            </a:endParaRPr>
-          </a:p>
-        </p:txBody>
-      </p:sp>
-      <p:sp>
-        <p:nvSpPr>
-          <p:cNvPr id="33" name="Rectangle 32"/>
-          <p:cNvSpPr/>
-          <p:nvPr/>
-        </p:nvSpPr>
-        <p:spPr>
-          <a:xfrm>
-            <a:off x="6804050" y="2573121"/>
-            <a:ext cx="278462" cy="182574"/>
-          </a:xfrm>
-          <a:prstGeom prst="rect">
-            <a:avLst/>
-          </a:prstGeom>
-          <a:solidFill>
-            <a:schemeClr val="bg1"/>
-          </a:solidFill>
-          <a:ln>
-            <a:noFill/>
-          </a:ln>
-        </p:spPr>
-        <p:style>
-          <a:lnRef idx="2">
-            <a:schemeClr val="accent1">
-              <a:shade val="50000"/>
-            </a:schemeClr>
-          </a:lnRef>
-          <a:fillRef idx="1">
-            <a:schemeClr val="accent1"/>
-          </a:fillRef>
-          <a:effectRef idx="0">
-            <a:schemeClr val="accent1"/>
-          </a:effectRef>
-          <a:fontRef idx="minor">
-            <a:schemeClr val="lt1"/>
-          </a:fontRef>
-        </p:style>
-        <p:txBody>
-          <a:bodyPr rtlCol="0" anchor="ctr"/>
-          <a:lstStyle/>
-          <a:p>
-            <a:pPr algn="ctr"/>
-            <a:endParaRPr lang="fr-FR" dirty="0">
-              <a:solidFill>
-                <a:schemeClr val="tx2"/>
-              </a:solidFill>
-            </a:endParaRPr>
-          </a:p>
-        </p:txBody>
-      </p:sp>
     </p:spTree>
     <p:extLst>
       <p:ext uri="{BB962C8B-B14F-4D97-AF65-F5344CB8AC3E}">
-        <p14:creationId xmlns:p14="http://schemas.microsoft.com/office/powerpoint/2010/main" val="3578230245"/>
+        <p14:creationId xmlns:p14="http://schemas.microsoft.com/office/powerpoint/2010/main" val="3587921215"/>
       </p:ext>
     </p:extLst>
   </p:cSld>
@@ -15505,8 +15669,8 @@
         </p:nvSpPr>
         <p:spPr>
           <a:xfrm>
-            <a:off x="3748585" y="4773909"/>
-            <a:ext cx="4694830" cy="1895179"/>
+            <a:off x="3748584" y="4773909"/>
+            <a:ext cx="4385481" cy="1895179"/>
           </a:xfrm>
           <a:prstGeom prst="rect">
             <a:avLst/>
@@ -15547,109 +15711,189 @@
           </a:p>
         </p:txBody>
       </p:sp>
-      <p:sp>
-        <p:nvSpPr>
-          <p:cNvPr id="13" name="Rectangle 12"/>
-          <p:cNvSpPr/>
+      <p:grpSp>
+        <p:nvGrpSpPr>
+          <p:cNvPr id="7" name="Group 6"/>
+          <p:cNvGrpSpPr/>
           <p:nvPr/>
-        </p:nvSpPr>
-        <p:spPr>
+        </p:nvGrpSpPr>
+        <p:grpSpPr>
           <a:xfrm>
-            <a:off x="8443415" y="4229397"/>
-            <a:ext cx="2835908" cy="1502663"/>
+            <a:off x="2291974" y="1074588"/>
+            <a:ext cx="7495746" cy="2675109"/>
+            <a:chOff x="2291974" y="1074588"/>
+            <a:chExt cx="7495746" cy="2675109"/>
           </a:xfrm>
-          <a:prstGeom prst="rect">
-            <a:avLst/>
-          </a:prstGeom>
-          <a:solidFill>
-            <a:schemeClr val="bg1"/>
-          </a:solidFill>
-          <a:ln>
-            <a:noFill/>
-          </a:ln>
-        </p:spPr>
-        <p:style>
-          <a:lnRef idx="2">
-            <a:schemeClr val="accent1">
-              <a:shade val="50000"/>
-            </a:schemeClr>
-          </a:lnRef>
-          <a:fillRef idx="1">
-            <a:schemeClr val="accent1"/>
-          </a:fillRef>
-          <a:effectRef idx="0">
-            <a:schemeClr val="accent1"/>
-          </a:effectRef>
-          <a:fontRef idx="minor">
-            <a:schemeClr val="lt1"/>
-          </a:fontRef>
-        </p:style>
-        <p:txBody>
-          <a:bodyPr rtlCol="0" anchor="ctr"/>
-          <a:lstStyle/>
-          <a:p>
-            <a:pPr algn="ctr"/>
-            <a:endParaRPr lang="fr-FR" dirty="0">
+        </p:grpSpPr>
+        <p:sp>
+          <p:nvSpPr>
+            <p:cNvPr id="13" name="Rectangle 12"/>
+            <p:cNvSpPr/>
+            <p:nvPr/>
+          </p:nvSpPr>
+          <p:spPr>
+            <a:xfrm>
+              <a:off x="2291974" y="1074588"/>
+              <a:ext cx="7343345" cy="1895179"/>
+            </a:xfrm>
+            <a:prstGeom prst="rect">
+              <a:avLst/>
+            </a:prstGeom>
+            <a:solidFill>
+              <a:schemeClr val="bg1"/>
+            </a:solidFill>
+            <a:ln>
+              <a:noFill/>
+            </a:ln>
+          </p:spPr>
+          <p:style>
+            <a:lnRef idx="2">
+              <a:schemeClr val="accent1">
+                <a:shade val="50000"/>
+              </a:schemeClr>
+            </a:lnRef>
+            <a:fillRef idx="1">
+              <a:schemeClr val="accent1"/>
+            </a:fillRef>
+            <a:effectRef idx="0">
+              <a:schemeClr val="accent1"/>
+            </a:effectRef>
+            <a:fontRef idx="minor">
+              <a:schemeClr val="lt1"/>
+            </a:fontRef>
+          </p:style>
+          <p:txBody>
+            <a:bodyPr rtlCol="0" anchor="ctr"/>
+            <a:lstStyle/>
+            <a:p>
+              <a:pPr algn="ctr"/>
+              <a:endParaRPr lang="fr-FR" dirty="0">
+                <a:solidFill>
+                  <a:schemeClr val="tx2"/>
+                </a:solidFill>
+              </a:endParaRPr>
+            </a:p>
+          </p:txBody>
+        </p:sp>
+        <p:grpSp>
+          <p:nvGrpSpPr>
+            <p:cNvPr id="6" name="Group 5"/>
+            <p:cNvGrpSpPr/>
+            <p:nvPr/>
+          </p:nvGrpSpPr>
+          <p:grpSpPr>
+            <a:xfrm>
+              <a:off x="8393373" y="1226988"/>
+              <a:ext cx="1394347" cy="2522709"/>
+              <a:chOff x="8393373" y="1226988"/>
+              <a:chExt cx="1394347" cy="2522709"/>
+            </a:xfrm>
+          </p:grpSpPr>
+          <p:sp>
+            <p:nvSpPr>
+              <p:cNvPr id="14" name="Rectangle 13"/>
+              <p:cNvSpPr/>
+              <p:nvPr/>
+            </p:nvSpPr>
+            <p:spPr>
+              <a:xfrm>
+                <a:off x="8393374" y="1226988"/>
+                <a:ext cx="1394346" cy="2007531"/>
+              </a:xfrm>
+              <a:prstGeom prst="rect">
+                <a:avLst/>
+              </a:prstGeom>
               <a:solidFill>
-                <a:schemeClr val="tx2"/>
+                <a:schemeClr val="bg1"/>
               </a:solidFill>
-            </a:endParaRPr>
-          </a:p>
-        </p:txBody>
-      </p:sp>
-      <p:sp>
-        <p:nvSpPr>
-          <p:cNvPr id="14" name="Rectangle 13"/>
-          <p:cNvSpPr/>
-          <p:nvPr/>
-        </p:nvSpPr>
-        <p:spPr>
-          <a:xfrm>
-            <a:off x="8560917" y="4016227"/>
-            <a:ext cx="569435" cy="1502663"/>
-          </a:xfrm>
-          <a:prstGeom prst="rect">
-            <a:avLst/>
-          </a:prstGeom>
-          <a:solidFill>
-            <a:schemeClr val="bg1"/>
-          </a:solidFill>
-          <a:ln>
-            <a:noFill/>
-          </a:ln>
-        </p:spPr>
-        <p:style>
-          <a:lnRef idx="2">
-            <a:schemeClr val="accent1">
-              <a:shade val="50000"/>
-            </a:schemeClr>
-          </a:lnRef>
-          <a:fillRef idx="1">
-            <a:schemeClr val="accent1"/>
-          </a:fillRef>
-          <a:effectRef idx="0">
-            <a:schemeClr val="accent1"/>
-          </a:effectRef>
-          <a:fontRef idx="minor">
-            <a:schemeClr val="lt1"/>
-          </a:fontRef>
-        </p:style>
-        <p:txBody>
-          <a:bodyPr rtlCol="0" anchor="ctr"/>
-          <a:lstStyle/>
-          <a:p>
-            <a:pPr algn="ctr"/>
-            <a:endParaRPr lang="fr-FR" dirty="0">
+              <a:ln>
+                <a:noFill/>
+              </a:ln>
+            </p:spPr>
+            <p:style>
+              <a:lnRef idx="2">
+                <a:schemeClr val="accent1">
+                  <a:shade val="50000"/>
+                </a:schemeClr>
+              </a:lnRef>
+              <a:fillRef idx="1">
+                <a:schemeClr val="accent1"/>
+              </a:fillRef>
+              <a:effectRef idx="0">
+                <a:schemeClr val="accent1"/>
+              </a:effectRef>
+              <a:fontRef idx="minor">
+                <a:schemeClr val="lt1"/>
+              </a:fontRef>
+            </p:style>
+            <p:txBody>
+              <a:bodyPr rtlCol="0" anchor="ctr"/>
+              <a:lstStyle/>
+              <a:p>
+                <a:pPr algn="ctr"/>
+                <a:endParaRPr lang="fr-FR" dirty="0">
+                  <a:solidFill>
+                    <a:schemeClr val="tx2"/>
+                  </a:solidFill>
+                </a:endParaRPr>
+              </a:p>
+            </p:txBody>
+          </p:sp>
+          <p:sp>
+            <p:nvSpPr>
+              <p:cNvPr id="15" name="Rectangle 14"/>
+              <p:cNvSpPr/>
+              <p:nvPr/>
+            </p:nvSpPr>
+            <p:spPr>
+              <a:xfrm>
+                <a:off x="8393373" y="1742166"/>
+                <a:ext cx="700844" cy="2007531"/>
+              </a:xfrm>
+              <a:prstGeom prst="rect">
+                <a:avLst/>
+              </a:prstGeom>
               <a:solidFill>
-                <a:schemeClr val="tx2"/>
+                <a:schemeClr val="bg1"/>
               </a:solidFill>
-            </a:endParaRPr>
-          </a:p>
-        </p:txBody>
-      </p:sp>
-      <p:sp>
-        <p:nvSpPr>
-          <p:cNvPr id="16" name="Title 40"/>
+              <a:ln>
+                <a:noFill/>
+              </a:ln>
+            </p:spPr>
+            <p:style>
+              <a:lnRef idx="2">
+                <a:schemeClr val="accent1">
+                  <a:shade val="50000"/>
+                </a:schemeClr>
+              </a:lnRef>
+              <a:fillRef idx="1">
+                <a:schemeClr val="accent1"/>
+              </a:fillRef>
+              <a:effectRef idx="0">
+                <a:schemeClr val="accent1"/>
+              </a:effectRef>
+              <a:fontRef idx="minor">
+                <a:schemeClr val="lt1"/>
+              </a:fontRef>
+            </p:style>
+            <p:txBody>
+              <a:bodyPr rtlCol="0" anchor="ctr"/>
+              <a:lstStyle/>
+              <a:p>
+                <a:pPr algn="ctr"/>
+                <a:endParaRPr lang="fr-FR" dirty="0">
+                  <a:solidFill>
+                    <a:schemeClr val="tx2"/>
+                  </a:solidFill>
+                </a:endParaRPr>
+              </a:p>
+            </p:txBody>
+          </p:sp>
+        </p:grpSp>
+      </p:grpSp>
+      <p:sp>
+        <p:nvSpPr>
+          <p:cNvPr id="19" name="Title 40"/>
           <p:cNvSpPr>
             <a:spLocks noGrp="1"/>
           </p:cNvSpPr>
@@ -15677,7 +15921,7 @@
     </p:spTree>
     <p:extLst>
       <p:ext uri="{BB962C8B-B14F-4D97-AF65-F5344CB8AC3E}">
-        <p14:creationId xmlns:p14="http://schemas.microsoft.com/office/powerpoint/2010/main" val="3587921215"/>
+        <p14:creationId xmlns:p14="http://schemas.microsoft.com/office/powerpoint/2010/main" val="2871619023"/>
       </p:ext>
     </p:extLst>
   </p:cSld>
@@ -16006,8 +16250,8 @@
         </p:nvSpPr>
         <p:spPr>
           <a:xfrm>
-            <a:off x="3748584" y="4773909"/>
-            <a:ext cx="4385481" cy="1895179"/>
+            <a:off x="3748585" y="4773909"/>
+            <a:ext cx="3060796" cy="1895179"/>
           </a:xfrm>
           <a:prstGeom prst="rect">
             <a:avLst/>
@@ -16258,7 +16502,7 @@
     </p:spTree>
     <p:extLst>
       <p:ext uri="{BB962C8B-B14F-4D97-AF65-F5344CB8AC3E}">
-        <p14:creationId xmlns:p14="http://schemas.microsoft.com/office/powerpoint/2010/main" val="2871619023"/>
+        <p14:creationId xmlns:p14="http://schemas.microsoft.com/office/powerpoint/2010/main" val="3465607504"/>
       </p:ext>
     </p:extLst>
   </p:cSld>
@@ -16538,7 +16782,7 @@
         <p:spPr>
           <a:xfrm>
             <a:off x="1978922" y="2866031"/>
-            <a:ext cx="4694830" cy="3803057"/>
+            <a:ext cx="2101759" cy="3803057"/>
           </a:xfrm>
           <a:prstGeom prst="rect">
             <a:avLst/>
@@ -16587,8 +16831,8 @@
         </p:nvSpPr>
         <p:spPr>
           <a:xfrm>
-            <a:off x="3748585" y="4773909"/>
-            <a:ext cx="3060796" cy="1895179"/>
+            <a:off x="3140446" y="4780259"/>
+            <a:ext cx="1786396" cy="1895179"/>
           </a:xfrm>
           <a:prstGeom prst="rect">
             <a:avLst/>
@@ -16631,7 +16875,7 @@
       </p:sp>
       <p:grpSp>
         <p:nvGrpSpPr>
-          <p:cNvPr id="7" name="Group 6"/>
+          <p:cNvPr id="13" name="Group 12"/>
           <p:cNvGrpSpPr/>
           <p:nvPr/>
         </p:nvGrpSpPr>
@@ -16645,7 +16889,7 @@
         </p:grpSpPr>
         <p:sp>
           <p:nvSpPr>
-            <p:cNvPr id="13" name="Rectangle 12"/>
+            <p:cNvPr id="14" name="Rectangle 13"/>
             <p:cNvSpPr/>
             <p:nvPr/>
           </p:nvSpPr>
@@ -16695,7 +16939,7 @@
         </p:sp>
         <p:grpSp>
           <p:nvGrpSpPr>
-            <p:cNvPr id="6" name="Group 5"/>
+            <p:cNvPr id="15" name="Group 14"/>
             <p:cNvGrpSpPr/>
             <p:nvPr/>
           </p:nvGrpSpPr>
@@ -16709,7 +16953,7 @@
           </p:grpSpPr>
           <p:sp>
             <p:nvSpPr>
-              <p:cNvPr id="14" name="Rectangle 13"/>
+              <p:cNvPr id="16" name="Rectangle 15"/>
               <p:cNvSpPr/>
               <p:nvPr/>
             </p:nvSpPr>
@@ -16759,7 +17003,7 @@
           </p:sp>
           <p:sp>
             <p:nvSpPr>
-              <p:cNvPr id="15" name="Rectangle 14"/>
+              <p:cNvPr id="17" name="Rectangle 16"/>
               <p:cNvSpPr/>
               <p:nvPr/>
             </p:nvSpPr>
@@ -16839,7 +17083,7 @@
     </p:spTree>
     <p:extLst>
       <p:ext uri="{BB962C8B-B14F-4D97-AF65-F5344CB8AC3E}">
-        <p14:creationId xmlns:p14="http://schemas.microsoft.com/office/powerpoint/2010/main" val="3465607504"/>
+        <p14:creationId xmlns:p14="http://schemas.microsoft.com/office/powerpoint/2010/main" val="4015448145"/>
       </p:ext>
     </p:extLst>
   </p:cSld>
@@ -17118,58 +17362,8 @@
         </p:nvSpPr>
         <p:spPr>
           <a:xfrm>
-            <a:off x="1978922" y="2866031"/>
-            <a:ext cx="2101759" cy="3803057"/>
-          </a:xfrm>
-          <a:prstGeom prst="rect">
-            <a:avLst/>
-          </a:prstGeom>
-          <a:solidFill>
-            <a:schemeClr val="bg1"/>
-          </a:solidFill>
-          <a:ln>
-            <a:noFill/>
-          </a:ln>
-        </p:spPr>
-        <p:style>
-          <a:lnRef idx="2">
-            <a:schemeClr val="accent1">
-              <a:shade val="50000"/>
-            </a:schemeClr>
-          </a:lnRef>
-          <a:fillRef idx="1">
-            <a:schemeClr val="accent1"/>
-          </a:fillRef>
-          <a:effectRef idx="0">
-            <a:schemeClr val="accent1"/>
-          </a:effectRef>
-          <a:fontRef idx="minor">
-            <a:schemeClr val="lt1"/>
-          </a:fontRef>
-        </p:style>
-        <p:txBody>
-          <a:bodyPr rtlCol="0" anchor="ctr"/>
-          <a:lstStyle/>
-          <a:p>
-            <a:pPr algn="ctr"/>
-            <a:endParaRPr lang="fr-FR" dirty="0">
-              <a:solidFill>
-                <a:schemeClr val="tx2"/>
-              </a:solidFill>
-            </a:endParaRPr>
-          </a:p>
-        </p:txBody>
-      </p:sp>
-      <p:sp>
-        <p:nvSpPr>
-          <p:cNvPr id="12" name="Rectangle 11"/>
-          <p:cNvSpPr/>
-          <p:nvPr/>
-        </p:nvSpPr>
-        <p:spPr>
-          <a:xfrm>
-            <a:off x="3140446" y="4780259"/>
-            <a:ext cx="1786396" cy="1895179"/>
+            <a:off x="1978922" y="2866032"/>
+            <a:ext cx="2101759" cy="2101754"/>
           </a:xfrm>
           <a:prstGeom prst="rect">
             <a:avLst/>
@@ -17420,7 +17614,7 @@
     </p:spTree>
     <p:extLst>
       <p:ext uri="{BB962C8B-B14F-4D97-AF65-F5344CB8AC3E}">
-        <p14:creationId xmlns:p14="http://schemas.microsoft.com/office/powerpoint/2010/main" val="4015448145"/>
+        <p14:creationId xmlns:p14="http://schemas.microsoft.com/office/powerpoint/2010/main" val="3083219235"/>
       </p:ext>
     </p:extLst>
   </p:cSld>
@@ -17693,14 +17887,14 @@
       </p:grpSp>
       <p:sp>
         <p:nvSpPr>
-          <p:cNvPr id="2" name="Rectangle 1"/>
+          <p:cNvPr id="13" name="Rectangle 12"/>
           <p:cNvSpPr/>
           <p:nvPr/>
         </p:nvSpPr>
         <p:spPr>
           <a:xfrm>
-            <a:off x="1978922" y="2866032"/>
-            <a:ext cx="2101759" cy="2101754"/>
+            <a:off x="4890898" y="1074588"/>
+            <a:ext cx="4797261" cy="1895179"/>
           </a:xfrm>
           <a:prstGeom prst="rect">
             <a:avLst/>
@@ -17743,28 +17937,28 @@
       </p:sp>
       <p:grpSp>
         <p:nvGrpSpPr>
-          <p:cNvPr id="13" name="Group 12"/>
+          <p:cNvPr id="14" name="Group 13"/>
           <p:cNvGrpSpPr/>
           <p:nvPr/>
         </p:nvGrpSpPr>
         <p:grpSpPr>
           <a:xfrm>
-            <a:off x="2291974" y="1074588"/>
-            <a:ext cx="7495746" cy="2675109"/>
-            <a:chOff x="2291974" y="1074588"/>
-            <a:chExt cx="7495746" cy="2675109"/>
+            <a:off x="8366079" y="1226988"/>
+            <a:ext cx="1421642" cy="2522709"/>
+            <a:chOff x="8393373" y="1226988"/>
+            <a:chExt cx="1394347" cy="2522709"/>
           </a:xfrm>
         </p:grpSpPr>
         <p:sp>
           <p:nvSpPr>
-            <p:cNvPr id="14" name="Rectangle 13"/>
+            <p:cNvPr id="15" name="Rectangle 14"/>
             <p:cNvSpPr/>
             <p:nvPr/>
           </p:nvSpPr>
           <p:spPr>
             <a:xfrm>
-              <a:off x="2291974" y="1074588"/>
-              <a:ext cx="7343345" cy="1895179"/>
+              <a:off x="8393374" y="1226988"/>
+              <a:ext cx="1394346" cy="2007531"/>
             </a:xfrm>
             <a:prstGeom prst="rect">
               <a:avLst/>
@@ -17805,122 +17999,107 @@
             </a:p>
           </p:txBody>
         </p:sp>
-        <p:grpSp>
-          <p:nvGrpSpPr>
-            <p:cNvPr id="15" name="Group 14"/>
-            <p:cNvGrpSpPr/>
+        <p:sp>
+          <p:nvSpPr>
+            <p:cNvPr id="16" name="Rectangle 15"/>
+            <p:cNvSpPr/>
             <p:nvPr/>
-          </p:nvGrpSpPr>
-          <p:grpSpPr>
+          </p:nvSpPr>
+          <p:spPr>
             <a:xfrm>
-              <a:off x="8393373" y="1226988"/>
-              <a:ext cx="1394347" cy="2522709"/>
-              <a:chOff x="8393373" y="1226988"/>
-              <a:chExt cx="1394347" cy="2522709"/>
+              <a:off x="8393373" y="1742166"/>
+              <a:ext cx="700844" cy="2007531"/>
             </a:xfrm>
-          </p:grpSpPr>
-          <p:sp>
-            <p:nvSpPr>
-              <p:cNvPr id="16" name="Rectangle 15"/>
-              <p:cNvSpPr/>
-              <p:nvPr/>
-            </p:nvSpPr>
-            <p:spPr>
-              <a:xfrm>
-                <a:off x="8393374" y="1226988"/>
-                <a:ext cx="1394346" cy="2007531"/>
-              </a:xfrm>
-              <a:prstGeom prst="rect">
-                <a:avLst/>
-              </a:prstGeom>
+            <a:prstGeom prst="rect">
+              <a:avLst/>
+            </a:prstGeom>
+            <a:solidFill>
+              <a:schemeClr val="bg1"/>
+            </a:solidFill>
+            <a:ln>
+              <a:noFill/>
+            </a:ln>
+          </p:spPr>
+          <p:style>
+            <a:lnRef idx="2">
+              <a:schemeClr val="accent1">
+                <a:shade val="50000"/>
+              </a:schemeClr>
+            </a:lnRef>
+            <a:fillRef idx="1">
+              <a:schemeClr val="accent1"/>
+            </a:fillRef>
+            <a:effectRef idx="0">
+              <a:schemeClr val="accent1"/>
+            </a:effectRef>
+            <a:fontRef idx="minor">
+              <a:schemeClr val="lt1"/>
+            </a:fontRef>
+          </p:style>
+          <p:txBody>
+            <a:bodyPr rtlCol="0" anchor="ctr"/>
+            <a:lstStyle/>
+            <a:p>
+              <a:pPr algn="ctr"/>
+              <a:endParaRPr lang="fr-FR" dirty="0">
+                <a:solidFill>
+                  <a:schemeClr val="tx2"/>
+                </a:solidFill>
+              </a:endParaRPr>
+            </a:p>
+          </p:txBody>
+        </p:sp>
+      </p:grpSp>
+      <p:sp>
+        <p:nvSpPr>
+          <p:cNvPr id="17" name="Rectangle 16"/>
+          <p:cNvSpPr/>
+          <p:nvPr/>
+        </p:nvSpPr>
+        <p:spPr>
+          <a:xfrm>
+            <a:off x="3817366" y="2074807"/>
+            <a:ext cx="1511661" cy="1027336"/>
+          </a:xfrm>
+          <a:prstGeom prst="rect">
+            <a:avLst/>
+          </a:prstGeom>
+          <a:solidFill>
+            <a:schemeClr val="bg1"/>
+          </a:solidFill>
+          <a:ln>
+            <a:noFill/>
+          </a:ln>
+        </p:spPr>
+        <p:style>
+          <a:lnRef idx="2">
+            <a:schemeClr val="accent1">
+              <a:shade val="50000"/>
+            </a:schemeClr>
+          </a:lnRef>
+          <a:fillRef idx="1">
+            <a:schemeClr val="accent1"/>
+          </a:fillRef>
+          <a:effectRef idx="0">
+            <a:schemeClr val="accent1"/>
+          </a:effectRef>
+          <a:fontRef idx="minor">
+            <a:schemeClr val="lt1"/>
+          </a:fontRef>
+        </p:style>
+        <p:txBody>
+          <a:bodyPr rtlCol="0" anchor="ctr"/>
+          <a:lstStyle/>
+          <a:p>
+            <a:pPr algn="ctr"/>
+            <a:endParaRPr lang="fr-FR" dirty="0">
               <a:solidFill>
-                <a:schemeClr val="bg1"/>
+                <a:schemeClr val="tx2"/>
               </a:solidFill>
-              <a:ln>
-                <a:noFill/>
-              </a:ln>
-            </p:spPr>
-            <p:style>
-              <a:lnRef idx="2">
-                <a:schemeClr val="accent1">
-                  <a:shade val="50000"/>
-                </a:schemeClr>
-              </a:lnRef>
-              <a:fillRef idx="1">
-                <a:schemeClr val="accent1"/>
-              </a:fillRef>
-              <a:effectRef idx="0">
-                <a:schemeClr val="accent1"/>
-              </a:effectRef>
-              <a:fontRef idx="minor">
-                <a:schemeClr val="lt1"/>
-              </a:fontRef>
-            </p:style>
-            <p:txBody>
-              <a:bodyPr rtlCol="0" anchor="ctr"/>
-              <a:lstStyle/>
-              <a:p>
-                <a:pPr algn="ctr"/>
-                <a:endParaRPr lang="fr-FR" dirty="0">
-                  <a:solidFill>
-                    <a:schemeClr val="tx2"/>
-                  </a:solidFill>
-                </a:endParaRPr>
-              </a:p>
-            </p:txBody>
-          </p:sp>
-          <p:sp>
-            <p:nvSpPr>
-              <p:cNvPr id="17" name="Rectangle 16"/>
-              <p:cNvSpPr/>
-              <p:nvPr/>
-            </p:nvSpPr>
-            <p:spPr>
-              <a:xfrm>
-                <a:off x="8393373" y="1742166"/>
-                <a:ext cx="700844" cy="2007531"/>
-              </a:xfrm>
-              <a:prstGeom prst="rect">
-                <a:avLst/>
-              </a:prstGeom>
-              <a:solidFill>
-                <a:schemeClr val="bg1"/>
-              </a:solidFill>
-              <a:ln>
-                <a:noFill/>
-              </a:ln>
-            </p:spPr>
-            <p:style>
-              <a:lnRef idx="2">
-                <a:schemeClr val="accent1">
-                  <a:shade val="50000"/>
-                </a:schemeClr>
-              </a:lnRef>
-              <a:fillRef idx="1">
-                <a:schemeClr val="accent1"/>
-              </a:fillRef>
-              <a:effectRef idx="0">
-                <a:schemeClr val="accent1"/>
-              </a:effectRef>
-              <a:fontRef idx="minor">
-                <a:schemeClr val="lt1"/>
-              </a:fontRef>
-            </p:style>
-            <p:txBody>
-              <a:bodyPr rtlCol="0" anchor="ctr"/>
-              <a:lstStyle/>
-              <a:p>
-                <a:pPr algn="ctr"/>
-                <a:endParaRPr lang="fr-FR" dirty="0">
-                  <a:solidFill>
-                    <a:schemeClr val="tx2"/>
-                  </a:solidFill>
-                </a:endParaRPr>
-              </a:p>
-            </p:txBody>
-          </p:sp>
-        </p:grpSp>
-      </p:grpSp>
+            </a:endParaRPr>
+          </a:p>
+        </p:txBody>
+      </p:sp>
       <p:sp>
         <p:nvSpPr>
           <p:cNvPr id="19" name="Title 40"/>
@@ -17948,10 +18127,114 @@
           </a:p>
         </p:txBody>
       </p:sp>
+      <p:grpSp>
+        <p:nvGrpSpPr>
+          <p:cNvPr id="2" name="Group 1"/>
+          <p:cNvGrpSpPr/>
+          <p:nvPr/>
+        </p:nvGrpSpPr>
+        <p:grpSpPr>
+          <a:xfrm>
+            <a:off x="1888482" y="2710326"/>
+            <a:ext cx="3044761" cy="2310913"/>
+            <a:chOff x="1888482" y="2710326"/>
+            <a:chExt cx="3044761" cy="2310913"/>
+          </a:xfrm>
+        </p:grpSpPr>
+        <p:pic>
+          <p:nvPicPr>
+            <p:cNvPr id="18" name="Picture 2" descr="directory"/>
+            <p:cNvPicPr>
+              <a:picLocks noChangeAspect="1" noChangeArrowheads="1"/>
+            </p:cNvPicPr>
+            <p:nvPr/>
+          </p:nvPicPr>
+          <p:blipFill rotWithShape="1">
+            <a:blip r:embed="rId6">
+              <a:extLst>
+                <a:ext uri="{28A0092B-C50C-407E-A947-70E740481C1C}">
+                  <a14:useLocalDpi xmlns:a14="http://schemas.microsoft.com/office/drawing/2010/main" val="0"/>
+                </a:ext>
+              </a:extLst>
+            </a:blip>
+            <a:srcRect l="12815" t="31177" r="65259" b="27220"/>
+            <a:stretch/>
+          </p:blipFill>
+          <p:spPr bwMode="auto">
+            <a:xfrm>
+              <a:off x="3499556" y="2710326"/>
+              <a:ext cx="1433687" cy="1985851"/>
+            </a:xfrm>
+            <a:prstGeom prst="rect">
+              <a:avLst/>
+            </a:prstGeom>
+            <a:noFill/>
+            <a:extLst>
+              <a:ext uri="{909E8E84-426E-40DD-AFC4-6F175D3DCCD1}">
+                <a14:hiddenFill xmlns:a14="http://schemas.microsoft.com/office/drawing/2010/main">
+                  <a:solidFill>
+                    <a:srgbClr val="FFFFFF"/>
+                  </a:solidFill>
+                </a14:hiddenFill>
+              </a:ext>
+            </a:extLst>
+          </p:spPr>
+        </p:pic>
+        <p:sp>
+          <p:nvSpPr>
+            <p:cNvPr id="20" name="Rectangle 19"/>
+            <p:cNvSpPr/>
+            <p:nvPr/>
+          </p:nvSpPr>
+          <p:spPr>
+            <a:xfrm>
+              <a:off x="1888482" y="2710326"/>
+              <a:ext cx="1611073" cy="2310913"/>
+            </a:xfrm>
+            <a:prstGeom prst="rect">
+              <a:avLst/>
+            </a:prstGeom>
+            <a:solidFill>
+              <a:schemeClr val="bg1"/>
+            </a:solidFill>
+            <a:ln>
+              <a:noFill/>
+            </a:ln>
+          </p:spPr>
+          <p:style>
+            <a:lnRef idx="2">
+              <a:schemeClr val="accent1">
+                <a:shade val="50000"/>
+              </a:schemeClr>
+            </a:lnRef>
+            <a:fillRef idx="1">
+              <a:schemeClr val="accent1"/>
+            </a:fillRef>
+            <a:effectRef idx="0">
+              <a:schemeClr val="accent1"/>
+            </a:effectRef>
+            <a:fontRef idx="minor">
+              <a:schemeClr val="lt1"/>
+            </a:fontRef>
+          </p:style>
+          <p:txBody>
+            <a:bodyPr rtlCol="0" anchor="ctr"/>
+            <a:lstStyle/>
+            <a:p>
+              <a:pPr algn="ctr"/>
+              <a:endParaRPr lang="fr-FR" dirty="0">
+                <a:solidFill>
+                  <a:schemeClr val="tx2"/>
+                </a:solidFill>
+              </a:endParaRPr>
+            </a:p>
+          </p:txBody>
+        </p:sp>
+      </p:grpSp>
     </p:spTree>
     <p:extLst>
       <p:ext uri="{BB962C8B-B14F-4D97-AF65-F5344CB8AC3E}">
-        <p14:creationId xmlns:p14="http://schemas.microsoft.com/office/powerpoint/2010/main" val="3083219235"/>
+        <p14:creationId xmlns:p14="http://schemas.microsoft.com/office/powerpoint/2010/main" val="421613183"/>
       </p:ext>
     </p:extLst>
   </p:cSld>
@@ -18230,8 +18513,8 @@
         </p:nvSpPr>
         <p:spPr>
           <a:xfrm>
-            <a:off x="4890898" y="1074588"/>
-            <a:ext cx="4797261" cy="1895179"/>
+            <a:off x="6889323" y="1074588"/>
+            <a:ext cx="2595872" cy="1895179"/>
           </a:xfrm>
           <a:prstGeom prst="rect">
             <a:avLst/>
@@ -18389,57 +18672,7 @@
       </p:grpSp>
       <p:sp>
         <p:nvSpPr>
-          <p:cNvPr id="17" name="Rectangle 16"/>
-          <p:cNvSpPr/>
-          <p:nvPr/>
-        </p:nvSpPr>
-        <p:spPr>
-          <a:xfrm>
-            <a:off x="3817366" y="2074807"/>
-            <a:ext cx="1511661" cy="1027336"/>
-          </a:xfrm>
-          <a:prstGeom prst="rect">
-            <a:avLst/>
-          </a:prstGeom>
-          <a:solidFill>
-            <a:schemeClr val="bg1"/>
-          </a:solidFill>
-          <a:ln>
-            <a:noFill/>
-          </a:ln>
-        </p:spPr>
-        <p:style>
-          <a:lnRef idx="2">
-            <a:schemeClr val="accent1">
-              <a:shade val="50000"/>
-            </a:schemeClr>
-          </a:lnRef>
-          <a:fillRef idx="1">
-            <a:schemeClr val="accent1"/>
-          </a:fillRef>
-          <a:effectRef idx="0">
-            <a:schemeClr val="accent1"/>
-          </a:effectRef>
-          <a:fontRef idx="minor">
-            <a:schemeClr val="lt1"/>
-          </a:fontRef>
-        </p:style>
-        <p:txBody>
-          <a:bodyPr rtlCol="0" anchor="ctr"/>
-          <a:lstStyle/>
-          <a:p>
-            <a:pPr algn="ctr"/>
-            <a:endParaRPr lang="fr-FR" dirty="0">
-              <a:solidFill>
-                <a:schemeClr val="tx2"/>
-              </a:solidFill>
-            </a:endParaRPr>
-          </a:p>
-        </p:txBody>
-      </p:sp>
-      <p:sp>
-        <p:nvSpPr>
-          <p:cNvPr id="19" name="Title 40"/>
+          <p:cNvPr id="18" name="Title 40"/>
           <p:cNvSpPr>
             <a:spLocks noGrp="1"/>
           </p:cNvSpPr>
@@ -18466,13 +18699,13 @@
       </p:sp>
       <p:grpSp>
         <p:nvGrpSpPr>
-          <p:cNvPr id="2" name="Group 1"/>
+          <p:cNvPr id="17" name="Group 16"/>
           <p:cNvGrpSpPr/>
           <p:nvPr/>
         </p:nvGrpSpPr>
         <p:grpSpPr>
           <a:xfrm>
-            <a:off x="1888482" y="2710326"/>
+            <a:off x="1888482" y="2721615"/>
             <a:ext cx="3044761" cy="2310913"/>
             <a:chOff x="1888482" y="2710326"/>
             <a:chExt cx="3044761" cy="2310913"/>
@@ -18480,7 +18713,7 @@
         </p:grpSpPr>
         <p:pic>
           <p:nvPicPr>
-            <p:cNvPr id="18" name="Picture 2" descr="directory"/>
+            <p:cNvPr id="19" name="Picture 2" descr="directory"/>
             <p:cNvPicPr>
               <a:picLocks noChangeAspect="1" noChangeArrowheads="1"/>
             </p:cNvPicPr>
@@ -18571,7 +18804,7 @@
     </p:spTree>
     <p:extLst>
       <p:ext uri="{BB962C8B-B14F-4D97-AF65-F5344CB8AC3E}">
-        <p14:creationId xmlns:p14="http://schemas.microsoft.com/office/powerpoint/2010/main" val="421613183"/>
+        <p14:creationId xmlns:p14="http://schemas.microsoft.com/office/powerpoint/2010/main" val="1652004985"/>
       </p:ext>
     </p:extLst>
   </p:cSld>
@@ -18850,8 +19083,8 @@
         </p:nvSpPr>
         <p:spPr>
           <a:xfrm>
-            <a:off x="6889323" y="1074588"/>
-            <a:ext cx="2595872" cy="1895179"/>
+            <a:off x="8557145" y="1074588"/>
+            <a:ext cx="928049" cy="1895179"/>
           </a:xfrm>
           <a:prstGeom prst="rect">
             <a:avLst/>
@@ -19042,7 +19275,7 @@
         </p:nvGrpSpPr>
         <p:grpSpPr>
           <a:xfrm>
-            <a:off x="1888482" y="2721615"/>
+            <a:off x="1888482" y="2710326"/>
             <a:ext cx="3044761" cy="2310913"/>
             <a:chOff x="1888482" y="2710326"/>
             <a:chExt cx="3044761" cy="2310913"/>
@@ -19141,7 +19374,7 @@
     </p:spTree>
     <p:extLst>
       <p:ext uri="{BB962C8B-B14F-4D97-AF65-F5344CB8AC3E}">
-        <p14:creationId xmlns:p14="http://schemas.microsoft.com/office/powerpoint/2010/main" val="1652004985"/>
+        <p14:creationId xmlns:p14="http://schemas.microsoft.com/office/powerpoint/2010/main" val="378226451"/>
       </p:ext>
     </p:extLst>
   </p:cSld>
@@ -19475,172 +19708,7 @@
       </p:grpSp>
       <p:sp>
         <p:nvSpPr>
-          <p:cNvPr id="13" name="Rectangle 12"/>
-          <p:cNvSpPr/>
-          <p:nvPr/>
-        </p:nvSpPr>
-        <p:spPr>
-          <a:xfrm>
-            <a:off x="8557145" y="1074588"/>
-            <a:ext cx="928049" cy="1895179"/>
-          </a:xfrm>
-          <a:prstGeom prst="rect">
-            <a:avLst/>
-          </a:prstGeom>
-          <a:solidFill>
-            <a:schemeClr val="bg1"/>
-          </a:solidFill>
-          <a:ln>
-            <a:noFill/>
-          </a:ln>
-        </p:spPr>
-        <p:style>
-          <a:lnRef idx="2">
-            <a:schemeClr val="accent1">
-              <a:shade val="50000"/>
-            </a:schemeClr>
-          </a:lnRef>
-          <a:fillRef idx="1">
-            <a:schemeClr val="accent1"/>
-          </a:fillRef>
-          <a:effectRef idx="0">
-            <a:schemeClr val="accent1"/>
-          </a:effectRef>
-          <a:fontRef idx="minor">
-            <a:schemeClr val="lt1"/>
-          </a:fontRef>
-        </p:style>
-        <p:txBody>
-          <a:bodyPr rtlCol="0" anchor="ctr"/>
-          <a:lstStyle/>
-          <a:p>
-            <a:pPr algn="ctr"/>
-            <a:endParaRPr lang="fr-FR" dirty="0">
-              <a:solidFill>
-                <a:schemeClr val="tx2"/>
-              </a:solidFill>
-            </a:endParaRPr>
-          </a:p>
-        </p:txBody>
-      </p:sp>
-      <p:grpSp>
-        <p:nvGrpSpPr>
-          <p:cNvPr id="14" name="Group 13"/>
-          <p:cNvGrpSpPr/>
-          <p:nvPr/>
-        </p:nvGrpSpPr>
-        <p:grpSpPr>
-          <a:xfrm>
-            <a:off x="8366079" y="1226988"/>
-            <a:ext cx="1421642" cy="2522709"/>
-            <a:chOff x="8393373" y="1226988"/>
-            <a:chExt cx="1394347" cy="2522709"/>
-          </a:xfrm>
-        </p:grpSpPr>
-        <p:sp>
-          <p:nvSpPr>
-            <p:cNvPr id="15" name="Rectangle 14"/>
-            <p:cNvSpPr/>
-            <p:nvPr/>
-          </p:nvSpPr>
-          <p:spPr>
-            <a:xfrm>
-              <a:off x="8393374" y="1226988"/>
-              <a:ext cx="1394346" cy="2007531"/>
-            </a:xfrm>
-            <a:prstGeom prst="rect">
-              <a:avLst/>
-            </a:prstGeom>
-            <a:solidFill>
-              <a:schemeClr val="bg1"/>
-            </a:solidFill>
-            <a:ln>
-              <a:noFill/>
-            </a:ln>
-          </p:spPr>
-          <p:style>
-            <a:lnRef idx="2">
-              <a:schemeClr val="accent1">
-                <a:shade val="50000"/>
-              </a:schemeClr>
-            </a:lnRef>
-            <a:fillRef idx="1">
-              <a:schemeClr val="accent1"/>
-            </a:fillRef>
-            <a:effectRef idx="0">
-              <a:schemeClr val="accent1"/>
-            </a:effectRef>
-            <a:fontRef idx="minor">
-              <a:schemeClr val="lt1"/>
-            </a:fontRef>
-          </p:style>
-          <p:txBody>
-            <a:bodyPr rtlCol="0" anchor="ctr"/>
-            <a:lstStyle/>
-            <a:p>
-              <a:pPr algn="ctr"/>
-              <a:endParaRPr lang="fr-FR" dirty="0">
-                <a:solidFill>
-                  <a:schemeClr val="tx2"/>
-                </a:solidFill>
-              </a:endParaRPr>
-            </a:p>
-          </p:txBody>
-        </p:sp>
-        <p:sp>
-          <p:nvSpPr>
-            <p:cNvPr id="16" name="Rectangle 15"/>
-            <p:cNvSpPr/>
-            <p:nvPr/>
-          </p:nvSpPr>
-          <p:spPr>
-            <a:xfrm>
-              <a:off x="8393373" y="1742166"/>
-              <a:ext cx="700844" cy="2007531"/>
-            </a:xfrm>
-            <a:prstGeom prst="rect">
-              <a:avLst/>
-            </a:prstGeom>
-            <a:solidFill>
-              <a:schemeClr val="bg1"/>
-            </a:solidFill>
-            <a:ln>
-              <a:noFill/>
-            </a:ln>
-          </p:spPr>
-          <p:style>
-            <a:lnRef idx="2">
-              <a:schemeClr val="accent1">
-                <a:shade val="50000"/>
-              </a:schemeClr>
-            </a:lnRef>
-            <a:fillRef idx="1">
-              <a:schemeClr val="accent1"/>
-            </a:fillRef>
-            <a:effectRef idx="0">
-              <a:schemeClr val="accent1"/>
-            </a:effectRef>
-            <a:fontRef idx="minor">
-              <a:schemeClr val="lt1"/>
-            </a:fontRef>
-          </p:style>
-          <p:txBody>
-            <a:bodyPr rtlCol="0" anchor="ctr"/>
-            <a:lstStyle/>
-            <a:p>
-              <a:pPr algn="ctr"/>
-              <a:endParaRPr lang="fr-FR" dirty="0">
-                <a:solidFill>
-                  <a:schemeClr val="tx2"/>
-                </a:solidFill>
-              </a:endParaRPr>
-            </a:p>
-          </p:txBody>
-        </p:sp>
-      </p:grpSp>
-      <p:sp>
-        <p:nvSpPr>
-          <p:cNvPr id="18" name="Title 40"/>
+          <p:cNvPr id="17" name="Title 40"/>
           <p:cNvSpPr>
             <a:spLocks noGrp="1"/>
           </p:cNvSpPr>
@@ -19667,7 +19735,7 @@
       </p:sp>
       <p:grpSp>
         <p:nvGrpSpPr>
-          <p:cNvPr id="17" name="Group 16"/>
+          <p:cNvPr id="12" name="Group 11"/>
           <p:cNvGrpSpPr/>
           <p:nvPr/>
         </p:nvGrpSpPr>
@@ -19681,7 +19749,7 @@
         </p:grpSpPr>
         <p:pic>
           <p:nvPicPr>
-            <p:cNvPr id="19" name="Picture 2" descr="directory"/>
+            <p:cNvPr id="13" name="Picture 2" descr="directory"/>
             <p:cNvPicPr>
               <a:picLocks noChangeAspect="1" noChangeArrowheads="1"/>
             </p:cNvPicPr>
@@ -19720,7 +19788,7 @@
         </p:pic>
         <p:sp>
           <p:nvSpPr>
-            <p:cNvPr id="20" name="Rectangle 19"/>
+            <p:cNvPr id="14" name="Rectangle 13"/>
             <p:cNvSpPr/>
             <p:nvPr/>
           </p:nvSpPr>
@@ -19772,7 +19840,7 @@
     </p:spTree>
     <p:extLst>
       <p:ext uri="{BB962C8B-B14F-4D97-AF65-F5344CB8AC3E}">
-        <p14:creationId xmlns:p14="http://schemas.microsoft.com/office/powerpoint/2010/main" val="378226451"/>
+        <p14:creationId xmlns:p14="http://schemas.microsoft.com/office/powerpoint/2010/main" val="2010004131"/>
       </p:ext>
     </p:extLst>
   </p:cSld>
@@ -19799,6 +19867,28 @@
           <a:chExt cx="0" cy="0"/>
         </a:xfrm>
       </p:grpSpPr>
+      <p:sp>
+        <p:nvSpPr>
+          <p:cNvPr id="41" name="Title 40"/>
+          <p:cNvSpPr>
+            <a:spLocks noGrp="1"/>
+          </p:cNvSpPr>
+          <p:nvPr>
+            <p:ph type="title"/>
+          </p:nvPr>
+        </p:nvSpPr>
+        <p:spPr/>
+        <p:txBody>
+          <a:bodyPr/>
+          <a:lstStyle/>
+          <a:p>
+            <a:r>
+              <a:rPr lang="fr-FR" dirty="0"/>
+              <a:t>Le petit CQRS illustré</a:t>
+            </a:r>
+          </a:p>
+        </p:txBody>
+      </p:sp>
       <p:sp>
         <p:nvSpPr>
           <p:cNvPr id="42" name="Text Placeholder 41"/>
@@ -20045,433 +20135,6 @@
       </p:grpSp>
       <p:sp>
         <p:nvSpPr>
-          <p:cNvPr id="17" name="Title 40"/>
-          <p:cNvSpPr>
-            <a:spLocks noGrp="1"/>
-          </p:cNvSpPr>
-          <p:nvPr>
-            <p:ph type="title"/>
-          </p:nvPr>
-        </p:nvSpPr>
-        <p:spPr>
-          <a:xfrm>
-            <a:off x="0" y="365126"/>
-            <a:ext cx="12192000" cy="623166"/>
-          </a:xfrm>
-        </p:spPr>
-        <p:txBody>
-          <a:bodyPr/>
-          <a:lstStyle/>
-          <a:p>
-            <a:r>
-              <a:rPr lang="fr-FR" dirty="0"/>
-              <a:t>Le petit CQRS illustré</a:t>
-            </a:r>
-          </a:p>
-        </p:txBody>
-      </p:sp>
-      <p:grpSp>
-        <p:nvGrpSpPr>
-          <p:cNvPr id="12" name="Group 11"/>
-          <p:cNvGrpSpPr/>
-          <p:nvPr/>
-        </p:nvGrpSpPr>
-        <p:grpSpPr>
-          <a:xfrm>
-            <a:off x="1888482" y="2710326"/>
-            <a:ext cx="3044761" cy="2310913"/>
-            <a:chOff x="1888482" y="2710326"/>
-            <a:chExt cx="3044761" cy="2310913"/>
-          </a:xfrm>
-        </p:grpSpPr>
-        <p:pic>
-          <p:nvPicPr>
-            <p:cNvPr id="13" name="Picture 2" descr="directory"/>
-            <p:cNvPicPr>
-              <a:picLocks noChangeAspect="1" noChangeArrowheads="1"/>
-            </p:cNvPicPr>
-            <p:nvPr/>
-          </p:nvPicPr>
-          <p:blipFill rotWithShape="1">
-            <a:blip r:embed="rId6">
-              <a:extLst>
-                <a:ext uri="{28A0092B-C50C-407E-A947-70E740481C1C}">
-                  <a14:useLocalDpi xmlns:a14="http://schemas.microsoft.com/office/drawing/2010/main" val="0"/>
-                </a:ext>
-              </a:extLst>
-            </a:blip>
-            <a:srcRect l="12815" t="31177" r="65259" b="27220"/>
-            <a:stretch/>
-          </p:blipFill>
-          <p:spPr bwMode="auto">
-            <a:xfrm>
-              <a:off x="3499556" y="2710326"/>
-              <a:ext cx="1433687" cy="1985851"/>
-            </a:xfrm>
-            <a:prstGeom prst="rect">
-              <a:avLst/>
-            </a:prstGeom>
-            <a:noFill/>
-            <a:extLst>
-              <a:ext uri="{909E8E84-426E-40DD-AFC4-6F175D3DCCD1}">
-                <a14:hiddenFill xmlns:a14="http://schemas.microsoft.com/office/drawing/2010/main">
-                  <a:solidFill>
-                    <a:srgbClr val="FFFFFF"/>
-                  </a:solidFill>
-                </a14:hiddenFill>
-              </a:ext>
-            </a:extLst>
-          </p:spPr>
-        </p:pic>
-        <p:sp>
-          <p:nvSpPr>
-            <p:cNvPr id="14" name="Rectangle 13"/>
-            <p:cNvSpPr/>
-            <p:nvPr/>
-          </p:nvSpPr>
-          <p:spPr>
-            <a:xfrm>
-              <a:off x="1888482" y="2710326"/>
-              <a:ext cx="1611073" cy="2310913"/>
-            </a:xfrm>
-            <a:prstGeom prst="rect">
-              <a:avLst/>
-            </a:prstGeom>
-            <a:solidFill>
-              <a:schemeClr val="bg1"/>
-            </a:solidFill>
-            <a:ln>
-              <a:noFill/>
-            </a:ln>
-          </p:spPr>
-          <p:style>
-            <a:lnRef idx="2">
-              <a:schemeClr val="accent1">
-                <a:shade val="50000"/>
-              </a:schemeClr>
-            </a:lnRef>
-            <a:fillRef idx="1">
-              <a:schemeClr val="accent1"/>
-            </a:fillRef>
-            <a:effectRef idx="0">
-              <a:schemeClr val="accent1"/>
-            </a:effectRef>
-            <a:fontRef idx="minor">
-              <a:schemeClr val="lt1"/>
-            </a:fontRef>
-          </p:style>
-          <p:txBody>
-            <a:bodyPr rtlCol="0" anchor="ctr"/>
-            <a:lstStyle/>
-            <a:p>
-              <a:pPr algn="ctr"/>
-              <a:endParaRPr lang="fr-FR" dirty="0">
-                <a:solidFill>
-                  <a:schemeClr val="tx2"/>
-                </a:solidFill>
-              </a:endParaRPr>
-            </a:p>
-          </p:txBody>
-        </p:sp>
-      </p:grpSp>
-    </p:spTree>
-    <p:extLst>
-      <p:ext uri="{BB962C8B-B14F-4D97-AF65-F5344CB8AC3E}">
-        <p14:creationId xmlns:p14="http://schemas.microsoft.com/office/powerpoint/2010/main" val="2010004131"/>
-      </p:ext>
-    </p:extLst>
-  </p:cSld>
-  <p:clrMapOvr>
-    <a:masterClrMapping/>
-  </p:clrMapOvr>
-</p:sld>
-</file>
-
-<file path=ppt/slides/slide32.xml><?xml version="1.0" encoding="utf-8"?>
-<p:sld xmlns:a="http://schemas.openxmlformats.org/drawingml/2006/main" xmlns:r="http://schemas.openxmlformats.org/officeDocument/2006/relationships" xmlns:p="http://schemas.openxmlformats.org/presentationml/2006/main">
-  <p:cSld>
-    <p:spTree>
-      <p:nvGrpSpPr>
-        <p:cNvPr id="1" name=""/>
-        <p:cNvGrpSpPr/>
-        <p:nvPr/>
-      </p:nvGrpSpPr>
-      <p:grpSpPr>
-        <a:xfrm>
-          <a:off x="0" y="0"/>
-          <a:ext cx="0" cy="0"/>
-          <a:chOff x="0" y="0"/>
-          <a:chExt cx="0" cy="0"/>
-        </a:xfrm>
-      </p:grpSpPr>
-      <p:sp>
-        <p:nvSpPr>
-          <p:cNvPr id="41" name="Title 40"/>
-          <p:cNvSpPr>
-            <a:spLocks noGrp="1"/>
-          </p:cNvSpPr>
-          <p:nvPr>
-            <p:ph type="title"/>
-          </p:nvPr>
-        </p:nvSpPr>
-        <p:spPr/>
-        <p:txBody>
-          <a:bodyPr/>
-          <a:lstStyle/>
-          <a:p>
-            <a:r>
-              <a:rPr lang="fr-FR" dirty="0"/>
-              <a:t>Le petit CQRS illustré</a:t>
-            </a:r>
-          </a:p>
-        </p:txBody>
-      </p:sp>
-      <p:sp>
-        <p:nvSpPr>
-          <p:cNvPr id="42" name="Text Placeholder 41"/>
-          <p:cNvSpPr>
-            <a:spLocks noGrp="1"/>
-          </p:cNvSpPr>
-          <p:nvPr>
-            <p:ph type="body" sz="quarter" idx="13"/>
-          </p:nvPr>
-        </p:nvSpPr>
-        <p:spPr/>
-        <p:txBody>
-          <a:bodyPr/>
-          <a:lstStyle/>
-          <a:p>
-            <a:endParaRPr lang="en-US"/>
-          </a:p>
-        </p:txBody>
-      </p:sp>
-      <p:sp>
-        <p:nvSpPr>
-          <p:cNvPr id="29" name="Slide Number Placeholder 28"/>
-          <p:cNvSpPr>
-            <a:spLocks noGrp="1"/>
-          </p:cNvSpPr>
-          <p:nvPr>
-            <p:ph type="sldNum" sz="quarter" idx="4"/>
-          </p:nvPr>
-        </p:nvSpPr>
-        <p:spPr/>
-        <p:txBody>
-          <a:bodyPr/>
-          <a:lstStyle/>
-          <a:p>
-            <a:r>
-              <a:rPr lang="en-US" dirty="0">
-                <a:latin typeface="Segoe" panose="020B0502040504020203"/>
-              </a:rPr>
-              <a:t>N° </a:t>
-            </a:r>
-            <a:fld id="{6BFFD774-5C5F-4855-9115-A9F49D34CCD3}" type="slidenum">
-              <a:rPr lang="en-US" smtClean="0">
-                <a:latin typeface="Segoe" panose="020B0502040504020203"/>
-              </a:rPr>
-              <a:pPr/>
-              <a:t>32</a:t>
-            </a:fld>
-            <a:endParaRPr lang="en-US" dirty="0">
-              <a:latin typeface="Segoe" panose="020B0502040504020203"/>
-            </a:endParaRPr>
-          </a:p>
-        </p:txBody>
-      </p:sp>
-      <p:grpSp>
-        <p:nvGrpSpPr>
-          <p:cNvPr id="5" name="Group 4"/>
-          <p:cNvGrpSpPr/>
-          <p:nvPr/>
-        </p:nvGrpSpPr>
-        <p:grpSpPr>
-          <a:xfrm>
-            <a:off x="2156346" y="846161"/>
-            <a:ext cx="8106770" cy="5768335"/>
-            <a:chOff x="2156346" y="846161"/>
-            <a:chExt cx="8106770" cy="5768335"/>
-          </a:xfrm>
-        </p:grpSpPr>
-        <p:grpSp>
-          <p:nvGrpSpPr>
-            <p:cNvPr id="4" name="Group 3"/>
-            <p:cNvGrpSpPr/>
-            <p:nvPr/>
-          </p:nvGrpSpPr>
-          <p:grpSpPr>
-            <a:xfrm>
-              <a:off x="2156346" y="846161"/>
-              <a:ext cx="8106770" cy="5768335"/>
-              <a:chOff x="2156346" y="846161"/>
-              <a:chExt cx="7749654" cy="5514231"/>
-            </a:xfrm>
-          </p:grpSpPr>
-          <p:pic>
-            <p:nvPicPr>
-              <p:cNvPr id="5122" name="Picture 2" descr="Afficher l'image d'origine"/>
-              <p:cNvPicPr>
-                <a:picLocks noChangeAspect="1" noChangeArrowheads="1"/>
-              </p:cNvPicPr>
-              <p:nvPr/>
-            </p:nvPicPr>
-            <p:blipFill>
-              <a:blip r:embed="rId3">
-                <a:extLst>
-                  <a:ext uri="{28A0092B-C50C-407E-A947-70E740481C1C}">
-                    <a14:useLocalDpi xmlns:a14="http://schemas.microsoft.com/office/drawing/2010/main" val="0"/>
-                  </a:ext>
-                </a:extLst>
-              </a:blip>
-              <a:srcRect/>
-              <a:stretch>
-                <a:fillRect/>
-              </a:stretch>
-            </p:blipFill>
-            <p:spPr bwMode="auto">
-              <a:xfrm>
-                <a:off x="2286000" y="988292"/>
-                <a:ext cx="7620000" cy="5372100"/>
-              </a:xfrm>
-              <a:prstGeom prst="rect">
-                <a:avLst/>
-              </a:prstGeom>
-              <a:noFill/>
-              <a:extLst>
-                <a:ext uri="{909E8E84-426E-40DD-AFC4-6F175D3DCCD1}">
-                  <a14:hiddenFill xmlns:a14="http://schemas.microsoft.com/office/drawing/2010/main">
-                    <a:solidFill>
-                      <a:srgbClr val="FFFFFF"/>
-                    </a:solidFill>
-                  </a14:hiddenFill>
-                </a:ext>
-              </a:extLst>
-            </p:spPr>
-          </p:pic>
-          <p:sp>
-            <p:nvSpPr>
-              <p:cNvPr id="3" name="Rectangle 2"/>
-              <p:cNvSpPr/>
-              <p:nvPr/>
-            </p:nvSpPr>
-            <p:spPr>
-              <a:xfrm>
-                <a:off x="2156346" y="846161"/>
-                <a:ext cx="423081" cy="436729"/>
-              </a:xfrm>
-              <a:prstGeom prst="rect">
-                <a:avLst/>
-              </a:prstGeom>
-              <a:solidFill>
-                <a:schemeClr val="bg1"/>
-              </a:solidFill>
-              <a:ln>
-                <a:noFill/>
-              </a:ln>
-            </p:spPr>
-            <p:style>
-              <a:lnRef idx="2">
-                <a:schemeClr val="accent1">
-                  <a:shade val="50000"/>
-                </a:schemeClr>
-              </a:lnRef>
-              <a:fillRef idx="1">
-                <a:schemeClr val="accent1"/>
-              </a:fillRef>
-              <a:effectRef idx="0">
-                <a:schemeClr val="accent1"/>
-              </a:effectRef>
-              <a:fontRef idx="minor">
-                <a:schemeClr val="lt1"/>
-              </a:fontRef>
-            </p:style>
-            <p:txBody>
-              <a:bodyPr rtlCol="0" anchor="ctr"/>
-              <a:lstStyle/>
-              <a:p>
-                <a:pPr algn="ctr"/>
-                <a:endParaRPr lang="fr-FR" dirty="0">
-                  <a:solidFill>
-                    <a:schemeClr val="tx2"/>
-                  </a:solidFill>
-                </a:endParaRPr>
-              </a:p>
-            </p:txBody>
-          </p:sp>
-        </p:grpSp>
-        <p:pic>
-          <p:nvPicPr>
-            <p:cNvPr id="10" name="Picture 9"/>
-            <p:cNvPicPr>
-              <a:picLocks noChangeAspect="1"/>
-            </p:cNvPicPr>
-            <p:nvPr/>
-          </p:nvPicPr>
-          <p:blipFill>
-            <a:blip r:embed="rId4">
-              <a:clrChange>
-                <a:clrFrom>
-                  <a:srgbClr val="FFFFFF"/>
-                </a:clrFrom>
-                <a:clrTo>
-                  <a:srgbClr val="FFFFFF">
-                    <a:alpha val="0"/>
-                  </a:srgbClr>
-                </a:clrTo>
-              </a:clrChange>
-              <a:extLst>
-                <a:ext uri="{28A0092B-C50C-407E-A947-70E740481C1C}">
-                  <a14:useLocalDpi xmlns:a14="http://schemas.microsoft.com/office/drawing/2010/main" val="0"/>
-                </a:ext>
-              </a:extLst>
-            </a:blip>
-            <a:stretch>
-              <a:fillRect/>
-            </a:stretch>
-          </p:blipFill>
-          <p:spPr>
-            <a:xfrm>
-              <a:off x="6108344" y="1260548"/>
-              <a:ext cx="645350" cy="560032"/>
-            </a:xfrm>
-            <a:prstGeom prst="rect">
-              <a:avLst/>
-            </a:prstGeom>
-          </p:spPr>
-        </p:pic>
-        <p:pic>
-          <p:nvPicPr>
-            <p:cNvPr id="11" name="Picture 10"/>
-            <p:cNvPicPr>
-              <a:picLocks noChangeAspect="1"/>
-            </p:cNvPicPr>
-            <p:nvPr/>
-          </p:nvPicPr>
-          <p:blipFill>
-            <a:blip r:embed="rId5">
-              <a:extLst>
-                <a:ext uri="{28A0092B-C50C-407E-A947-70E740481C1C}">
-                  <a14:useLocalDpi xmlns:a14="http://schemas.microsoft.com/office/drawing/2010/main" val="0"/>
-                </a:ext>
-              </a:extLst>
-            </a:blip>
-            <a:stretch>
-              <a:fillRect/>
-            </a:stretch>
-          </p:blipFill>
-          <p:spPr>
-            <a:xfrm>
-              <a:off x="6431019" y="4832952"/>
-              <a:ext cx="306948" cy="321255"/>
-            </a:xfrm>
-            <a:prstGeom prst="rect">
-              <a:avLst/>
-            </a:prstGeom>
-          </p:spPr>
-        </p:pic>
-      </p:grpSp>
-      <p:sp>
-        <p:nvSpPr>
           <p:cNvPr id="15" name="TextBox 14"/>
           <p:cNvSpPr txBox="1"/>
           <p:nvPr/>
@@ -20715,7 +20378,7 @@
 </p:sld>
 </file>
 
-<file path=ppt/slides/slide33.xml><?xml version="1.0" encoding="utf-8"?>
+<file path=ppt/slides/slide32.xml><?xml version="1.0" encoding="utf-8"?>
 <p:sld xmlns:a="http://schemas.openxmlformats.org/drawingml/2006/main" xmlns:r="http://schemas.openxmlformats.org/officeDocument/2006/relationships" xmlns:p="http://schemas.openxmlformats.org/presentationml/2006/main">
   <p:cSld>
     <p:spTree>
@@ -20744,7 +20407,7 @@
         </p:nvSpPr>
         <p:spPr>
           <a:xfrm>
-            <a:off x="211831" y="1226917"/>
+            <a:off x="211831" y="1023719"/>
             <a:ext cx="4876800" cy="4493185"/>
           </a:xfrm>
         </p:spPr>
@@ -20855,7 +20518,7 @@
                 <a:latin typeface="Segoe" panose="020B0502040504020203"/>
               </a:rPr>
               <a:pPr/>
-              <a:t>33</a:t>
+              <a:t>32</a:t>
             </a:fld>
             <a:endParaRPr lang="en-US" dirty="0">
               <a:latin typeface="Segoe" panose="020B0502040504020203"/>
@@ -20873,7 +20536,7 @@
         </p:nvSpPr>
         <p:spPr>
           <a:xfrm>
-            <a:off x="6644008" y="1226917"/>
+            <a:off x="6644008" y="1023719"/>
             <a:ext cx="4876800" cy="4493185"/>
           </a:xfrm>
           <a:prstGeom prst="rect">
@@ -21517,6 +21180,64 @@
 </p:sld>
 </file>
 
+<file path=ppt/slides/slide33.xml><?xml version="1.0" encoding="utf-8"?>
+<p:sld xmlns:a="http://schemas.openxmlformats.org/drawingml/2006/main" xmlns:r="http://schemas.openxmlformats.org/officeDocument/2006/relationships" xmlns:p="http://schemas.openxmlformats.org/presentationml/2006/main">
+  <p:cSld>
+    <p:spTree>
+      <p:nvGrpSpPr>
+        <p:cNvPr id="1" name=""/>
+        <p:cNvGrpSpPr/>
+        <p:nvPr/>
+      </p:nvGrpSpPr>
+      <p:grpSpPr>
+        <a:xfrm>
+          <a:off x="0" y="0"/>
+          <a:ext cx="0" cy="0"/>
+          <a:chOff x="0" y="0"/>
+          <a:chExt cx="0" cy="0"/>
+        </a:xfrm>
+      </p:grpSpPr>
+      <p:sp>
+        <p:nvSpPr>
+          <p:cNvPr id="2" name="Title 1"/>
+          <p:cNvSpPr>
+            <a:spLocks noGrp="1"/>
+          </p:cNvSpPr>
+          <p:nvPr>
+            <p:ph type="title"/>
+          </p:nvPr>
+        </p:nvSpPr>
+        <p:spPr>
+          <a:xfrm>
+            <a:off x="0" y="2161985"/>
+            <a:ext cx="6324600" cy="590931"/>
+          </a:xfrm>
+        </p:spPr>
+        <p:txBody>
+          <a:bodyPr/>
+          <a:lstStyle/>
+          <a:p>
+            <a:r>
+              <a:rPr lang="en-US" dirty="0" err="1"/>
+              <a:t>Démo</a:t>
+            </a:r>
+            <a:endParaRPr lang="en-US" dirty="0"/>
+          </a:p>
+        </p:txBody>
+      </p:sp>
+    </p:spTree>
+    <p:extLst>
+      <p:ext uri="{BB962C8B-B14F-4D97-AF65-F5344CB8AC3E}">
+        <p14:creationId xmlns:p14="http://schemas.microsoft.com/office/powerpoint/2010/main" val="1607914314"/>
+      </p:ext>
+    </p:extLst>
+  </p:cSld>
+  <p:clrMapOvr>
+    <a:masterClrMapping/>
+  </p:clrMapOvr>
+</p:sld>
+</file>
+
 <file path=ppt/slides/slide34.xml><?xml version="1.0" encoding="utf-8"?>
 <p:sld xmlns:a="http://schemas.openxmlformats.org/drawingml/2006/main" xmlns:r="http://schemas.openxmlformats.org/officeDocument/2006/relationships" xmlns:p="http://schemas.openxmlformats.org/presentationml/2006/main">
   <p:cSld>
@@ -21536,7 +21257,45 @@
       </p:grpSpPr>
       <p:sp>
         <p:nvSpPr>
-          <p:cNvPr id="2" name="Title 1"/>
+          <p:cNvPr id="38" name="Content Placeholder 37"/>
+          <p:cNvSpPr>
+            <a:spLocks noGrp="1"/>
+          </p:cNvSpPr>
+          <p:nvPr>
+            <p:ph idx="1"/>
+          </p:nvPr>
+        </p:nvSpPr>
+        <p:spPr>
+          <a:xfrm>
+            <a:off x="838200" y="2056534"/>
+            <a:ext cx="10515600" cy="3542755"/>
+          </a:xfrm>
+        </p:spPr>
+        <p:txBody>
+          <a:bodyPr anchor="ctr">
+            <a:normAutofit/>
+          </a:bodyPr>
+          <a:lstStyle/>
+          <a:p>
+            <a:pPr algn="ctr"/>
+            <a:r>
+              <a:rPr lang="fr-FR" sz="4400" i="1" dirty="0"/>
+              <a:t>&lt;Slide(s) pour </a:t>
+            </a:r>
+            <a:r>
+              <a:rPr lang="fr-FR" sz="4400" i="1" dirty="0" err="1"/>
+              <a:t>Eric</a:t>
+            </a:r>
+            <a:r>
+              <a:rPr lang="fr-FR" sz="4400" i="1" dirty="0"/>
+              <a:t>&gt;</a:t>
+            </a:r>
+          </a:p>
+        </p:txBody>
+      </p:sp>
+      <p:sp>
+        <p:nvSpPr>
+          <p:cNvPr id="41" name="Title 40"/>
           <p:cNvSpPr>
             <a:spLocks noGrp="1"/>
           </p:cNvSpPr>
@@ -21544,28 +21303,111 @@
             <p:ph type="title"/>
           </p:nvPr>
         </p:nvSpPr>
-        <p:spPr>
-          <a:xfrm>
-            <a:off x="0" y="2161985"/>
-            <a:ext cx="6324600" cy="590931"/>
-          </a:xfrm>
-        </p:spPr>
+        <p:spPr/>
         <p:txBody>
           <a:bodyPr/>
           <a:lstStyle/>
           <a:p>
             <a:r>
               <a:rPr lang="en-US" dirty="0" err="1"/>
-              <a:t>Démo</a:t>
+              <a:t>Euh</a:t>
+            </a:r>
+            <a:r>
+              <a:rPr lang="en-US" dirty="0"/>
+              <a:t>… </a:t>
+            </a:r>
+            <a:r>
+              <a:rPr lang="en-US" dirty="0" err="1"/>
+              <a:t>avant</a:t>
+            </a:r>
+            <a:r>
+              <a:rPr lang="en-US" dirty="0"/>
+              <a:t> </a:t>
+            </a:r>
+            <a:r>
+              <a:rPr lang="en-US" dirty="0" err="1"/>
+              <a:t>ça</a:t>
             </a:r>
             <a:endParaRPr lang="en-US" dirty="0"/>
+          </a:p>
+        </p:txBody>
+      </p:sp>
+      <p:sp>
+        <p:nvSpPr>
+          <p:cNvPr id="29" name="Slide Number Placeholder 28"/>
+          <p:cNvSpPr>
+            <a:spLocks noGrp="1"/>
+          </p:cNvSpPr>
+          <p:nvPr>
+            <p:ph type="sldNum" sz="quarter" idx="4"/>
+          </p:nvPr>
+        </p:nvSpPr>
+        <p:spPr/>
+        <p:txBody>
+          <a:bodyPr/>
+          <a:lstStyle/>
+          <a:p>
+            <a:r>
+              <a:rPr lang="en-US" dirty="0">
+                <a:latin typeface="Segoe" panose="020B0502040504020203"/>
+              </a:rPr>
+              <a:t>N° </a:t>
+            </a:r>
+            <a:fld id="{6BFFD774-5C5F-4855-9115-A9F49D34CCD3}" type="slidenum">
+              <a:rPr lang="en-US" smtClean="0">
+                <a:latin typeface="Segoe" panose="020B0502040504020203"/>
+              </a:rPr>
+              <a:pPr/>
+              <a:t>34</a:t>
+            </a:fld>
+            <a:endParaRPr lang="en-US" dirty="0">
+              <a:latin typeface="Segoe" panose="020B0502040504020203"/>
+            </a:endParaRPr>
+          </a:p>
+        </p:txBody>
+      </p:sp>
+      <p:sp>
+        <p:nvSpPr>
+          <p:cNvPr id="2" name="Text Placeholder 1"/>
+          <p:cNvSpPr>
+            <a:spLocks noGrp="1"/>
+          </p:cNvSpPr>
+          <p:nvPr>
+            <p:ph type="body" sz="quarter" idx="13"/>
+          </p:nvPr>
+        </p:nvSpPr>
+        <p:spPr/>
+        <p:txBody>
+          <a:bodyPr/>
+          <a:lstStyle/>
+          <a:p>
+            <a:r>
+              <a:rPr lang="fr-FR" dirty="0"/>
+              <a:t>Vous connaissez </a:t>
+            </a:r>
+            <a:r>
+              <a:rPr lang="fr-FR" dirty="0" err="1"/>
+              <a:t>dotnet</a:t>
+            </a:r>
+            <a:r>
+              <a:rPr lang="fr-FR" dirty="0"/>
+              <a:t> </a:t>
+            </a:r>
+            <a:r>
+              <a:rPr lang="fr-FR" dirty="0" err="1"/>
+              <a:t>core</a:t>
+            </a:r>
+            <a:r>
+              <a:rPr lang="fr-FR" dirty="0"/>
+              <a:t> ?</a:t>
+            </a:r>
           </a:p>
         </p:txBody>
       </p:sp>
     </p:spTree>
     <p:extLst>
       <p:ext uri="{BB962C8B-B14F-4D97-AF65-F5344CB8AC3E}">
-        <p14:creationId xmlns:p14="http://schemas.microsoft.com/office/powerpoint/2010/main" val="1607914314"/>
+        <p14:creationId xmlns:p14="http://schemas.microsoft.com/office/powerpoint/2010/main" val="3635505835"/>
       </p:ext>
     </p:extLst>
   </p:cSld>
@@ -21594,45 +21436,7 @@
       </p:grpSpPr>
       <p:sp>
         <p:nvSpPr>
-          <p:cNvPr id="38" name="Content Placeholder 37"/>
-          <p:cNvSpPr>
-            <a:spLocks noGrp="1"/>
-          </p:cNvSpPr>
-          <p:nvPr>
-            <p:ph idx="1"/>
-          </p:nvPr>
-        </p:nvSpPr>
-        <p:spPr>
-          <a:xfrm>
-            <a:off x="838200" y="2056534"/>
-            <a:ext cx="10515600" cy="3542755"/>
-          </a:xfrm>
-        </p:spPr>
-        <p:txBody>
-          <a:bodyPr anchor="ctr">
-            <a:normAutofit/>
-          </a:bodyPr>
-          <a:lstStyle/>
-          <a:p>
-            <a:pPr algn="ctr"/>
-            <a:r>
-              <a:rPr lang="fr-FR" sz="4400" i="1" dirty="0"/>
-              <a:t>&lt;Slide(s) pour </a:t>
-            </a:r>
-            <a:r>
-              <a:rPr lang="fr-FR" sz="4400" i="1" dirty="0" err="1"/>
-              <a:t>Eric</a:t>
-            </a:r>
-            <a:r>
-              <a:rPr lang="fr-FR" sz="4400" i="1" dirty="0"/>
-              <a:t>&gt;</a:t>
-            </a:r>
-          </a:p>
-        </p:txBody>
-      </p:sp>
-      <p:sp>
-        <p:nvSpPr>
-          <p:cNvPr id="41" name="Title 40"/>
+          <p:cNvPr id="2" name="Title 1"/>
           <p:cNvSpPr>
             <a:spLocks noGrp="1"/>
           </p:cNvSpPr>
@@ -21640,103 +21444,19 @@
             <p:ph type="title"/>
           </p:nvPr>
         </p:nvSpPr>
-        <p:spPr/>
+        <p:spPr>
+          <a:xfrm>
+            <a:off x="0" y="2161985"/>
+            <a:ext cx="6324600" cy="590931"/>
+          </a:xfrm>
+        </p:spPr>
         <p:txBody>
           <a:bodyPr/>
           <a:lstStyle/>
           <a:p>
             <a:r>
-              <a:rPr lang="en-US" dirty="0" err="1"/>
-              <a:t>Euh</a:t>
-            </a:r>
-            <a:r>
               <a:rPr lang="en-US" dirty="0"/>
-              <a:t>… </a:t>
-            </a:r>
-            <a:r>
-              <a:rPr lang="en-US" dirty="0" err="1"/>
-              <a:t>avant</a:t>
-            </a:r>
-            <a:r>
-              <a:rPr lang="en-US" dirty="0"/>
-              <a:t> </a:t>
-            </a:r>
-            <a:r>
-              <a:rPr lang="en-US" dirty="0" err="1"/>
-              <a:t>ça</a:t>
-            </a:r>
-            <a:endParaRPr lang="en-US" dirty="0"/>
-          </a:p>
-        </p:txBody>
-      </p:sp>
-      <p:sp>
-        <p:nvSpPr>
-          <p:cNvPr id="29" name="Slide Number Placeholder 28"/>
-          <p:cNvSpPr>
-            <a:spLocks noGrp="1"/>
-          </p:cNvSpPr>
-          <p:nvPr>
-            <p:ph type="sldNum" sz="quarter" idx="4"/>
-          </p:nvPr>
-        </p:nvSpPr>
-        <p:spPr/>
-        <p:txBody>
-          <a:bodyPr/>
-          <a:lstStyle/>
-          <a:p>
-            <a:r>
-              <a:rPr lang="en-US" dirty="0">
-                <a:latin typeface="Segoe" panose="020B0502040504020203"/>
-              </a:rPr>
-              <a:t>N° </a:t>
-            </a:r>
-            <a:fld id="{6BFFD774-5C5F-4855-9115-A9F49D34CCD3}" type="slidenum">
-              <a:rPr lang="en-US" smtClean="0">
-                <a:latin typeface="Segoe" panose="020B0502040504020203"/>
-              </a:rPr>
-              <a:pPr/>
-              <a:t>35</a:t>
-            </a:fld>
-            <a:endParaRPr lang="en-US" dirty="0">
-              <a:latin typeface="Segoe" panose="020B0502040504020203"/>
-            </a:endParaRPr>
-          </a:p>
-        </p:txBody>
-      </p:sp>
-      <p:sp>
-        <p:nvSpPr>
-          <p:cNvPr id="2" name="Text Placeholder 1"/>
-          <p:cNvSpPr>
-            <a:spLocks noGrp="1"/>
-          </p:cNvSpPr>
-          <p:nvPr>
-            <p:ph type="body" sz="quarter" idx="13"/>
-          </p:nvPr>
-        </p:nvSpPr>
-        <p:spPr/>
-        <p:txBody>
-          <a:bodyPr/>
-          <a:lstStyle/>
-          <a:p>
-            <a:r>
-              <a:rPr lang="fr-FR" dirty="0"/>
-              <a:t>Vous connaissez </a:t>
-            </a:r>
-            <a:r>
-              <a:rPr lang="fr-FR" dirty="0" err="1"/>
-              <a:t>dotnet</a:t>
-            </a:r>
-            <a:r>
-              <a:rPr lang="fr-FR" dirty="0"/>
-              <a:t> </a:t>
-            </a:r>
-            <a:r>
-              <a:rPr lang="fr-FR" dirty="0" err="1"/>
-              <a:t>core</a:t>
-            </a:r>
-            <a:r>
-              <a:rPr lang="fr-FR" dirty="0"/>
-              <a:t> ?</a:t>
+              <a:t>Live coding</a:t>
             </a:r>
           </a:p>
         </p:txBody>
@@ -21744,7 +21464,7 @@
     </p:spTree>
     <p:extLst>
       <p:ext uri="{BB962C8B-B14F-4D97-AF65-F5344CB8AC3E}">
-        <p14:creationId xmlns:p14="http://schemas.microsoft.com/office/powerpoint/2010/main" val="3635505835"/>
+        <p14:creationId xmlns:p14="http://schemas.microsoft.com/office/powerpoint/2010/main" val="3085624357"/>
       </p:ext>
     </p:extLst>
   </p:cSld>
@@ -21792,8 +21512,8 @@
           <a:lstStyle/>
           <a:p>
             <a:r>
-              <a:rPr lang="en-US" dirty="0"/>
-              <a:t>Live coding</a:t>
+              <a:rPr lang="fr-FR" dirty="0"/>
+              <a:t>Pour conclure…</a:t>
             </a:r>
           </a:p>
         </p:txBody>
@@ -21801,7 +21521,7 @@
     </p:spTree>
     <p:extLst>
       <p:ext uri="{BB962C8B-B14F-4D97-AF65-F5344CB8AC3E}">
-        <p14:creationId xmlns:p14="http://schemas.microsoft.com/office/powerpoint/2010/main" val="3085624357"/>
+        <p14:creationId xmlns:p14="http://schemas.microsoft.com/office/powerpoint/2010/main" val="514438884"/>
       </p:ext>
     </p:extLst>
   </p:cSld>
@@ -21830,63 +21550,6 @@
       </p:grpSpPr>
       <p:sp>
         <p:nvSpPr>
-          <p:cNvPr id="2" name="Title 1"/>
-          <p:cNvSpPr>
-            <a:spLocks noGrp="1"/>
-          </p:cNvSpPr>
-          <p:nvPr>
-            <p:ph type="title"/>
-          </p:nvPr>
-        </p:nvSpPr>
-        <p:spPr>
-          <a:xfrm>
-            <a:off x="0" y="2161985"/>
-            <a:ext cx="6324600" cy="590931"/>
-          </a:xfrm>
-        </p:spPr>
-        <p:txBody>
-          <a:bodyPr/>
-          <a:lstStyle/>
-          <a:p>
-            <a:r>
-              <a:rPr lang="fr-FR" dirty="0"/>
-              <a:t>Pour conclure…</a:t>
-            </a:r>
-          </a:p>
-        </p:txBody>
-      </p:sp>
-    </p:spTree>
-    <p:extLst>
-      <p:ext uri="{BB962C8B-B14F-4D97-AF65-F5344CB8AC3E}">
-        <p14:creationId xmlns:p14="http://schemas.microsoft.com/office/powerpoint/2010/main" val="514438884"/>
-      </p:ext>
-    </p:extLst>
-  </p:cSld>
-  <p:clrMapOvr>
-    <a:masterClrMapping/>
-  </p:clrMapOvr>
-</p:sld>
-</file>
-
-<file path=ppt/slides/slide38.xml><?xml version="1.0" encoding="utf-8"?>
-<p:sld xmlns:a="http://schemas.openxmlformats.org/drawingml/2006/main" xmlns:r="http://schemas.openxmlformats.org/officeDocument/2006/relationships" xmlns:p="http://schemas.openxmlformats.org/presentationml/2006/main">
-  <p:cSld>
-    <p:spTree>
-      <p:nvGrpSpPr>
-        <p:cNvPr id="1" name=""/>
-        <p:cNvGrpSpPr/>
-        <p:nvPr/>
-      </p:nvGrpSpPr>
-      <p:grpSpPr>
-        <a:xfrm>
-          <a:off x="0" y="0"/>
-          <a:ext cx="0" cy="0"/>
-          <a:chOff x="0" y="0"/>
-          <a:chExt cx="0" cy="0"/>
-        </a:xfrm>
-      </p:grpSpPr>
-      <p:sp>
-        <p:nvSpPr>
           <p:cNvPr id="41" name="Title 40"/>
           <p:cNvSpPr>
             <a:spLocks noGrp="1"/>
@@ -21933,7 +21596,7 @@
                 <a:latin typeface="Segoe" panose="020B0502040504020203"/>
               </a:rPr>
               <a:pPr/>
-              <a:t>38</a:t>
+              <a:t>37</a:t>
             </a:fld>
             <a:endParaRPr lang="en-US" dirty="0">
               <a:latin typeface="Segoe" panose="020B0502040504020203"/>
@@ -21995,7 +21658,7 @@
 </p:sld>
 </file>
 
-<file path=ppt/slides/slide39.xml><?xml version="1.0" encoding="utf-8"?>
+<file path=ppt/slides/slide38.xml><?xml version="1.0" encoding="utf-8"?>
 <p:sld xmlns:a="http://schemas.openxmlformats.org/drawingml/2006/main" xmlns:r="http://schemas.openxmlformats.org/officeDocument/2006/relationships" xmlns:p="http://schemas.openxmlformats.org/presentationml/2006/main">
   <p:cSld>
     <p:spTree>
@@ -22123,7 +21786,7 @@
                 <a:latin typeface="Segoe" panose="020B0502040504020203"/>
               </a:rPr>
               <a:pPr/>
-              <a:t>39</a:t>
+              <a:t>38</a:t>
             </a:fld>
             <a:endParaRPr lang="en-US" dirty="0">
               <a:latin typeface="Segoe" panose="020B0502040504020203"/>
@@ -22185,7 +21848,7 @@
 </p:sld>
 </file>
 
-<file path=ppt/slides/slide4.xml><?xml version="1.0" encoding="utf-8"?>
+<file path=ppt/slides/slide39.xml><?xml version="1.0" encoding="utf-8"?>
 <p:sld xmlns:a="http://schemas.openxmlformats.org/drawingml/2006/main" xmlns:r="http://schemas.openxmlformats.org/officeDocument/2006/relationships" xmlns:p="http://schemas.openxmlformats.org/presentationml/2006/main">
   <p:cSld>
     <p:spTree>
@@ -22204,171 +21867,6 @@
       </p:grpSpPr>
       <p:sp>
         <p:nvSpPr>
-          <p:cNvPr id="41" name="Title 40"/>
-          <p:cNvSpPr>
-            <a:spLocks noGrp="1"/>
-          </p:cNvSpPr>
-          <p:nvPr>
-            <p:ph type="title"/>
-          </p:nvPr>
-        </p:nvSpPr>
-        <p:spPr/>
-        <p:txBody>
-          <a:bodyPr/>
-          <a:lstStyle/>
-          <a:p>
-            <a:r>
-              <a:rPr lang="en-US" dirty="0"/>
-              <a:t>Des </a:t>
-            </a:r>
-            <a:r>
-              <a:rPr lang="en-US" dirty="0" err="1"/>
-              <a:t>problèmes</a:t>
-            </a:r>
-            <a:r>
-              <a:rPr lang="en-US" dirty="0"/>
-              <a:t> de </a:t>
-            </a:r>
-            <a:r>
-              <a:rPr lang="en-US" dirty="0" err="1"/>
-              <a:t>Scalabilité</a:t>
-            </a:r>
-            <a:r>
-              <a:rPr lang="en-US" dirty="0"/>
-              <a:t> ?</a:t>
-            </a:r>
-          </a:p>
-        </p:txBody>
-      </p:sp>
-      <p:sp>
-        <p:nvSpPr>
-          <p:cNvPr id="42" name="Text Placeholder 41"/>
-          <p:cNvSpPr>
-            <a:spLocks noGrp="1"/>
-          </p:cNvSpPr>
-          <p:nvPr>
-            <p:ph type="body" sz="quarter" idx="13"/>
-          </p:nvPr>
-        </p:nvSpPr>
-        <p:spPr/>
-        <p:txBody>
-          <a:bodyPr/>
-          <a:lstStyle/>
-          <a:p>
-            <a:endParaRPr lang="en-US"/>
-          </a:p>
-        </p:txBody>
-      </p:sp>
-      <p:sp>
-        <p:nvSpPr>
-          <p:cNvPr id="29" name="Slide Number Placeholder 28"/>
-          <p:cNvSpPr>
-            <a:spLocks noGrp="1"/>
-          </p:cNvSpPr>
-          <p:nvPr>
-            <p:ph type="sldNum" sz="quarter" idx="4"/>
-          </p:nvPr>
-        </p:nvSpPr>
-        <p:spPr/>
-        <p:txBody>
-          <a:bodyPr/>
-          <a:lstStyle/>
-          <a:p>
-            <a:r>
-              <a:rPr lang="en-US" dirty="0">
-                <a:latin typeface="Segoe" panose="020B0502040504020203"/>
-              </a:rPr>
-              <a:t>N° </a:t>
-            </a:r>
-            <a:fld id="{6BFFD774-5C5F-4855-9115-A9F49D34CCD3}" type="slidenum">
-              <a:rPr lang="en-US" smtClean="0">
-                <a:latin typeface="Segoe" panose="020B0502040504020203"/>
-              </a:rPr>
-              <a:pPr/>
-              <a:t>4</a:t>
-            </a:fld>
-            <a:endParaRPr lang="en-US" dirty="0">
-              <a:latin typeface="Segoe" panose="020B0502040504020203"/>
-            </a:endParaRPr>
-          </a:p>
-        </p:txBody>
-      </p:sp>
-      <p:pic>
-        <p:nvPicPr>
-          <p:cNvPr id="1028" name="Picture 4" descr="https://s-media-cache-ak0.pinimg.com/originals/69/12/a7/6912a7bfe9d6e154c83697a5e13d13fb.jpg"/>
-          <p:cNvPicPr>
-            <a:picLocks noChangeAspect="1" noChangeArrowheads="1"/>
-          </p:cNvPicPr>
-          <p:nvPr/>
-        </p:nvPicPr>
-        <p:blipFill rotWithShape="1">
-          <a:blip r:embed="rId3">
-            <a:extLst>
-              <a:ext uri="{28A0092B-C50C-407E-A947-70E740481C1C}">
-                <a14:useLocalDpi xmlns:a14="http://schemas.microsoft.com/office/drawing/2010/main" val="0"/>
-              </a:ext>
-            </a:extLst>
-          </a:blip>
-          <a:srcRect l="1907" t="1851" r="2477" b="1521"/>
-          <a:stretch/>
-        </p:blipFill>
-        <p:spPr bwMode="auto">
-          <a:xfrm>
-            <a:off x="2822222" y="1332088"/>
-            <a:ext cx="6508814" cy="4933245"/>
-          </a:xfrm>
-          <a:prstGeom prst="rect">
-            <a:avLst/>
-          </a:prstGeom>
-          <a:noFill/>
-          <a:ln w="6350">
-            <a:solidFill>
-              <a:schemeClr val="accent1"/>
-            </a:solidFill>
-          </a:ln>
-          <a:extLst>
-            <a:ext uri="{909E8E84-426E-40DD-AFC4-6F175D3DCCD1}">
-              <a14:hiddenFill xmlns:a14="http://schemas.microsoft.com/office/drawing/2010/main">
-                <a:solidFill>
-                  <a:srgbClr val="FFFFFF"/>
-                </a:solidFill>
-              </a14:hiddenFill>
-            </a:ext>
-          </a:extLst>
-        </p:spPr>
-      </p:pic>
-    </p:spTree>
-    <p:extLst>
-      <p:ext uri="{BB962C8B-B14F-4D97-AF65-F5344CB8AC3E}">
-        <p14:creationId xmlns:p14="http://schemas.microsoft.com/office/powerpoint/2010/main" val="3227599500"/>
-      </p:ext>
-    </p:extLst>
-  </p:cSld>
-  <p:clrMapOvr>
-    <a:masterClrMapping/>
-  </p:clrMapOvr>
-</p:sld>
-</file>
-
-<file path=ppt/slides/slide40.xml><?xml version="1.0" encoding="utf-8"?>
-<p:sld xmlns:a="http://schemas.openxmlformats.org/drawingml/2006/main" xmlns:r="http://schemas.openxmlformats.org/officeDocument/2006/relationships" xmlns:p="http://schemas.openxmlformats.org/presentationml/2006/main">
-  <p:cSld>
-    <p:spTree>
-      <p:nvGrpSpPr>
-        <p:cNvPr id="1" name=""/>
-        <p:cNvGrpSpPr/>
-        <p:nvPr/>
-      </p:nvGrpSpPr>
-      <p:grpSpPr>
-        <a:xfrm>
-          <a:off x="0" y="0"/>
-          <a:ext cx="0" cy="0"/>
-          <a:chOff x="0" y="0"/>
-          <a:chExt cx="0" cy="0"/>
-        </a:xfrm>
-      </p:grpSpPr>
-      <p:sp>
-        <p:nvSpPr>
           <p:cNvPr id="38" name="Content Placeholder 37"/>
           <p:cNvSpPr>
             <a:spLocks noGrp="1"/>
@@ -22487,7 +21985,7 @@
                 <a:latin typeface="Segoe" panose="020B0502040504020203"/>
               </a:rPr>
               <a:pPr/>
-              <a:t>40</a:t>
+              <a:t>39</a:t>
             </a:fld>
             <a:endParaRPr lang="en-US" dirty="0">
               <a:latin typeface="Segoe" panose="020B0502040504020203"/>
@@ -22590,7 +22088,7 @@
 </p:sld>
 </file>
 
-<file path=ppt/slides/slide41.xml><?xml version="1.0" encoding="utf-8"?>
+<file path=ppt/slides/slide4.xml><?xml version="1.0" encoding="utf-8"?>
 <p:sld xmlns:a="http://schemas.openxmlformats.org/drawingml/2006/main" xmlns:r="http://schemas.openxmlformats.org/officeDocument/2006/relationships" xmlns:p="http://schemas.openxmlformats.org/presentationml/2006/main">
   <p:cSld>
     <p:spTree>
@@ -22609,6 +22107,171 @@
       </p:grpSpPr>
       <p:sp>
         <p:nvSpPr>
+          <p:cNvPr id="41" name="Title 40"/>
+          <p:cNvSpPr>
+            <a:spLocks noGrp="1"/>
+          </p:cNvSpPr>
+          <p:nvPr>
+            <p:ph type="title"/>
+          </p:nvPr>
+        </p:nvSpPr>
+        <p:spPr/>
+        <p:txBody>
+          <a:bodyPr/>
+          <a:lstStyle/>
+          <a:p>
+            <a:r>
+              <a:rPr lang="en-US" dirty="0"/>
+              <a:t>Des </a:t>
+            </a:r>
+            <a:r>
+              <a:rPr lang="en-US" dirty="0" err="1"/>
+              <a:t>problèmes</a:t>
+            </a:r>
+            <a:r>
+              <a:rPr lang="en-US" dirty="0"/>
+              <a:t> de </a:t>
+            </a:r>
+            <a:r>
+              <a:rPr lang="en-US" dirty="0" err="1"/>
+              <a:t>Scalabilité</a:t>
+            </a:r>
+            <a:r>
+              <a:rPr lang="en-US" dirty="0"/>
+              <a:t> ?</a:t>
+            </a:r>
+          </a:p>
+        </p:txBody>
+      </p:sp>
+      <p:sp>
+        <p:nvSpPr>
+          <p:cNvPr id="42" name="Text Placeholder 41"/>
+          <p:cNvSpPr>
+            <a:spLocks noGrp="1"/>
+          </p:cNvSpPr>
+          <p:nvPr>
+            <p:ph type="body" sz="quarter" idx="13"/>
+          </p:nvPr>
+        </p:nvSpPr>
+        <p:spPr/>
+        <p:txBody>
+          <a:bodyPr/>
+          <a:lstStyle/>
+          <a:p>
+            <a:endParaRPr lang="en-US"/>
+          </a:p>
+        </p:txBody>
+      </p:sp>
+      <p:sp>
+        <p:nvSpPr>
+          <p:cNvPr id="29" name="Slide Number Placeholder 28"/>
+          <p:cNvSpPr>
+            <a:spLocks noGrp="1"/>
+          </p:cNvSpPr>
+          <p:nvPr>
+            <p:ph type="sldNum" sz="quarter" idx="4"/>
+          </p:nvPr>
+        </p:nvSpPr>
+        <p:spPr/>
+        <p:txBody>
+          <a:bodyPr/>
+          <a:lstStyle/>
+          <a:p>
+            <a:r>
+              <a:rPr lang="en-US" dirty="0">
+                <a:latin typeface="Segoe" panose="020B0502040504020203"/>
+              </a:rPr>
+              <a:t>N° </a:t>
+            </a:r>
+            <a:fld id="{6BFFD774-5C5F-4855-9115-A9F49D34CCD3}" type="slidenum">
+              <a:rPr lang="en-US" smtClean="0">
+                <a:latin typeface="Segoe" panose="020B0502040504020203"/>
+              </a:rPr>
+              <a:pPr/>
+              <a:t>4</a:t>
+            </a:fld>
+            <a:endParaRPr lang="en-US" dirty="0">
+              <a:latin typeface="Segoe" panose="020B0502040504020203"/>
+            </a:endParaRPr>
+          </a:p>
+        </p:txBody>
+      </p:sp>
+      <p:pic>
+        <p:nvPicPr>
+          <p:cNvPr id="1028" name="Picture 4" descr="https://s-media-cache-ak0.pinimg.com/originals/69/12/a7/6912a7bfe9d6e154c83697a5e13d13fb.jpg"/>
+          <p:cNvPicPr>
+            <a:picLocks noChangeAspect="1" noChangeArrowheads="1"/>
+          </p:cNvPicPr>
+          <p:nvPr/>
+        </p:nvPicPr>
+        <p:blipFill rotWithShape="1">
+          <a:blip r:embed="rId3">
+            <a:extLst>
+              <a:ext uri="{28A0092B-C50C-407E-A947-70E740481C1C}">
+                <a14:useLocalDpi xmlns:a14="http://schemas.microsoft.com/office/drawing/2010/main" val="0"/>
+              </a:ext>
+            </a:extLst>
+          </a:blip>
+          <a:srcRect l="1907" t="1851" r="2477" b="1521"/>
+          <a:stretch/>
+        </p:blipFill>
+        <p:spPr bwMode="auto">
+          <a:xfrm>
+            <a:off x="2822222" y="1332088"/>
+            <a:ext cx="6508814" cy="4933245"/>
+          </a:xfrm>
+          <a:prstGeom prst="rect">
+            <a:avLst/>
+          </a:prstGeom>
+          <a:noFill/>
+          <a:ln w="6350">
+            <a:solidFill>
+              <a:schemeClr val="accent1"/>
+            </a:solidFill>
+          </a:ln>
+          <a:extLst>
+            <a:ext uri="{909E8E84-426E-40DD-AFC4-6F175D3DCCD1}">
+              <a14:hiddenFill xmlns:a14="http://schemas.microsoft.com/office/drawing/2010/main">
+                <a:solidFill>
+                  <a:srgbClr val="FFFFFF"/>
+                </a:solidFill>
+              </a14:hiddenFill>
+            </a:ext>
+          </a:extLst>
+        </p:spPr>
+      </p:pic>
+    </p:spTree>
+    <p:extLst>
+      <p:ext uri="{BB962C8B-B14F-4D97-AF65-F5344CB8AC3E}">
+        <p14:creationId xmlns:p14="http://schemas.microsoft.com/office/powerpoint/2010/main" val="3227599500"/>
+      </p:ext>
+    </p:extLst>
+  </p:cSld>
+  <p:clrMapOvr>
+    <a:masterClrMapping/>
+  </p:clrMapOvr>
+</p:sld>
+</file>
+
+<file path=ppt/slides/slide40.xml><?xml version="1.0" encoding="utf-8"?>
+<p:sld xmlns:a="http://schemas.openxmlformats.org/drawingml/2006/main" xmlns:r="http://schemas.openxmlformats.org/officeDocument/2006/relationships" xmlns:p="http://schemas.openxmlformats.org/presentationml/2006/main">
+  <p:cSld>
+    <p:spTree>
+      <p:nvGrpSpPr>
+        <p:cNvPr id="1" name=""/>
+        <p:cNvGrpSpPr/>
+        <p:nvPr/>
+      </p:nvGrpSpPr>
+      <p:grpSpPr>
+        <a:xfrm>
+          <a:off x="0" y="0"/>
+          <a:ext cx="0" cy="0"/>
+          <a:chOff x="0" y="0"/>
+          <a:chExt cx="0" cy="0"/>
+        </a:xfrm>
+      </p:grpSpPr>
+      <p:sp>
+        <p:nvSpPr>
           <p:cNvPr id="38" name="Content Placeholder 37"/>
           <p:cNvSpPr>
             <a:spLocks noGrp="1"/>
@@ -22713,7 +22376,7 @@
                 <a:latin typeface="Segoe" panose="020B0502040504020203"/>
               </a:rPr>
               <a:pPr/>
-              <a:t>41</a:t>
+              <a:t>40</a:t>
             </a:fld>
             <a:endParaRPr lang="en-US" dirty="0">
               <a:latin typeface="Segoe" panose="020B0502040504020203"/>
@@ -23232,6 +22895,129 @@
 </p:sld>
 </file>
 
+<file path=ppt/slides/slide41.xml><?xml version="1.0" encoding="utf-8"?>
+<p:sld xmlns:a="http://schemas.openxmlformats.org/drawingml/2006/main" xmlns:r="http://schemas.openxmlformats.org/officeDocument/2006/relationships" xmlns:p="http://schemas.openxmlformats.org/presentationml/2006/main">
+  <p:cSld>
+    <p:spTree>
+      <p:nvGrpSpPr>
+        <p:cNvPr id="1" name=""/>
+        <p:cNvGrpSpPr/>
+        <p:nvPr/>
+      </p:nvGrpSpPr>
+      <p:grpSpPr>
+        <a:xfrm>
+          <a:off x="0" y="0"/>
+          <a:ext cx="0" cy="0"/>
+          <a:chOff x="0" y="0"/>
+          <a:chExt cx="0" cy="0"/>
+        </a:xfrm>
+      </p:grpSpPr>
+      <p:sp>
+        <p:nvSpPr>
+          <p:cNvPr id="38" name="Content Placeholder 37"/>
+          <p:cNvSpPr>
+            <a:spLocks noGrp="1"/>
+          </p:cNvSpPr>
+          <p:nvPr>
+            <p:ph idx="1"/>
+          </p:nvPr>
+        </p:nvSpPr>
+        <p:spPr>
+          <a:xfrm>
+            <a:off x="838200" y="2056534"/>
+            <a:ext cx="10515600" cy="3120773"/>
+          </a:xfrm>
+        </p:spPr>
+        <p:txBody>
+          <a:bodyPr anchor="ctr">
+            <a:normAutofit/>
+          </a:bodyPr>
+          <a:lstStyle/>
+          <a:p>
+            <a:pPr algn="ctr"/>
+            <a:r>
+              <a:rPr lang="en-US" sz="4400" dirty="0" err="1"/>
+              <a:t>Donc</a:t>
+            </a:r>
+            <a:r>
+              <a:rPr lang="en-US" sz="4400" dirty="0"/>
+              <a:t> </a:t>
+            </a:r>
+            <a:r>
+              <a:rPr lang="en-US" sz="4400" dirty="0" err="1"/>
+              <a:t>vous</a:t>
+            </a:r>
+            <a:r>
+              <a:rPr lang="en-US" sz="4400" dirty="0"/>
+              <a:t> </a:t>
+            </a:r>
+            <a:r>
+              <a:rPr lang="en-US" sz="4400" dirty="0" err="1"/>
+              <a:t>l’aurez</a:t>
+            </a:r>
+            <a:r>
+              <a:rPr lang="en-US" sz="4400" dirty="0"/>
+              <a:t> </a:t>
+            </a:r>
+            <a:r>
+              <a:rPr lang="en-US" sz="4400" dirty="0" err="1"/>
+              <a:t>compris</a:t>
+            </a:r>
+            <a:r>
+              <a:rPr lang="en-US" sz="4400" dirty="0"/>
+              <a:t>…</a:t>
+            </a:r>
+            <a:endParaRPr lang="fr-FR" sz="4400" i="1" dirty="0"/>
+          </a:p>
+        </p:txBody>
+      </p:sp>
+      <p:sp>
+        <p:nvSpPr>
+          <p:cNvPr id="29" name="Slide Number Placeholder 28"/>
+          <p:cNvSpPr>
+            <a:spLocks noGrp="1"/>
+          </p:cNvSpPr>
+          <p:nvPr>
+            <p:ph type="sldNum" sz="quarter" idx="4"/>
+          </p:nvPr>
+        </p:nvSpPr>
+        <p:spPr/>
+        <p:txBody>
+          <a:bodyPr/>
+          <a:lstStyle/>
+          <a:p>
+            <a:r>
+              <a:rPr lang="en-US" dirty="0">
+                <a:latin typeface="Segoe" panose="020B0502040504020203"/>
+              </a:rPr>
+              <a:t>N° </a:t>
+            </a:r>
+            <a:fld id="{6BFFD774-5C5F-4855-9115-A9F49D34CCD3}" type="slidenum">
+              <a:rPr lang="en-US" smtClean="0">
+                <a:latin typeface="Segoe" panose="020B0502040504020203"/>
+              </a:rPr>
+              <a:pPr/>
+              <a:t>41</a:t>
+            </a:fld>
+            <a:endParaRPr lang="en-US" dirty="0">
+              <a:latin typeface="Segoe" panose="020B0502040504020203"/>
+            </a:endParaRPr>
+          </a:p>
+        </p:txBody>
+      </p:sp>
+    </p:spTree>
+    <p:extLst>
+      <p:ext uri="{BB962C8B-B14F-4D97-AF65-F5344CB8AC3E}">
+        <p14:creationId xmlns:p14="http://schemas.microsoft.com/office/powerpoint/2010/main" val="4102372552"/>
+      </p:ext>
+    </p:extLst>
+  </p:cSld>
+  <p:clrMapOvr>
+    <a:masterClrMapping/>
+  </p:clrMapOvr>
+</p:sld>
+</file>
+
 <file path=ppt/slides/slide42.xml><?xml version="1.0" encoding="utf-8"?>
 <p:sld xmlns:a="http://schemas.openxmlformats.org/drawingml/2006/main" xmlns:r="http://schemas.openxmlformats.org/officeDocument/2006/relationships" xmlns:p="http://schemas.openxmlformats.org/presentationml/2006/main">
   <p:cSld>
@@ -23261,50 +23047,42 @@
         </p:nvSpPr>
         <p:spPr>
           <a:xfrm>
-            <a:off x="838200" y="2056534"/>
-            <a:ext cx="10515600" cy="3120773"/>
+            <a:off x="635000" y="1175849"/>
+            <a:ext cx="10515600" cy="776977"/>
           </a:xfrm>
         </p:spPr>
         <p:txBody>
           <a:bodyPr anchor="ctr">
-            <a:normAutofit/>
+            <a:normAutofit fontScale="70000" lnSpcReduction="20000"/>
           </a:bodyPr>
           <a:lstStyle/>
           <a:p>
-            <a:pPr algn="ctr"/>
-            <a:r>
-              <a:rPr lang="en-US" sz="4400" dirty="0" err="1"/>
-              <a:t>Donc</a:t>
-            </a:r>
-            <a:r>
-              <a:rPr lang="en-US" sz="4400" dirty="0"/>
-              <a:t> </a:t>
-            </a:r>
-            <a:r>
-              <a:rPr lang="en-US" sz="4400" dirty="0" err="1"/>
-              <a:t>vous</a:t>
-            </a:r>
-            <a:r>
-              <a:rPr lang="en-US" sz="4400" dirty="0"/>
-              <a:t> </a:t>
-            </a:r>
-            <a:r>
-              <a:rPr lang="en-US" sz="4400" dirty="0" err="1"/>
-              <a:t>l’aurez</a:t>
-            </a:r>
-            <a:r>
-              <a:rPr lang="en-US" sz="4400" dirty="0"/>
-              <a:t> </a:t>
-            </a:r>
-            <a:r>
-              <a:rPr lang="en-US" sz="4400" dirty="0" err="1"/>
-              <a:t>compris</a:t>
-            </a:r>
-            <a:r>
-              <a:rPr lang="en-US" sz="4400" dirty="0"/>
-              <a:t>…</a:t>
-            </a:r>
-            <a:endParaRPr lang="fr-FR" sz="4400" i="1" dirty="0"/>
+            <a:r>
+              <a:rPr lang="fr-FR" sz="4400" i="1" dirty="0"/>
+              <a:t>… bien séparer son code de lecture et son code d’écriture</a:t>
+            </a:r>
+          </a:p>
+        </p:txBody>
+      </p:sp>
+      <p:sp>
+        <p:nvSpPr>
+          <p:cNvPr id="41" name="Title 40"/>
+          <p:cNvSpPr>
+            <a:spLocks noGrp="1"/>
+          </p:cNvSpPr>
+          <p:nvPr>
+            <p:ph type="title"/>
+          </p:nvPr>
+        </p:nvSpPr>
+        <p:spPr/>
+        <p:txBody>
+          <a:bodyPr/>
+          <a:lstStyle/>
+          <a:p>
+            <a:r>
+              <a:rPr lang="fr-FR" dirty="0"/>
+              <a:t>CQRS c’est surtout…</a:t>
+            </a:r>
           </a:p>
         </p:txBody>
       </p:sp>
@@ -23335,121 +23113,6 @@
               </a:rPr>
               <a:pPr/>
               <a:t>42</a:t>
-            </a:fld>
-            <a:endParaRPr lang="en-US" dirty="0">
-              <a:latin typeface="Segoe" panose="020B0502040504020203"/>
-            </a:endParaRPr>
-          </a:p>
-        </p:txBody>
-      </p:sp>
-    </p:spTree>
-    <p:extLst>
-      <p:ext uri="{BB962C8B-B14F-4D97-AF65-F5344CB8AC3E}">
-        <p14:creationId xmlns:p14="http://schemas.microsoft.com/office/powerpoint/2010/main" val="4102372552"/>
-      </p:ext>
-    </p:extLst>
-  </p:cSld>
-  <p:clrMapOvr>
-    <a:masterClrMapping/>
-  </p:clrMapOvr>
-</p:sld>
-</file>
-
-<file path=ppt/slides/slide43.xml><?xml version="1.0" encoding="utf-8"?>
-<p:sld xmlns:a="http://schemas.openxmlformats.org/drawingml/2006/main" xmlns:r="http://schemas.openxmlformats.org/officeDocument/2006/relationships" xmlns:p="http://schemas.openxmlformats.org/presentationml/2006/main">
-  <p:cSld>
-    <p:spTree>
-      <p:nvGrpSpPr>
-        <p:cNvPr id="1" name=""/>
-        <p:cNvGrpSpPr/>
-        <p:nvPr/>
-      </p:nvGrpSpPr>
-      <p:grpSpPr>
-        <a:xfrm>
-          <a:off x="0" y="0"/>
-          <a:ext cx="0" cy="0"/>
-          <a:chOff x="0" y="0"/>
-          <a:chExt cx="0" cy="0"/>
-        </a:xfrm>
-      </p:grpSpPr>
-      <p:sp>
-        <p:nvSpPr>
-          <p:cNvPr id="38" name="Content Placeholder 37"/>
-          <p:cNvSpPr>
-            <a:spLocks noGrp="1"/>
-          </p:cNvSpPr>
-          <p:nvPr>
-            <p:ph idx="1"/>
-          </p:nvPr>
-        </p:nvSpPr>
-        <p:spPr>
-          <a:xfrm>
-            <a:off x="635000" y="1175849"/>
-            <a:ext cx="10515600" cy="776977"/>
-          </a:xfrm>
-        </p:spPr>
-        <p:txBody>
-          <a:bodyPr anchor="ctr">
-            <a:normAutofit fontScale="70000" lnSpcReduction="20000"/>
-          </a:bodyPr>
-          <a:lstStyle/>
-          <a:p>
-            <a:r>
-              <a:rPr lang="fr-FR" sz="4400" i="1" dirty="0"/>
-              <a:t>… bien séparer son code de lecture et son code d’écriture</a:t>
-            </a:r>
-          </a:p>
-        </p:txBody>
-      </p:sp>
-      <p:sp>
-        <p:nvSpPr>
-          <p:cNvPr id="41" name="Title 40"/>
-          <p:cNvSpPr>
-            <a:spLocks noGrp="1"/>
-          </p:cNvSpPr>
-          <p:nvPr>
-            <p:ph type="title"/>
-          </p:nvPr>
-        </p:nvSpPr>
-        <p:spPr/>
-        <p:txBody>
-          <a:bodyPr/>
-          <a:lstStyle/>
-          <a:p>
-            <a:r>
-              <a:rPr lang="fr-FR" dirty="0"/>
-              <a:t>CQRS c’est surtout…</a:t>
-            </a:r>
-          </a:p>
-        </p:txBody>
-      </p:sp>
-      <p:sp>
-        <p:nvSpPr>
-          <p:cNvPr id="29" name="Slide Number Placeholder 28"/>
-          <p:cNvSpPr>
-            <a:spLocks noGrp="1"/>
-          </p:cNvSpPr>
-          <p:nvPr>
-            <p:ph type="sldNum" sz="quarter" idx="4"/>
-          </p:nvPr>
-        </p:nvSpPr>
-        <p:spPr/>
-        <p:txBody>
-          <a:bodyPr/>
-          <a:lstStyle/>
-          <a:p>
-            <a:r>
-              <a:rPr lang="en-US" dirty="0">
-                <a:latin typeface="Segoe" panose="020B0502040504020203"/>
-              </a:rPr>
-              <a:t>N° </a:t>
-            </a:r>
-            <a:fld id="{6BFFD774-5C5F-4855-9115-A9F49D34CCD3}" type="slidenum">
-              <a:rPr lang="en-US" smtClean="0">
-                <a:latin typeface="Segoe" panose="020B0502040504020203"/>
-              </a:rPr>
-              <a:pPr/>
-              <a:t>43</a:t>
             </a:fld>
             <a:endParaRPr lang="en-US" dirty="0">
               <a:latin typeface="Segoe" panose="020B0502040504020203"/>
@@ -24914,6 +24577,69 @@
 </p:sld>
 </file>
 
+<file path=ppt/slides/slide43.xml><?xml version="1.0" encoding="utf-8"?>
+<p:sld xmlns:a="http://schemas.openxmlformats.org/drawingml/2006/main" xmlns:r="http://schemas.openxmlformats.org/officeDocument/2006/relationships" xmlns:p="http://schemas.openxmlformats.org/presentationml/2006/main">
+  <p:cSld>
+    <p:spTree>
+      <p:nvGrpSpPr>
+        <p:cNvPr id="1" name=""/>
+        <p:cNvGrpSpPr/>
+        <p:nvPr/>
+      </p:nvGrpSpPr>
+      <p:grpSpPr>
+        <a:xfrm>
+          <a:off x="0" y="0"/>
+          <a:ext cx="0" cy="0"/>
+          <a:chOff x="0" y="0"/>
+          <a:chExt cx="0" cy="0"/>
+        </a:xfrm>
+      </p:grpSpPr>
+      <p:sp>
+        <p:nvSpPr>
+          <p:cNvPr id="3" name="Slide Number Placeholder 2"/>
+          <p:cNvSpPr>
+            <a:spLocks noGrp="1"/>
+          </p:cNvSpPr>
+          <p:nvPr>
+            <p:ph type="sldNum" sz="quarter" idx="4294967295"/>
+          </p:nvPr>
+        </p:nvSpPr>
+        <p:spPr>
+          <a:xfrm>
+            <a:off x="9448800" y="6492875"/>
+            <a:ext cx="2743200" cy="365125"/>
+          </a:xfrm>
+        </p:spPr>
+        <p:txBody>
+          <a:bodyPr/>
+          <a:lstStyle/>
+          <a:p>
+            <a:r>
+              <a:rPr lang="en-US"/>
+              <a:t>N° </a:t>
+            </a:r>
+            <a:fld id="{6BFFD774-5C5F-4855-9115-A9F49D34CCD3}" type="slidenum">
+              <a:rPr lang="en-US" smtClean="0"/>
+              <a:pPr/>
+              <a:t>43</a:t>
+            </a:fld>
+            <a:endParaRPr lang="en-US" dirty="0"/>
+          </a:p>
+        </p:txBody>
+      </p:sp>
+    </p:spTree>
+    <p:extLst>
+      <p:ext uri="{BB962C8B-B14F-4D97-AF65-F5344CB8AC3E}">
+        <p14:creationId xmlns:p14="http://schemas.microsoft.com/office/powerpoint/2010/main" val="3406228000"/>
+      </p:ext>
+    </p:extLst>
+  </p:cSld>
+  <p:clrMapOvr>
+    <a:masterClrMapping/>
+  </p:clrMapOvr>
+</p:sld>
+</file>
+
 <file path=ppt/slides/slide44.xml><?xml version="1.0" encoding="utf-8"?>
 <p:sld xmlns:a="http://schemas.openxmlformats.org/drawingml/2006/main" xmlns:r="http://schemas.openxmlformats.org/officeDocument/2006/relationships" xmlns:p="http://schemas.openxmlformats.org/presentationml/2006/main">
   <p:cSld>
@@ -24933,69 +24659,6 @@
       </p:grpSpPr>
       <p:sp>
         <p:nvSpPr>
-          <p:cNvPr id="3" name="Slide Number Placeholder 2"/>
-          <p:cNvSpPr>
-            <a:spLocks noGrp="1"/>
-          </p:cNvSpPr>
-          <p:nvPr>
-            <p:ph type="sldNum" sz="quarter" idx="4294967295"/>
-          </p:nvPr>
-        </p:nvSpPr>
-        <p:spPr>
-          <a:xfrm>
-            <a:off x="9448800" y="6492875"/>
-            <a:ext cx="2743200" cy="365125"/>
-          </a:xfrm>
-        </p:spPr>
-        <p:txBody>
-          <a:bodyPr/>
-          <a:lstStyle/>
-          <a:p>
-            <a:r>
-              <a:rPr lang="en-US"/>
-              <a:t>N° </a:t>
-            </a:r>
-            <a:fld id="{6BFFD774-5C5F-4855-9115-A9F49D34CCD3}" type="slidenum">
-              <a:rPr lang="en-US" smtClean="0"/>
-              <a:pPr/>
-              <a:t>44</a:t>
-            </a:fld>
-            <a:endParaRPr lang="en-US" dirty="0"/>
-          </a:p>
-        </p:txBody>
-      </p:sp>
-    </p:spTree>
-    <p:extLst>
-      <p:ext uri="{BB962C8B-B14F-4D97-AF65-F5344CB8AC3E}">
-        <p14:creationId xmlns:p14="http://schemas.microsoft.com/office/powerpoint/2010/main" val="3406228000"/>
-      </p:ext>
-    </p:extLst>
-  </p:cSld>
-  <p:clrMapOvr>
-    <a:masterClrMapping/>
-  </p:clrMapOvr>
-</p:sld>
-</file>
-
-<file path=ppt/slides/slide45.xml><?xml version="1.0" encoding="utf-8"?>
-<p:sld xmlns:a="http://schemas.openxmlformats.org/drawingml/2006/main" xmlns:r="http://schemas.openxmlformats.org/officeDocument/2006/relationships" xmlns:p="http://schemas.openxmlformats.org/presentationml/2006/main">
-  <p:cSld>
-    <p:spTree>
-      <p:nvGrpSpPr>
-        <p:cNvPr id="1" name=""/>
-        <p:cNvGrpSpPr/>
-        <p:nvPr/>
-      </p:nvGrpSpPr>
-      <p:grpSpPr>
-        <a:xfrm>
-          <a:off x="0" y="0"/>
-          <a:ext cx="0" cy="0"/>
-          <a:chOff x="0" y="0"/>
-          <a:chExt cx="0" cy="0"/>
-        </a:xfrm>
-      </p:grpSpPr>
-      <p:sp>
-        <p:nvSpPr>
           <p:cNvPr id="7" name="Text Placeholder 6"/>
           <p:cNvSpPr>
             <a:spLocks noGrp="1"/>
@@ -25072,7 +24735,7 @@
             <a:fld id="{6BFFD774-5C5F-4855-9115-A9F49D34CCD3}" type="slidenum">
               <a:rPr lang="en-US" smtClean="0"/>
               <a:pPr/>
-              <a:t>45</a:t>
+              <a:t>44</a:t>
             </a:fld>
             <a:endParaRPr lang="en-US" dirty="0"/>
           </a:p>
@@ -25091,7 +24754,7 @@
 </p:sld>
 </file>
 
-<file path=ppt/slides/slide46.xml><?xml version="1.0" encoding="utf-8"?>
+<file path=ppt/slides/slide45.xml><?xml version="1.0" encoding="utf-8"?>
 <p:sld xmlns:a="http://schemas.openxmlformats.org/drawingml/2006/main" xmlns:r="http://schemas.openxmlformats.org/officeDocument/2006/relationships" xmlns:p="http://schemas.openxmlformats.org/presentationml/2006/main">
   <p:cSld>
     <p:spTree>
@@ -25165,7 +24828,7 @@
             <a:fld id="{6BFFD774-5C5F-4855-9115-A9F49D34CCD3}" type="slidenum">
               <a:rPr lang="en-US" smtClean="0"/>
               <a:pPr/>
-              <a:t>46</a:t>
+              <a:t>45</a:t>
             </a:fld>
             <a:endParaRPr lang="en-US" dirty="0"/>
           </a:p>
@@ -25184,7 +24847,7 @@
 </p:sld>
 </file>
 
-<file path=ppt/slides/slide47.xml><?xml version="1.0" encoding="utf-8"?>
+<file path=ppt/slides/slide46.xml><?xml version="1.0" encoding="utf-8"?>
 <p:sld xmlns:a="http://schemas.openxmlformats.org/drawingml/2006/main" xmlns:r="http://schemas.openxmlformats.org/officeDocument/2006/relationships" xmlns:p="http://schemas.openxmlformats.org/presentationml/2006/main">
   <p:cSld>
     <p:spTree>
@@ -25720,7 +25383,7 @@
                 <a:latin typeface="Segoe" panose="020B0502040504020203"/>
               </a:rPr>
               <a:pPr/>
-              <a:t>47</a:t>
+              <a:t>46</a:t>
             </a:fld>
             <a:endParaRPr lang="en-US" dirty="0">
               <a:latin typeface="Segoe" panose="020B0502040504020203"/>
@@ -27896,15 +27559,6 @@
 </file>
 
 <file path=customXml/item1.xml><?xml version="1.0" encoding="utf-8"?>
-<?mso-contentType ?>
-<FormTemplates xmlns="http://schemas.microsoft.com/sharepoint/v3/contenttype/forms">
-  <Display>DocumentLibraryForm</Display>
-  <Edit>DocumentLibraryForm</Edit>
-  <New>DocumentLibraryForm</New>
-</FormTemplates>
-</file>
-
-<file path=customXml/item2.xml><?xml version="1.0" encoding="utf-8"?>
 <ct:contentTypeSchema xmlns:ct="http://schemas.microsoft.com/office/2006/metadata/contentType" xmlns:ma="http://schemas.microsoft.com/office/2006/metadata/properties/metaAttributes" ct:_="" ma:_="" ma:contentTypeName="Document" ma:contentTypeID="0x010100AA82F50041FC6E4EBC42A700831FF004" ma:contentTypeVersion="4" ma:contentTypeDescription="Crée un document." ma:contentTypeScope="" ma:versionID="4c6ec815f8017e8af2e42809d3015731">
   <xsd:schema xmlns:xsd="http://www.w3.org/2001/XMLSchema" xmlns:xs="http://www.w3.org/2001/XMLSchema" xmlns:p="http://schemas.microsoft.com/office/2006/metadata/properties" xmlns:ns2="fcc931a8-69fd-4b0b-b111-5aa2089df431" xmlns:ns3="248c3350-8f11-4d45-912e-72bccbb754b6" targetNamespace="http://schemas.microsoft.com/office/2006/metadata/properties" ma:root="true" ma:fieldsID="fa4f347ab2845ae3d60427d91a21d39e" ns2:_="" ns3:_="">
     <xsd:import namespace="fcc931a8-69fd-4b0b-b111-5aa2089df431"/>
@@ -28071,6 +27725,15 @@
 </ct:contentTypeSchema>
 </file>
 
+<file path=customXml/item2.xml><?xml version="1.0" encoding="utf-8"?>
+<?mso-contentType ?>
+<FormTemplates xmlns="http://schemas.microsoft.com/sharepoint/v3/contenttype/forms">
+  <Display>DocumentLibraryForm</Display>
+  <Edit>DocumentLibraryForm</Edit>
+  <New>DocumentLibraryForm</New>
+</FormTemplates>
+</file>
+
 <file path=customXml/item3.xml><?xml version="1.0" encoding="utf-8"?>
 <p:properties xmlns:p="http://schemas.microsoft.com/office/2006/metadata/properties" xmlns:xsi="http://www.w3.org/2001/XMLSchema-instance" xmlns:pc="http://schemas.microsoft.com/office/infopath/2007/PartnerControls">
   <documentManagement/>
@@ -28078,14 +27741,6 @@
 </file>
 
 <file path=customXml/itemProps1.xml><?xml version="1.0" encoding="utf-8"?>
-<ds:datastoreItem xmlns:ds="http://schemas.openxmlformats.org/officeDocument/2006/customXml" ds:itemID="{4F22CF26-F779-4CA8-9499-C5BCD4F56499}">
-  <ds:schemaRefs>
-    <ds:schemaRef ds:uri="http://schemas.microsoft.com/sharepoint/v3/contenttype/forms"/>
-  </ds:schemaRefs>
-</ds:datastoreItem>
-</file>
-
-<file path=customXml/itemProps2.xml><?xml version="1.0" encoding="utf-8"?>
 <ds:datastoreItem xmlns:ds="http://schemas.openxmlformats.org/officeDocument/2006/customXml" ds:itemID="{E040B343-BD03-44D2-93AA-0A352731B5B4}">
   <ds:schemaRefs>
     <ds:schemaRef ds:uri="http://schemas.microsoft.com/office/2006/metadata/contentType"/>
@@ -28100,6 +27755,14 @@
     <ds:schemaRef ds:uri="http://purl.org/dc/elements/1.1/"/>
     <ds:schemaRef ds:uri="http://purl.org/dc/terms/"/>
     <ds:schemaRef ds:uri="http://schemas.microsoft.com/internal/obd"/>
+  </ds:schemaRefs>
+</ds:datastoreItem>
+</file>
+
+<file path=customXml/itemProps2.xml><?xml version="1.0" encoding="utf-8"?>
+<ds:datastoreItem xmlns:ds="http://schemas.openxmlformats.org/officeDocument/2006/customXml" ds:itemID="{4F22CF26-F779-4CA8-9499-C5BCD4F56499}">
+  <ds:schemaRefs>
+    <ds:schemaRef ds:uri="http://schemas.microsoft.com/sharepoint/v3/contenttype/forms"/>
   </ds:schemaRefs>
 </ds:datastoreItem>
 </file>
